--- a/006- BI/2- MDX/MDX.pptx
+++ b/006- BI/2- MDX/MDX.pptx
@@ -185,10 +185,9 @@
           <a:lstStyle/>
           <a:p>
             <a:r>
-              <a:rPr lang="en-US" smtClean="0"/>
+              <a:rPr lang="en-US"/>
               <a:t>Click to edit Master title style</a:t>
             </a:r>
-            <a:endParaRPr lang="en-US"/>
           </a:p>
         </p:txBody>
       </p:sp>
@@ -304,10 +303,9 @@
           </a:lstStyle>
           <a:p>
             <a:r>
-              <a:rPr lang="en-US" smtClean="0"/>
+              <a:rPr lang="en-US"/>
               <a:t>Click to edit Master subtitle style</a:t>
             </a:r>
-            <a:endParaRPr lang="en-US"/>
           </a:p>
         </p:txBody>
       </p:sp>
@@ -328,7 +326,7 @@
           <a:p>
             <a:fld id="{142A3F05-1E56-41FD-8B47-EADA3141F8BF}" type="datetimeFigureOut">
               <a:rPr lang="en-US" smtClean="0"/>
-              <a:t>3/11/2019</a:t>
+              <a:t>5/28/2020</a:t>
             </a:fld>
             <a:endParaRPr lang="en-US"/>
           </a:p>
@@ -422,10 +420,9 @@
           <a:lstStyle/>
           <a:p>
             <a:r>
-              <a:rPr lang="en-US" smtClean="0"/>
+              <a:rPr lang="en-US"/>
               <a:t>Click to edit Master title style</a:t>
             </a:r>
-            <a:endParaRPr lang="en-US"/>
           </a:p>
         </p:txBody>
       </p:sp>
@@ -446,38 +443,37 @@
           <a:p>
             <a:pPr lvl="0"/>
             <a:r>
-              <a:rPr lang="en-US" smtClean="0"/>
+              <a:rPr lang="en-US"/>
               <a:t>Click to edit Master text styles</a:t>
             </a:r>
           </a:p>
           <a:p>
             <a:pPr lvl="1"/>
             <a:r>
-              <a:rPr lang="en-US" smtClean="0"/>
+              <a:rPr lang="en-US"/>
               <a:t>Second level</a:t>
             </a:r>
           </a:p>
           <a:p>
             <a:pPr lvl="2"/>
             <a:r>
-              <a:rPr lang="en-US" smtClean="0"/>
+              <a:rPr lang="en-US"/>
               <a:t>Third level</a:t>
             </a:r>
           </a:p>
           <a:p>
             <a:pPr lvl="3"/>
             <a:r>
-              <a:rPr lang="en-US" smtClean="0"/>
+              <a:rPr lang="en-US"/>
               <a:t>Fourth level</a:t>
             </a:r>
           </a:p>
           <a:p>
             <a:pPr lvl="4"/>
             <a:r>
-              <a:rPr lang="en-US" smtClean="0"/>
+              <a:rPr lang="en-US"/>
               <a:t>Fifth level</a:t>
             </a:r>
-            <a:endParaRPr lang="en-US"/>
           </a:p>
         </p:txBody>
       </p:sp>
@@ -498,7 +494,7 @@
           <a:p>
             <a:fld id="{142A3F05-1E56-41FD-8B47-EADA3141F8BF}" type="datetimeFigureOut">
               <a:rPr lang="en-US" smtClean="0"/>
-              <a:t>3/11/2019</a:t>
+              <a:t>5/28/2020</a:t>
             </a:fld>
             <a:endParaRPr lang="en-US"/>
           </a:p>
@@ -597,10 +593,9 @@
           <a:lstStyle/>
           <a:p>
             <a:r>
-              <a:rPr lang="en-US" smtClean="0"/>
+              <a:rPr lang="en-US"/>
               <a:t>Click to edit Master title style</a:t>
             </a:r>
-            <a:endParaRPr lang="en-US"/>
           </a:p>
         </p:txBody>
       </p:sp>
@@ -626,38 +621,37 @@
           <a:p>
             <a:pPr lvl="0"/>
             <a:r>
-              <a:rPr lang="en-US" smtClean="0"/>
+              <a:rPr lang="en-US"/>
               <a:t>Click to edit Master text styles</a:t>
             </a:r>
           </a:p>
           <a:p>
             <a:pPr lvl="1"/>
             <a:r>
-              <a:rPr lang="en-US" smtClean="0"/>
+              <a:rPr lang="en-US"/>
               <a:t>Second level</a:t>
             </a:r>
           </a:p>
           <a:p>
             <a:pPr lvl="2"/>
             <a:r>
-              <a:rPr lang="en-US" smtClean="0"/>
+              <a:rPr lang="en-US"/>
               <a:t>Third level</a:t>
             </a:r>
           </a:p>
           <a:p>
             <a:pPr lvl="3"/>
             <a:r>
-              <a:rPr lang="en-US" smtClean="0"/>
+              <a:rPr lang="en-US"/>
               <a:t>Fourth level</a:t>
             </a:r>
           </a:p>
           <a:p>
             <a:pPr lvl="4"/>
             <a:r>
-              <a:rPr lang="en-US" smtClean="0"/>
+              <a:rPr lang="en-US"/>
               <a:t>Fifth level</a:t>
             </a:r>
-            <a:endParaRPr lang="en-US"/>
           </a:p>
         </p:txBody>
       </p:sp>
@@ -678,7 +672,7 @@
           <a:p>
             <a:fld id="{142A3F05-1E56-41FD-8B47-EADA3141F8BF}" type="datetimeFigureOut">
               <a:rPr lang="en-US" smtClean="0"/>
-              <a:t>3/11/2019</a:t>
+              <a:t>5/28/2020</a:t>
             </a:fld>
             <a:endParaRPr lang="en-US"/>
           </a:p>
@@ -772,10 +766,9 @@
           <a:lstStyle/>
           <a:p>
             <a:r>
-              <a:rPr lang="en-US" smtClean="0"/>
+              <a:rPr lang="en-US"/>
               <a:t>Click to edit Master title style</a:t>
             </a:r>
-            <a:endParaRPr lang="en-US"/>
           </a:p>
         </p:txBody>
       </p:sp>
@@ -796,38 +789,37 @@
           <a:p>
             <a:pPr lvl="0"/>
             <a:r>
-              <a:rPr lang="en-US" smtClean="0"/>
+              <a:rPr lang="en-US"/>
               <a:t>Click to edit Master text styles</a:t>
             </a:r>
           </a:p>
           <a:p>
             <a:pPr lvl="1"/>
             <a:r>
-              <a:rPr lang="en-US" smtClean="0"/>
+              <a:rPr lang="en-US"/>
               <a:t>Second level</a:t>
             </a:r>
           </a:p>
           <a:p>
             <a:pPr lvl="2"/>
             <a:r>
-              <a:rPr lang="en-US" smtClean="0"/>
+              <a:rPr lang="en-US"/>
               <a:t>Third level</a:t>
             </a:r>
           </a:p>
           <a:p>
             <a:pPr lvl="3"/>
             <a:r>
-              <a:rPr lang="en-US" smtClean="0"/>
+              <a:rPr lang="en-US"/>
               <a:t>Fourth level</a:t>
             </a:r>
           </a:p>
           <a:p>
             <a:pPr lvl="4"/>
             <a:r>
-              <a:rPr lang="en-US" smtClean="0"/>
+              <a:rPr lang="en-US"/>
               <a:t>Fifth level</a:t>
             </a:r>
-            <a:endParaRPr lang="en-US"/>
           </a:p>
         </p:txBody>
       </p:sp>
@@ -848,7 +840,7 @@
           <a:p>
             <a:fld id="{142A3F05-1E56-41FD-8B47-EADA3141F8BF}" type="datetimeFigureOut">
               <a:rPr lang="en-US" smtClean="0"/>
-              <a:t>3/11/2019</a:t>
+              <a:t>5/28/2020</a:t>
             </a:fld>
             <a:endParaRPr lang="en-US"/>
           </a:p>
@@ -951,10 +943,9 @@
           </a:lstStyle>
           <a:p>
             <a:r>
-              <a:rPr lang="en-US" smtClean="0"/>
+              <a:rPr lang="en-US"/>
               <a:t>Click to edit Master title style</a:t>
             </a:r>
-            <a:endParaRPr lang="en-US"/>
           </a:p>
         </p:txBody>
       </p:sp>
@@ -1071,7 +1062,7 @@
           <a:p>
             <a:pPr lvl="0"/>
             <a:r>
-              <a:rPr lang="en-US" smtClean="0"/>
+              <a:rPr lang="en-US"/>
               <a:t>Click to edit Master text styles</a:t>
             </a:r>
           </a:p>
@@ -1094,7 +1085,7 @@
           <a:p>
             <a:fld id="{142A3F05-1E56-41FD-8B47-EADA3141F8BF}" type="datetimeFigureOut">
               <a:rPr lang="en-US" smtClean="0"/>
-              <a:t>3/11/2019</a:t>
+              <a:t>5/28/2020</a:t>
             </a:fld>
             <a:endParaRPr lang="en-US"/>
           </a:p>
@@ -1188,10 +1179,9 @@
           <a:lstStyle/>
           <a:p>
             <a:r>
-              <a:rPr lang="en-US" smtClean="0"/>
+              <a:rPr lang="en-US"/>
               <a:t>Click to edit Master title style</a:t>
             </a:r>
-            <a:endParaRPr lang="en-US"/>
           </a:p>
         </p:txBody>
       </p:sp>
@@ -1245,38 +1235,37 @@
           <a:p>
             <a:pPr lvl="0"/>
             <a:r>
-              <a:rPr lang="en-US" smtClean="0"/>
+              <a:rPr lang="en-US"/>
               <a:t>Click to edit Master text styles</a:t>
             </a:r>
           </a:p>
           <a:p>
             <a:pPr lvl="1"/>
             <a:r>
-              <a:rPr lang="en-US" smtClean="0"/>
+              <a:rPr lang="en-US"/>
               <a:t>Second level</a:t>
             </a:r>
           </a:p>
           <a:p>
             <a:pPr lvl="2"/>
             <a:r>
-              <a:rPr lang="en-US" smtClean="0"/>
+              <a:rPr lang="en-US"/>
               <a:t>Third level</a:t>
             </a:r>
           </a:p>
           <a:p>
             <a:pPr lvl="3"/>
             <a:r>
-              <a:rPr lang="en-US" smtClean="0"/>
+              <a:rPr lang="en-US"/>
               <a:t>Fourth level</a:t>
             </a:r>
           </a:p>
           <a:p>
             <a:pPr lvl="4"/>
             <a:r>
-              <a:rPr lang="en-US" smtClean="0"/>
+              <a:rPr lang="en-US"/>
               <a:t>Fifth level</a:t>
             </a:r>
-            <a:endParaRPr lang="en-US"/>
           </a:p>
         </p:txBody>
       </p:sp>
@@ -1330,38 +1319,37 @@
           <a:p>
             <a:pPr lvl="0"/>
             <a:r>
-              <a:rPr lang="en-US" smtClean="0"/>
+              <a:rPr lang="en-US"/>
               <a:t>Click to edit Master text styles</a:t>
             </a:r>
           </a:p>
           <a:p>
             <a:pPr lvl="1"/>
             <a:r>
-              <a:rPr lang="en-US" smtClean="0"/>
+              <a:rPr lang="en-US"/>
               <a:t>Second level</a:t>
             </a:r>
           </a:p>
           <a:p>
             <a:pPr lvl="2"/>
             <a:r>
-              <a:rPr lang="en-US" smtClean="0"/>
+              <a:rPr lang="en-US"/>
               <a:t>Third level</a:t>
             </a:r>
           </a:p>
           <a:p>
             <a:pPr lvl="3"/>
             <a:r>
-              <a:rPr lang="en-US" smtClean="0"/>
+              <a:rPr lang="en-US"/>
               <a:t>Fourth level</a:t>
             </a:r>
           </a:p>
           <a:p>
             <a:pPr lvl="4"/>
             <a:r>
-              <a:rPr lang="en-US" smtClean="0"/>
+              <a:rPr lang="en-US"/>
               <a:t>Fifth level</a:t>
             </a:r>
-            <a:endParaRPr lang="en-US"/>
           </a:p>
         </p:txBody>
       </p:sp>
@@ -1382,7 +1370,7 @@
           <a:p>
             <a:fld id="{142A3F05-1E56-41FD-8B47-EADA3141F8BF}" type="datetimeFigureOut">
               <a:rPr lang="en-US" smtClean="0"/>
-              <a:t>3/11/2019</a:t>
+              <a:t>5/28/2020</a:t>
             </a:fld>
             <a:endParaRPr lang="en-US"/>
           </a:p>
@@ -1480,10 +1468,9 @@
           </a:lstStyle>
           <a:p>
             <a:r>
-              <a:rPr lang="en-US" smtClean="0"/>
+              <a:rPr lang="en-US"/>
               <a:t>Click to edit Master title style</a:t>
             </a:r>
-            <a:endParaRPr lang="en-US"/>
           </a:p>
         </p:txBody>
       </p:sp>
@@ -1546,7 +1533,7 @@
           <a:p>
             <a:pPr lvl="0"/>
             <a:r>
-              <a:rPr lang="en-US" smtClean="0"/>
+              <a:rPr lang="en-US"/>
               <a:t>Click to edit Master text styles</a:t>
             </a:r>
           </a:p>
@@ -1602,38 +1589,37 @@
           <a:p>
             <a:pPr lvl="0"/>
             <a:r>
-              <a:rPr lang="en-US" smtClean="0"/>
+              <a:rPr lang="en-US"/>
               <a:t>Click to edit Master text styles</a:t>
             </a:r>
           </a:p>
           <a:p>
             <a:pPr lvl="1"/>
             <a:r>
-              <a:rPr lang="en-US" smtClean="0"/>
+              <a:rPr lang="en-US"/>
               <a:t>Second level</a:t>
             </a:r>
           </a:p>
           <a:p>
             <a:pPr lvl="2"/>
             <a:r>
-              <a:rPr lang="en-US" smtClean="0"/>
+              <a:rPr lang="en-US"/>
               <a:t>Third level</a:t>
             </a:r>
           </a:p>
           <a:p>
             <a:pPr lvl="3"/>
             <a:r>
-              <a:rPr lang="en-US" smtClean="0"/>
+              <a:rPr lang="en-US"/>
               <a:t>Fourth level</a:t>
             </a:r>
           </a:p>
           <a:p>
             <a:pPr lvl="4"/>
             <a:r>
-              <a:rPr lang="en-US" smtClean="0"/>
+              <a:rPr lang="en-US"/>
               <a:t>Fifth level</a:t>
             </a:r>
-            <a:endParaRPr lang="en-US"/>
           </a:p>
         </p:txBody>
       </p:sp>
@@ -1696,7 +1682,7 @@
           <a:p>
             <a:pPr lvl="0"/>
             <a:r>
-              <a:rPr lang="en-US" smtClean="0"/>
+              <a:rPr lang="en-US"/>
               <a:t>Click to edit Master text styles</a:t>
             </a:r>
           </a:p>
@@ -1752,38 +1738,37 @@
           <a:p>
             <a:pPr lvl="0"/>
             <a:r>
-              <a:rPr lang="en-US" smtClean="0"/>
+              <a:rPr lang="en-US"/>
               <a:t>Click to edit Master text styles</a:t>
             </a:r>
           </a:p>
           <a:p>
             <a:pPr lvl="1"/>
             <a:r>
-              <a:rPr lang="en-US" smtClean="0"/>
+              <a:rPr lang="en-US"/>
               <a:t>Second level</a:t>
             </a:r>
           </a:p>
           <a:p>
             <a:pPr lvl="2"/>
             <a:r>
-              <a:rPr lang="en-US" smtClean="0"/>
+              <a:rPr lang="en-US"/>
               <a:t>Third level</a:t>
             </a:r>
           </a:p>
           <a:p>
             <a:pPr lvl="3"/>
             <a:r>
-              <a:rPr lang="en-US" smtClean="0"/>
+              <a:rPr lang="en-US"/>
               <a:t>Fourth level</a:t>
             </a:r>
           </a:p>
           <a:p>
             <a:pPr lvl="4"/>
             <a:r>
-              <a:rPr lang="en-US" smtClean="0"/>
+              <a:rPr lang="en-US"/>
               <a:t>Fifth level</a:t>
             </a:r>
-            <a:endParaRPr lang="en-US"/>
           </a:p>
         </p:txBody>
       </p:sp>
@@ -1804,7 +1789,7 @@
           <a:p>
             <a:fld id="{142A3F05-1E56-41FD-8B47-EADA3141F8BF}" type="datetimeFigureOut">
               <a:rPr lang="en-US" smtClean="0"/>
-              <a:t>3/11/2019</a:t>
+              <a:t>5/28/2020</a:t>
             </a:fld>
             <a:endParaRPr lang="en-US"/>
           </a:p>
@@ -1898,10 +1883,9 @@
           <a:lstStyle/>
           <a:p>
             <a:r>
-              <a:rPr lang="en-US" smtClean="0"/>
+              <a:rPr lang="en-US"/>
               <a:t>Click to edit Master title style</a:t>
             </a:r>
-            <a:endParaRPr lang="en-US"/>
           </a:p>
         </p:txBody>
       </p:sp>
@@ -1922,7 +1906,7 @@
           <a:p>
             <a:fld id="{142A3F05-1E56-41FD-8B47-EADA3141F8BF}" type="datetimeFigureOut">
               <a:rPr lang="en-US" smtClean="0"/>
-              <a:t>3/11/2019</a:t>
+              <a:t>5/28/2020</a:t>
             </a:fld>
             <a:endParaRPr lang="en-US"/>
           </a:p>
@@ -2017,7 +2001,7 @@
           <a:p>
             <a:fld id="{142A3F05-1E56-41FD-8B47-EADA3141F8BF}" type="datetimeFigureOut">
               <a:rPr lang="en-US" smtClean="0"/>
-              <a:t>3/11/2019</a:t>
+              <a:t>5/28/2020</a:t>
             </a:fld>
             <a:endParaRPr lang="en-US"/>
           </a:p>
@@ -2120,10 +2104,9 @@
           </a:lstStyle>
           <a:p>
             <a:r>
-              <a:rPr lang="en-US" smtClean="0"/>
+              <a:rPr lang="en-US"/>
               <a:t>Click to edit Master title style</a:t>
             </a:r>
-            <a:endParaRPr lang="en-US"/>
           </a:p>
         </p:txBody>
       </p:sp>
@@ -2177,38 +2160,37 @@
           <a:p>
             <a:pPr lvl="0"/>
             <a:r>
-              <a:rPr lang="en-US" smtClean="0"/>
+              <a:rPr lang="en-US"/>
               <a:t>Click to edit Master text styles</a:t>
             </a:r>
           </a:p>
           <a:p>
             <a:pPr lvl="1"/>
             <a:r>
-              <a:rPr lang="en-US" smtClean="0"/>
+              <a:rPr lang="en-US"/>
               <a:t>Second level</a:t>
             </a:r>
           </a:p>
           <a:p>
             <a:pPr lvl="2"/>
             <a:r>
-              <a:rPr lang="en-US" smtClean="0"/>
+              <a:rPr lang="en-US"/>
               <a:t>Third level</a:t>
             </a:r>
           </a:p>
           <a:p>
             <a:pPr lvl="3"/>
             <a:r>
-              <a:rPr lang="en-US" smtClean="0"/>
+              <a:rPr lang="en-US"/>
               <a:t>Fourth level</a:t>
             </a:r>
           </a:p>
           <a:p>
             <a:pPr lvl="4"/>
             <a:r>
-              <a:rPr lang="en-US" smtClean="0"/>
+              <a:rPr lang="en-US"/>
               <a:t>Fifth level</a:t>
             </a:r>
-            <a:endParaRPr lang="en-US"/>
           </a:p>
         </p:txBody>
       </p:sp>
@@ -2271,7 +2253,7 @@
           <a:p>
             <a:pPr lvl="0"/>
             <a:r>
-              <a:rPr lang="en-US" smtClean="0"/>
+              <a:rPr lang="en-US"/>
               <a:t>Click to edit Master text styles</a:t>
             </a:r>
           </a:p>
@@ -2294,7 +2276,7 @@
           <a:p>
             <a:fld id="{142A3F05-1E56-41FD-8B47-EADA3141F8BF}" type="datetimeFigureOut">
               <a:rPr lang="en-US" smtClean="0"/>
-              <a:t>3/11/2019</a:t>
+              <a:t>5/28/2020</a:t>
             </a:fld>
             <a:endParaRPr lang="en-US"/>
           </a:p>
@@ -2397,10 +2379,9 @@
           </a:lstStyle>
           <a:p>
             <a:r>
-              <a:rPr lang="en-US" smtClean="0"/>
+              <a:rPr lang="en-US"/>
               <a:t>Click to edit Master title style</a:t>
             </a:r>
-            <a:endParaRPr lang="en-US"/>
           </a:p>
         </p:txBody>
       </p:sp>
@@ -2524,7 +2505,7 @@
           <a:p>
             <a:pPr lvl="0"/>
             <a:r>
-              <a:rPr lang="en-US" smtClean="0"/>
+              <a:rPr lang="en-US"/>
               <a:t>Click to edit Master text styles</a:t>
             </a:r>
           </a:p>
@@ -2547,7 +2528,7 @@
           <a:p>
             <a:fld id="{142A3F05-1E56-41FD-8B47-EADA3141F8BF}" type="datetimeFigureOut">
               <a:rPr lang="en-US" smtClean="0"/>
-              <a:t>3/11/2019</a:t>
+              <a:t>5/28/2020</a:t>
             </a:fld>
             <a:endParaRPr lang="en-US"/>
           </a:p>
@@ -2656,10 +2637,9 @@
           <a:lstStyle/>
           <a:p>
             <a:r>
-              <a:rPr lang="en-US" smtClean="0"/>
+              <a:rPr lang="en-US"/>
               <a:t>Click to edit Master title style</a:t>
             </a:r>
-            <a:endParaRPr lang="en-US"/>
           </a:p>
         </p:txBody>
       </p:sp>
@@ -2690,38 +2670,37 @@
           <a:p>
             <a:pPr lvl="0"/>
             <a:r>
-              <a:rPr lang="en-US" smtClean="0"/>
+              <a:rPr lang="en-US"/>
               <a:t>Click to edit Master text styles</a:t>
             </a:r>
           </a:p>
           <a:p>
             <a:pPr lvl="1"/>
             <a:r>
-              <a:rPr lang="en-US" smtClean="0"/>
+              <a:rPr lang="en-US"/>
               <a:t>Second level</a:t>
             </a:r>
           </a:p>
           <a:p>
             <a:pPr lvl="2"/>
             <a:r>
-              <a:rPr lang="en-US" smtClean="0"/>
+              <a:rPr lang="en-US"/>
               <a:t>Third level</a:t>
             </a:r>
           </a:p>
           <a:p>
             <a:pPr lvl="3"/>
             <a:r>
-              <a:rPr lang="en-US" smtClean="0"/>
+              <a:rPr lang="en-US"/>
               <a:t>Fourth level</a:t>
             </a:r>
           </a:p>
           <a:p>
             <a:pPr lvl="4"/>
             <a:r>
-              <a:rPr lang="en-US" smtClean="0"/>
+              <a:rPr lang="en-US"/>
               <a:t>Fifth level</a:t>
             </a:r>
-            <a:endParaRPr lang="en-US"/>
           </a:p>
         </p:txBody>
       </p:sp>
@@ -2760,7 +2739,7 @@
           <a:p>
             <a:fld id="{142A3F05-1E56-41FD-8B47-EADA3141F8BF}" type="datetimeFigureOut">
               <a:rPr lang="en-US" smtClean="0"/>
-              <a:t>3/11/2019</a:t>
+              <a:t>5/28/2020</a:t>
             </a:fld>
             <a:endParaRPr lang="en-US"/>
           </a:p>
@@ -3154,17 +3133,16 @@
           <a:p>
             <a:pPr fontAlgn="base"/>
             <a:r>
-              <a:rPr lang="en-US" sz="3600" b="1" dirty="0" smtClean="0"/>
+              <a:rPr lang="en-US" sz="3600" b="1" dirty="0"/>
               <a:t>MDX: Multi-Dimensional Expressions</a:t>
             </a:r>
             <a:br>
-              <a:rPr lang="en-US" sz="3600" b="1" dirty="0" smtClean="0"/>
+              <a:rPr lang="en-US" sz="3600" b="1" dirty="0"/>
             </a:br>
             <a:r>
-              <a:rPr lang="en-US" sz="3600" dirty="0" smtClean="0"/>
+              <a:rPr lang="en-US" sz="3600" dirty="0"/>
               <a:t>The query language for Cubes</a:t>
             </a:r>
-            <a:endParaRPr lang="en-US" sz="3600" dirty="0"/>
           </a:p>
         </p:txBody>
       </p:sp>
@@ -3184,16 +3162,15 @@
           <a:lstStyle/>
           <a:p>
             <a:r>
-              <a:rPr lang="en-US" dirty="0" smtClean="0"/>
+              <a:rPr lang="en-US" dirty="0"/>
               <a:t>Kurt Friedrich</a:t>
             </a:r>
           </a:p>
           <a:p>
             <a:r>
-              <a:rPr lang="en-US" dirty="0" smtClean="0"/>
+              <a:rPr lang="en-US" dirty="0"/>
               <a:t>Spring 2015</a:t>
             </a:r>
-            <a:endParaRPr lang="en-US" dirty="0"/>
           </a:p>
         </p:txBody>
       </p:sp>
@@ -4354,16 +4331,11 @@
               <a:rPr lang="en-US" sz="2400" dirty="0"/>
               <a:t>Unlike the WHERE clause in SQL, the WHERE clause of an MDX SELECT statement never directly filters what is returned on the Rows axis of a query. </a:t>
             </a:r>
-            <a:endParaRPr lang="en-US" sz="2400" dirty="0" smtClean="0"/>
-          </a:p>
-          <a:p>
-            <a:r>
-              <a:rPr lang="en-US" sz="2400" dirty="0" smtClean="0"/>
-              <a:t>To </a:t>
-            </a:r>
+          </a:p>
+          <a:p>
             <a:r>
               <a:rPr lang="en-US" sz="2400" dirty="0"/>
-              <a:t>filter what appears on the Rows or Columns axis of a query, you can use a variety of MDX functions, for example FILTER, NONEMPTY and TOPCOUNT.</a:t>
+              <a:t>To filter what appears on the Rows or Columns axis of a query, you can use a variety of MDX functions, for example FILTER, NONEMPTY and TOPCOUNT.</a:t>
             </a:r>
           </a:p>
         </p:txBody>
@@ -5232,36 +5204,35 @@
           <a:lstStyle/>
           <a:p>
             <a:r>
-              <a:rPr lang="en-US" dirty="0" smtClean="0"/>
+              <a:rPr lang="en-US" dirty="0"/>
               <a:t>As you specify measures or dimension attributes, you can place them on the row or column areas.</a:t>
             </a:r>
           </a:p>
           <a:p>
             <a:r>
-              <a:rPr lang="en-US" dirty="0" smtClean="0"/>
+              <a:rPr lang="en-US" dirty="0"/>
               <a:t>If you don’t extend the name, you get the .All value by default.  So .Children or something usually makes more sense.</a:t>
             </a:r>
           </a:p>
           <a:p>
             <a:r>
-              <a:rPr lang="en-US" dirty="0" smtClean="0"/>
+              <a:rPr lang="en-US" dirty="0"/>
               <a:t>Think of tuples like an intersection on an (</a:t>
             </a:r>
             <a:r>
-              <a:rPr lang="en-US" dirty="0" err="1" smtClean="0"/>
+              <a:rPr lang="en-US" dirty="0" err="1"/>
               <a:t>x,y</a:t>
             </a:r>
             <a:r>
-              <a:rPr lang="en-US" dirty="0" smtClean="0"/>
+              <a:rPr lang="en-US" dirty="0"/>
               <a:t>) map from algebra. It’s the intersection of two variables.  Tuples here are a cross section or intersection of two areas in your cube.</a:t>
             </a:r>
           </a:p>
           <a:p>
             <a:r>
-              <a:rPr lang="en-US" dirty="0" smtClean="0"/>
+              <a:rPr lang="en-US" dirty="0"/>
               <a:t>If you have multiple tuples, they are called sets.</a:t>
             </a:r>
-            <a:endParaRPr lang="en-US" dirty="0"/>
           </a:p>
         </p:txBody>
       </p:sp>
@@ -5311,15 +5282,15 @@
           <a:lstStyle/>
           <a:p>
             <a:r>
-              <a:rPr lang="en-US" dirty="0" smtClean="0"/>
+              <a:rPr lang="en-US" dirty="0"/>
               <a:t>To point to a set (</a:t>
             </a:r>
             <a:r>
-              <a:rPr lang="en-US" dirty="0" err="1" smtClean="0"/>
+              <a:rPr lang="en-US" dirty="0" err="1"/>
               <a:t>x,y</a:t>
             </a:r>
             <a:r>
-              <a:rPr lang="en-US" dirty="0" smtClean="0"/>
+              <a:rPr lang="en-US" dirty="0"/>
               <a:t>) coordinates in a tuple, wrap the cross join in parentheses and separate with a comma.</a:t>
             </a:r>
           </a:p>
@@ -5328,7 +5299,7 @@
               <a:buNone/>
             </a:pPr>
             <a:r>
-              <a:rPr lang="en-US" sz="1800" dirty="0" smtClean="0">
+              <a:rPr lang="en-US" sz="1800" dirty="0">
                 <a:solidFill>
                   <a:srgbClr val="0070C0"/>
                 </a:solidFill>
@@ -5341,7 +5312,7 @@
               <a:buNone/>
             </a:pPr>
             <a:r>
-              <a:rPr lang="en-US" sz="1800" dirty="0" smtClean="0">
+              <a:rPr lang="en-US" sz="1800" dirty="0">
                 <a:solidFill>
                   <a:srgbClr val="0070C0"/>
                 </a:solidFill>
@@ -5354,7 +5325,7 @@
               <a:buNone/>
             </a:pPr>
             <a:r>
-              <a:rPr lang="en-US" sz="1800" dirty="0" smtClean="0">
+              <a:rPr lang="en-US" sz="1800" dirty="0">
                 <a:solidFill>
                   <a:srgbClr val="0070C0"/>
                 </a:solidFill>
@@ -5367,7 +5338,7 @@
               <a:buNone/>
             </a:pPr>
             <a:r>
-              <a:rPr lang="en-US" sz="1800" dirty="0" smtClean="0">
+              <a:rPr lang="en-US" sz="1800" dirty="0">
                 <a:solidFill>
                   <a:srgbClr val="0070C0"/>
                 </a:solidFill>
@@ -5380,18 +5351,13 @@
               <a:buNone/>
             </a:pPr>
             <a:r>
-              <a:rPr lang="en-US" sz="1800" dirty="0" smtClean="0">
+              <a:rPr lang="en-US" sz="1800" dirty="0">
                 <a:solidFill>
                   <a:srgbClr val="0070C0"/>
                 </a:solidFill>
               </a:rPr>
               <a:t>FROM [AWDW2012R2Cube]</a:t>
             </a:r>
-            <a:endParaRPr lang="en-US" sz="1800" dirty="0">
-              <a:solidFill>
-                <a:srgbClr val="0070C0"/>
-              </a:solidFill>
-            </a:endParaRPr>
           </a:p>
         </p:txBody>
       </p:sp>
@@ -5443,7 +5409,7 @@
           <a:lstStyle/>
           <a:p>
             <a:r>
-              <a:rPr lang="en-US" dirty="0" smtClean="0"/>
+              <a:rPr lang="en-US" dirty="0"/>
               <a:t>You can have multiple attributes and measures along either axis</a:t>
             </a:r>
           </a:p>
@@ -5452,7 +5418,7 @@
               <a:buNone/>
             </a:pPr>
             <a:r>
-              <a:rPr lang="en-US" sz="1800" dirty="0" smtClean="0">
+              <a:rPr lang="en-US" sz="1800" dirty="0">
                 <a:solidFill>
                   <a:srgbClr val="0070C0"/>
                 </a:solidFill>
@@ -5465,7 +5431,7 @@
               <a:buNone/>
             </a:pPr>
             <a:r>
-              <a:rPr lang="en-US" sz="1800" dirty="0" smtClean="0">
+              <a:rPr lang="en-US" sz="1800" dirty="0">
                 <a:solidFill>
                   <a:srgbClr val="0070C0"/>
                 </a:solidFill>
@@ -5478,7 +5444,7 @@
               <a:buNone/>
             </a:pPr>
             <a:r>
-              <a:rPr lang="en-US" sz="1800" dirty="0" smtClean="0">
+              <a:rPr lang="en-US" sz="1800" dirty="0">
                 <a:solidFill>
                   <a:srgbClr val="0070C0"/>
                 </a:solidFill>
@@ -5491,7 +5457,7 @@
               <a:buNone/>
             </a:pPr>
             <a:r>
-              <a:rPr lang="en-US" sz="1800" dirty="0" smtClean="0">
+              <a:rPr lang="en-US" sz="1800" dirty="0">
                 <a:solidFill>
                   <a:srgbClr val="0070C0"/>
                 </a:solidFill>
@@ -5504,7 +5470,7 @@
               <a:buNone/>
             </a:pPr>
             <a:r>
-              <a:rPr lang="en-US" sz="1800" dirty="0" smtClean="0">
+              <a:rPr lang="en-US" sz="1800" dirty="0">
                 <a:solidFill>
                   <a:srgbClr val="0070C0"/>
                 </a:solidFill>
@@ -5517,7 +5483,7 @@
               <a:buNone/>
             </a:pPr>
             <a:r>
-              <a:rPr lang="en-US" sz="1800" dirty="0" smtClean="0">
+              <a:rPr lang="en-US" sz="1800" dirty="0">
                 <a:solidFill>
                   <a:srgbClr val="0070C0"/>
                 </a:solidFill>
@@ -5530,7 +5496,7 @@
               <a:buNone/>
             </a:pPr>
             <a:r>
-              <a:rPr lang="en-US" sz="1800" dirty="0" smtClean="0">
+              <a:rPr lang="en-US" sz="1800" dirty="0">
                 <a:solidFill>
                   <a:srgbClr val="0070C0"/>
                 </a:solidFill>
@@ -5543,28 +5509,38 @@
               <a:buNone/>
             </a:pPr>
             <a:r>
-              <a:rPr lang="en-US" sz="1800" dirty="0" smtClean="0">
+              <a:rPr lang="en-US" sz="1800" dirty="0">
                 <a:solidFill>
                   <a:srgbClr val="0070C0"/>
                 </a:solidFill>
               </a:rPr>
-              <a:t>(  [</a:t>
-            </a:r>
+              <a:t>(  [Due Date].[Year].Children,</a:t>
+            </a:r>
+          </a:p>
+          <a:p>
+            <a:pPr marL="0" indent="0">
+              <a:buNone/>
+            </a:pPr>
             <a:r>
               <a:rPr lang="en-US" sz="1800" dirty="0">
                 <a:solidFill>
                   <a:srgbClr val="0070C0"/>
                 </a:solidFill>
               </a:rPr>
-              <a:t>Due Date].[Year].</a:t>
-            </a:r>
-            <a:r>
-              <a:rPr lang="en-US" sz="1800" dirty="0" smtClean="0">
+              <a:t>   [Due Date].[Quarter].Children</a:t>
+            </a:r>
+          </a:p>
+          <a:p>
+            <a:pPr marL="0" indent="0">
+              <a:buNone/>
+            </a:pPr>
+            <a:r>
+              <a:rPr lang="en-US" sz="1800" dirty="0">
                 <a:solidFill>
                   <a:srgbClr val="0070C0"/>
                 </a:solidFill>
               </a:rPr>
-              <a:t>Children,</a:t>
+              <a:t>)  ON ROWS</a:t>
             </a:r>
           </a:p>
           <a:p>
@@ -5577,71 +5553,8 @@
                   <a:srgbClr val="0070C0"/>
                 </a:solidFill>
               </a:rPr>
-              <a:t> </a:t>
-            </a:r>
-            <a:r>
-              <a:rPr lang="en-US" sz="1800" dirty="0" smtClean="0">
-                <a:solidFill>
-                  <a:srgbClr val="0070C0"/>
-                </a:solidFill>
-              </a:rPr>
-              <a:t>  [</a:t>
-            </a:r>
-            <a:r>
-              <a:rPr lang="en-US" sz="1800" dirty="0">
-                <a:solidFill>
-                  <a:srgbClr val="0070C0"/>
-                </a:solidFill>
-              </a:rPr>
-              <a:t>Due Date</a:t>
-            </a:r>
-            <a:r>
-              <a:rPr lang="en-US" sz="1800" dirty="0" smtClean="0">
-                <a:solidFill>
-                  <a:srgbClr val="0070C0"/>
-                </a:solidFill>
-              </a:rPr>
-              <a:t>].[Quarter].Children</a:t>
-            </a:r>
-          </a:p>
-          <a:p>
-            <a:pPr marL="0" indent="0">
-              <a:buNone/>
-            </a:pPr>
-            <a:r>
-              <a:rPr lang="en-US" sz="1800" dirty="0" smtClean="0">
-                <a:solidFill>
-                  <a:srgbClr val="0070C0"/>
-                </a:solidFill>
-              </a:rPr>
-              <a:t>)  </a:t>
-            </a:r>
-            <a:r>
-              <a:rPr lang="en-US" sz="1800" dirty="0">
-                <a:solidFill>
-                  <a:srgbClr val="0070C0"/>
-                </a:solidFill>
-              </a:rPr>
-              <a:t>ON ROWS</a:t>
-            </a:r>
-          </a:p>
-          <a:p>
-            <a:pPr marL="0" indent="0">
-              <a:buNone/>
-            </a:pPr>
-            <a:r>
-              <a:rPr lang="en-US" sz="1800" dirty="0" smtClean="0">
-                <a:solidFill>
-                  <a:srgbClr val="0070C0"/>
-                </a:solidFill>
-              </a:rPr>
               <a:t>FROM [AWDW2012R2Cube]</a:t>
             </a:r>
-            <a:endParaRPr lang="en-US" sz="1800" dirty="0">
-              <a:solidFill>
-                <a:srgbClr val="0070C0"/>
-              </a:solidFill>
-            </a:endParaRPr>
           </a:p>
         </p:txBody>
       </p:sp>
@@ -5698,10 +5611,9 @@
           <a:lstStyle/>
           <a:p>
             <a:r>
-              <a:rPr lang="en-US" sz="2400" dirty="0" smtClean="0"/>
+              <a:rPr lang="en-US" sz="2400" dirty="0"/>
               <a:t>If the data was in a SQL Relational DB</a:t>
             </a:r>
-            <a:endParaRPr lang="en-US" sz="2400" dirty="0"/>
           </a:p>
         </p:txBody>
       </p:sp>
@@ -5778,7 +5690,7 @@
               <a:tabLst/>
             </a:pPr>
             <a:r>
-              <a:rPr kumimoji="0" lang="en-US" altLang="en-US" sz="1300" b="0" i="0" u="none" strike="noStrike" cap="none" normalizeH="0" baseline="0" dirty="0" smtClean="0">
+              <a:rPr kumimoji="0" lang="en-US" altLang="en-US" sz="1300" b="0" i="0" u="none" strike="noStrike" cap="none" normalizeH="0" baseline="0" dirty="0">
                 <a:ln>
                   <a:noFill/>
                 </a:ln>
@@ -5791,7 +5703,7 @@
               <a:t>-- need distinct count, we're counting orders, not order lines</a:t>
             </a:r>
             <a:r>
-              <a:rPr kumimoji="0" lang="en-US" altLang="en-US" sz="1300" b="0" i="0" u="none" strike="noStrike" cap="none" normalizeH="0" baseline="0" dirty="0" smtClean="0">
+              <a:rPr kumimoji="0" lang="en-US" altLang="en-US" sz="1300" b="0" i="0" u="none" strike="noStrike" cap="none" normalizeH="0" baseline="0" dirty="0">
                 <a:ln>
                   <a:noFill/>
                 </a:ln>
@@ -5822,7 +5734,7 @@
               <a:tabLst/>
             </a:pPr>
             <a:r>
-              <a:rPr kumimoji="0" lang="en-US" altLang="en-US" sz="1300" b="0" i="0" u="none" strike="noStrike" cap="none" normalizeH="0" baseline="0" dirty="0" smtClean="0">
+              <a:rPr kumimoji="0" lang="en-US" altLang="en-US" sz="1300" b="0" i="0" u="none" strike="noStrike" cap="none" normalizeH="0" baseline="0" dirty="0">
                 <a:ln>
                   <a:noFill/>
                 </a:ln>
@@ -5835,7 +5747,7 @@
               <a:t>SELECT</a:t>
             </a:r>
             <a:r>
-              <a:rPr kumimoji="0" lang="en-US" altLang="en-US" sz="1300" b="0" i="0" u="none" strike="noStrike" cap="none" normalizeH="0" baseline="0" dirty="0" smtClean="0">
+              <a:rPr kumimoji="0" lang="en-US" altLang="en-US" sz="1300" b="0" i="0" u="none" strike="noStrike" cap="none" normalizeH="0" baseline="0" dirty="0">
                 <a:ln>
                   <a:noFill/>
                 </a:ln>
@@ -5848,7 +5760,7 @@
               <a:t> count(</a:t>
             </a:r>
             <a:r>
-              <a:rPr kumimoji="0" lang="en-US" altLang="en-US" sz="1300" b="0" i="0" u="none" strike="noStrike" cap="none" normalizeH="0" baseline="0" dirty="0" smtClean="0">
+              <a:rPr kumimoji="0" lang="en-US" altLang="en-US" sz="1300" b="0" i="0" u="none" strike="noStrike" cap="none" normalizeH="0" baseline="0" dirty="0">
                 <a:ln>
                   <a:noFill/>
                 </a:ln>
@@ -5861,7 +5773,7 @@
               <a:t>DISTINCT</a:t>
             </a:r>
             <a:r>
-              <a:rPr kumimoji="0" lang="en-US" altLang="en-US" sz="1300" b="0" i="0" u="none" strike="noStrike" cap="none" normalizeH="0" baseline="0" dirty="0" smtClean="0">
+              <a:rPr kumimoji="0" lang="en-US" altLang="en-US" sz="1300" b="0" i="0" u="none" strike="noStrike" cap="none" normalizeH="0" baseline="0" dirty="0">
                 <a:ln>
                   <a:noFill/>
                 </a:ln>
@@ -5874,7 +5786,7 @@
               <a:t> </a:t>
             </a:r>
             <a:r>
-              <a:rPr kumimoji="0" lang="en-US" altLang="en-US" sz="1300" b="0" i="0" u="none" strike="noStrike" cap="none" normalizeH="0" baseline="0" dirty="0" err="1" smtClean="0">
+              <a:rPr kumimoji="0" lang="en-US" altLang="en-US" sz="1300" b="0" i="0" u="none" strike="noStrike" cap="none" normalizeH="0" baseline="0" dirty="0" err="1">
                 <a:ln>
                   <a:noFill/>
                 </a:ln>
@@ -5887,7 +5799,7 @@
               <a:t>soh.salesorderid</a:t>
             </a:r>
             <a:r>
-              <a:rPr kumimoji="0" lang="en-US" altLang="en-US" sz="1300" b="0" i="0" u="none" strike="noStrike" cap="none" normalizeH="0" baseline="0" dirty="0" smtClean="0">
+              <a:rPr kumimoji="0" lang="en-US" altLang="en-US" sz="1300" b="0" i="0" u="none" strike="noStrike" cap="none" normalizeH="0" baseline="0" dirty="0">
                 <a:ln>
                   <a:noFill/>
                 </a:ln>
@@ -5900,7 +5812,7 @@
               <a:t>) ,</a:t>
             </a:r>
             <a:r>
-              <a:rPr kumimoji="0" lang="en-US" altLang="en-US" sz="1300" b="0" i="0" u="none" strike="noStrike" cap="none" normalizeH="0" baseline="0" dirty="0" err="1" smtClean="0">
+              <a:rPr kumimoji="0" lang="en-US" altLang="en-US" sz="1300" b="0" i="0" u="none" strike="noStrike" cap="none" normalizeH="0" baseline="0" dirty="0" err="1">
                 <a:ln>
                   <a:noFill/>
                 </a:ln>
@@ -5913,7 +5825,7 @@
               <a:t>pers.FirstName</a:t>
             </a:r>
             <a:r>
-              <a:rPr kumimoji="0" lang="en-US" altLang="en-US" sz="1300" b="0" i="0" u="none" strike="noStrike" cap="none" normalizeH="0" baseline="0" dirty="0" smtClean="0">
+              <a:rPr kumimoji="0" lang="en-US" altLang="en-US" sz="1300" b="0" i="0" u="none" strike="noStrike" cap="none" normalizeH="0" baseline="0" dirty="0">
                 <a:ln>
                   <a:noFill/>
                 </a:ln>
@@ -5926,7 +5838,7 @@
               <a:t> + </a:t>
             </a:r>
             <a:r>
-              <a:rPr kumimoji="0" lang="en-US" altLang="en-US" sz="1300" b="0" i="0" u="none" strike="noStrike" cap="none" normalizeH="0" baseline="0" dirty="0" smtClean="0">
+              <a:rPr kumimoji="0" lang="en-US" altLang="en-US" sz="1300" b="0" i="0" u="none" strike="noStrike" cap="none" normalizeH="0" baseline="0" dirty="0">
                 <a:ln>
                   <a:noFill/>
                 </a:ln>
@@ -5939,7 +5851,7 @@
               <a:t>' '</a:t>
             </a:r>
             <a:r>
-              <a:rPr kumimoji="0" lang="en-US" altLang="en-US" sz="1300" b="0" i="0" u="none" strike="noStrike" cap="none" normalizeH="0" baseline="0" dirty="0" smtClean="0">
+              <a:rPr kumimoji="0" lang="en-US" altLang="en-US" sz="1300" b="0" i="0" u="none" strike="noStrike" cap="none" normalizeH="0" baseline="0" dirty="0">
                 <a:ln>
                   <a:noFill/>
                 </a:ln>
@@ -5952,7 +5864,7 @@
               <a:t> + </a:t>
             </a:r>
             <a:r>
-              <a:rPr kumimoji="0" lang="en-US" altLang="en-US" sz="1300" b="0" i="0" u="none" strike="noStrike" cap="none" normalizeH="0" baseline="0" dirty="0" err="1" smtClean="0">
+              <a:rPr kumimoji="0" lang="en-US" altLang="en-US" sz="1300" b="0" i="0" u="none" strike="noStrike" cap="none" normalizeH="0" baseline="0" dirty="0" err="1">
                 <a:ln>
                   <a:noFill/>
                 </a:ln>
@@ -5964,7 +5876,7 @@
               </a:rPr>
               <a:t>pers.LastName</a:t>
             </a:r>
-            <a:endParaRPr kumimoji="0" lang="en-US" altLang="en-US" sz="1300" b="0" i="0" u="none" strike="noStrike" cap="none" normalizeH="0" baseline="0" dirty="0" smtClean="0">
+            <a:endParaRPr kumimoji="0" lang="en-US" altLang="en-US" sz="1300" b="0" i="0" u="none" strike="noStrike" cap="none" normalizeH="0" baseline="0" dirty="0">
               <a:ln>
                 <a:noFill/>
               </a:ln>
@@ -5993,7 +5905,7 @@
               <a:tabLst/>
             </a:pPr>
             <a:r>
-              <a:rPr kumimoji="0" lang="en-US" altLang="en-US" sz="1300" b="0" i="0" u="none" strike="noStrike" cap="none" normalizeH="0" baseline="0" dirty="0" smtClean="0">
+              <a:rPr kumimoji="0" lang="en-US" altLang="en-US" sz="1300" b="0" i="0" u="none" strike="noStrike" cap="none" normalizeH="0" baseline="0" dirty="0">
                 <a:ln>
                   <a:noFill/>
                 </a:ln>
@@ -6006,7 +5918,7 @@
               <a:t> </a:t>
             </a:r>
             <a:r>
-              <a:rPr kumimoji="0" lang="en-US" altLang="en-US" sz="1300" b="0" i="0" u="none" strike="noStrike" cap="none" normalizeH="0" baseline="0" dirty="0" smtClean="0">
+              <a:rPr kumimoji="0" lang="en-US" altLang="en-US" sz="1300" b="0" i="0" u="none" strike="noStrike" cap="none" normalizeH="0" baseline="0" dirty="0">
                 <a:ln>
                   <a:noFill/>
                 </a:ln>
@@ -6019,7 +5931,7 @@
               <a:t>FROM</a:t>
             </a:r>
             <a:r>
-              <a:rPr kumimoji="0" lang="en-US" altLang="en-US" sz="1300" b="0" i="0" u="none" strike="noStrike" cap="none" normalizeH="0" baseline="0" dirty="0" smtClean="0">
+              <a:rPr kumimoji="0" lang="en-US" altLang="en-US" sz="1300" b="0" i="0" u="none" strike="noStrike" cap="none" normalizeH="0" baseline="0" dirty="0">
                 <a:ln>
                   <a:noFill/>
                 </a:ln>
@@ -6032,7 +5944,7 @@
               <a:t> </a:t>
             </a:r>
             <a:r>
-              <a:rPr kumimoji="0" lang="en-US" altLang="en-US" sz="1300" b="0" i="0" u="none" strike="noStrike" cap="none" normalizeH="0" baseline="0" dirty="0" err="1" smtClean="0">
+              <a:rPr kumimoji="0" lang="en-US" altLang="en-US" sz="1300" b="0" i="0" u="none" strike="noStrike" cap="none" normalizeH="0" baseline="0" dirty="0" err="1">
                 <a:ln>
                   <a:noFill/>
                 </a:ln>
@@ -6045,7 +5957,7 @@
               <a:t>sales.SalesOrderDetail</a:t>
             </a:r>
             <a:r>
-              <a:rPr kumimoji="0" lang="en-US" altLang="en-US" sz="1300" b="0" i="0" u="none" strike="noStrike" cap="none" normalizeH="0" baseline="0" dirty="0" smtClean="0">
+              <a:rPr kumimoji="0" lang="en-US" altLang="en-US" sz="1300" b="0" i="0" u="none" strike="noStrike" cap="none" normalizeH="0" baseline="0" dirty="0">
                 <a:ln>
                   <a:noFill/>
                 </a:ln>
@@ -6076,7 +5988,7 @@
               <a:tabLst/>
             </a:pPr>
             <a:r>
-              <a:rPr kumimoji="0" lang="en-US" altLang="en-US" sz="1300" b="0" i="0" u="none" strike="noStrike" cap="none" normalizeH="0" baseline="0" dirty="0" smtClean="0">
+              <a:rPr kumimoji="0" lang="en-US" altLang="en-US" sz="1300" b="0" i="0" u="none" strike="noStrike" cap="none" normalizeH="0" baseline="0" dirty="0">
                 <a:ln>
                   <a:noFill/>
                 </a:ln>
@@ -6089,7 +6001,7 @@
               <a:t>-- we need product details to get to the category</a:t>
             </a:r>
             <a:r>
-              <a:rPr kumimoji="0" lang="en-US" altLang="en-US" sz="1300" b="0" i="0" u="none" strike="noStrike" cap="none" normalizeH="0" baseline="0" dirty="0" smtClean="0">
+              <a:rPr kumimoji="0" lang="en-US" altLang="en-US" sz="1300" b="0" i="0" u="none" strike="noStrike" cap="none" normalizeH="0" baseline="0" dirty="0">
                 <a:ln>
                   <a:noFill/>
                 </a:ln>
@@ -6120,7 +6032,7 @@
               <a:tabLst/>
             </a:pPr>
             <a:r>
-              <a:rPr kumimoji="0" lang="en-US" altLang="en-US" sz="1300" b="0" i="0" u="none" strike="noStrike" cap="none" normalizeH="0" baseline="0" dirty="0" smtClean="0">
+              <a:rPr kumimoji="0" lang="en-US" altLang="en-US" sz="1300" b="0" i="0" u="none" strike="noStrike" cap="none" normalizeH="0" baseline="0" dirty="0">
                 <a:ln>
                   <a:noFill/>
                 </a:ln>
@@ -6133,7 +6045,7 @@
               <a:t>INNER</a:t>
             </a:r>
             <a:r>
-              <a:rPr kumimoji="0" lang="en-US" altLang="en-US" sz="1300" b="0" i="0" u="none" strike="noStrike" cap="none" normalizeH="0" baseline="0" dirty="0" smtClean="0">
+              <a:rPr kumimoji="0" lang="en-US" altLang="en-US" sz="1300" b="0" i="0" u="none" strike="noStrike" cap="none" normalizeH="0" baseline="0" dirty="0">
                 <a:ln>
                   <a:noFill/>
                 </a:ln>
@@ -6146,7 +6058,7 @@
               <a:t> </a:t>
             </a:r>
             <a:r>
-              <a:rPr kumimoji="0" lang="en-US" altLang="en-US" sz="1300" b="0" i="0" u="none" strike="noStrike" cap="none" normalizeH="0" baseline="0" dirty="0" smtClean="0">
+              <a:rPr kumimoji="0" lang="en-US" altLang="en-US" sz="1300" b="0" i="0" u="none" strike="noStrike" cap="none" normalizeH="0" baseline="0" dirty="0">
                 <a:ln>
                   <a:noFill/>
                 </a:ln>
@@ -6159,7 +6071,7 @@
               <a:t>JOIN</a:t>
             </a:r>
             <a:r>
-              <a:rPr kumimoji="0" lang="en-US" altLang="en-US" sz="1300" b="0" i="0" u="none" strike="noStrike" cap="none" normalizeH="0" baseline="0" dirty="0" smtClean="0">
+              <a:rPr kumimoji="0" lang="en-US" altLang="en-US" sz="1300" b="0" i="0" u="none" strike="noStrike" cap="none" normalizeH="0" baseline="0" dirty="0">
                 <a:ln>
                   <a:noFill/>
                 </a:ln>
@@ -6172,7 +6084,7 @@
               <a:t> </a:t>
             </a:r>
             <a:r>
-              <a:rPr kumimoji="0" lang="en-US" altLang="en-US" sz="1300" b="0" i="0" u="none" strike="noStrike" cap="none" normalizeH="0" baseline="0" dirty="0" err="1" smtClean="0">
+              <a:rPr kumimoji="0" lang="en-US" altLang="en-US" sz="1300" b="0" i="0" u="none" strike="noStrike" cap="none" normalizeH="0" baseline="0" dirty="0" err="1">
                 <a:ln>
                   <a:noFill/>
                 </a:ln>
@@ -6185,7 +6097,7 @@
               <a:t>Production.Product</a:t>
             </a:r>
             <a:r>
-              <a:rPr kumimoji="0" lang="en-US" altLang="en-US" sz="1300" b="0" i="0" u="none" strike="noStrike" cap="none" normalizeH="0" baseline="0" dirty="0" smtClean="0">
+              <a:rPr kumimoji="0" lang="en-US" altLang="en-US" sz="1300" b="0" i="0" u="none" strike="noStrike" cap="none" normalizeH="0" baseline="0" dirty="0">
                 <a:ln>
                   <a:noFill/>
                 </a:ln>
@@ -6198,7 +6110,7 @@
               <a:t> p </a:t>
             </a:r>
             <a:r>
-              <a:rPr kumimoji="0" lang="en-US" altLang="en-US" sz="1300" b="0" i="0" u="none" strike="noStrike" cap="none" normalizeH="0" baseline="0" dirty="0" smtClean="0">
+              <a:rPr kumimoji="0" lang="en-US" altLang="en-US" sz="1300" b="0" i="0" u="none" strike="noStrike" cap="none" normalizeH="0" baseline="0" dirty="0">
                 <a:ln>
                   <a:noFill/>
                 </a:ln>
@@ -6211,7 +6123,7 @@
               <a:t>ON</a:t>
             </a:r>
             <a:r>
-              <a:rPr kumimoji="0" lang="en-US" altLang="en-US" sz="1300" b="0" i="0" u="none" strike="noStrike" cap="none" normalizeH="0" baseline="0" dirty="0" smtClean="0">
+              <a:rPr kumimoji="0" lang="en-US" altLang="en-US" sz="1300" b="0" i="0" u="none" strike="noStrike" cap="none" normalizeH="0" baseline="0" dirty="0">
                 <a:ln>
                   <a:noFill/>
                 </a:ln>
@@ -6224,7 +6136,7 @@
               <a:t> </a:t>
             </a:r>
             <a:r>
-              <a:rPr kumimoji="0" lang="en-US" altLang="en-US" sz="1300" b="0" i="0" u="none" strike="noStrike" cap="none" normalizeH="0" baseline="0" dirty="0" err="1" smtClean="0">
+              <a:rPr kumimoji="0" lang="en-US" altLang="en-US" sz="1300" b="0" i="0" u="none" strike="noStrike" cap="none" normalizeH="0" baseline="0" dirty="0" err="1">
                 <a:ln>
                   <a:noFill/>
                 </a:ln>
@@ -6237,7 +6149,7 @@
               <a:t>sod.ProductID</a:t>
             </a:r>
             <a:r>
-              <a:rPr kumimoji="0" lang="en-US" altLang="en-US" sz="1300" b="0" i="0" u="none" strike="noStrike" cap="none" normalizeH="0" baseline="0" dirty="0" smtClean="0">
+              <a:rPr kumimoji="0" lang="en-US" altLang="en-US" sz="1300" b="0" i="0" u="none" strike="noStrike" cap="none" normalizeH="0" baseline="0" dirty="0">
                 <a:ln>
                   <a:noFill/>
                 </a:ln>
@@ -6250,7 +6162,7 @@
               <a:t> = </a:t>
             </a:r>
             <a:r>
-              <a:rPr kumimoji="0" lang="en-US" altLang="en-US" sz="1300" b="0" i="0" u="none" strike="noStrike" cap="none" normalizeH="0" baseline="0" dirty="0" err="1" smtClean="0">
+              <a:rPr kumimoji="0" lang="en-US" altLang="en-US" sz="1300" b="0" i="0" u="none" strike="noStrike" cap="none" normalizeH="0" baseline="0" dirty="0" err="1">
                 <a:ln>
                   <a:noFill/>
                 </a:ln>
@@ -6263,7 +6175,7 @@
               <a:t>p.ProductID</a:t>
             </a:r>
             <a:r>
-              <a:rPr kumimoji="0" lang="en-US" altLang="en-US" sz="1300" b="0" i="0" u="none" strike="noStrike" cap="none" normalizeH="0" baseline="0" dirty="0" smtClean="0">
+              <a:rPr kumimoji="0" lang="en-US" altLang="en-US" sz="1300" b="0" i="0" u="none" strike="noStrike" cap="none" normalizeH="0" baseline="0" dirty="0">
                 <a:ln>
                   <a:noFill/>
                 </a:ln>
@@ -6294,7 +6206,7 @@
               <a:tabLst/>
             </a:pPr>
             <a:r>
-              <a:rPr kumimoji="0" lang="en-US" altLang="en-US" sz="1300" b="0" i="0" u="none" strike="noStrike" cap="none" normalizeH="0" baseline="0" dirty="0" smtClean="0">
+              <a:rPr kumimoji="0" lang="en-US" altLang="en-US" sz="1300" b="0" i="0" u="none" strike="noStrike" cap="none" normalizeH="0" baseline="0" dirty="0">
                 <a:ln>
                   <a:noFill/>
                 </a:ln>
@@ -6307,7 +6219,7 @@
               <a:t>-- but we need to pass via subcategories</a:t>
             </a:r>
             <a:r>
-              <a:rPr kumimoji="0" lang="en-US" altLang="en-US" sz="1300" b="0" i="0" u="none" strike="noStrike" cap="none" normalizeH="0" baseline="0" dirty="0" smtClean="0">
+              <a:rPr kumimoji="0" lang="en-US" altLang="en-US" sz="1300" b="0" i="0" u="none" strike="noStrike" cap="none" normalizeH="0" baseline="0" dirty="0">
                 <a:ln>
                   <a:noFill/>
                 </a:ln>
@@ -6338,7 +6250,7 @@
               <a:tabLst/>
             </a:pPr>
             <a:r>
-              <a:rPr kumimoji="0" lang="en-US" altLang="en-US" sz="1300" b="0" i="0" u="none" strike="noStrike" cap="none" normalizeH="0" baseline="0" dirty="0" smtClean="0">
+              <a:rPr kumimoji="0" lang="en-US" altLang="en-US" sz="1300" b="0" i="0" u="none" strike="noStrike" cap="none" normalizeH="0" baseline="0" dirty="0">
                 <a:ln>
                   <a:noFill/>
                 </a:ln>
@@ -6351,7 +6263,7 @@
               <a:t>INNER</a:t>
             </a:r>
             <a:r>
-              <a:rPr kumimoji="0" lang="en-US" altLang="en-US" sz="1300" b="0" i="0" u="none" strike="noStrike" cap="none" normalizeH="0" baseline="0" dirty="0" smtClean="0">
+              <a:rPr kumimoji="0" lang="en-US" altLang="en-US" sz="1300" b="0" i="0" u="none" strike="noStrike" cap="none" normalizeH="0" baseline="0" dirty="0">
                 <a:ln>
                   <a:noFill/>
                 </a:ln>
@@ -6364,7 +6276,7 @@
               <a:t> </a:t>
             </a:r>
             <a:r>
-              <a:rPr kumimoji="0" lang="en-US" altLang="en-US" sz="1300" b="0" i="0" u="none" strike="noStrike" cap="none" normalizeH="0" baseline="0" dirty="0" smtClean="0">
+              <a:rPr kumimoji="0" lang="en-US" altLang="en-US" sz="1300" b="0" i="0" u="none" strike="noStrike" cap="none" normalizeH="0" baseline="0" dirty="0">
                 <a:ln>
                   <a:noFill/>
                 </a:ln>
@@ -6377,7 +6289,7 @@
               <a:t>JOIN</a:t>
             </a:r>
             <a:r>
-              <a:rPr kumimoji="0" lang="en-US" altLang="en-US" sz="1300" b="0" i="0" u="none" strike="noStrike" cap="none" normalizeH="0" baseline="0" dirty="0" smtClean="0">
+              <a:rPr kumimoji="0" lang="en-US" altLang="en-US" sz="1300" b="0" i="0" u="none" strike="noStrike" cap="none" normalizeH="0" baseline="0" dirty="0">
                 <a:ln>
                   <a:noFill/>
                 </a:ln>
@@ -6390,7 +6302,7 @@
               <a:t> </a:t>
             </a:r>
             <a:r>
-              <a:rPr kumimoji="0" lang="en-US" altLang="en-US" sz="1300" b="0" i="0" u="none" strike="noStrike" cap="none" normalizeH="0" baseline="0" dirty="0" err="1" smtClean="0">
+              <a:rPr kumimoji="0" lang="en-US" altLang="en-US" sz="1300" b="0" i="0" u="none" strike="noStrike" cap="none" normalizeH="0" baseline="0" dirty="0" err="1">
                 <a:ln>
                   <a:noFill/>
                 </a:ln>
@@ -6403,7 +6315,7 @@
               <a:t>Production.ProductSubcategory</a:t>
             </a:r>
             <a:r>
-              <a:rPr kumimoji="0" lang="en-US" altLang="en-US" sz="1300" b="0" i="0" u="none" strike="noStrike" cap="none" normalizeH="0" baseline="0" dirty="0" smtClean="0">
+              <a:rPr kumimoji="0" lang="en-US" altLang="en-US" sz="1300" b="0" i="0" u="none" strike="noStrike" cap="none" normalizeH="0" baseline="0" dirty="0">
                 <a:ln>
                   <a:noFill/>
                 </a:ln>
@@ -6416,7 +6328,7 @@
               <a:t> </a:t>
             </a:r>
             <a:r>
-              <a:rPr kumimoji="0" lang="en-US" altLang="en-US" sz="1300" b="0" i="0" u="none" strike="noStrike" cap="none" normalizeH="0" baseline="0" dirty="0" err="1" smtClean="0">
+              <a:rPr kumimoji="0" lang="en-US" altLang="en-US" sz="1300" b="0" i="0" u="none" strike="noStrike" cap="none" normalizeH="0" baseline="0" dirty="0" err="1">
                 <a:ln>
                   <a:noFill/>
                 </a:ln>
@@ -6429,7 +6341,7 @@
               <a:t>psc</a:t>
             </a:r>
             <a:r>
-              <a:rPr kumimoji="0" lang="en-US" altLang="en-US" sz="1300" b="0" i="0" u="none" strike="noStrike" cap="none" normalizeH="0" baseline="0" dirty="0" smtClean="0">
+              <a:rPr kumimoji="0" lang="en-US" altLang="en-US" sz="1300" b="0" i="0" u="none" strike="noStrike" cap="none" normalizeH="0" baseline="0" dirty="0">
                 <a:ln>
                   <a:noFill/>
                 </a:ln>
@@ -6442,7 +6354,7 @@
               <a:t> </a:t>
             </a:r>
             <a:r>
-              <a:rPr kumimoji="0" lang="en-US" altLang="en-US" sz="1300" b="0" i="0" u="none" strike="noStrike" cap="none" normalizeH="0" baseline="0" dirty="0" smtClean="0">
+              <a:rPr kumimoji="0" lang="en-US" altLang="en-US" sz="1300" b="0" i="0" u="none" strike="noStrike" cap="none" normalizeH="0" baseline="0" dirty="0">
                 <a:ln>
                   <a:noFill/>
                 </a:ln>
@@ -6455,7 +6367,7 @@
               <a:t>ON</a:t>
             </a:r>
             <a:r>
-              <a:rPr kumimoji="0" lang="en-US" altLang="en-US" sz="1300" b="0" i="0" u="none" strike="noStrike" cap="none" normalizeH="0" baseline="0" dirty="0" smtClean="0">
+              <a:rPr kumimoji="0" lang="en-US" altLang="en-US" sz="1300" b="0" i="0" u="none" strike="noStrike" cap="none" normalizeH="0" baseline="0" dirty="0">
                 <a:ln>
                   <a:noFill/>
                 </a:ln>
@@ -6468,7 +6380,7 @@
               <a:t> </a:t>
             </a:r>
             <a:r>
-              <a:rPr kumimoji="0" lang="en-US" altLang="en-US" sz="1300" b="0" i="0" u="none" strike="noStrike" cap="none" normalizeH="0" baseline="0" dirty="0" err="1" smtClean="0">
+              <a:rPr kumimoji="0" lang="en-US" altLang="en-US" sz="1300" b="0" i="0" u="none" strike="noStrike" cap="none" normalizeH="0" baseline="0" dirty="0" err="1">
                 <a:ln>
                   <a:noFill/>
                 </a:ln>
@@ -6481,7 +6393,7 @@
               <a:t>p.ProductSubcategoryID</a:t>
             </a:r>
             <a:r>
-              <a:rPr kumimoji="0" lang="en-US" altLang="en-US" sz="1300" b="0" i="0" u="none" strike="noStrike" cap="none" normalizeH="0" baseline="0" dirty="0" smtClean="0">
+              <a:rPr kumimoji="0" lang="en-US" altLang="en-US" sz="1300" b="0" i="0" u="none" strike="noStrike" cap="none" normalizeH="0" baseline="0" dirty="0">
                 <a:ln>
                   <a:noFill/>
                 </a:ln>
@@ -6494,7 +6406,7 @@
               <a:t> = </a:t>
             </a:r>
             <a:r>
-              <a:rPr kumimoji="0" lang="en-US" altLang="en-US" sz="1300" b="0" i="0" u="none" strike="noStrike" cap="none" normalizeH="0" baseline="0" dirty="0" err="1" smtClean="0">
+              <a:rPr kumimoji="0" lang="en-US" altLang="en-US" sz="1300" b="0" i="0" u="none" strike="noStrike" cap="none" normalizeH="0" baseline="0" dirty="0" err="1">
                 <a:ln>
                   <a:noFill/>
                 </a:ln>
@@ -6507,7 +6419,7 @@
               <a:t>psc.ProductSubcategoryID</a:t>
             </a:r>
             <a:r>
-              <a:rPr kumimoji="0" lang="en-US" altLang="en-US" sz="1300" b="0" i="0" u="none" strike="noStrike" cap="none" normalizeH="0" baseline="0" dirty="0" smtClean="0">
+              <a:rPr kumimoji="0" lang="en-US" altLang="en-US" sz="1300" b="0" i="0" u="none" strike="noStrike" cap="none" normalizeH="0" baseline="0" dirty="0">
                 <a:ln>
                   <a:noFill/>
                 </a:ln>
@@ -6538,7 +6450,7 @@
               <a:tabLst/>
             </a:pPr>
             <a:r>
-              <a:rPr kumimoji="0" lang="en-US" altLang="en-US" sz="1300" b="0" i="0" u="none" strike="noStrike" cap="none" normalizeH="0" baseline="0" dirty="0" smtClean="0">
+              <a:rPr kumimoji="0" lang="en-US" altLang="en-US" sz="1300" b="0" i="0" u="none" strike="noStrike" cap="none" normalizeH="0" baseline="0" dirty="0">
                 <a:ln>
                   <a:noFill/>
                 </a:ln>
@@ -6551,7 +6463,7 @@
               <a:t>-- we finally get to the category</a:t>
             </a:r>
             <a:r>
-              <a:rPr kumimoji="0" lang="en-US" altLang="en-US" sz="1300" b="0" i="0" u="none" strike="noStrike" cap="none" normalizeH="0" baseline="0" dirty="0" smtClean="0">
+              <a:rPr kumimoji="0" lang="en-US" altLang="en-US" sz="1300" b="0" i="0" u="none" strike="noStrike" cap="none" normalizeH="0" baseline="0" dirty="0">
                 <a:ln>
                   <a:noFill/>
                 </a:ln>
@@ -6582,7 +6494,7 @@
               <a:tabLst/>
             </a:pPr>
             <a:r>
-              <a:rPr kumimoji="0" lang="en-US" altLang="en-US" sz="1300" b="0" i="0" u="none" strike="noStrike" cap="none" normalizeH="0" baseline="0" dirty="0" smtClean="0">
+              <a:rPr kumimoji="0" lang="en-US" altLang="en-US" sz="1300" b="0" i="0" u="none" strike="noStrike" cap="none" normalizeH="0" baseline="0" dirty="0">
                 <a:ln>
                   <a:noFill/>
                 </a:ln>
@@ -6595,7 +6507,7 @@
               <a:t>INNER</a:t>
             </a:r>
             <a:r>
-              <a:rPr kumimoji="0" lang="en-US" altLang="en-US" sz="1300" b="0" i="0" u="none" strike="noStrike" cap="none" normalizeH="0" baseline="0" dirty="0" smtClean="0">
+              <a:rPr kumimoji="0" lang="en-US" altLang="en-US" sz="1300" b="0" i="0" u="none" strike="noStrike" cap="none" normalizeH="0" baseline="0" dirty="0">
                 <a:ln>
                   <a:noFill/>
                 </a:ln>
@@ -6608,7 +6520,7 @@
               <a:t> </a:t>
             </a:r>
             <a:r>
-              <a:rPr kumimoji="0" lang="en-US" altLang="en-US" sz="1300" b="0" i="0" u="none" strike="noStrike" cap="none" normalizeH="0" baseline="0" dirty="0" smtClean="0">
+              <a:rPr kumimoji="0" lang="en-US" altLang="en-US" sz="1300" b="0" i="0" u="none" strike="noStrike" cap="none" normalizeH="0" baseline="0" dirty="0">
                 <a:ln>
                   <a:noFill/>
                 </a:ln>
@@ -6621,7 +6533,7 @@
               <a:t>JOIN</a:t>
             </a:r>
             <a:r>
-              <a:rPr kumimoji="0" lang="en-US" altLang="en-US" sz="1300" b="0" i="0" u="none" strike="noStrike" cap="none" normalizeH="0" baseline="0" dirty="0" smtClean="0">
+              <a:rPr kumimoji="0" lang="en-US" altLang="en-US" sz="1300" b="0" i="0" u="none" strike="noStrike" cap="none" normalizeH="0" baseline="0" dirty="0">
                 <a:ln>
                   <a:noFill/>
                 </a:ln>
@@ -6634,7 +6546,7 @@
               <a:t> </a:t>
             </a:r>
             <a:r>
-              <a:rPr kumimoji="0" lang="en-US" altLang="en-US" sz="1300" b="0" i="0" u="none" strike="noStrike" cap="none" normalizeH="0" baseline="0" dirty="0" err="1" smtClean="0">
+              <a:rPr kumimoji="0" lang="en-US" altLang="en-US" sz="1300" b="0" i="0" u="none" strike="noStrike" cap="none" normalizeH="0" baseline="0" dirty="0" err="1">
                 <a:ln>
                   <a:noFill/>
                 </a:ln>
@@ -6647,7 +6559,7 @@
               <a:t>Production.ProductCategory</a:t>
             </a:r>
             <a:r>
-              <a:rPr kumimoji="0" lang="en-US" altLang="en-US" sz="1300" b="0" i="0" u="none" strike="noStrike" cap="none" normalizeH="0" baseline="0" dirty="0" smtClean="0">
+              <a:rPr kumimoji="0" lang="en-US" altLang="en-US" sz="1300" b="0" i="0" u="none" strike="noStrike" cap="none" normalizeH="0" baseline="0" dirty="0">
                 <a:ln>
                   <a:noFill/>
                 </a:ln>
@@ -6660,7 +6572,7 @@
               <a:t> pc </a:t>
             </a:r>
             <a:r>
-              <a:rPr kumimoji="0" lang="en-US" altLang="en-US" sz="1300" b="0" i="0" u="none" strike="noStrike" cap="none" normalizeH="0" baseline="0" dirty="0" smtClean="0">
+              <a:rPr kumimoji="0" lang="en-US" altLang="en-US" sz="1300" b="0" i="0" u="none" strike="noStrike" cap="none" normalizeH="0" baseline="0" dirty="0">
                 <a:ln>
                   <a:noFill/>
                 </a:ln>
@@ -6673,7 +6585,7 @@
               <a:t>ON</a:t>
             </a:r>
             <a:r>
-              <a:rPr kumimoji="0" lang="en-US" altLang="en-US" sz="1300" b="0" i="0" u="none" strike="noStrike" cap="none" normalizeH="0" baseline="0" dirty="0" smtClean="0">
+              <a:rPr kumimoji="0" lang="en-US" altLang="en-US" sz="1300" b="0" i="0" u="none" strike="noStrike" cap="none" normalizeH="0" baseline="0" dirty="0">
                 <a:ln>
                   <a:noFill/>
                 </a:ln>
@@ -6686,7 +6598,7 @@
               <a:t> </a:t>
             </a:r>
             <a:r>
-              <a:rPr kumimoji="0" lang="en-US" altLang="en-US" sz="1300" b="0" i="0" u="none" strike="noStrike" cap="none" normalizeH="0" baseline="0" dirty="0" err="1" smtClean="0">
+              <a:rPr kumimoji="0" lang="en-US" altLang="en-US" sz="1300" b="0" i="0" u="none" strike="noStrike" cap="none" normalizeH="0" baseline="0" dirty="0" err="1">
                 <a:ln>
                   <a:noFill/>
                 </a:ln>
@@ -6699,7 +6611,7 @@
               <a:t>psc.ProductCategoryID</a:t>
             </a:r>
             <a:r>
-              <a:rPr kumimoji="0" lang="en-US" altLang="en-US" sz="1300" b="0" i="0" u="none" strike="noStrike" cap="none" normalizeH="0" baseline="0" dirty="0" smtClean="0">
+              <a:rPr kumimoji="0" lang="en-US" altLang="en-US" sz="1300" b="0" i="0" u="none" strike="noStrike" cap="none" normalizeH="0" baseline="0" dirty="0">
                 <a:ln>
                   <a:noFill/>
                 </a:ln>
@@ -6712,7 +6624,7 @@
               <a:t> = </a:t>
             </a:r>
             <a:r>
-              <a:rPr kumimoji="0" lang="en-US" altLang="en-US" sz="1300" b="0" i="0" u="none" strike="noStrike" cap="none" normalizeH="0" baseline="0" dirty="0" err="1" smtClean="0">
+              <a:rPr kumimoji="0" lang="en-US" altLang="en-US" sz="1300" b="0" i="0" u="none" strike="noStrike" cap="none" normalizeH="0" baseline="0" dirty="0" err="1">
                 <a:ln>
                   <a:noFill/>
                 </a:ln>
@@ -6725,7 +6637,7 @@
               <a:t>pc.ProductCategoryID</a:t>
             </a:r>
             <a:r>
-              <a:rPr kumimoji="0" lang="en-US" altLang="en-US" sz="1300" b="0" i="0" u="none" strike="noStrike" cap="none" normalizeH="0" baseline="0" dirty="0" smtClean="0">
+              <a:rPr kumimoji="0" lang="en-US" altLang="en-US" sz="1300" b="0" i="0" u="none" strike="noStrike" cap="none" normalizeH="0" baseline="0" dirty="0">
                 <a:ln>
                   <a:noFill/>
                 </a:ln>
@@ -6756,7 +6668,7 @@
               <a:tabLst/>
             </a:pPr>
             <a:r>
-              <a:rPr kumimoji="0" lang="en-US" altLang="en-US" sz="1300" b="0" i="0" u="none" strike="noStrike" cap="none" normalizeH="0" baseline="0" dirty="0" smtClean="0">
+              <a:rPr kumimoji="0" lang="en-US" altLang="en-US" sz="1300" b="0" i="0" u="none" strike="noStrike" cap="none" normalizeH="0" baseline="0" dirty="0">
                 <a:ln>
                   <a:noFill/>
                 </a:ln>
@@ -6769,7 +6681,7 @@
               <a:t>-- we also need the headers because that's where the customer is stored</a:t>
             </a:r>
             <a:r>
-              <a:rPr kumimoji="0" lang="en-US" altLang="en-US" sz="1300" b="0" i="0" u="none" strike="noStrike" cap="none" normalizeH="0" baseline="0" dirty="0" smtClean="0">
+              <a:rPr kumimoji="0" lang="en-US" altLang="en-US" sz="1300" b="0" i="0" u="none" strike="noStrike" cap="none" normalizeH="0" baseline="0" dirty="0">
                 <a:ln>
                   <a:noFill/>
                 </a:ln>
@@ -6800,7 +6712,7 @@
               <a:tabLst/>
             </a:pPr>
             <a:r>
-              <a:rPr kumimoji="0" lang="en-US" altLang="en-US" sz="1300" b="0" i="0" u="none" strike="noStrike" cap="none" normalizeH="0" baseline="0" dirty="0" smtClean="0">
+              <a:rPr kumimoji="0" lang="en-US" altLang="en-US" sz="1300" b="0" i="0" u="none" strike="noStrike" cap="none" normalizeH="0" baseline="0" dirty="0">
                 <a:ln>
                   <a:noFill/>
                 </a:ln>
@@ -6813,7 +6725,7 @@
               <a:t>INNER</a:t>
             </a:r>
             <a:r>
-              <a:rPr kumimoji="0" lang="en-US" altLang="en-US" sz="1300" b="0" i="0" u="none" strike="noStrike" cap="none" normalizeH="0" baseline="0" dirty="0" smtClean="0">
+              <a:rPr kumimoji="0" lang="en-US" altLang="en-US" sz="1300" b="0" i="0" u="none" strike="noStrike" cap="none" normalizeH="0" baseline="0" dirty="0">
                 <a:ln>
                   <a:noFill/>
                 </a:ln>
@@ -6826,7 +6738,7 @@
               <a:t> </a:t>
             </a:r>
             <a:r>
-              <a:rPr kumimoji="0" lang="en-US" altLang="en-US" sz="1300" b="0" i="0" u="none" strike="noStrike" cap="none" normalizeH="0" baseline="0" dirty="0" smtClean="0">
+              <a:rPr kumimoji="0" lang="en-US" altLang="en-US" sz="1300" b="0" i="0" u="none" strike="noStrike" cap="none" normalizeH="0" baseline="0" dirty="0">
                 <a:ln>
                   <a:noFill/>
                 </a:ln>
@@ -6839,7 +6751,7 @@
               <a:t>JOIN</a:t>
             </a:r>
             <a:r>
-              <a:rPr kumimoji="0" lang="en-US" altLang="en-US" sz="1300" b="0" i="0" u="none" strike="noStrike" cap="none" normalizeH="0" baseline="0" dirty="0" smtClean="0">
+              <a:rPr kumimoji="0" lang="en-US" altLang="en-US" sz="1300" b="0" i="0" u="none" strike="noStrike" cap="none" normalizeH="0" baseline="0" dirty="0">
                 <a:ln>
                   <a:noFill/>
                 </a:ln>
@@ -6852,7 +6764,7 @@
               <a:t> </a:t>
             </a:r>
             <a:r>
-              <a:rPr kumimoji="0" lang="en-US" altLang="en-US" sz="1300" b="0" i="0" u="none" strike="noStrike" cap="none" normalizeH="0" baseline="0" dirty="0" err="1" smtClean="0">
+              <a:rPr kumimoji="0" lang="en-US" altLang="en-US" sz="1300" b="0" i="0" u="none" strike="noStrike" cap="none" normalizeH="0" baseline="0" dirty="0" err="1">
                 <a:ln>
                   <a:noFill/>
                 </a:ln>
@@ -6865,7 +6777,7 @@
               <a:t>sales.SalesOrderHeader</a:t>
             </a:r>
             <a:r>
-              <a:rPr kumimoji="0" lang="en-US" altLang="en-US" sz="1300" b="0" i="0" u="none" strike="noStrike" cap="none" normalizeH="0" baseline="0" dirty="0" smtClean="0">
+              <a:rPr kumimoji="0" lang="en-US" altLang="en-US" sz="1300" b="0" i="0" u="none" strike="noStrike" cap="none" normalizeH="0" baseline="0" dirty="0">
                 <a:ln>
                   <a:noFill/>
                 </a:ln>
@@ -6878,7 +6790,7 @@
               <a:t> </a:t>
             </a:r>
             <a:r>
-              <a:rPr kumimoji="0" lang="en-US" altLang="en-US" sz="1300" b="0" i="0" u="none" strike="noStrike" cap="none" normalizeH="0" baseline="0" dirty="0" err="1" smtClean="0">
+              <a:rPr kumimoji="0" lang="en-US" altLang="en-US" sz="1300" b="0" i="0" u="none" strike="noStrike" cap="none" normalizeH="0" baseline="0" dirty="0" err="1">
                 <a:ln>
                   <a:noFill/>
                 </a:ln>
@@ -6891,7 +6803,7 @@
               <a:t>soh</a:t>
             </a:r>
             <a:r>
-              <a:rPr kumimoji="0" lang="en-US" altLang="en-US" sz="1300" b="0" i="0" u="none" strike="noStrike" cap="none" normalizeH="0" baseline="0" dirty="0" smtClean="0">
+              <a:rPr kumimoji="0" lang="en-US" altLang="en-US" sz="1300" b="0" i="0" u="none" strike="noStrike" cap="none" normalizeH="0" baseline="0" dirty="0">
                 <a:ln>
                   <a:noFill/>
                 </a:ln>
@@ -6904,7 +6816,7 @@
               <a:t> </a:t>
             </a:r>
             <a:r>
-              <a:rPr kumimoji="0" lang="en-US" altLang="en-US" sz="1300" b="0" i="0" u="none" strike="noStrike" cap="none" normalizeH="0" baseline="0" dirty="0" smtClean="0">
+              <a:rPr kumimoji="0" lang="en-US" altLang="en-US" sz="1300" b="0" i="0" u="none" strike="noStrike" cap="none" normalizeH="0" baseline="0" dirty="0">
                 <a:ln>
                   <a:noFill/>
                 </a:ln>
@@ -6917,7 +6829,7 @@
               <a:t>ON</a:t>
             </a:r>
             <a:r>
-              <a:rPr kumimoji="0" lang="en-US" altLang="en-US" sz="1300" b="0" i="0" u="none" strike="noStrike" cap="none" normalizeH="0" baseline="0" dirty="0" smtClean="0">
+              <a:rPr kumimoji="0" lang="en-US" altLang="en-US" sz="1300" b="0" i="0" u="none" strike="noStrike" cap="none" normalizeH="0" baseline="0" dirty="0">
                 <a:ln>
                   <a:noFill/>
                 </a:ln>
@@ -6930,7 +6842,7 @@
               <a:t> </a:t>
             </a:r>
             <a:r>
-              <a:rPr kumimoji="0" lang="en-US" altLang="en-US" sz="1300" b="0" i="0" u="none" strike="noStrike" cap="none" normalizeH="0" baseline="0" dirty="0" err="1" smtClean="0">
+              <a:rPr kumimoji="0" lang="en-US" altLang="en-US" sz="1300" b="0" i="0" u="none" strike="noStrike" cap="none" normalizeH="0" baseline="0" dirty="0" err="1">
                 <a:ln>
                   <a:noFill/>
                 </a:ln>
@@ -6943,7 +6855,7 @@
               <a:t>sod.SalesOrderID</a:t>
             </a:r>
             <a:r>
-              <a:rPr kumimoji="0" lang="en-US" altLang="en-US" sz="1300" b="0" i="0" u="none" strike="noStrike" cap="none" normalizeH="0" baseline="0" dirty="0" smtClean="0">
+              <a:rPr kumimoji="0" lang="en-US" altLang="en-US" sz="1300" b="0" i="0" u="none" strike="noStrike" cap="none" normalizeH="0" baseline="0" dirty="0">
                 <a:ln>
                   <a:noFill/>
                 </a:ln>
@@ -6956,7 +6868,7 @@
               <a:t> = </a:t>
             </a:r>
             <a:r>
-              <a:rPr kumimoji="0" lang="en-US" altLang="en-US" sz="1300" b="0" i="0" u="none" strike="noStrike" cap="none" normalizeH="0" baseline="0" dirty="0" err="1" smtClean="0">
+              <a:rPr kumimoji="0" lang="en-US" altLang="en-US" sz="1300" b="0" i="0" u="none" strike="noStrike" cap="none" normalizeH="0" baseline="0" dirty="0" err="1">
                 <a:ln>
                   <a:noFill/>
                 </a:ln>
@@ -6969,7 +6881,7 @@
               <a:t>soh.SalesOrderID</a:t>
             </a:r>
             <a:r>
-              <a:rPr kumimoji="0" lang="en-US" altLang="en-US" sz="1300" b="0" i="0" u="none" strike="noStrike" cap="none" normalizeH="0" baseline="0" dirty="0" smtClean="0">
+              <a:rPr kumimoji="0" lang="en-US" altLang="en-US" sz="1300" b="0" i="0" u="none" strike="noStrike" cap="none" normalizeH="0" baseline="0" dirty="0">
                 <a:ln>
                   <a:noFill/>
                 </a:ln>
@@ -7000,7 +6912,7 @@
               <a:tabLst/>
             </a:pPr>
             <a:r>
-              <a:rPr kumimoji="0" lang="en-US" altLang="en-US" sz="1300" b="0" i="0" u="none" strike="noStrike" cap="none" normalizeH="0" baseline="0" dirty="0" smtClean="0">
+              <a:rPr kumimoji="0" lang="en-US" altLang="en-US" sz="1300" b="0" i="0" u="none" strike="noStrike" cap="none" normalizeH="0" baseline="0" dirty="0">
                 <a:ln>
                   <a:noFill/>
                 </a:ln>
@@ -7013,7 +6925,7 @@
               <a:t>-- finally the customer, but we don't have his name here</a:t>
             </a:r>
             <a:r>
-              <a:rPr kumimoji="0" lang="en-US" altLang="en-US" sz="1300" b="0" i="0" u="none" strike="noStrike" cap="none" normalizeH="0" baseline="0" dirty="0" smtClean="0">
+              <a:rPr kumimoji="0" lang="en-US" altLang="en-US" sz="1300" b="0" i="0" u="none" strike="noStrike" cap="none" normalizeH="0" baseline="0" dirty="0">
                 <a:ln>
                   <a:noFill/>
                 </a:ln>
@@ -7044,7 +6956,7 @@
               <a:tabLst/>
             </a:pPr>
             <a:r>
-              <a:rPr kumimoji="0" lang="en-US" altLang="en-US" sz="1300" b="0" i="0" u="none" strike="noStrike" cap="none" normalizeH="0" baseline="0" dirty="0" smtClean="0">
+              <a:rPr kumimoji="0" lang="en-US" altLang="en-US" sz="1300" b="0" i="0" u="none" strike="noStrike" cap="none" normalizeH="0" baseline="0" dirty="0">
                 <a:ln>
                   <a:noFill/>
                 </a:ln>
@@ -7057,7 +6969,7 @@
               <a:t>INNER</a:t>
             </a:r>
             <a:r>
-              <a:rPr kumimoji="0" lang="en-US" altLang="en-US" sz="1300" b="0" i="0" u="none" strike="noStrike" cap="none" normalizeH="0" baseline="0" dirty="0" smtClean="0">
+              <a:rPr kumimoji="0" lang="en-US" altLang="en-US" sz="1300" b="0" i="0" u="none" strike="noStrike" cap="none" normalizeH="0" baseline="0" dirty="0">
                 <a:ln>
                   <a:noFill/>
                 </a:ln>
@@ -7070,7 +6982,7 @@
               <a:t> </a:t>
             </a:r>
             <a:r>
-              <a:rPr kumimoji="0" lang="en-US" altLang="en-US" sz="1300" b="0" i="0" u="none" strike="noStrike" cap="none" normalizeH="0" baseline="0" dirty="0" smtClean="0">
+              <a:rPr kumimoji="0" lang="en-US" altLang="en-US" sz="1300" b="0" i="0" u="none" strike="noStrike" cap="none" normalizeH="0" baseline="0" dirty="0">
                 <a:ln>
                   <a:noFill/>
                 </a:ln>
@@ -7083,7 +6995,7 @@
               <a:t>JOIN</a:t>
             </a:r>
             <a:r>
-              <a:rPr kumimoji="0" lang="en-US" altLang="en-US" sz="1300" b="0" i="0" u="none" strike="noStrike" cap="none" normalizeH="0" baseline="0" dirty="0" smtClean="0">
+              <a:rPr kumimoji="0" lang="en-US" altLang="en-US" sz="1300" b="0" i="0" u="none" strike="noStrike" cap="none" normalizeH="0" baseline="0" dirty="0">
                 <a:ln>
                   <a:noFill/>
                 </a:ln>
@@ -7096,7 +7008,7 @@
               <a:t> </a:t>
             </a:r>
             <a:r>
-              <a:rPr kumimoji="0" lang="en-US" altLang="en-US" sz="1300" b="0" i="0" u="none" strike="noStrike" cap="none" normalizeH="0" baseline="0" dirty="0" err="1" smtClean="0">
+              <a:rPr kumimoji="0" lang="en-US" altLang="en-US" sz="1300" b="0" i="0" u="none" strike="noStrike" cap="none" normalizeH="0" baseline="0" dirty="0" err="1">
                 <a:ln>
                   <a:noFill/>
                 </a:ln>
@@ -7109,7 +7021,7 @@
               <a:t>sales.Customer</a:t>
             </a:r>
             <a:r>
-              <a:rPr kumimoji="0" lang="en-US" altLang="en-US" sz="1300" b="0" i="0" u="none" strike="noStrike" cap="none" normalizeH="0" baseline="0" dirty="0" smtClean="0">
+              <a:rPr kumimoji="0" lang="en-US" altLang="en-US" sz="1300" b="0" i="0" u="none" strike="noStrike" cap="none" normalizeH="0" baseline="0" dirty="0">
                 <a:ln>
                   <a:noFill/>
                 </a:ln>
@@ -7122,7 +7034,7 @@
               <a:t> c </a:t>
             </a:r>
             <a:r>
-              <a:rPr kumimoji="0" lang="en-US" altLang="en-US" sz="1300" b="0" i="0" u="none" strike="noStrike" cap="none" normalizeH="0" baseline="0" dirty="0" smtClean="0">
+              <a:rPr kumimoji="0" lang="en-US" altLang="en-US" sz="1300" b="0" i="0" u="none" strike="noStrike" cap="none" normalizeH="0" baseline="0" dirty="0">
                 <a:ln>
                   <a:noFill/>
                 </a:ln>
@@ -7135,7 +7047,7 @@
               <a:t>ON</a:t>
             </a:r>
             <a:r>
-              <a:rPr kumimoji="0" lang="en-US" altLang="en-US" sz="1300" b="0" i="0" u="none" strike="noStrike" cap="none" normalizeH="0" baseline="0" dirty="0" smtClean="0">
+              <a:rPr kumimoji="0" lang="en-US" altLang="en-US" sz="1300" b="0" i="0" u="none" strike="noStrike" cap="none" normalizeH="0" baseline="0" dirty="0">
                 <a:ln>
                   <a:noFill/>
                 </a:ln>
@@ -7148,7 +7060,7 @@
               <a:t> </a:t>
             </a:r>
             <a:r>
-              <a:rPr kumimoji="0" lang="en-US" altLang="en-US" sz="1300" b="0" i="0" u="none" strike="noStrike" cap="none" normalizeH="0" baseline="0" dirty="0" err="1" smtClean="0">
+              <a:rPr kumimoji="0" lang="en-US" altLang="en-US" sz="1300" b="0" i="0" u="none" strike="noStrike" cap="none" normalizeH="0" baseline="0" dirty="0" err="1">
                 <a:ln>
                   <a:noFill/>
                 </a:ln>
@@ -7161,7 +7073,7 @@
               <a:t>soh.CustomerID</a:t>
             </a:r>
             <a:r>
-              <a:rPr kumimoji="0" lang="en-US" altLang="en-US" sz="1300" b="0" i="0" u="none" strike="noStrike" cap="none" normalizeH="0" baseline="0" dirty="0" smtClean="0">
+              <a:rPr kumimoji="0" lang="en-US" altLang="en-US" sz="1300" b="0" i="0" u="none" strike="noStrike" cap="none" normalizeH="0" baseline="0" dirty="0">
                 <a:ln>
                   <a:noFill/>
                 </a:ln>
@@ -7174,7 +7086,7 @@
               <a:t> = </a:t>
             </a:r>
             <a:r>
-              <a:rPr kumimoji="0" lang="en-US" altLang="en-US" sz="1300" b="0" i="0" u="none" strike="noStrike" cap="none" normalizeH="0" baseline="0" dirty="0" err="1" smtClean="0">
+              <a:rPr kumimoji="0" lang="en-US" altLang="en-US" sz="1300" b="0" i="0" u="none" strike="noStrike" cap="none" normalizeH="0" baseline="0" dirty="0" err="1">
                 <a:ln>
                   <a:noFill/>
                 </a:ln>
@@ -7187,7 +7099,7 @@
               <a:t>c.CustomerID</a:t>
             </a:r>
             <a:r>
-              <a:rPr kumimoji="0" lang="en-US" altLang="en-US" sz="1300" b="0" i="0" u="none" strike="noStrike" cap="none" normalizeH="0" baseline="0" dirty="0" smtClean="0">
+              <a:rPr kumimoji="0" lang="en-US" altLang="en-US" sz="1300" b="0" i="0" u="none" strike="noStrike" cap="none" normalizeH="0" baseline="0" dirty="0">
                 <a:ln>
                   <a:noFill/>
                 </a:ln>
@@ -7218,7 +7130,7 @@
               <a:tabLst/>
             </a:pPr>
             <a:r>
-              <a:rPr kumimoji="0" lang="en-US" altLang="en-US" sz="1300" b="0" i="0" u="none" strike="noStrike" cap="none" normalizeH="0" baseline="0" dirty="0" smtClean="0">
+              <a:rPr kumimoji="0" lang="en-US" altLang="en-US" sz="1300" b="0" i="0" u="none" strike="noStrike" cap="none" normalizeH="0" baseline="0" dirty="0">
                 <a:ln>
                   <a:noFill/>
                 </a:ln>
@@ -7231,7 +7143,7 @@
               <a:t>-- customers</a:t>
             </a:r>
             <a:r>
-              <a:rPr kumimoji="0" lang="en-US" altLang="en-US" sz="1300" b="0" i="0" u="none" strike="noStrike" cap="none" normalizeH="0" baseline="0" dirty="0" smtClean="0">
+              <a:rPr kumimoji="0" lang="en-US" altLang="en-US" sz="1300" b="0" i="0" u="none" strike="noStrike" cap="none" normalizeH="0" baseline="0" dirty="0">
                 <a:ln>
                   <a:noFill/>
                 </a:ln>
@@ -7262,7 +7174,7 @@
               <a:tabLst/>
             </a:pPr>
             <a:r>
-              <a:rPr kumimoji="0" lang="en-US" altLang="en-US" sz="1300" b="0" i="0" u="none" strike="noStrike" cap="none" normalizeH="0" baseline="0" dirty="0" smtClean="0">
+              <a:rPr kumimoji="0" lang="en-US" altLang="en-US" sz="1300" b="0" i="0" u="none" strike="noStrike" cap="none" normalizeH="0" baseline="0" dirty="0">
                 <a:ln>
                   <a:noFill/>
                 </a:ln>
@@ -7275,7 +7187,7 @@
               <a:t>INNER</a:t>
             </a:r>
             <a:r>
-              <a:rPr kumimoji="0" lang="en-US" altLang="en-US" sz="1300" b="0" i="0" u="none" strike="noStrike" cap="none" normalizeH="0" baseline="0" dirty="0" smtClean="0">
+              <a:rPr kumimoji="0" lang="en-US" altLang="en-US" sz="1300" b="0" i="0" u="none" strike="noStrike" cap="none" normalizeH="0" baseline="0" dirty="0">
                 <a:ln>
                   <a:noFill/>
                 </a:ln>
@@ -7288,7 +7200,7 @@
               <a:t> </a:t>
             </a:r>
             <a:r>
-              <a:rPr kumimoji="0" lang="en-US" altLang="en-US" sz="1300" b="0" i="0" u="none" strike="noStrike" cap="none" normalizeH="0" baseline="0" dirty="0" smtClean="0">
+              <a:rPr kumimoji="0" lang="en-US" altLang="en-US" sz="1300" b="0" i="0" u="none" strike="noStrike" cap="none" normalizeH="0" baseline="0" dirty="0">
                 <a:ln>
                   <a:noFill/>
                 </a:ln>
@@ -7301,7 +7213,7 @@
               <a:t>JOIN</a:t>
             </a:r>
             <a:r>
-              <a:rPr kumimoji="0" lang="en-US" altLang="en-US" sz="1300" b="0" i="0" u="none" strike="noStrike" cap="none" normalizeH="0" baseline="0" dirty="0" smtClean="0">
+              <a:rPr kumimoji="0" lang="en-US" altLang="en-US" sz="1300" b="0" i="0" u="none" strike="noStrike" cap="none" normalizeH="0" baseline="0" dirty="0">
                 <a:ln>
                   <a:noFill/>
                 </a:ln>
@@ -7314,7 +7226,7 @@
               <a:t> </a:t>
             </a:r>
             <a:r>
-              <a:rPr kumimoji="0" lang="en-US" altLang="en-US" sz="1300" b="0" i="0" u="none" strike="noStrike" cap="none" normalizeH="0" baseline="0" dirty="0" err="1" smtClean="0">
+              <a:rPr kumimoji="0" lang="en-US" altLang="en-US" sz="1300" b="0" i="0" u="none" strike="noStrike" cap="none" normalizeH="0" baseline="0" dirty="0" err="1">
                 <a:ln>
                   <a:noFill/>
                 </a:ln>
@@ -7327,7 +7239,7 @@
               <a:t>Person.Person</a:t>
             </a:r>
             <a:r>
-              <a:rPr kumimoji="0" lang="en-US" altLang="en-US" sz="1300" b="0" i="0" u="none" strike="noStrike" cap="none" normalizeH="0" baseline="0" dirty="0" smtClean="0">
+              <a:rPr kumimoji="0" lang="en-US" altLang="en-US" sz="1300" b="0" i="0" u="none" strike="noStrike" cap="none" normalizeH="0" baseline="0" dirty="0">
                 <a:ln>
                   <a:noFill/>
                 </a:ln>
@@ -7340,7 +7252,7 @@
               <a:t> </a:t>
             </a:r>
             <a:r>
-              <a:rPr kumimoji="0" lang="en-US" altLang="en-US" sz="1300" b="0" i="0" u="none" strike="noStrike" cap="none" normalizeH="0" baseline="0" dirty="0" err="1" smtClean="0">
+              <a:rPr kumimoji="0" lang="en-US" altLang="en-US" sz="1300" b="0" i="0" u="none" strike="noStrike" cap="none" normalizeH="0" baseline="0" dirty="0" err="1">
                 <a:ln>
                   <a:noFill/>
                 </a:ln>
@@ -7353,7 +7265,7 @@
               <a:t>pers</a:t>
             </a:r>
             <a:r>
-              <a:rPr kumimoji="0" lang="en-US" altLang="en-US" sz="1300" b="0" i="0" u="none" strike="noStrike" cap="none" normalizeH="0" baseline="0" dirty="0" smtClean="0">
+              <a:rPr kumimoji="0" lang="en-US" altLang="en-US" sz="1300" b="0" i="0" u="none" strike="noStrike" cap="none" normalizeH="0" baseline="0" dirty="0">
                 <a:ln>
                   <a:noFill/>
                 </a:ln>
@@ -7366,7 +7278,7 @@
               <a:t> </a:t>
             </a:r>
             <a:r>
-              <a:rPr kumimoji="0" lang="en-US" altLang="en-US" sz="1300" b="0" i="0" u="none" strike="noStrike" cap="none" normalizeH="0" baseline="0" dirty="0" smtClean="0">
+              <a:rPr kumimoji="0" lang="en-US" altLang="en-US" sz="1300" b="0" i="0" u="none" strike="noStrike" cap="none" normalizeH="0" baseline="0" dirty="0">
                 <a:ln>
                   <a:noFill/>
                 </a:ln>
@@ -7379,7 +7291,7 @@
               <a:t>ON</a:t>
             </a:r>
             <a:r>
-              <a:rPr kumimoji="0" lang="en-US" altLang="en-US" sz="1300" b="0" i="0" u="none" strike="noStrike" cap="none" normalizeH="0" baseline="0" dirty="0" smtClean="0">
+              <a:rPr kumimoji="0" lang="en-US" altLang="en-US" sz="1300" b="0" i="0" u="none" strike="noStrike" cap="none" normalizeH="0" baseline="0" dirty="0">
                 <a:ln>
                   <a:noFill/>
                 </a:ln>
@@ -7392,7 +7304,7 @@
               <a:t> </a:t>
             </a:r>
             <a:r>
-              <a:rPr kumimoji="0" lang="en-US" altLang="en-US" sz="1300" b="0" i="0" u="none" strike="noStrike" cap="none" normalizeH="0" baseline="0" dirty="0" err="1" smtClean="0">
+              <a:rPr kumimoji="0" lang="en-US" altLang="en-US" sz="1300" b="0" i="0" u="none" strike="noStrike" cap="none" normalizeH="0" baseline="0" dirty="0" err="1">
                 <a:ln>
                   <a:noFill/>
                 </a:ln>
@@ -7405,7 +7317,7 @@
               <a:t>c.PersonID</a:t>
             </a:r>
             <a:r>
-              <a:rPr kumimoji="0" lang="en-US" altLang="en-US" sz="1300" b="0" i="0" u="none" strike="noStrike" cap="none" normalizeH="0" baseline="0" dirty="0" smtClean="0">
+              <a:rPr kumimoji="0" lang="en-US" altLang="en-US" sz="1300" b="0" i="0" u="none" strike="noStrike" cap="none" normalizeH="0" baseline="0" dirty="0">
                 <a:ln>
                   <a:noFill/>
                 </a:ln>
@@ -7418,7 +7330,7 @@
               <a:t> = </a:t>
             </a:r>
             <a:r>
-              <a:rPr kumimoji="0" lang="en-US" altLang="en-US" sz="1300" b="0" i="0" u="none" strike="noStrike" cap="none" normalizeH="0" baseline="0" dirty="0" err="1" smtClean="0">
+              <a:rPr kumimoji="0" lang="en-US" altLang="en-US" sz="1300" b="0" i="0" u="none" strike="noStrike" cap="none" normalizeH="0" baseline="0" dirty="0" err="1">
                 <a:ln>
                   <a:noFill/>
                 </a:ln>
@@ -7431,7 +7343,7 @@
               <a:t>pers.BusinessEntityID</a:t>
             </a:r>
             <a:r>
-              <a:rPr kumimoji="0" lang="en-US" altLang="en-US" sz="1300" b="0" i="0" u="none" strike="noStrike" cap="none" normalizeH="0" baseline="0" dirty="0" smtClean="0">
+              <a:rPr kumimoji="0" lang="en-US" altLang="en-US" sz="1300" b="0" i="0" u="none" strike="noStrike" cap="none" normalizeH="0" baseline="0" dirty="0">
                 <a:ln>
                   <a:noFill/>
                 </a:ln>
@@ -7462,7 +7374,7 @@
               <a:tabLst/>
             </a:pPr>
             <a:r>
-              <a:rPr kumimoji="0" lang="en-US" altLang="en-US" sz="1300" b="0" i="0" u="none" strike="noStrike" cap="none" normalizeH="0" baseline="0" dirty="0" smtClean="0">
+              <a:rPr kumimoji="0" lang="en-US" altLang="en-US" sz="1300" b="0" i="0" u="none" strike="noStrike" cap="none" normalizeH="0" baseline="0" dirty="0">
                 <a:ln>
                   <a:noFill/>
                 </a:ln>
@@ -7475,7 +7387,7 @@
               <a:t>-- filter on bikes</a:t>
             </a:r>
             <a:r>
-              <a:rPr kumimoji="0" lang="en-US" altLang="en-US" sz="1300" b="0" i="0" u="none" strike="noStrike" cap="none" normalizeH="0" baseline="0" dirty="0" smtClean="0">
+              <a:rPr kumimoji="0" lang="en-US" altLang="en-US" sz="1300" b="0" i="0" u="none" strike="noStrike" cap="none" normalizeH="0" baseline="0" dirty="0">
                 <a:ln>
                   <a:noFill/>
                 </a:ln>
@@ -7506,7 +7418,7 @@
               <a:tabLst/>
             </a:pPr>
             <a:r>
-              <a:rPr kumimoji="0" lang="en-US" altLang="en-US" sz="1300" b="0" i="0" u="none" strike="noStrike" cap="none" normalizeH="0" baseline="0" dirty="0" smtClean="0">
+              <a:rPr kumimoji="0" lang="en-US" altLang="en-US" sz="1300" b="0" i="0" u="none" strike="noStrike" cap="none" normalizeH="0" baseline="0" dirty="0">
                 <a:ln>
                   <a:noFill/>
                 </a:ln>
@@ -7519,7 +7431,7 @@
               <a:t>WHERE</a:t>
             </a:r>
             <a:r>
-              <a:rPr kumimoji="0" lang="en-US" altLang="en-US" sz="1300" b="0" i="0" u="none" strike="noStrike" cap="none" normalizeH="0" baseline="0" dirty="0" smtClean="0">
+              <a:rPr kumimoji="0" lang="en-US" altLang="en-US" sz="1300" b="0" i="0" u="none" strike="noStrike" cap="none" normalizeH="0" baseline="0" dirty="0">
                 <a:ln>
                   <a:noFill/>
                 </a:ln>
@@ -7532,7 +7444,7 @@
               <a:t> </a:t>
             </a:r>
             <a:r>
-              <a:rPr kumimoji="0" lang="en-US" altLang="en-US" sz="1300" b="0" i="0" u="none" strike="noStrike" cap="none" normalizeH="0" baseline="0" dirty="0" err="1" smtClean="0">
+              <a:rPr kumimoji="0" lang="en-US" altLang="en-US" sz="1300" b="0" i="0" u="none" strike="noStrike" cap="none" normalizeH="0" baseline="0" dirty="0" err="1">
                 <a:ln>
                   <a:noFill/>
                 </a:ln>
@@ -7545,7 +7457,7 @@
               <a:t>pc.Name</a:t>
             </a:r>
             <a:r>
-              <a:rPr kumimoji="0" lang="en-US" altLang="en-US" sz="1300" b="0" i="0" u="none" strike="noStrike" cap="none" normalizeH="0" baseline="0" dirty="0" smtClean="0">
+              <a:rPr kumimoji="0" lang="en-US" altLang="en-US" sz="1300" b="0" i="0" u="none" strike="noStrike" cap="none" normalizeH="0" baseline="0" dirty="0">
                 <a:ln>
                   <a:noFill/>
                 </a:ln>
@@ -7558,7 +7470,7 @@
               <a:t> = </a:t>
             </a:r>
             <a:r>
-              <a:rPr kumimoji="0" lang="en-US" altLang="en-US" sz="1300" b="0" i="0" u="none" strike="noStrike" cap="none" normalizeH="0" baseline="0" dirty="0" smtClean="0">
+              <a:rPr kumimoji="0" lang="en-US" altLang="en-US" sz="1300" b="0" i="0" u="none" strike="noStrike" cap="none" normalizeH="0" baseline="0" dirty="0">
                 <a:ln>
                   <a:noFill/>
                 </a:ln>
@@ -7571,7 +7483,7 @@
               <a:t>'bikes'</a:t>
             </a:r>
             <a:r>
-              <a:rPr kumimoji="0" lang="en-US" altLang="en-US" sz="1300" b="0" i="0" u="none" strike="noStrike" cap="none" normalizeH="0" baseline="0" dirty="0" smtClean="0">
+              <a:rPr kumimoji="0" lang="en-US" altLang="en-US" sz="1300" b="0" i="0" u="none" strike="noStrike" cap="none" normalizeH="0" baseline="0" dirty="0">
                 <a:ln>
                   <a:noFill/>
                 </a:ln>
@@ -7602,7 +7514,7 @@
               <a:tabLst/>
             </a:pPr>
             <a:r>
-              <a:rPr kumimoji="0" lang="en-US" altLang="en-US" sz="1300" b="0" i="0" u="none" strike="noStrike" cap="none" normalizeH="0" baseline="0" dirty="0" smtClean="0">
+              <a:rPr kumimoji="0" lang="en-US" altLang="en-US" sz="1300" b="0" i="0" u="none" strike="noStrike" cap="none" normalizeH="0" baseline="0" dirty="0">
                 <a:ln>
                   <a:noFill/>
                 </a:ln>
@@ -7615,7 +7527,7 @@
               <a:t>-- but the customers table doesn't contain the concatenated name</a:t>
             </a:r>
             <a:r>
-              <a:rPr kumimoji="0" lang="en-US" altLang="en-US" sz="1300" b="0" i="0" u="none" strike="noStrike" cap="none" normalizeH="0" baseline="0" dirty="0" smtClean="0">
+              <a:rPr kumimoji="0" lang="en-US" altLang="en-US" sz="1300" b="0" i="0" u="none" strike="noStrike" cap="none" normalizeH="0" baseline="0" dirty="0">
                 <a:ln>
                   <a:noFill/>
                 </a:ln>
@@ -7646,7 +7558,7 @@
               <a:tabLst/>
             </a:pPr>
             <a:r>
-              <a:rPr kumimoji="0" lang="en-US" altLang="en-US" sz="1300" b="0" i="0" u="none" strike="noStrike" cap="none" normalizeH="0" baseline="0" dirty="0" smtClean="0">
+              <a:rPr kumimoji="0" lang="en-US" altLang="en-US" sz="1300" b="0" i="0" u="none" strike="noStrike" cap="none" normalizeH="0" baseline="0" dirty="0">
                 <a:ln>
                   <a:noFill/>
                 </a:ln>
@@ -7659,7 +7571,7 @@
               <a:t>GROUP</a:t>
             </a:r>
             <a:r>
-              <a:rPr kumimoji="0" lang="en-US" altLang="en-US" sz="1300" b="0" i="0" u="none" strike="noStrike" cap="none" normalizeH="0" baseline="0" dirty="0" smtClean="0">
+              <a:rPr kumimoji="0" lang="en-US" altLang="en-US" sz="1300" b="0" i="0" u="none" strike="noStrike" cap="none" normalizeH="0" baseline="0" dirty="0">
                 <a:ln>
                   <a:noFill/>
                 </a:ln>
@@ -7672,7 +7584,7 @@
               <a:t> </a:t>
             </a:r>
             <a:r>
-              <a:rPr kumimoji="0" lang="en-US" altLang="en-US" sz="1300" b="0" i="0" u="none" strike="noStrike" cap="none" normalizeH="0" baseline="0" dirty="0" smtClean="0">
+              <a:rPr kumimoji="0" lang="en-US" altLang="en-US" sz="1300" b="0" i="0" u="none" strike="noStrike" cap="none" normalizeH="0" baseline="0" dirty="0">
                 <a:ln>
                   <a:noFill/>
                 </a:ln>
@@ -7685,7 +7597,7 @@
               <a:t>BY</a:t>
             </a:r>
             <a:r>
-              <a:rPr kumimoji="0" lang="en-US" altLang="en-US" sz="1300" b="0" i="0" u="none" strike="noStrike" cap="none" normalizeH="0" baseline="0" dirty="0" smtClean="0">
+              <a:rPr kumimoji="0" lang="en-US" altLang="en-US" sz="1300" b="0" i="0" u="none" strike="noStrike" cap="none" normalizeH="0" baseline="0" dirty="0">
                 <a:ln>
                   <a:noFill/>
                 </a:ln>
@@ -7698,7 +7610,7 @@
               <a:t> </a:t>
             </a:r>
             <a:r>
-              <a:rPr kumimoji="0" lang="en-US" altLang="en-US" sz="1300" b="0" i="0" u="none" strike="noStrike" cap="none" normalizeH="0" baseline="0" dirty="0" err="1" smtClean="0">
+              <a:rPr kumimoji="0" lang="en-US" altLang="en-US" sz="1300" b="0" i="0" u="none" strike="noStrike" cap="none" normalizeH="0" baseline="0" dirty="0" err="1">
                 <a:ln>
                   <a:noFill/>
                 </a:ln>
@@ -7711,7 +7623,7 @@
               <a:t>pers.FirstName</a:t>
             </a:r>
             <a:r>
-              <a:rPr kumimoji="0" lang="en-US" altLang="en-US" sz="1300" b="0" i="0" u="none" strike="noStrike" cap="none" normalizeH="0" baseline="0" dirty="0" smtClean="0">
+              <a:rPr kumimoji="0" lang="en-US" altLang="en-US" sz="1300" b="0" i="0" u="none" strike="noStrike" cap="none" normalizeH="0" baseline="0" dirty="0">
                 <a:ln>
                   <a:noFill/>
                 </a:ln>
@@ -7724,7 +7636,7 @@
               <a:t> + </a:t>
             </a:r>
             <a:r>
-              <a:rPr kumimoji="0" lang="en-US" altLang="en-US" sz="1300" b="0" i="0" u="none" strike="noStrike" cap="none" normalizeH="0" baseline="0" dirty="0" smtClean="0">
+              <a:rPr kumimoji="0" lang="en-US" altLang="en-US" sz="1300" b="0" i="0" u="none" strike="noStrike" cap="none" normalizeH="0" baseline="0" dirty="0">
                 <a:ln>
                   <a:noFill/>
                 </a:ln>
@@ -7737,7 +7649,7 @@
               <a:t>' '</a:t>
             </a:r>
             <a:r>
-              <a:rPr kumimoji="0" lang="en-US" altLang="en-US" sz="1300" b="0" i="0" u="none" strike="noStrike" cap="none" normalizeH="0" baseline="0" dirty="0" smtClean="0">
+              <a:rPr kumimoji="0" lang="en-US" altLang="en-US" sz="1300" b="0" i="0" u="none" strike="noStrike" cap="none" normalizeH="0" baseline="0" dirty="0">
                 <a:ln>
                   <a:noFill/>
                 </a:ln>
@@ -7750,7 +7662,7 @@
               <a:t> + </a:t>
             </a:r>
             <a:r>
-              <a:rPr kumimoji="0" lang="en-US" altLang="en-US" sz="1300" b="0" i="0" u="none" strike="noStrike" cap="none" normalizeH="0" baseline="0" dirty="0" err="1" smtClean="0">
+              <a:rPr kumimoji="0" lang="en-US" altLang="en-US" sz="1300" b="0" i="0" u="none" strike="noStrike" cap="none" normalizeH="0" baseline="0" dirty="0" err="1">
                 <a:ln>
                   <a:noFill/>
                 </a:ln>
@@ -7763,7 +7675,7 @@
               <a:t>pers.LastName</a:t>
             </a:r>
             <a:r>
-              <a:rPr kumimoji="0" lang="en-US" altLang="en-US" sz="1300" b="0" i="0" u="none" strike="noStrike" cap="none" normalizeH="0" baseline="0" dirty="0" smtClean="0">
+              <a:rPr kumimoji="0" lang="en-US" altLang="en-US" sz="1300" b="0" i="0" u="none" strike="noStrike" cap="none" normalizeH="0" baseline="0" dirty="0">
                 <a:ln>
                   <a:noFill/>
                 </a:ln>
@@ -7776,7 +7688,7 @@
               <a:t>;</a:t>
             </a:r>
             <a:r>
-              <a:rPr kumimoji="0" lang="en-US" altLang="en-US" sz="1300" b="0" i="0" u="none" strike="noStrike" cap="none" normalizeH="0" baseline="0" dirty="0" smtClean="0">
+              <a:rPr kumimoji="0" lang="en-US" altLang="en-US" sz="1300" b="0" i="0" u="none" strike="noStrike" cap="none" normalizeH="0" baseline="0" dirty="0">
                 <a:ln>
                   <a:noFill/>
                 </a:ln>
@@ -7787,7 +7699,7 @@
               </a:rPr>
               <a:t> </a:t>
             </a:r>
-            <a:endParaRPr kumimoji="0" lang="en-US" altLang="en-US" sz="1300" b="0" i="0" u="none" strike="noStrike" cap="none" normalizeH="0" baseline="0" dirty="0" smtClean="0">
+            <a:endParaRPr kumimoji="0" lang="en-US" altLang="en-US" sz="1300" b="0" i="0" u="none" strike="noStrike" cap="none" normalizeH="0" baseline="0" dirty="0">
               <a:ln>
                 <a:noFill/>
               </a:ln>
@@ -7871,7 +7783,7 @@
               <a:tabLst/>
             </a:pPr>
             <a:r>
-              <a:rPr kumimoji="0" lang="en-US" altLang="en-US" sz="1300" b="0" i="0" u="none" strike="noStrike" cap="none" normalizeH="0" baseline="0" dirty="0" smtClean="0">
+              <a:rPr kumimoji="0" lang="en-US" altLang="en-US" sz="1300" b="0" i="0" u="none" strike="noStrike" cap="none" normalizeH="0" baseline="0" dirty="0">
                 <a:ln>
                   <a:noFill/>
                 </a:ln>
@@ -7884,7 +7796,7 @@
               <a:t>SELECT</a:t>
             </a:r>
             <a:r>
-              <a:rPr kumimoji="0" lang="en-US" altLang="en-US" sz="1300" b="0" i="0" u="none" strike="noStrike" cap="none" normalizeH="0" baseline="0" dirty="0" smtClean="0">
+              <a:rPr kumimoji="0" lang="en-US" altLang="en-US" sz="1300" b="0" i="0" u="none" strike="noStrike" cap="none" normalizeH="0" baseline="0" dirty="0">
                 <a:ln>
                   <a:noFill/>
                 </a:ln>
@@ -7897,7 +7809,7 @@
               <a:t> [Measures].[Internet </a:t>
             </a:r>
             <a:r>
-              <a:rPr kumimoji="0" lang="en-US" altLang="en-US" sz="1300" b="0" i="0" u="none" strike="noStrike" cap="none" normalizeH="0" baseline="0" dirty="0" smtClean="0">
+              <a:rPr kumimoji="0" lang="en-US" altLang="en-US" sz="1300" b="0" i="0" u="none" strike="noStrike" cap="none" normalizeH="0" baseline="0" dirty="0">
                 <a:ln>
                   <a:noFill/>
                 </a:ln>
@@ -7910,7 +7822,7 @@
               <a:t>Order</a:t>
             </a:r>
             <a:r>
-              <a:rPr kumimoji="0" lang="en-US" altLang="en-US" sz="1300" b="0" i="0" u="none" strike="noStrike" cap="none" normalizeH="0" baseline="0" dirty="0" smtClean="0">
+              <a:rPr kumimoji="0" lang="en-US" altLang="en-US" sz="1300" b="0" i="0" u="none" strike="noStrike" cap="none" normalizeH="0" baseline="0" dirty="0">
                 <a:ln>
                   <a:noFill/>
                 </a:ln>
@@ -7923,7 +7835,7 @@
               <a:t> Count] </a:t>
             </a:r>
             <a:r>
-              <a:rPr kumimoji="0" lang="en-US" altLang="en-US" sz="1300" b="0" i="0" u="none" strike="noStrike" cap="none" normalizeH="0" baseline="0" dirty="0" smtClean="0">
+              <a:rPr kumimoji="0" lang="en-US" altLang="en-US" sz="1300" b="0" i="0" u="none" strike="noStrike" cap="none" normalizeH="0" baseline="0" dirty="0">
                 <a:ln>
                   <a:noFill/>
                 </a:ln>
@@ -7936,7 +7848,7 @@
               <a:t>ON</a:t>
             </a:r>
             <a:r>
-              <a:rPr kumimoji="0" lang="en-US" altLang="en-US" sz="1300" b="0" i="0" u="none" strike="noStrike" cap="none" normalizeH="0" baseline="0" dirty="0" smtClean="0">
+              <a:rPr kumimoji="0" lang="en-US" altLang="en-US" sz="1300" b="0" i="0" u="none" strike="noStrike" cap="none" normalizeH="0" baseline="0" dirty="0">
                 <a:ln>
                   <a:noFill/>
                 </a:ln>
@@ -7967,7 +7879,7 @@
               <a:tabLst/>
             </a:pPr>
             <a:r>
-              <a:rPr kumimoji="0" lang="en-US" altLang="en-US" sz="1300" b="0" i="0" u="none" strike="noStrike" cap="none" normalizeH="0" baseline="0" dirty="0" smtClean="0">
+              <a:rPr kumimoji="0" lang="en-US" altLang="en-US" sz="1300" b="0" i="0" u="none" strike="noStrike" cap="none" normalizeH="0" baseline="0" dirty="0">
                 <a:ln>
                   <a:noFill/>
                 </a:ln>
@@ -7980,7 +7892,7 @@
               <a:t>[Customer].[Customer].Members </a:t>
             </a:r>
             <a:r>
-              <a:rPr kumimoji="0" lang="en-US" altLang="en-US" sz="1300" b="0" i="0" u="none" strike="noStrike" cap="none" normalizeH="0" baseline="0" dirty="0" smtClean="0">
+              <a:rPr kumimoji="0" lang="en-US" altLang="en-US" sz="1300" b="0" i="0" u="none" strike="noStrike" cap="none" normalizeH="0" baseline="0" dirty="0">
                 <a:ln>
                   <a:noFill/>
                 </a:ln>
@@ -7993,7 +7905,7 @@
               <a:t>ON</a:t>
             </a:r>
             <a:r>
-              <a:rPr kumimoji="0" lang="en-US" altLang="en-US" sz="1300" b="0" i="0" u="none" strike="noStrike" cap="none" normalizeH="0" baseline="0" dirty="0" smtClean="0">
+              <a:rPr kumimoji="0" lang="en-US" altLang="en-US" sz="1300" b="0" i="0" u="none" strike="noStrike" cap="none" normalizeH="0" baseline="0" dirty="0">
                 <a:ln>
                   <a:noFill/>
                 </a:ln>
@@ -8006,7 +7918,7 @@
               <a:t> </a:t>
             </a:r>
             <a:r>
-              <a:rPr kumimoji="0" lang="en-US" altLang="en-US" sz="1300" b="0" i="0" u="none" strike="noStrike" cap="none" normalizeH="0" baseline="0" dirty="0" smtClean="0">
+              <a:rPr kumimoji="0" lang="en-US" altLang="en-US" sz="1300" b="0" i="0" u="none" strike="noStrike" cap="none" normalizeH="0" baseline="0" dirty="0">
                 <a:ln>
                   <a:noFill/>
                 </a:ln>
@@ -8019,7 +7931,7 @@
               <a:t>ROWS</a:t>
             </a:r>
             <a:r>
-              <a:rPr kumimoji="0" lang="en-US" altLang="en-US" sz="1300" b="0" i="0" u="none" strike="noStrike" cap="none" normalizeH="0" baseline="0" dirty="0" smtClean="0">
+              <a:rPr kumimoji="0" lang="en-US" altLang="en-US" sz="1300" b="0" i="0" u="none" strike="noStrike" cap="none" normalizeH="0" baseline="0" dirty="0">
                 <a:ln>
                   <a:noFill/>
                 </a:ln>
@@ -8050,7 +7962,7 @@
               <a:tabLst/>
             </a:pPr>
             <a:r>
-              <a:rPr kumimoji="0" lang="en-US" altLang="en-US" sz="1300" b="0" i="0" u="none" strike="noStrike" cap="none" normalizeH="0" baseline="0" dirty="0" smtClean="0">
+              <a:rPr kumimoji="0" lang="en-US" altLang="en-US" sz="1300" b="0" i="0" u="none" strike="noStrike" cap="none" normalizeH="0" baseline="0" dirty="0">
                 <a:ln>
                   <a:noFill/>
                 </a:ln>
@@ -8063,7 +7975,7 @@
               <a:t>FROM</a:t>
             </a:r>
             <a:r>
-              <a:rPr kumimoji="0" lang="en-US" altLang="en-US" sz="1300" b="0" i="0" u="none" strike="noStrike" cap="none" normalizeH="0" baseline="0" dirty="0" smtClean="0">
+              <a:rPr kumimoji="0" lang="en-US" altLang="en-US" sz="1300" b="0" i="0" u="none" strike="noStrike" cap="none" normalizeH="0" baseline="0" dirty="0">
                 <a:ln>
                   <a:noFill/>
                 </a:ln>
@@ -8094,7 +8006,7 @@
               <a:tabLst/>
             </a:pPr>
             <a:r>
-              <a:rPr kumimoji="0" lang="en-US" altLang="en-US" sz="1300" b="0" i="0" u="none" strike="noStrike" cap="none" normalizeH="0" baseline="0" dirty="0" smtClean="0">
+              <a:rPr kumimoji="0" lang="en-US" altLang="en-US" sz="1300" b="0" i="0" u="none" strike="noStrike" cap="none" normalizeH="0" baseline="0" dirty="0">
                 <a:ln>
                   <a:noFill/>
                 </a:ln>
@@ -8107,7 +8019,7 @@
               <a:t>WHERE</a:t>
             </a:r>
             <a:r>
-              <a:rPr kumimoji="0" lang="en-US" altLang="en-US" sz="1300" b="0" i="0" u="none" strike="noStrike" cap="none" normalizeH="0" baseline="0" dirty="0" smtClean="0">
+              <a:rPr kumimoji="0" lang="en-US" altLang="en-US" sz="1300" b="0" i="0" u="none" strike="noStrike" cap="none" normalizeH="0" baseline="0" dirty="0">
                 <a:ln>
                   <a:noFill/>
                 </a:ln>
@@ -8120,7 +8032,7 @@
               <a:t> [Product].[Product Categories].[Category].[Bikes]</a:t>
             </a:r>
             <a:r>
-              <a:rPr kumimoji="0" lang="en-US" altLang="en-US" sz="1300" b="0" i="0" u="none" strike="noStrike" cap="none" normalizeH="0" baseline="0" dirty="0" smtClean="0">
+              <a:rPr kumimoji="0" lang="en-US" altLang="en-US" sz="1300" b="0" i="0" u="none" strike="noStrike" cap="none" normalizeH="0" baseline="0" dirty="0">
                 <a:ln>
                   <a:noFill/>
                 </a:ln>
@@ -8131,7 +8043,7 @@
               </a:rPr>
               <a:t> </a:t>
             </a:r>
-            <a:endParaRPr kumimoji="0" lang="en-US" altLang="en-US" sz="1300" b="0" i="0" u="none" strike="noStrike" cap="none" normalizeH="0" baseline="0" dirty="0" smtClean="0">
+            <a:endParaRPr kumimoji="0" lang="en-US" altLang="en-US" sz="1300" b="0" i="0" u="none" strike="noStrike" cap="none" normalizeH="0" baseline="0" dirty="0">
               <a:ln>
                 <a:noFill/>
               </a:ln>
@@ -8183,10 +8095,9 @@
           </a:lstStyle>
           <a:p>
             <a:r>
-              <a:rPr lang="en-US" sz="2400" dirty="0" smtClean="0"/>
+              <a:rPr lang="en-US" sz="2400" dirty="0"/>
               <a:t>If the data was in a BI Cube DB</a:t>
             </a:r>
-            <a:endParaRPr lang="en-US" sz="2400" dirty="0"/>
           </a:p>
         </p:txBody>
       </p:sp>
@@ -8243,10 +8154,9 @@
           <a:lstStyle/>
           <a:p>
             <a:r>
-              <a:rPr lang="en-US" sz="3600" dirty="0" smtClean="0"/>
+              <a:rPr lang="en-US" sz="3600" dirty="0"/>
               <a:t>MDX</a:t>
             </a:r>
-            <a:endParaRPr lang="en-US" sz="3600" dirty="0"/>
           </a:p>
         </p:txBody>
       </p:sp>
@@ -8273,10 +8183,10 @@
           <a:lstStyle/>
           <a:p>
             <a:r>
-              <a:rPr lang="en-US" sz="2400" dirty="0" smtClean="0"/>
-              <a:t>More like PIG the SQL?</a:t>
-            </a:r>
-            <a:endParaRPr lang="en-US" sz="2400" dirty="0" smtClean="0">
+              <a:rPr lang="en-US" sz="2400" dirty="0"/>
+              <a:t>More like PIG than SQL?</a:t>
+            </a:r>
+            <a:endParaRPr lang="en-US" sz="2400" dirty="0">
               <a:hlinkClick r:id="rId2"/>
             </a:endParaRPr>
           </a:p>
@@ -8287,52 +8197,30 @@
           </a:p>
           <a:p>
             <a:r>
-              <a:rPr lang="en-US" sz="1600" dirty="0" smtClean="0"/>
-              <a:t>Excellent article</a:t>
-            </a:r>
-            <a:r>
               <a:rPr lang="en-US" sz="1600" dirty="0"/>
-              <a:t>: </a:t>
+              <a:t>Excellent article: </a:t>
             </a:r>
             <a:r>
               <a:rPr lang="en-US" sz="1600" dirty="0">
                 <a:hlinkClick r:id="rId3"/>
               </a:rPr>
-              <a:t>https://</a:t>
-            </a:r>
-            <a:r>
-              <a:rPr lang="en-US" sz="1600" dirty="0" smtClean="0">
-                <a:hlinkClick r:id="rId3"/>
-              </a:rPr>
-              <a:t>www.codeproject.com/articles/710387/learn-to-write-custom-mdx-query-first-time</a:t>
-            </a:r>
-            <a:endParaRPr lang="en-US" sz="1600" dirty="0" smtClean="0"/>
-          </a:p>
-          <a:p>
-            <a:endParaRPr lang="en-US" sz="1600" dirty="0" smtClean="0">
+              <a:t>https://www.codeproject.com/articles/710387/learn-to-write-custom-mdx-query-first-time</a:t>
+            </a:r>
+            <a:endParaRPr lang="en-US" sz="1600" dirty="0"/>
+          </a:p>
+          <a:p>
+            <a:endParaRPr lang="en-US" sz="1600" dirty="0">
               <a:hlinkClick r:id="rId2"/>
             </a:endParaRPr>
           </a:p>
           <a:p>
             <a:r>
-              <a:rPr lang="en-US" sz="1600" dirty="0" smtClean="0">
-                <a:hlinkClick r:id="rId2"/>
-              </a:rPr>
-              <a:t>https</a:t>
-            </a:r>
-            <a:r>
               <a:rPr lang="en-US" sz="1600" dirty="0">
                 <a:hlinkClick r:id="rId2"/>
               </a:rPr>
-              <a:t>://</a:t>
-            </a:r>
-            <a:r>
-              <a:rPr lang="en-US" sz="1600" dirty="0" smtClean="0">
-                <a:hlinkClick r:id="rId2"/>
-              </a:rPr>
-              <a:t>msdn.microsoft.com/en-us/library/ms144785.aspx</a:t>
-            </a:r>
-            <a:endParaRPr lang="en-US" sz="1600" dirty="0" smtClean="0"/>
+              <a:t>https://msdn.microsoft.com/en-us/library/ms144785.aspx</a:t>
+            </a:r>
+            <a:endParaRPr lang="en-US" sz="1600" dirty="0"/>
           </a:p>
           <a:p>
             <a:endParaRPr lang="en-US" sz="1600" dirty="0"/>
@@ -8342,18 +8230,12 @@
               <a:rPr lang="en-US" sz="1600" dirty="0">
                 <a:hlinkClick r:id="rId4"/>
               </a:rPr>
-              <a:t>http://</a:t>
-            </a:r>
-            <a:r>
-              <a:rPr lang="en-US" sz="1600" dirty="0" smtClean="0">
-                <a:hlinkClick r:id="rId4"/>
-              </a:rPr>
-              <a:t>www.iccube.com/support/documentation/mdx_tutorial/gentle_introduction.php</a:t>
-            </a:r>
-            <a:endParaRPr lang="en-US" sz="1600" dirty="0" smtClean="0"/>
-          </a:p>
-          <a:p>
-            <a:endParaRPr lang="en-US" sz="1600" dirty="0" smtClean="0"/>
+              <a:t>http://www.iccube.com/support/documentation/mdx_tutorial/gentle_introduction.php</a:t>
+            </a:r>
+            <a:endParaRPr lang="en-US" sz="1600" dirty="0"/>
+          </a:p>
+          <a:p>
+            <a:endParaRPr lang="en-US" sz="1600" dirty="0"/>
           </a:p>
           <a:p>
             <a:endParaRPr lang="en-US" sz="1600" dirty="0"/>
@@ -8383,18 +8265,13 @@
           <a:lstStyle/>
           <a:p>
             <a:r>
-              <a:rPr lang="en-US" dirty="0" smtClean="0">
+              <a:rPr lang="en-US" dirty="0">
                 <a:solidFill>
                   <a:srgbClr val="FF0000"/>
                 </a:solidFill>
               </a:rPr>
               <a:t>Repeat</a:t>
             </a:r>
-            <a:endParaRPr lang="en-US" dirty="0">
-              <a:solidFill>
-                <a:srgbClr val="FF0000"/>
-              </a:solidFill>
-            </a:endParaRPr>
           </a:p>
         </p:txBody>
       </p:sp>
@@ -8408,13 +8285,6 @@
   <p:clrMapOvr>
     <a:masterClrMapping/>
   </p:clrMapOvr>
-  <p:timing>
-    <p:tnLst>
-      <p:par>
-        <p:cTn id="1" dur="indefinite" restart="never" nodeType="tmRoot"/>
-      </p:par>
-    </p:tnLst>
-  </p:timing>
 </p:sld>
 </file>
 
@@ -8458,18 +8328,17 @@
           <a:lstStyle/>
           <a:p>
             <a:r>
-              <a:rPr lang="en-US" sz="3200" dirty="0" smtClean="0"/>
+              <a:rPr lang="en-US" sz="3200" dirty="0"/>
               <a:t>Some </a:t>
             </a:r>
             <a:r>
-              <a:rPr lang="en-US" sz="3200" dirty="0" err="1" smtClean="0"/>
+              <a:rPr lang="en-US" sz="3200" dirty="0" err="1"/>
               <a:t>adventureworks</a:t>
             </a:r>
             <a:r>
-              <a:rPr lang="en-US" sz="3200" dirty="0" smtClean="0"/>
+              <a:rPr lang="en-US" sz="3200" dirty="0"/>
               <a:t> queries</a:t>
             </a:r>
-            <a:endParaRPr lang="en-US" sz="3200" dirty="0"/>
           </a:p>
         </p:txBody>
       </p:sp>
@@ -8506,47 +8375,85 @@
                 <a:latin typeface="Calibri" panose="020F0502020204030204" pitchFamily="34" charset="0"/>
                 <a:cs typeface="Calibri" panose="020F0502020204030204" pitchFamily="34" charset="0"/>
               </a:rPr>
-              <a:t>With </a:t>
-            </a:r>
-            <a:r>
-              <a:rPr lang="en-US" sz="1600" dirty="0" smtClean="0">
+              <a:t>With Use {  , } to show more than 1  Measure item </a:t>
+            </a:r>
+          </a:p>
+          <a:p>
+            <a:pPr marL="0" indent="0">
+              <a:buNone/>
+            </a:pPr>
+            <a:r>
+              <a:rPr lang="en-US" sz="1200" dirty="0">
                 <a:solidFill>
                   <a:srgbClr val="000000"/>
                 </a:solidFill>
-                <a:latin typeface="Calibri" panose="020F0502020204030204" pitchFamily="34" charset="0"/>
-                <a:cs typeface="Calibri" panose="020F0502020204030204" pitchFamily="34" charset="0"/>
-              </a:rPr>
-              <a:t>Use {  , } to show more than 1  Measure item </a:t>
-            </a:r>
-            <a:endParaRPr lang="en-US" sz="1600" dirty="0">
-              <a:solidFill>
-                <a:srgbClr val="000000"/>
-              </a:solidFill>
-              <a:latin typeface="Calibri" panose="020F0502020204030204" pitchFamily="34" charset="0"/>
-              <a:cs typeface="Calibri" panose="020F0502020204030204" pitchFamily="34" charset="0"/>
-            </a:endParaRPr>
+                <a:latin typeface="Consolas" panose="020B0609020204030204" pitchFamily="49" charset="0"/>
+              </a:rPr>
+              <a:t>queryString = </a:t>
+            </a:r>
+            <a:r>
+              <a:rPr lang="en-US" sz="1200" dirty="0">
+                <a:solidFill>
+                  <a:srgbClr val="A31515"/>
+                </a:solidFill>
+                <a:latin typeface="Consolas" panose="020B0609020204030204" pitchFamily="49" charset="0"/>
+              </a:rPr>
+              <a:t>" SELECT {[Measures].[Sales Amount], [Measures].[Order Quantity]} ON COLUMNS, "</a:t>
+            </a:r>
+            <a:r>
+              <a:rPr lang="en-US" sz="1200" dirty="0">
+                <a:solidFill>
+                  <a:srgbClr val="000000"/>
+                </a:solidFill>
+                <a:latin typeface="Consolas" panose="020B0609020204030204" pitchFamily="49" charset="0"/>
+              </a:rPr>
+              <a:t> +</a:t>
+            </a:r>
           </a:p>
           <a:p>
             <a:pPr marL="0" indent="0">
               <a:buNone/>
             </a:pPr>
             <a:r>
-              <a:rPr lang="en-US" sz="1200" dirty="0" smtClean="0">
+              <a:rPr lang="en-US" sz="1200" dirty="0">
+                <a:solidFill>
+                  <a:srgbClr val="A31515"/>
+                </a:solidFill>
+                <a:latin typeface="Consolas" panose="020B0609020204030204" pitchFamily="49" charset="0"/>
+              </a:rPr>
+              <a:t>     " Non Empty { [Dim Sales Territory].[Sales Territory Country].Children} ON ROWS  "</a:t>
+            </a:r>
+            <a:r>
+              <a:rPr lang="en-US" sz="1200" dirty="0">
                 <a:solidFill>
                   <a:srgbClr val="000000"/>
                 </a:solidFill>
                 <a:latin typeface="Consolas" panose="020B0609020204030204" pitchFamily="49" charset="0"/>
               </a:rPr>
-              <a:t>queryString </a:t>
-            </a:r>
+              <a:t> +</a:t>
+            </a:r>
+          </a:p>
+          <a:p>
+            <a:pPr marL="0" indent="0">
+              <a:buNone/>
+            </a:pPr>
             <a:r>
               <a:rPr lang="en-US" sz="1200" dirty="0">
                 <a:solidFill>
-                  <a:srgbClr val="000000"/>
-                </a:solidFill>
-                <a:latin typeface="Consolas" panose="020B0609020204030204" pitchFamily="49" charset="0"/>
-              </a:rPr>
-              <a:t>= </a:t>
+                  <a:srgbClr val="A31515"/>
+                </a:solidFill>
+                <a:latin typeface="Consolas" panose="020B0609020204030204" pitchFamily="49" charset="0"/>
+              </a:rPr>
+              <a:t>     " FROM [</a:t>
+            </a:r>
+            <a:r>
+              <a:rPr lang="en-US" sz="1200" dirty="0" err="1">
+                <a:solidFill>
+                  <a:srgbClr val="A31515"/>
+                </a:solidFill>
+                <a:latin typeface="Consolas" panose="020B0609020204030204" pitchFamily="49" charset="0"/>
+              </a:rPr>
+              <a:t>InternetSalesCube</a:t>
             </a:r>
             <a:r>
               <a:rPr lang="en-US" sz="1200" dirty="0">
@@ -8555,101 +8462,10 @@
                 </a:solidFill>
                 <a:latin typeface="Consolas" panose="020B0609020204030204" pitchFamily="49" charset="0"/>
               </a:rPr>
-              <a:t>" SELECT {[Measures].[Sales Amount], [Measures].[Order Quantity]} ON COLUMNS, "</a:t>
+              <a:t>] "</a:t>
             </a:r>
             <a:r>
               <a:rPr lang="en-US" sz="1200" dirty="0">
-                <a:solidFill>
-                  <a:srgbClr val="000000"/>
-                </a:solidFill>
-                <a:latin typeface="Consolas" panose="020B0609020204030204" pitchFamily="49" charset="0"/>
-              </a:rPr>
-              <a:t> +</a:t>
-            </a:r>
-          </a:p>
-          <a:p>
-            <a:pPr marL="0" indent="0">
-              <a:buNone/>
-            </a:pPr>
-            <a:r>
-              <a:rPr lang="en-US" sz="1200" dirty="0" smtClean="0">
-                <a:solidFill>
-                  <a:srgbClr val="A31515"/>
-                </a:solidFill>
-                <a:latin typeface="Consolas" panose="020B0609020204030204" pitchFamily="49" charset="0"/>
-              </a:rPr>
-              <a:t>     " </a:t>
-            </a:r>
-            <a:r>
-              <a:rPr lang="en-US" sz="1200" dirty="0">
-                <a:solidFill>
-                  <a:srgbClr val="A31515"/>
-                </a:solidFill>
-                <a:latin typeface="Consolas" panose="020B0609020204030204" pitchFamily="49" charset="0"/>
-              </a:rPr>
-              <a:t>Non Empty { [Dim Sales Territory].[Sales Territory Country].Children} ON ROWS  "</a:t>
-            </a:r>
-            <a:r>
-              <a:rPr lang="en-US" sz="1200" dirty="0">
-                <a:solidFill>
-                  <a:srgbClr val="000000"/>
-                </a:solidFill>
-                <a:latin typeface="Consolas" panose="020B0609020204030204" pitchFamily="49" charset="0"/>
-              </a:rPr>
-              <a:t> +</a:t>
-            </a:r>
-          </a:p>
-          <a:p>
-            <a:pPr marL="0" indent="0">
-              <a:buNone/>
-            </a:pPr>
-            <a:r>
-              <a:rPr lang="en-US" sz="1200" dirty="0" smtClean="0">
-                <a:solidFill>
-                  <a:srgbClr val="A31515"/>
-                </a:solidFill>
-                <a:latin typeface="Consolas" panose="020B0609020204030204" pitchFamily="49" charset="0"/>
-              </a:rPr>
-              <a:t>     " </a:t>
-            </a:r>
-            <a:r>
-              <a:rPr lang="en-US" sz="1200" dirty="0">
-                <a:solidFill>
-                  <a:srgbClr val="A31515"/>
-                </a:solidFill>
-                <a:latin typeface="Consolas" panose="020B0609020204030204" pitchFamily="49" charset="0"/>
-              </a:rPr>
-              <a:t>FROM [</a:t>
-            </a:r>
-            <a:r>
-              <a:rPr lang="en-US" sz="1200" dirty="0" err="1">
-                <a:solidFill>
-                  <a:srgbClr val="A31515"/>
-                </a:solidFill>
-                <a:latin typeface="Consolas" panose="020B0609020204030204" pitchFamily="49" charset="0"/>
-              </a:rPr>
-              <a:t>InternetSalesCube</a:t>
-            </a:r>
-            <a:r>
-              <a:rPr lang="en-US" sz="1200" dirty="0">
-                <a:solidFill>
-                  <a:srgbClr val="A31515"/>
-                </a:solidFill>
-                <a:latin typeface="Consolas" panose="020B0609020204030204" pitchFamily="49" charset="0"/>
-              </a:rPr>
-              <a:t>] </a:t>
-            </a:r>
-            <a:r>
-              <a:rPr lang="en-US" sz="1200" dirty="0" smtClean="0">
-                <a:solidFill>
-                  <a:srgbClr val="A31515"/>
-                </a:solidFill>
-                <a:latin typeface="Consolas" panose="020B0609020204030204" pitchFamily="49" charset="0"/>
-              </a:rPr>
-              <a:t>"</a:t>
-            </a:r>
-            <a:r>
-              <a:rPr lang="en-US" sz="1200" dirty="0" smtClean="0">
                 <a:solidFill>
                   <a:srgbClr val="000000"/>
                 </a:solidFill>
@@ -8673,7 +8489,7 @@
             <a:pPr marL="0" indent="0">
               <a:buNone/>
             </a:pPr>
-            <a:endParaRPr lang="en-US" sz="1200" dirty="0" smtClean="0">
+            <a:endParaRPr lang="en-US" sz="1200" dirty="0">
               <a:solidFill>
                 <a:srgbClr val="000000"/>
               </a:solidFill>
@@ -8684,7 +8500,7 @@
             <a:pPr marL="0" indent="0">
               <a:buNone/>
             </a:pPr>
-            <a:endParaRPr lang="en-US" sz="1200" dirty="0" smtClean="0">
+            <a:endParaRPr lang="en-US" sz="1200" dirty="0">
               <a:solidFill>
                 <a:srgbClr val="000000"/>
               </a:solidFill>
@@ -8703,67 +8519,108 @@
                 <a:latin typeface="Calibri" panose="020F0502020204030204" pitchFamily="34" charset="0"/>
                 <a:cs typeface="Calibri" panose="020F0502020204030204" pitchFamily="34" charset="0"/>
               </a:rPr>
-              <a:t>With a calculation </a:t>
-            </a:r>
-            <a:r>
-              <a:rPr lang="en-US" sz="1600" dirty="0" smtClean="0">
+              <a:t>With a calculation using 2 dimensions</a:t>
+            </a:r>
+          </a:p>
+          <a:p>
+            <a:pPr marL="0" indent="0">
+              <a:buNone/>
+            </a:pPr>
+            <a:r>
+              <a:rPr lang="en-US" sz="1000" dirty="0">
                 <a:solidFill>
                   <a:srgbClr val="000000"/>
                 </a:solidFill>
-                <a:latin typeface="Calibri" panose="020F0502020204030204" pitchFamily="34" charset="0"/>
-                <a:cs typeface="Calibri" panose="020F0502020204030204" pitchFamily="34" charset="0"/>
-              </a:rPr>
-              <a:t>using </a:t>
-            </a:r>
-            <a:r>
-              <a:rPr lang="en-US" sz="1600" dirty="0">
+                <a:latin typeface="Consolas" panose="020B0609020204030204" pitchFamily="49" charset="0"/>
+              </a:rPr>
+              <a:t>queryString = </a:t>
+            </a:r>
+            <a:r>
+              <a:rPr lang="en-US" sz="1000" dirty="0">
+                <a:solidFill>
+                  <a:srgbClr val="A31515"/>
+                </a:solidFill>
+                <a:latin typeface="Consolas" panose="020B0609020204030204" pitchFamily="49" charset="0"/>
+              </a:rPr>
+              <a:t>" WITH MEMBER [Measures].[Profit] AS '[Measures].[Sales Amount] - [Measures].[Product Standard Cost]' "</a:t>
+            </a:r>
+            <a:r>
+              <a:rPr lang="en-US" sz="1000" dirty="0">
                 <a:solidFill>
                   <a:srgbClr val="000000"/>
                 </a:solidFill>
-                <a:latin typeface="Calibri" panose="020F0502020204030204" pitchFamily="34" charset="0"/>
-                <a:cs typeface="Calibri" panose="020F0502020204030204" pitchFamily="34" charset="0"/>
-              </a:rPr>
-              <a:t>2 </a:t>
-            </a:r>
-            <a:r>
-              <a:rPr lang="en-US" sz="1600" dirty="0" smtClean="0">
+                <a:latin typeface="Consolas" panose="020B0609020204030204" pitchFamily="49" charset="0"/>
+              </a:rPr>
+              <a:t> +</a:t>
+            </a:r>
+          </a:p>
+          <a:p>
+            <a:pPr marL="0" indent="0">
+              <a:buNone/>
+            </a:pPr>
+            <a:r>
+              <a:rPr lang="en-US" sz="1000" dirty="0">
+                <a:solidFill>
+                  <a:srgbClr val="A31515"/>
+                </a:solidFill>
+                <a:latin typeface="Consolas" panose="020B0609020204030204" pitchFamily="49" charset="0"/>
+              </a:rPr>
+              <a:t>     " SELECT [Profit]   ON COLUMNS, "</a:t>
+            </a:r>
+            <a:r>
+              <a:rPr lang="en-US" sz="1000" dirty="0">
                 <a:solidFill>
                   <a:srgbClr val="000000"/>
                 </a:solidFill>
-                <a:latin typeface="Calibri" panose="020F0502020204030204" pitchFamily="34" charset="0"/>
-                <a:cs typeface="Calibri" panose="020F0502020204030204" pitchFamily="34" charset="0"/>
-              </a:rPr>
-              <a:t>dimensions</a:t>
-            </a:r>
-            <a:endParaRPr lang="en-US" sz="1600" dirty="0">
-              <a:solidFill>
-                <a:srgbClr val="000000"/>
-              </a:solidFill>
-              <a:latin typeface="Calibri" panose="020F0502020204030204" pitchFamily="34" charset="0"/>
-              <a:cs typeface="Calibri" panose="020F0502020204030204" pitchFamily="34" charset="0"/>
-            </a:endParaRPr>
+                <a:latin typeface="Consolas" panose="020B0609020204030204" pitchFamily="49" charset="0"/>
+              </a:rPr>
+              <a:t> +</a:t>
+            </a:r>
           </a:p>
           <a:p>
             <a:pPr marL="0" indent="0">
               <a:buNone/>
             </a:pPr>
             <a:r>
-              <a:rPr lang="en-US" sz="1000" dirty="0" smtClean="0">
+              <a:rPr lang="en-US" sz="1000" dirty="0">
+                <a:solidFill>
+                  <a:srgbClr val="A31515"/>
+                </a:solidFill>
+                <a:latin typeface="Consolas" panose="020B0609020204030204" pitchFamily="49" charset="0"/>
+              </a:rPr>
+              <a:t>     " Non Empty { [Dim Sales Territory].[Sales Territory Country].Children} ON ROWS "</a:t>
+            </a:r>
+            <a:r>
+              <a:rPr lang="en-US" sz="1000" dirty="0">
                 <a:solidFill>
                   <a:srgbClr val="000000"/>
                 </a:solidFill>
                 <a:latin typeface="Consolas" panose="020B0609020204030204" pitchFamily="49" charset="0"/>
               </a:rPr>
-              <a:t>queryString </a:t>
-            </a:r>
+              <a:t> +</a:t>
+            </a:r>
+          </a:p>
+          <a:p>
+            <a:pPr marL="0" indent="0">
+              <a:buNone/>
+            </a:pPr>
             <a:r>
               <a:rPr lang="en-US" sz="1000" dirty="0">
                 <a:solidFill>
-                  <a:srgbClr val="000000"/>
-                </a:solidFill>
-                <a:latin typeface="Consolas" panose="020B0609020204030204" pitchFamily="49" charset="0"/>
-              </a:rPr>
-              <a:t>= </a:t>
+                  <a:srgbClr val="A31515"/>
+                </a:solidFill>
+                <a:latin typeface="Consolas" panose="020B0609020204030204" pitchFamily="49" charset="0"/>
+              </a:rPr>
+              <a:t>     " FROM[</a:t>
+            </a:r>
+            <a:r>
+              <a:rPr lang="en-US" sz="1000" dirty="0" err="1">
+                <a:solidFill>
+                  <a:srgbClr val="A31515"/>
+                </a:solidFill>
+                <a:latin typeface="Consolas" panose="020B0609020204030204" pitchFamily="49" charset="0"/>
+              </a:rPr>
+              <a:t>InternetSalesCube</a:t>
             </a:r>
             <a:r>
               <a:rPr lang="en-US" sz="1000" dirty="0">
@@ -8772,97 +8629,10 @@
                 </a:solidFill>
                 <a:latin typeface="Consolas" panose="020B0609020204030204" pitchFamily="49" charset="0"/>
               </a:rPr>
-              <a:t>" WITH MEMBER [Measures].[Profit] AS '[Measures].[Sales Amount] - [Measures].[Product Standard Cost]' "</a:t>
+              <a:t>]"</a:t>
             </a:r>
             <a:r>
               <a:rPr lang="en-US" sz="1000" dirty="0">
-                <a:solidFill>
-                  <a:srgbClr val="000000"/>
-                </a:solidFill>
-                <a:latin typeface="Consolas" panose="020B0609020204030204" pitchFamily="49" charset="0"/>
-              </a:rPr>
-              <a:t> +</a:t>
-            </a:r>
-          </a:p>
-          <a:p>
-            <a:pPr marL="0" indent="0">
-              <a:buNone/>
-            </a:pPr>
-            <a:r>
-              <a:rPr lang="en-US" sz="1000" dirty="0">
-                <a:solidFill>
-                  <a:srgbClr val="A31515"/>
-                </a:solidFill>
-                <a:latin typeface="Consolas" panose="020B0609020204030204" pitchFamily="49" charset="0"/>
-              </a:rPr>
-              <a:t>     " SELECT [Profit]   ON COLUMNS, "</a:t>
-            </a:r>
-            <a:r>
-              <a:rPr lang="en-US" sz="1000" dirty="0">
-                <a:solidFill>
-                  <a:srgbClr val="000000"/>
-                </a:solidFill>
-                <a:latin typeface="Consolas" panose="020B0609020204030204" pitchFamily="49" charset="0"/>
-              </a:rPr>
-              <a:t> +</a:t>
-            </a:r>
-          </a:p>
-          <a:p>
-            <a:pPr marL="0" indent="0">
-              <a:buNone/>
-            </a:pPr>
-            <a:r>
-              <a:rPr lang="en-US" sz="1000" dirty="0">
-                <a:solidFill>
-                  <a:srgbClr val="A31515"/>
-                </a:solidFill>
-                <a:latin typeface="Consolas" panose="020B0609020204030204" pitchFamily="49" charset="0"/>
-              </a:rPr>
-              <a:t>     " Non Empty { [Dim Sales Territory].[Sales Territory Country].Children} ON ROWS "</a:t>
-            </a:r>
-            <a:r>
-              <a:rPr lang="en-US" sz="1000" dirty="0">
-                <a:solidFill>
-                  <a:srgbClr val="000000"/>
-                </a:solidFill>
-                <a:latin typeface="Consolas" panose="020B0609020204030204" pitchFamily="49" charset="0"/>
-              </a:rPr>
-              <a:t> +</a:t>
-            </a:r>
-          </a:p>
-          <a:p>
-            <a:pPr marL="0" indent="0">
-              <a:buNone/>
-            </a:pPr>
-            <a:r>
-              <a:rPr lang="en-US" sz="1000" dirty="0">
-                <a:solidFill>
-                  <a:srgbClr val="A31515"/>
-                </a:solidFill>
-                <a:latin typeface="Consolas" panose="020B0609020204030204" pitchFamily="49" charset="0"/>
-              </a:rPr>
-              <a:t>     " FROM[</a:t>
-            </a:r>
-            <a:r>
-              <a:rPr lang="en-US" sz="1000" dirty="0" err="1">
-                <a:solidFill>
-                  <a:srgbClr val="A31515"/>
-                </a:solidFill>
-                <a:latin typeface="Consolas" panose="020B0609020204030204" pitchFamily="49" charset="0"/>
-              </a:rPr>
-              <a:t>InternetSalesCube</a:t>
-            </a:r>
-            <a:r>
-              <a:rPr lang="en-US" sz="1000" dirty="0" smtClean="0">
-                <a:solidFill>
-                  <a:srgbClr val="A31515"/>
-                </a:solidFill>
-                <a:latin typeface="Consolas" panose="020B0609020204030204" pitchFamily="49" charset="0"/>
-              </a:rPr>
-              <a:t>]"</a:t>
-            </a:r>
-            <a:r>
-              <a:rPr lang="en-US" sz="1000" dirty="0" smtClean="0">
                 <a:solidFill>
                   <a:srgbClr val="000000"/>
                 </a:solidFill>
@@ -8886,7 +8656,7 @@
             <a:pPr marL="0" indent="0">
               <a:buNone/>
             </a:pPr>
-            <a:endParaRPr lang="en-US" sz="1000" dirty="0" smtClean="0">
+            <a:endParaRPr lang="en-US" sz="1000" dirty="0">
               <a:solidFill>
                 <a:srgbClr val="000000"/>
               </a:solidFill>
@@ -8905,48 +8675,91 @@
                 <a:latin typeface="Calibri" panose="020F0502020204030204" pitchFamily="34" charset="0"/>
                 <a:cs typeface="Calibri" panose="020F0502020204030204" pitchFamily="34" charset="0"/>
               </a:rPr>
-              <a:t>With a calculation using 2 </a:t>
-            </a:r>
-            <a:r>
-              <a:rPr lang="en-US" sz="1600" dirty="0" smtClean="0">
+              <a:t>With a calculation using 2 dimensions by 2 Measures</a:t>
+            </a:r>
+          </a:p>
+          <a:p>
+            <a:pPr marL="0" indent="0">
+              <a:buNone/>
+            </a:pPr>
+            <a:r>
+              <a:rPr lang="en-US" sz="1050" dirty="0">
                 <a:solidFill>
                   <a:srgbClr val="000000"/>
                 </a:solidFill>
-                <a:latin typeface="Calibri" panose="020F0502020204030204" pitchFamily="34" charset="0"/>
-                <a:cs typeface="Calibri" panose="020F0502020204030204" pitchFamily="34" charset="0"/>
-              </a:rPr>
-              <a:t>dimensions by 2 Measures</a:t>
-            </a:r>
-            <a:endParaRPr lang="en-US" sz="1600" dirty="0">
-              <a:solidFill>
-                <a:srgbClr val="000000"/>
-              </a:solidFill>
-              <a:latin typeface="Calibri" panose="020F0502020204030204" pitchFamily="34" charset="0"/>
-              <a:cs typeface="Calibri" panose="020F0502020204030204" pitchFamily="34" charset="0"/>
-            </a:endParaRPr>
+                <a:latin typeface="Consolas" panose="020B0609020204030204" pitchFamily="49" charset="0"/>
+              </a:rPr>
+              <a:t>queryString = </a:t>
+            </a:r>
+            <a:r>
+              <a:rPr lang="en-US" sz="1050" dirty="0">
+                <a:solidFill>
+                  <a:srgbClr val="A31515"/>
+                </a:solidFill>
+                <a:latin typeface="Consolas" panose="020B0609020204030204" pitchFamily="49" charset="0"/>
+              </a:rPr>
+              <a:t>"  SELECT NON EMPTY { [Measures].[Sales Amount], [Measures].[Order Quantity] } ON COLUMNS, "</a:t>
+            </a:r>
+            <a:r>
+              <a:rPr lang="en-US" sz="1050" dirty="0">
+                <a:solidFill>
+                  <a:srgbClr val="000000"/>
+                </a:solidFill>
+                <a:latin typeface="Consolas" panose="020B0609020204030204" pitchFamily="49" charset="0"/>
+              </a:rPr>
+              <a:t> + </a:t>
+            </a:r>
           </a:p>
           <a:p>
             <a:pPr marL="0" indent="0">
               <a:buNone/>
             </a:pPr>
             <a:r>
-              <a:rPr lang="en-US" sz="1050" dirty="0" smtClean="0">
+              <a:rPr lang="en-US" sz="1050" dirty="0">
+                <a:solidFill>
+                  <a:srgbClr val="A31515"/>
+                </a:solidFill>
+                <a:latin typeface="Consolas" panose="020B0609020204030204" pitchFamily="49" charset="0"/>
+              </a:rPr>
+              <a:t>" NON EMPTY { ([Dim Sales Territory].[Sales Territory Country].[Sales Territory Country].ALLMEMBERS ,  "</a:t>
+            </a:r>
+            <a:r>
+              <a:rPr lang="en-US" sz="1050" dirty="0">
                 <a:solidFill>
                   <a:srgbClr val="000000"/>
                 </a:solidFill>
                 <a:latin typeface="Consolas" panose="020B0609020204030204" pitchFamily="49" charset="0"/>
               </a:rPr>
-              <a:t>queryString </a:t>
-            </a:r>
+              <a:t> + </a:t>
+            </a:r>
+          </a:p>
+          <a:p>
+            <a:pPr marL="0" indent="0">
+              <a:buNone/>
+            </a:pPr>
             <a:r>
               <a:rPr lang="en-US" sz="1050" dirty="0">
                 <a:solidFill>
+                  <a:srgbClr val="A31515"/>
+                </a:solidFill>
+                <a:latin typeface="Consolas" panose="020B0609020204030204" pitchFamily="49" charset="0"/>
+              </a:rPr>
+              <a:t>" [Dim Product].[Product Line].[Product Line].ALLMEMBERS ) }  ON ROWS "</a:t>
+            </a:r>
+            <a:r>
+              <a:rPr lang="en-US" sz="1050" dirty="0">
+                <a:solidFill>
                   <a:srgbClr val="000000"/>
                 </a:solidFill>
                 <a:latin typeface="Consolas" panose="020B0609020204030204" pitchFamily="49" charset="0"/>
               </a:rPr>
-              <a:t>= </a:t>
-            </a:r>
+              <a:t> + </a:t>
+            </a:r>
+          </a:p>
+          <a:p>
+            <a:pPr marL="0" indent="0">
+              <a:buNone/>
+            </a:pPr>
             <a:r>
               <a:rPr lang="en-US" sz="1050" dirty="0">
                 <a:solidFill>
@@ -8954,106 +8767,28 @@
                 </a:solidFill>
                 <a:latin typeface="Consolas" panose="020B0609020204030204" pitchFamily="49" charset="0"/>
               </a:rPr>
-              <a:t>"  SELECT NON EMPTY { [Measures].[Sales Amount], [Measures].[Order Quantity] } ON COLUMNS, "</a:t>
+              <a:t>" FROM [</a:t>
+            </a:r>
+            <a:r>
+              <a:rPr lang="en-US" sz="1050" dirty="0" err="1">
+                <a:solidFill>
+                  <a:srgbClr val="A31515"/>
+                </a:solidFill>
+                <a:latin typeface="Consolas" panose="020B0609020204030204" pitchFamily="49" charset="0"/>
+              </a:rPr>
+              <a:t>InternetSalesCube</a:t>
             </a:r>
             <a:r>
               <a:rPr lang="en-US" sz="1050" dirty="0">
                 <a:solidFill>
-                  <a:srgbClr val="000000"/>
-                </a:solidFill>
-                <a:latin typeface="Consolas" panose="020B0609020204030204" pitchFamily="49" charset="0"/>
-              </a:rPr>
-              <a:t> + </a:t>
-            </a:r>
-          </a:p>
-          <a:p>
-            <a:pPr marL="0" indent="0">
-              <a:buNone/>
-            </a:pPr>
+                  <a:srgbClr val="A31515"/>
+                </a:solidFill>
+                <a:latin typeface="Consolas" panose="020B0609020204030204" pitchFamily="49" charset="0"/>
+              </a:rPr>
+              <a:t>] "</a:t>
+            </a:r>
             <a:r>
               <a:rPr lang="en-US" sz="1050" dirty="0">
-                <a:solidFill>
-                  <a:srgbClr val="A31515"/>
-                </a:solidFill>
-                <a:latin typeface="Consolas" panose="020B0609020204030204" pitchFamily="49" charset="0"/>
-              </a:rPr>
-              <a:t>" NON EMPTY { ([Dim Sales Territory].[Sales Territory Country].[Sales Territory Country].ALLMEMBERS ,  "</a:t>
-            </a:r>
-            <a:r>
-              <a:rPr lang="en-US" sz="1050" dirty="0">
-                <a:solidFill>
-                  <a:srgbClr val="000000"/>
-                </a:solidFill>
-                <a:latin typeface="Consolas" panose="020B0609020204030204" pitchFamily="49" charset="0"/>
-              </a:rPr>
-              <a:t> + </a:t>
-            </a:r>
-          </a:p>
-          <a:p>
-            <a:pPr marL="0" indent="0">
-              <a:buNone/>
-            </a:pPr>
-            <a:r>
-              <a:rPr lang="en-US" sz="1050" dirty="0">
-                <a:solidFill>
-                  <a:srgbClr val="A31515"/>
-                </a:solidFill>
-                <a:latin typeface="Consolas" panose="020B0609020204030204" pitchFamily="49" charset="0"/>
-              </a:rPr>
-              <a:t>" [Dim Product].[Product Line].[Product Line].ALLMEMBERS ) }  ON ROWS "</a:t>
-            </a:r>
-            <a:r>
-              <a:rPr lang="en-US" sz="1050" dirty="0">
-                <a:solidFill>
-                  <a:srgbClr val="000000"/>
-                </a:solidFill>
-                <a:latin typeface="Consolas" panose="020B0609020204030204" pitchFamily="49" charset="0"/>
-              </a:rPr>
-              <a:t> + </a:t>
-            </a:r>
-          </a:p>
-          <a:p>
-            <a:pPr marL="0" indent="0">
-              <a:buNone/>
-            </a:pPr>
-            <a:r>
-              <a:rPr lang="en-US" sz="1050" dirty="0">
-                <a:solidFill>
-                  <a:srgbClr val="A31515"/>
-                </a:solidFill>
-                <a:latin typeface="Consolas" panose="020B0609020204030204" pitchFamily="49" charset="0"/>
-              </a:rPr>
-              <a:t>" FROM [</a:t>
-            </a:r>
-            <a:r>
-              <a:rPr lang="en-US" sz="1050" dirty="0" err="1">
-                <a:solidFill>
-                  <a:srgbClr val="A31515"/>
-                </a:solidFill>
-                <a:latin typeface="Consolas" panose="020B0609020204030204" pitchFamily="49" charset="0"/>
-              </a:rPr>
-              <a:t>InternetSalesCube</a:t>
-            </a:r>
-            <a:r>
-              <a:rPr lang="en-US" sz="1050" dirty="0">
-                <a:solidFill>
-                  <a:srgbClr val="A31515"/>
-                </a:solidFill>
-                <a:latin typeface="Consolas" panose="020B0609020204030204" pitchFamily="49" charset="0"/>
-              </a:rPr>
-              <a:t>] </a:t>
-            </a:r>
-            <a:r>
-              <a:rPr lang="en-US" sz="1050" dirty="0" smtClean="0">
-                <a:solidFill>
-                  <a:srgbClr val="A31515"/>
-                </a:solidFill>
-                <a:latin typeface="Consolas" panose="020B0609020204030204" pitchFamily="49" charset="0"/>
-              </a:rPr>
-              <a:t>"</a:t>
-            </a:r>
-            <a:r>
-              <a:rPr lang="en-US" sz="1050" dirty="0" smtClean="0">
                 <a:solidFill>
                   <a:srgbClr val="000000"/>
                 </a:solidFill>
@@ -9116,25 +8851,7 @@
                 </a:solidFill>
                 <a:latin typeface="Consolas" panose="020B0609020204030204" pitchFamily="49" charset="0"/>
               </a:rPr>
-              <a:t>" NON EMPTY { ([Dim Sales Territory].[Sales Territory Country].[Sales Territory Country].ALLMEMBERS </a:t>
-            </a:r>
-            <a:r>
-              <a:rPr lang="en-US" sz="1050" dirty="0" smtClean="0">
-                <a:solidFill>
-                  <a:srgbClr val="A31515"/>
-                </a:solidFill>
-                <a:latin typeface="Consolas" panose="020B0609020204030204" pitchFamily="49" charset="0"/>
-              </a:rPr>
-              <a:t>*  </a:t>
-            </a:r>
-            <a:r>
-              <a:rPr lang="en-US" sz="1050" dirty="0">
-                <a:solidFill>
-                  <a:srgbClr val="A31515"/>
-                </a:solidFill>
-                <a:latin typeface="Consolas" panose="020B0609020204030204" pitchFamily="49" charset="0"/>
-              </a:rPr>
-              <a:t>"</a:t>
+              <a:t>" NON EMPTY { ([Dim Sales Territory].[Sales Territory Country].[Sales Territory Country].ALLMEMBERS *  "</a:t>
             </a:r>
             <a:r>
               <a:rPr lang="en-US" sz="1050" dirty="0">
@@ -9225,7 +8942,7 @@
             <a:pPr marL="0" indent="0">
               <a:buNone/>
             </a:pPr>
-            <a:endParaRPr lang="en-US" sz="1200" dirty="0" smtClean="0">
+            <a:endParaRPr lang="en-US" sz="1200" dirty="0">
               <a:solidFill>
                 <a:srgbClr val="000000"/>
               </a:solidFill>
@@ -9323,7 +9040,7 @@
           <a:lstStyle/>
           <a:p>
             <a:r>
-              <a:rPr lang="en-US" sz="1200" dirty="0" smtClean="0">
+              <a:rPr lang="en-US" sz="1200" dirty="0">
                 <a:solidFill>
                   <a:srgbClr val="0070C0"/>
                 </a:solidFill>
@@ -9333,18 +9050,13 @@
           </a:p>
           <a:p>
             <a:r>
-              <a:rPr lang="en-US" sz="1200" dirty="0" smtClean="0">
+              <a:rPr lang="en-US" sz="1200" dirty="0">
                 <a:solidFill>
                   <a:srgbClr val="0070C0"/>
                 </a:solidFill>
               </a:rPr>
               <a:t>Results?</a:t>
             </a:r>
-            <a:endParaRPr lang="en-US" sz="1200" dirty="0">
-              <a:solidFill>
-                <a:srgbClr val="0070C0"/>
-              </a:solidFill>
-            </a:endParaRPr>
           </a:p>
         </p:txBody>
       </p:sp>
@@ -9403,7 +9115,7 @@
             <a:pPr marL="0" indent="0">
               <a:buNone/>
             </a:pPr>
-            <a:endParaRPr lang="en-US" sz="1200" dirty="0" smtClean="0">
+            <a:endParaRPr lang="en-US" sz="1200" dirty="0">
               <a:solidFill>
                 <a:srgbClr val="000000"/>
               </a:solidFill>
@@ -9415,99 +9127,38 @@
               <a:buNone/>
             </a:pPr>
             <a:r>
-              <a:rPr lang="en-US" sz="1600" dirty="0" smtClean="0">
+              <a:rPr lang="en-US" sz="1600" dirty="0">
                 <a:solidFill>
                   <a:srgbClr val="0070C0"/>
                 </a:solidFill>
               </a:rPr>
-              <a:t>First </a:t>
-            </a:r>
+              <a:t>First we define what is being sorted (Sales Territory Country); </a:t>
+            </a:r>
+          </a:p>
+          <a:p>
+            <a:pPr marL="0" indent="0">
+              <a:buNone/>
+            </a:pPr>
             <a:r>
               <a:rPr lang="en-US" sz="1600" dirty="0">
                 <a:solidFill>
                   <a:srgbClr val="0070C0"/>
                 </a:solidFill>
               </a:rPr>
-              <a:t>we define what is being sorted (Sales Territory Country); </a:t>
-            </a:r>
-            <a:endParaRPr lang="en-US" sz="1600" dirty="0" smtClean="0">
-              <a:solidFill>
-                <a:srgbClr val="0070C0"/>
-              </a:solidFill>
-            </a:endParaRPr>
+              <a:t>next how the sort should evaluated (by Sales Amount) , </a:t>
+            </a:r>
           </a:p>
           <a:p>
             <a:pPr marL="0" indent="0">
               <a:buNone/>
             </a:pPr>
             <a:r>
-              <a:rPr lang="en-US" sz="1600" dirty="0" smtClean="0">
+              <a:rPr lang="en-US" sz="1600" dirty="0">
                 <a:solidFill>
                   <a:srgbClr val="0070C0"/>
                 </a:solidFill>
               </a:rPr>
-              <a:t>next </a:t>
-            </a:r>
-            <a:r>
-              <a:rPr lang="en-US" sz="1600" dirty="0">
-                <a:solidFill>
-                  <a:srgbClr val="0070C0"/>
-                </a:solidFill>
-              </a:rPr>
-              <a:t>how the sort should evaluated (by </a:t>
-            </a:r>
-            <a:r>
-              <a:rPr lang="en-US" sz="1600" dirty="0" smtClean="0">
-                <a:solidFill>
-                  <a:srgbClr val="0070C0"/>
-                </a:solidFill>
-              </a:rPr>
-              <a:t>Sales </a:t>
-            </a:r>
-            <a:r>
-              <a:rPr lang="en-US" sz="1600" dirty="0">
-                <a:solidFill>
-                  <a:srgbClr val="0070C0"/>
-                </a:solidFill>
-              </a:rPr>
-              <a:t>Amount) </a:t>
-            </a:r>
-            <a:r>
-              <a:rPr lang="en-US" sz="1600" dirty="0" smtClean="0">
-                <a:solidFill>
-                  <a:srgbClr val="0070C0"/>
-                </a:solidFill>
-              </a:rPr>
-              <a:t>, </a:t>
-            </a:r>
-          </a:p>
-          <a:p>
-            <a:pPr marL="0" indent="0">
-              <a:buNone/>
-            </a:pPr>
-            <a:r>
-              <a:rPr lang="en-US" sz="1600" dirty="0" smtClean="0">
-                <a:solidFill>
-                  <a:srgbClr val="0070C0"/>
-                </a:solidFill>
-              </a:rPr>
-              <a:t>and  </a:t>
-            </a:r>
-            <a:r>
-              <a:rPr lang="en-US" sz="1600" dirty="0">
-                <a:solidFill>
-                  <a:srgbClr val="0070C0"/>
-                </a:solidFill>
-              </a:rPr>
-              <a:t>what order should be used (Descending</a:t>
-            </a:r>
-            <a:r>
-              <a:rPr lang="en-US" sz="1600" dirty="0" smtClean="0">
-                <a:solidFill>
-                  <a:srgbClr val="0070C0"/>
-                </a:solidFill>
-              </a:rPr>
-              <a:t>)</a:t>
+              <a:t>and  what order should be used (Descending)</a:t>
             </a:r>
           </a:p>
           <a:p>
@@ -9524,7 +9175,7 @@
             <a:pPr marL="0" indent="0">
               <a:buNone/>
             </a:pPr>
-            <a:endParaRPr lang="en-US" sz="1200" dirty="0" smtClean="0">
+            <a:endParaRPr lang="en-US" sz="1200" dirty="0">
               <a:solidFill>
                 <a:srgbClr val="0070C0"/>
               </a:solidFill>
@@ -9550,141 +9201,99 @@
                 </a:solidFill>
                 <a:latin typeface="Consolas" panose="020B0609020204030204" pitchFamily="49" charset="0"/>
               </a:rPr>
-              <a:t>" SELECT ORDER ( [Dim Sales Territory].[Sales Territory Country].CHILDREN, [Measures].[Sales Amount], DESC ) </a:t>
-            </a:r>
-            <a:r>
-              <a:rPr lang="en-US" sz="900" dirty="0" smtClean="0">
+              <a:t>" SELECT ORDER ( [Dim Sales Territory].[Sales Territory Country].CHILDREN, [Measures].[Sales Amount], DESC ) ON ROWS, "</a:t>
+            </a:r>
+            <a:r>
+              <a:rPr lang="en-US" sz="900" dirty="0">
+                <a:solidFill>
+                  <a:srgbClr val="000000"/>
+                </a:solidFill>
+                <a:latin typeface="Consolas" panose="020B0609020204030204" pitchFamily="49" charset="0"/>
+              </a:rPr>
+              <a:t> +</a:t>
+            </a:r>
+          </a:p>
+          <a:p>
+            <a:pPr marL="0" indent="0">
+              <a:buNone/>
+            </a:pPr>
+            <a:r>
+              <a:rPr lang="en-US" sz="900" dirty="0">
+                <a:solidFill>
+                  <a:srgbClr val="000000"/>
+                </a:solidFill>
+                <a:latin typeface="Consolas" panose="020B0609020204030204" pitchFamily="49" charset="0"/>
+              </a:rPr>
+              <a:t>     </a:t>
+            </a:r>
+            <a:r>
+              <a:rPr lang="en-US" sz="900" dirty="0">
                 <a:solidFill>
                   <a:srgbClr val="A31515"/>
                 </a:solidFill>
                 <a:latin typeface="Consolas" panose="020B0609020204030204" pitchFamily="49" charset="0"/>
               </a:rPr>
-              <a:t>ON </a:t>
+              <a:t>" Non Empty { [Measures].[Sales Amount]} ON COLUMNS  "</a:t>
             </a:r>
             <a:r>
               <a:rPr lang="en-US" sz="900" dirty="0">
                 <a:solidFill>
+                  <a:srgbClr val="000000"/>
+                </a:solidFill>
+                <a:latin typeface="Consolas" panose="020B0609020204030204" pitchFamily="49" charset="0"/>
+              </a:rPr>
+              <a:t> +</a:t>
+            </a:r>
+          </a:p>
+          <a:p>
+            <a:pPr marL="0" indent="0">
+              <a:buNone/>
+            </a:pPr>
+            <a:r>
+              <a:rPr lang="en-US" sz="900" dirty="0">
+                <a:solidFill>
+                  <a:srgbClr val="000000"/>
+                </a:solidFill>
+                <a:latin typeface="Consolas" panose="020B0609020204030204" pitchFamily="49" charset="0"/>
+              </a:rPr>
+              <a:t>     </a:t>
+            </a:r>
+            <a:r>
+              <a:rPr lang="en-US" sz="900" dirty="0">
+                <a:solidFill>
                   <a:srgbClr val="A31515"/>
                 </a:solidFill>
                 <a:latin typeface="Consolas" panose="020B0609020204030204" pitchFamily="49" charset="0"/>
               </a:rPr>
-              <a:t>ROWS, "</a:t>
+              <a:t>" FROM [</a:t>
+            </a:r>
+            <a:r>
+              <a:rPr lang="en-US" sz="900" dirty="0" err="1">
+                <a:solidFill>
+                  <a:srgbClr val="A31515"/>
+                </a:solidFill>
+                <a:latin typeface="Consolas" panose="020B0609020204030204" pitchFamily="49" charset="0"/>
+              </a:rPr>
+              <a:t>InternetSalesCube</a:t>
             </a:r>
             <a:r>
               <a:rPr lang="en-US" sz="900" dirty="0">
                 <a:solidFill>
+                  <a:srgbClr val="A31515"/>
+                </a:solidFill>
+                <a:latin typeface="Consolas" panose="020B0609020204030204" pitchFamily="49" charset="0"/>
+              </a:rPr>
+              <a:t>] "</a:t>
+            </a:r>
+            <a:r>
+              <a:rPr lang="en-US" sz="900" dirty="0">
+                <a:solidFill>
                   <a:srgbClr val="000000"/>
                 </a:solidFill>
                 <a:latin typeface="Consolas" panose="020B0609020204030204" pitchFamily="49" charset="0"/>
               </a:rPr>
-              <a:t> +</a:t>
-            </a:r>
-          </a:p>
-          <a:p>
-            <a:pPr marL="0" indent="0">
-              <a:buNone/>
-            </a:pPr>
-            <a:r>
-              <a:rPr lang="en-US" sz="900" dirty="0">
-                <a:solidFill>
-                  <a:srgbClr val="000000"/>
-                </a:solidFill>
-                <a:latin typeface="Consolas" panose="020B0609020204030204" pitchFamily="49" charset="0"/>
-              </a:rPr>
-              <a:t>     </a:t>
-            </a:r>
-            <a:r>
-              <a:rPr lang="en-US" sz="900" dirty="0" smtClean="0">
-                <a:solidFill>
-                  <a:srgbClr val="A31515"/>
-                </a:solidFill>
-                <a:latin typeface="Consolas" panose="020B0609020204030204" pitchFamily="49" charset="0"/>
-              </a:rPr>
-              <a:t>" </a:t>
-            </a:r>
-            <a:r>
-              <a:rPr lang="en-US" sz="900" dirty="0">
-                <a:solidFill>
-                  <a:srgbClr val="A31515"/>
-                </a:solidFill>
-                <a:latin typeface="Consolas" panose="020B0609020204030204" pitchFamily="49" charset="0"/>
-              </a:rPr>
-              <a:t>Non Empty { [Measures].[Sales Amount]} ON COLUMNS  "</a:t>
-            </a:r>
-            <a:r>
-              <a:rPr lang="en-US" sz="900" dirty="0">
-                <a:solidFill>
-                  <a:srgbClr val="000000"/>
-                </a:solidFill>
-                <a:latin typeface="Consolas" panose="020B0609020204030204" pitchFamily="49" charset="0"/>
-              </a:rPr>
-              <a:t> +</a:t>
-            </a:r>
-          </a:p>
-          <a:p>
-            <a:pPr marL="0" indent="0">
-              <a:buNone/>
-            </a:pPr>
-            <a:r>
-              <a:rPr lang="en-US" sz="900" dirty="0">
-                <a:solidFill>
-                  <a:srgbClr val="000000"/>
-                </a:solidFill>
-                <a:latin typeface="Consolas" panose="020B0609020204030204" pitchFamily="49" charset="0"/>
-              </a:rPr>
-              <a:t>     </a:t>
-            </a:r>
-            <a:r>
-              <a:rPr lang="en-US" sz="900" dirty="0" smtClean="0">
-                <a:solidFill>
-                  <a:srgbClr val="A31515"/>
-                </a:solidFill>
-                <a:latin typeface="Consolas" panose="020B0609020204030204" pitchFamily="49" charset="0"/>
-              </a:rPr>
-              <a:t>" </a:t>
-            </a:r>
-            <a:r>
-              <a:rPr lang="en-US" sz="900" dirty="0">
-                <a:solidFill>
-                  <a:srgbClr val="A31515"/>
-                </a:solidFill>
-                <a:latin typeface="Consolas" panose="020B0609020204030204" pitchFamily="49" charset="0"/>
-              </a:rPr>
-              <a:t>FROM [</a:t>
-            </a:r>
-            <a:r>
-              <a:rPr lang="en-US" sz="900" dirty="0" err="1">
-                <a:solidFill>
-                  <a:srgbClr val="A31515"/>
-                </a:solidFill>
-                <a:latin typeface="Consolas" panose="020B0609020204030204" pitchFamily="49" charset="0"/>
-              </a:rPr>
-              <a:t>InternetSalesCube</a:t>
-            </a:r>
-            <a:r>
-              <a:rPr lang="en-US" sz="900" dirty="0">
-                <a:solidFill>
-                  <a:srgbClr val="A31515"/>
-                </a:solidFill>
-                <a:latin typeface="Consolas" panose="020B0609020204030204" pitchFamily="49" charset="0"/>
-              </a:rPr>
-              <a:t>] "</a:t>
-            </a:r>
-            <a:r>
-              <a:rPr lang="en-US" sz="900" dirty="0">
-                <a:solidFill>
-                  <a:srgbClr val="000000"/>
-                </a:solidFill>
-                <a:latin typeface="Consolas" panose="020B0609020204030204" pitchFamily="49" charset="0"/>
-              </a:rPr>
               <a:t>;</a:t>
             </a:r>
-            <a:endParaRPr lang="en-US" sz="900" dirty="0" smtClean="0">
-              <a:solidFill>
-                <a:srgbClr val="000000"/>
-              </a:solidFill>
-              <a:latin typeface="Consolas" panose="020B0609020204030204" pitchFamily="49" charset="0"/>
-            </a:endParaRPr>
           </a:p>
           <a:p>
             <a:pPr marL="0" indent="0">
@@ -9702,22 +9311,13 @@
               <a:buNone/>
             </a:pPr>
             <a:r>
-              <a:rPr lang="en-US" sz="1050" dirty="0" smtClean="0">
+              <a:rPr lang="en-US" sz="1050" dirty="0">
                 <a:solidFill>
                   <a:srgbClr val="000000"/>
                 </a:solidFill>
                 <a:latin typeface="Consolas" panose="020B0609020204030204" pitchFamily="49" charset="0"/>
               </a:rPr>
-              <a:t>queryString </a:t>
-            </a:r>
-            <a:r>
-              <a:rPr lang="en-US" sz="1050" dirty="0">
-                <a:solidFill>
-                  <a:srgbClr val="000000"/>
-                </a:solidFill>
-                <a:latin typeface="Consolas" panose="020B0609020204030204" pitchFamily="49" charset="0"/>
-              </a:rPr>
-              <a:t>= </a:t>
+              <a:t>queryString = </a:t>
             </a:r>
             <a:r>
               <a:rPr lang="en-US" sz="1050" dirty="0">
@@ -9880,17 +9480,7 @@
                 <a:latin typeface="Calibri" panose="020F0502020204030204" pitchFamily="34" charset="0"/>
                 <a:cs typeface="Calibri" panose="020F0502020204030204" pitchFamily="34" charset="0"/>
               </a:rPr>
-              <a:t>Ordering </a:t>
-            </a:r>
-            <a:r>
-              <a:rPr lang="en-US" sz="3600" dirty="0" smtClean="0">
-                <a:solidFill>
-                  <a:srgbClr val="000000"/>
-                </a:solidFill>
-                <a:latin typeface="Calibri" panose="020F0502020204030204" pitchFamily="34" charset="0"/>
-                <a:cs typeface="Calibri" panose="020F0502020204030204" pitchFamily="34" charset="0"/>
-              </a:rPr>
-              <a:t>Results</a:t>
+              <a:t>Ordering Results</a:t>
             </a:r>
             <a:endParaRPr lang="en-US" sz="3600" dirty="0"/>
           </a:p>
@@ -9951,7 +9541,7 @@
             <a:pPr marL="0" indent="0">
               <a:buNone/>
             </a:pPr>
-            <a:endParaRPr lang="en-US" sz="1200" dirty="0" smtClean="0">
+            <a:endParaRPr lang="en-US" sz="1200" dirty="0">
               <a:solidFill>
                 <a:srgbClr val="000000"/>
               </a:solidFill>
@@ -9974,7 +9564,7 @@
               <a:buNone/>
             </a:pPr>
             <a:r>
-              <a:rPr lang="en-US" sz="1600" dirty="0" smtClean="0">
+              <a:rPr lang="en-US" sz="1600" dirty="0">
                 <a:solidFill>
                   <a:srgbClr val="000000"/>
                 </a:solidFill>
@@ -10021,22 +9611,36 @@
               <a:buNone/>
             </a:pPr>
             <a:r>
-              <a:rPr lang="en-US" sz="1200" dirty="0" smtClean="0">
+              <a:rPr lang="en-US" sz="1200" dirty="0">
                 <a:solidFill>
                   <a:srgbClr val="A31515"/>
                 </a:solidFill>
                 <a:latin typeface="Consolas" panose="020B0609020204030204" pitchFamily="49" charset="0"/>
               </a:rPr>
-              <a:t>     " </a:t>
+              <a:t>     " [Sales Territory Country].[Sales Territory Country].FRANCE, "</a:t>
             </a:r>
             <a:r>
               <a:rPr lang="en-US" sz="1200" dirty="0">
                 <a:solidFill>
+                  <a:srgbClr val="000000"/>
+                </a:solidFill>
+                <a:latin typeface="Consolas" panose="020B0609020204030204" pitchFamily="49" charset="0"/>
+              </a:rPr>
+              <a:t> +</a:t>
+            </a:r>
+          </a:p>
+          <a:p>
+            <a:pPr marL="0" indent="0">
+              <a:buNone/>
+            </a:pPr>
+            <a:r>
+              <a:rPr lang="en-US" sz="1200" dirty="0">
+                <a:solidFill>
                   <a:srgbClr val="A31515"/>
                 </a:solidFill>
                 <a:latin typeface="Consolas" panose="020B0609020204030204" pitchFamily="49" charset="0"/>
               </a:rPr>
-              <a:t>[Sales Territory Country].[Sales Territory Country].FRANCE, "</a:t>
+              <a:t>     " [Sales Territory Country].[Sales Territory Country].GERMANY, "</a:t>
             </a:r>
             <a:r>
               <a:rPr lang="en-US" sz="1200" dirty="0">
@@ -10053,22 +9657,36 @@
               <a:buNone/>
             </a:pPr>
             <a:r>
-              <a:rPr lang="en-US" sz="1200" dirty="0" smtClean="0">
+              <a:rPr lang="en-US" sz="1200" dirty="0">
                 <a:solidFill>
                   <a:srgbClr val="A31515"/>
                 </a:solidFill>
                 <a:latin typeface="Consolas" panose="020B0609020204030204" pitchFamily="49" charset="0"/>
               </a:rPr>
-              <a:t>     " </a:t>
+              <a:t>     " [Sales Territory Country].[Sales Territory Country].[United Kingdom] }' "</a:t>
             </a:r>
             <a:r>
               <a:rPr lang="en-US" sz="1200" dirty="0">
                 <a:solidFill>
+                  <a:srgbClr val="000000"/>
+                </a:solidFill>
+                <a:latin typeface="Consolas" panose="020B0609020204030204" pitchFamily="49" charset="0"/>
+              </a:rPr>
+              <a:t> +</a:t>
+            </a:r>
+          </a:p>
+          <a:p>
+            <a:pPr marL="0" indent="0">
+              <a:buNone/>
+            </a:pPr>
+            <a:r>
+              <a:rPr lang="en-US" sz="1200" dirty="0">
+                <a:solidFill>
                   <a:srgbClr val="A31515"/>
                 </a:solidFill>
                 <a:latin typeface="Consolas" panose="020B0609020204030204" pitchFamily="49" charset="0"/>
               </a:rPr>
-              <a:t>[Sales Territory Country].[Sales Territory Country].GERMANY, "</a:t>
+              <a:t>     " SELECT [Measures].[Sales Amount]  ON COLUMNS, "</a:t>
             </a:r>
             <a:r>
               <a:rPr lang="en-US" sz="1200" dirty="0">
@@ -10085,139 +9703,57 @@
               <a:buNone/>
             </a:pPr>
             <a:r>
-              <a:rPr lang="en-US" sz="1200" dirty="0" smtClean="0">
+              <a:rPr lang="en-US" sz="1200" dirty="0">
                 <a:solidFill>
                   <a:srgbClr val="A31515"/>
                 </a:solidFill>
                 <a:latin typeface="Consolas" panose="020B0609020204030204" pitchFamily="49" charset="0"/>
               </a:rPr>
-              <a:t>     " </a:t>
+              <a:t>     " [EUROPE] ON ROWS "</a:t>
             </a:r>
             <a:r>
               <a:rPr lang="en-US" sz="1200" dirty="0">
                 <a:solidFill>
+                  <a:srgbClr val="000000"/>
+                </a:solidFill>
+                <a:latin typeface="Consolas" panose="020B0609020204030204" pitchFamily="49" charset="0"/>
+              </a:rPr>
+              <a:t> +</a:t>
+            </a:r>
+          </a:p>
+          <a:p>
+            <a:pPr marL="0" indent="0">
+              <a:buNone/>
+            </a:pPr>
+            <a:r>
+              <a:rPr lang="en-US" sz="1200" dirty="0">
+                <a:solidFill>
                   <a:srgbClr val="A31515"/>
                 </a:solidFill>
                 <a:latin typeface="Consolas" panose="020B0609020204030204" pitchFamily="49" charset="0"/>
               </a:rPr>
-              <a:t>[Sales Territory Country].[Sales Territory Country].[United Kingdom] }' "</a:t>
+              <a:t>     " FROM[</a:t>
+            </a:r>
+            <a:r>
+              <a:rPr lang="en-US" sz="1200" dirty="0" err="1">
+                <a:solidFill>
+                  <a:srgbClr val="A31515"/>
+                </a:solidFill>
+                <a:latin typeface="Consolas" panose="020B0609020204030204" pitchFamily="49" charset="0"/>
+              </a:rPr>
+              <a:t>InternetSalesCube</a:t>
             </a:r>
             <a:r>
               <a:rPr lang="en-US" sz="1200" dirty="0">
                 <a:solidFill>
-                  <a:srgbClr val="000000"/>
-                </a:solidFill>
-                <a:latin typeface="Consolas" panose="020B0609020204030204" pitchFamily="49" charset="0"/>
-              </a:rPr>
-              <a:t> +</a:t>
-            </a:r>
-          </a:p>
-          <a:p>
-            <a:pPr marL="0" indent="0">
-              <a:buNone/>
-            </a:pPr>
-            <a:r>
-              <a:rPr lang="en-US" sz="1200" dirty="0" smtClean="0">
-                <a:solidFill>
                   <a:srgbClr val="A31515"/>
                 </a:solidFill>
                 <a:latin typeface="Consolas" panose="020B0609020204030204" pitchFamily="49" charset="0"/>
               </a:rPr>
-              <a:t>     " </a:t>
+              <a:t>]"</a:t>
             </a:r>
             <a:r>
               <a:rPr lang="en-US" sz="1200" dirty="0">
-                <a:solidFill>
-                  <a:srgbClr val="A31515"/>
-                </a:solidFill>
-                <a:latin typeface="Consolas" panose="020B0609020204030204" pitchFamily="49" charset="0"/>
-              </a:rPr>
-              <a:t>SELECT [Measures].[Sales Amount]  ON COLUMNS, "</a:t>
-            </a:r>
-            <a:r>
-              <a:rPr lang="en-US" sz="1200" dirty="0">
-                <a:solidFill>
-                  <a:srgbClr val="000000"/>
-                </a:solidFill>
-                <a:latin typeface="Consolas" panose="020B0609020204030204" pitchFamily="49" charset="0"/>
-              </a:rPr>
-              <a:t> +</a:t>
-            </a:r>
-          </a:p>
-          <a:p>
-            <a:pPr marL="0" indent="0">
-              <a:buNone/>
-            </a:pPr>
-            <a:r>
-              <a:rPr lang="en-US" sz="1200" dirty="0" smtClean="0">
-                <a:solidFill>
-                  <a:srgbClr val="A31515"/>
-                </a:solidFill>
-                <a:latin typeface="Consolas" panose="020B0609020204030204" pitchFamily="49" charset="0"/>
-              </a:rPr>
-              <a:t>     " </a:t>
-            </a:r>
-            <a:r>
-              <a:rPr lang="en-US" sz="1200" dirty="0">
-                <a:solidFill>
-                  <a:srgbClr val="A31515"/>
-                </a:solidFill>
-                <a:latin typeface="Consolas" panose="020B0609020204030204" pitchFamily="49" charset="0"/>
-              </a:rPr>
-              <a:t>[EUROPE] ON ROWS "</a:t>
-            </a:r>
-            <a:r>
-              <a:rPr lang="en-US" sz="1200" dirty="0">
-                <a:solidFill>
-                  <a:srgbClr val="000000"/>
-                </a:solidFill>
-                <a:latin typeface="Consolas" panose="020B0609020204030204" pitchFamily="49" charset="0"/>
-              </a:rPr>
-              <a:t> +</a:t>
-            </a:r>
-          </a:p>
-          <a:p>
-            <a:pPr marL="0" indent="0">
-              <a:buNone/>
-            </a:pPr>
-            <a:r>
-              <a:rPr lang="en-US" sz="1200" dirty="0" smtClean="0">
-                <a:solidFill>
-                  <a:srgbClr val="A31515"/>
-                </a:solidFill>
-                <a:latin typeface="Consolas" panose="020B0609020204030204" pitchFamily="49" charset="0"/>
-              </a:rPr>
-              <a:t>     " </a:t>
-            </a:r>
-            <a:r>
-              <a:rPr lang="en-US" sz="1200" dirty="0">
-                <a:solidFill>
-                  <a:srgbClr val="A31515"/>
-                </a:solidFill>
-                <a:latin typeface="Consolas" panose="020B0609020204030204" pitchFamily="49" charset="0"/>
-              </a:rPr>
-              <a:t>FROM[</a:t>
-            </a:r>
-            <a:r>
-              <a:rPr lang="en-US" sz="1200" dirty="0" err="1">
-                <a:solidFill>
-                  <a:srgbClr val="A31515"/>
-                </a:solidFill>
-                <a:latin typeface="Consolas" panose="020B0609020204030204" pitchFamily="49" charset="0"/>
-              </a:rPr>
-              <a:t>InternetSalesCube</a:t>
-            </a:r>
-            <a:r>
-              <a:rPr lang="en-US" sz="1200" dirty="0" smtClean="0">
-                <a:solidFill>
-                  <a:srgbClr val="A31515"/>
-                </a:solidFill>
-                <a:latin typeface="Consolas" panose="020B0609020204030204" pitchFamily="49" charset="0"/>
-              </a:rPr>
-              <a:t>]"</a:t>
-            </a:r>
-            <a:r>
-              <a:rPr lang="en-US" sz="1200" dirty="0" smtClean="0">
                 <a:solidFill>
                   <a:srgbClr val="000000"/>
                 </a:solidFill>
@@ -10241,7 +9777,7 @@
             <a:pPr marL="0" indent="0">
               <a:buNone/>
             </a:pPr>
-            <a:endParaRPr lang="en-US" sz="1200" dirty="0" smtClean="0">
+            <a:endParaRPr lang="en-US" sz="1200" dirty="0">
               <a:solidFill>
                 <a:srgbClr val="000000"/>
               </a:solidFill>
@@ -10253,7 +9789,7 @@
               <a:buNone/>
             </a:pPr>
             <a:r>
-              <a:rPr lang="en-US" sz="1600" dirty="0" smtClean="0">
+              <a:rPr lang="en-US" sz="1600" dirty="0">
                 <a:solidFill>
                   <a:srgbClr val="000000"/>
                 </a:solidFill>
@@ -10263,7 +9799,7 @@
               <a:t>Using </a:t>
             </a:r>
             <a:r>
-              <a:rPr lang="en-US" sz="1600" dirty="0" err="1" smtClean="0">
+              <a:rPr lang="en-US" sz="1600" dirty="0" err="1">
                 <a:solidFill>
                   <a:srgbClr val="000000"/>
                 </a:solidFill>
@@ -10273,7 +9809,7 @@
               <a:t>TopCount</a:t>
             </a:r>
             <a:r>
-              <a:rPr lang="en-US" sz="1600" dirty="0" smtClean="0">
+              <a:rPr lang="en-US" sz="1600" dirty="0">
                 <a:solidFill>
                   <a:srgbClr val="000000"/>
                 </a:solidFill>
@@ -10282,35 +9818,19 @@
               </a:rPr>
               <a:t> (which, count, based on what)</a:t>
             </a:r>
-            <a:endParaRPr lang="en-US" sz="1600" dirty="0">
-              <a:solidFill>
-                <a:srgbClr val="000000"/>
-              </a:solidFill>
-              <a:latin typeface="Calibri" panose="020F0502020204030204" pitchFamily="34" charset="0"/>
-              <a:cs typeface="Calibri" panose="020F0502020204030204" pitchFamily="34" charset="0"/>
-            </a:endParaRPr>
           </a:p>
           <a:p>
             <a:pPr marL="0" indent="0">
               <a:buNone/>
             </a:pPr>
             <a:r>
-              <a:rPr lang="en-US" sz="1100" dirty="0" smtClean="0">
+              <a:rPr lang="en-US" sz="1100" dirty="0">
                 <a:solidFill>
                   <a:srgbClr val="000000"/>
                 </a:solidFill>
                 <a:latin typeface="Consolas" panose="020B0609020204030204" pitchFamily="49" charset="0"/>
               </a:rPr>
-              <a:t>queryString </a:t>
-            </a:r>
-            <a:r>
-              <a:rPr lang="en-US" sz="1100" dirty="0">
-                <a:solidFill>
-                  <a:srgbClr val="000000"/>
-                </a:solidFill>
-                <a:latin typeface="Consolas" panose="020B0609020204030204" pitchFamily="49" charset="0"/>
-              </a:rPr>
-              <a:t>= </a:t>
+              <a:t>queryString = </a:t>
             </a:r>
             <a:r>
               <a:rPr lang="en-US" sz="1100" dirty="0">
@@ -10454,15 +9974,20 @@
               <a:buNone/>
             </a:pPr>
             <a:r>
-              <a:rPr lang="en-US" sz="1400" dirty="0" smtClean="0">
+              <a:rPr lang="en-US" sz="1400" dirty="0">
                 <a:solidFill>
                   <a:srgbClr val="000000"/>
                 </a:solidFill>
                 <a:latin typeface="Calibri" panose="020F0502020204030204" pitchFamily="34" charset="0"/>
                 <a:cs typeface="Calibri" panose="020F0502020204030204" pitchFamily="34" charset="0"/>
               </a:rPr>
-              <a:t>Using a WHERE clause to get a </a:t>
-            </a:r>
+              <a:t>Using a WHERE clause to get a subset  (aka. slicer).</a:t>
+            </a:r>
+          </a:p>
+          <a:p>
+            <a:pPr marL="0" indent="0">
+              <a:buNone/>
+            </a:pPr>
             <a:r>
               <a:rPr lang="en-US" sz="1400" dirty="0">
                 <a:solidFill>
@@ -10471,18 +9996,28 @@
                 <a:latin typeface="Calibri" panose="020F0502020204030204" pitchFamily="34" charset="0"/>
                 <a:cs typeface="Calibri" panose="020F0502020204030204" pitchFamily="34" charset="0"/>
               </a:rPr>
-              <a:t>subset  </a:t>
-            </a:r>
-            <a:r>
-              <a:rPr lang="en-US" sz="1400" dirty="0" smtClean="0">
+              <a:t>The MDX where clause even though sharing the same name as the SQL statement is fundamentally different.</a:t>
+            </a:r>
+          </a:p>
+          <a:p>
+            <a:pPr marL="0" indent="0">
+              <a:buNone/>
+            </a:pPr>
+            <a:r>
+              <a:rPr lang="en-US" sz="1400" dirty="0">
                 <a:solidFill>
                   <a:srgbClr val="000000"/>
                 </a:solidFill>
                 <a:latin typeface="Calibri" panose="020F0502020204030204" pitchFamily="34" charset="0"/>
                 <a:cs typeface="Calibri" panose="020F0502020204030204" pitchFamily="34" charset="0"/>
               </a:rPr>
-              <a:t>(</a:t>
-            </a:r>
+              <a:t>A MDX WHERE clause reduces the scope of the query. </a:t>
+            </a:r>
+          </a:p>
+          <a:p>
+            <a:pPr marL="0" indent="0">
+              <a:buNone/>
+            </a:pPr>
             <a:r>
               <a:rPr lang="en-US" sz="1400" dirty="0">
                 <a:solidFill>
@@ -10491,97 +10026,8 @@
                 <a:latin typeface="Calibri" panose="020F0502020204030204" pitchFamily="34" charset="0"/>
                 <a:cs typeface="Calibri" panose="020F0502020204030204" pitchFamily="34" charset="0"/>
               </a:rPr>
-              <a:t>aka. slicer</a:t>
-            </a:r>
-            <a:r>
-              <a:rPr lang="en-US" sz="1400" dirty="0" smtClean="0">
-                <a:solidFill>
-                  <a:srgbClr val="000000"/>
-                </a:solidFill>
-                <a:latin typeface="Calibri" panose="020F0502020204030204" pitchFamily="34" charset="0"/>
-                <a:cs typeface="Calibri" panose="020F0502020204030204" pitchFamily="34" charset="0"/>
-              </a:rPr>
-              <a:t>).</a:t>
-            </a:r>
-          </a:p>
-          <a:p>
-            <a:pPr marL="0" indent="0">
-              <a:buNone/>
-            </a:pPr>
-            <a:r>
-              <a:rPr lang="en-US" sz="1400" dirty="0">
-                <a:solidFill>
-                  <a:srgbClr val="000000"/>
-                </a:solidFill>
-                <a:latin typeface="Calibri" panose="020F0502020204030204" pitchFamily="34" charset="0"/>
-                <a:cs typeface="Calibri" panose="020F0502020204030204" pitchFamily="34" charset="0"/>
-              </a:rPr>
-              <a:t>The MDX where clause even though sharing the same name as the SQL statement is fundamentally different.</a:t>
-            </a:r>
-          </a:p>
-          <a:p>
-            <a:pPr marL="0" indent="0">
-              <a:buNone/>
-            </a:pPr>
-            <a:r>
-              <a:rPr lang="en-US" sz="1400" dirty="0" smtClean="0">
-                <a:solidFill>
-                  <a:srgbClr val="000000"/>
-                </a:solidFill>
-                <a:latin typeface="Calibri" panose="020F0502020204030204" pitchFamily="34" charset="0"/>
-                <a:cs typeface="Calibri" panose="020F0502020204030204" pitchFamily="34" charset="0"/>
-              </a:rPr>
-              <a:t>A </a:t>
-            </a:r>
-            <a:r>
-              <a:rPr lang="en-US" sz="1400" dirty="0">
-                <a:solidFill>
-                  <a:srgbClr val="000000"/>
-                </a:solidFill>
-                <a:latin typeface="Calibri" panose="020F0502020204030204" pitchFamily="34" charset="0"/>
-                <a:cs typeface="Calibri" panose="020F0502020204030204" pitchFamily="34" charset="0"/>
-              </a:rPr>
-              <a:t>MDX WHERE clause reduces the scope of the query. </a:t>
-            </a:r>
-            <a:endParaRPr lang="en-US" sz="1400" dirty="0" smtClean="0">
-              <a:solidFill>
-                <a:srgbClr val="000000"/>
-              </a:solidFill>
-              <a:latin typeface="Calibri" panose="020F0502020204030204" pitchFamily="34" charset="0"/>
-              <a:cs typeface="Calibri" panose="020F0502020204030204" pitchFamily="34" charset="0"/>
-            </a:endParaRPr>
-          </a:p>
-          <a:p>
-            <a:pPr marL="0" indent="0">
-              <a:buNone/>
-            </a:pPr>
-            <a:r>
-              <a:rPr lang="en-US" sz="1400" dirty="0" smtClean="0">
-                <a:solidFill>
-                  <a:srgbClr val="000000"/>
-                </a:solidFill>
-                <a:latin typeface="Calibri" panose="020F0502020204030204" pitchFamily="34" charset="0"/>
-                <a:cs typeface="Calibri" panose="020F0502020204030204" pitchFamily="34" charset="0"/>
-              </a:rPr>
-              <a:t>The </a:t>
-            </a:r>
-            <a:r>
-              <a:rPr lang="en-US" sz="1400" dirty="0">
-                <a:solidFill>
-                  <a:srgbClr val="000000"/>
-                </a:solidFill>
-                <a:latin typeface="Calibri" panose="020F0502020204030204" pitchFamily="34" charset="0"/>
-                <a:cs typeface="Calibri" panose="020F0502020204030204" pitchFamily="34" charset="0"/>
-              </a:rPr>
-              <a:t>WHERE clause reduces the cube into a new 'sliced' cube, the slice being defined by the WHERE clause.</a:t>
-            </a:r>
-            <a:endParaRPr lang="en-US" sz="1400" dirty="0" smtClean="0">
-              <a:solidFill>
-                <a:srgbClr val="000000"/>
-              </a:solidFill>
-              <a:latin typeface="Calibri" panose="020F0502020204030204" pitchFamily="34" charset="0"/>
-              <a:cs typeface="Calibri" panose="020F0502020204030204" pitchFamily="34" charset="0"/>
-            </a:endParaRPr>
+              <a:t>The WHERE clause reduces the cube into a new 'sliced' cube, the slice being defined by the WHERE clause.</a:t>
+            </a:r>
           </a:p>
           <a:p>
             <a:pPr marL="0" indent="0">
@@ -10717,7 +10163,7 @@
             <a:pPr marL="0" indent="0">
               <a:buNone/>
             </a:pPr>
-            <a:endParaRPr lang="en-US" sz="1000" dirty="0" smtClean="0">
+            <a:endParaRPr lang="en-US" sz="1000" dirty="0">
               <a:solidFill>
                 <a:srgbClr val="000000"/>
               </a:solidFill>
@@ -10896,7 +10342,7 @@
               </a:rPr>
               <a:t>//) WHERE ( [Dim Product].[Color].&amp;[Blue] )  ";</a:t>
             </a:r>
-            <a:endParaRPr lang="en-US" sz="1000" dirty="0" smtClean="0">
+            <a:endParaRPr lang="en-US" sz="1000" dirty="0">
               <a:solidFill>
                 <a:srgbClr val="000000"/>
               </a:solidFill>
@@ -10925,16 +10371,39 @@
                 </a:solidFill>
                 <a:latin typeface="Consolas" panose="020B0609020204030204" pitchFamily="49" charset="0"/>
               </a:rPr>
-              <a:t>Using a WHERE clause to get a </a:t>
-            </a:r>
-            <a:r>
-              <a:rPr lang="en-US" sz="1000" dirty="0" smtClean="0">
+              <a:t>Using a WHERE clause to get a more complicated subset (red or blue, from U.S.)</a:t>
+            </a:r>
+          </a:p>
+          <a:p>
+            <a:pPr marL="0" indent="0">
+              <a:buNone/>
+            </a:pPr>
+            <a:r>
+              <a:rPr lang="en-US" sz="1000" dirty="0">
                 <a:solidFill>
                   <a:srgbClr val="000000"/>
                 </a:solidFill>
                 <a:latin typeface="Consolas" panose="020B0609020204030204" pitchFamily="49" charset="0"/>
               </a:rPr>
-              <a:t>more complicated subset (red or blue, from U.S.)</a:t>
+              <a:t>queryString = </a:t>
+            </a:r>
+            <a:r>
+              <a:rPr lang="en-US" sz="1000" dirty="0">
+                <a:solidFill>
+                  <a:srgbClr val="A31515"/>
+                </a:solidFill>
+                <a:latin typeface="Consolas" panose="020B0609020204030204" pitchFamily="49" charset="0"/>
+              </a:rPr>
+              <a:t>" SELECT  [Measures].[Order Quantity]  ON COLUMNS, "</a:t>
+            </a:r>
+            <a:r>
+              <a:rPr lang="en-US" sz="1000" dirty="0">
+                <a:solidFill>
+                  <a:srgbClr val="000000"/>
+                </a:solidFill>
+                <a:latin typeface="Consolas" panose="020B0609020204030204" pitchFamily="49" charset="0"/>
+              </a:rPr>
+              <a:t> +</a:t>
             </a:r>
           </a:p>
           <a:p>
@@ -10942,23 +10411,51 @@
               <a:buNone/>
             </a:pPr>
             <a:r>
-              <a:rPr lang="en-US" sz="1000" dirty="0" smtClean="0">
+              <a:rPr lang="en-US" sz="1000" dirty="0">
+                <a:solidFill>
+                  <a:srgbClr val="A31515"/>
+                </a:solidFill>
+                <a:latin typeface="Consolas" panose="020B0609020204030204" pitchFamily="49" charset="0"/>
+              </a:rPr>
+              <a:t>"  { [Dim Product].[English Description].[English Description].ALLMEMBERS }  ON ROWS  "</a:t>
+            </a:r>
+            <a:r>
+              <a:rPr lang="en-US" sz="1000" dirty="0">
                 <a:solidFill>
                   <a:srgbClr val="000000"/>
                 </a:solidFill>
                 <a:latin typeface="Consolas" panose="020B0609020204030204" pitchFamily="49" charset="0"/>
               </a:rPr>
-              <a:t>queryString </a:t>
-            </a:r>
+              <a:t> +</a:t>
+            </a:r>
+          </a:p>
+          <a:p>
+            <a:pPr marL="0" indent="0">
+              <a:buNone/>
+            </a:pPr>
             <a:r>
               <a:rPr lang="en-US" sz="1000" dirty="0">
                 <a:solidFill>
+                  <a:srgbClr val="A31515"/>
+                </a:solidFill>
+                <a:latin typeface="Consolas" panose="020B0609020204030204" pitchFamily="49" charset="0"/>
+              </a:rPr>
+              <a:t>" FROM ( SELECT ( { [Dim Sales Territory].[Sales Territory Country].&amp;[United States] } ) ON COLUMNS "</a:t>
+            </a:r>
+            <a:r>
+              <a:rPr lang="en-US" sz="1000" dirty="0">
+                <a:solidFill>
                   <a:srgbClr val="000000"/>
                 </a:solidFill>
                 <a:latin typeface="Consolas" panose="020B0609020204030204" pitchFamily="49" charset="0"/>
               </a:rPr>
-              <a:t>= </a:t>
-            </a:r>
+              <a:t> +</a:t>
+            </a:r>
+          </a:p>
+          <a:p>
+            <a:pPr marL="0" indent="0">
+              <a:buNone/>
+            </a:pPr>
             <a:r>
               <a:rPr lang="en-US" sz="1000" dirty="0">
                 <a:solidFill>
@@ -10966,7 +10463,7 @@
                 </a:solidFill>
                 <a:latin typeface="Consolas" panose="020B0609020204030204" pitchFamily="49" charset="0"/>
               </a:rPr>
-              <a:t>" SELECT  [Measures].[Order Quantity]  ON COLUMNS, "</a:t>
+              <a:t>" FROM (SELECT( { [Dim Product].[Color].&amp;[Red], [Dim Product].[Color].&amp;[Blue] } ) ON COLUMNS "</a:t>
             </a:r>
             <a:r>
               <a:rPr lang="en-US" sz="1000" dirty="0">
@@ -10989,11 +10486,29 @@
                 </a:solidFill>
                 <a:latin typeface="Consolas" panose="020B0609020204030204" pitchFamily="49" charset="0"/>
               </a:rPr>
-              <a:t>"  { [Dim Product].[English Description].[English Description].ALLMEMBERS }  ON ROWS  "</a:t>
+              <a:t>" FROM [</a:t>
+            </a:r>
+            <a:r>
+              <a:rPr lang="en-US" sz="1000" dirty="0" err="1">
+                <a:solidFill>
+                  <a:srgbClr val="A31515"/>
+                </a:solidFill>
+                <a:latin typeface="Consolas" panose="020B0609020204030204" pitchFamily="49" charset="0"/>
+              </a:rPr>
+              <a:t>InternetSalesCube</a:t>
             </a:r>
             <a:r>
               <a:rPr lang="en-US" sz="1000" dirty="0">
                 <a:solidFill>
+                  <a:srgbClr val="A31515"/>
+                </a:solidFill>
+                <a:latin typeface="Consolas" panose="020B0609020204030204" pitchFamily="49" charset="0"/>
+              </a:rPr>
+              <a:t>])) "</a:t>
+            </a:r>
+            <a:r>
+              <a:rPr lang="en-US" sz="1000" dirty="0">
+                <a:solidFill>
                   <a:srgbClr val="000000"/>
                 </a:solidFill>
                 <a:latin typeface="Consolas" panose="020B0609020204030204" pitchFamily="49" charset="0"/>
@@ -11012,124 +10527,28 @@
                 </a:solidFill>
                 <a:latin typeface="Consolas" panose="020B0609020204030204" pitchFamily="49" charset="0"/>
               </a:rPr>
-              <a:t>" FROM ( SELECT ( { [Dim Sales Territory].[Sales Territory Country].&amp;[United States] } ) ON COLUMNS "</a:t>
+              <a:t>" WHERE ([Dim Product].[Color].</a:t>
+            </a:r>
+            <a:r>
+              <a:rPr lang="en-US" sz="1000" dirty="0" err="1">
+                <a:solidFill>
+                  <a:srgbClr val="A31515"/>
+                </a:solidFill>
+                <a:latin typeface="Consolas" panose="020B0609020204030204" pitchFamily="49" charset="0"/>
+              </a:rPr>
+              <a:t>CurrentMember</a:t>
             </a:r>
             <a:r>
               <a:rPr lang="en-US" sz="1000" dirty="0">
                 <a:solidFill>
-                  <a:srgbClr val="000000"/>
-                </a:solidFill>
-                <a:latin typeface="Consolas" panose="020B0609020204030204" pitchFamily="49" charset="0"/>
-              </a:rPr>
-              <a:t> +</a:t>
-            </a:r>
-          </a:p>
-          <a:p>
-            <a:pPr marL="0" indent="0">
-              <a:buNone/>
-            </a:pPr>
+                  <a:srgbClr val="A31515"/>
+                </a:solidFill>
+                <a:latin typeface="Consolas" panose="020B0609020204030204" pitchFamily="49" charset="0"/>
+              </a:rPr>
+              <a:t>, [Dim Sales Territory].[Sales Territory Country].&amp;[United States] ) "</a:t>
+            </a:r>
             <a:r>
               <a:rPr lang="en-US" sz="1000" dirty="0">
-                <a:solidFill>
-                  <a:srgbClr val="A31515"/>
-                </a:solidFill>
-                <a:latin typeface="Consolas" panose="020B0609020204030204" pitchFamily="49" charset="0"/>
-              </a:rPr>
-              <a:t>" FROM (SELECT( { [Dim Product].[Color].&amp;[Red], [Dim Product].[Color].&amp;[Blue] } ) ON COLUMNS "</a:t>
-            </a:r>
-            <a:r>
-              <a:rPr lang="en-US" sz="1000" dirty="0">
-                <a:solidFill>
-                  <a:srgbClr val="000000"/>
-                </a:solidFill>
-                <a:latin typeface="Consolas" panose="020B0609020204030204" pitchFamily="49" charset="0"/>
-              </a:rPr>
-              <a:t> +</a:t>
-            </a:r>
-          </a:p>
-          <a:p>
-            <a:pPr marL="0" indent="0">
-              <a:buNone/>
-            </a:pPr>
-            <a:r>
-              <a:rPr lang="en-US" sz="1000" dirty="0">
-                <a:solidFill>
-                  <a:srgbClr val="A31515"/>
-                </a:solidFill>
-                <a:latin typeface="Consolas" panose="020B0609020204030204" pitchFamily="49" charset="0"/>
-              </a:rPr>
-              <a:t>" FROM [</a:t>
-            </a:r>
-            <a:r>
-              <a:rPr lang="en-US" sz="1000" dirty="0" err="1">
-                <a:solidFill>
-                  <a:srgbClr val="A31515"/>
-                </a:solidFill>
-                <a:latin typeface="Consolas" panose="020B0609020204030204" pitchFamily="49" charset="0"/>
-              </a:rPr>
-              <a:t>InternetSalesCube</a:t>
-            </a:r>
-            <a:r>
-              <a:rPr lang="en-US" sz="1000" dirty="0">
-                <a:solidFill>
-                  <a:srgbClr val="A31515"/>
-                </a:solidFill>
-                <a:latin typeface="Consolas" panose="020B0609020204030204" pitchFamily="49" charset="0"/>
-              </a:rPr>
-              <a:t>])) "</a:t>
-            </a:r>
-            <a:r>
-              <a:rPr lang="en-US" sz="1000" dirty="0">
-                <a:solidFill>
-                  <a:srgbClr val="000000"/>
-                </a:solidFill>
-                <a:latin typeface="Consolas" panose="020B0609020204030204" pitchFamily="49" charset="0"/>
-              </a:rPr>
-              <a:t> +</a:t>
-            </a:r>
-          </a:p>
-          <a:p>
-            <a:pPr marL="0" indent="0">
-              <a:buNone/>
-            </a:pPr>
-            <a:r>
-              <a:rPr lang="en-US" sz="1000" dirty="0">
-                <a:solidFill>
-                  <a:srgbClr val="A31515"/>
-                </a:solidFill>
-                <a:latin typeface="Consolas" panose="020B0609020204030204" pitchFamily="49" charset="0"/>
-              </a:rPr>
-              <a:t>" WHERE ([Dim Product].[Color].</a:t>
-            </a:r>
-            <a:r>
-              <a:rPr lang="en-US" sz="1000" dirty="0" err="1">
-                <a:solidFill>
-                  <a:srgbClr val="A31515"/>
-                </a:solidFill>
-                <a:latin typeface="Consolas" panose="020B0609020204030204" pitchFamily="49" charset="0"/>
-              </a:rPr>
-              <a:t>CurrentMember</a:t>
-            </a:r>
-            <a:r>
-              <a:rPr lang="en-US" sz="1000" dirty="0">
-                <a:solidFill>
-                  <a:srgbClr val="A31515"/>
-                </a:solidFill>
-                <a:latin typeface="Consolas" panose="020B0609020204030204" pitchFamily="49" charset="0"/>
-              </a:rPr>
-              <a:t>, [Dim Sales Territory].[Sales Territory Country].&amp;[United States] ) </a:t>
-            </a:r>
-            <a:r>
-              <a:rPr lang="en-US" sz="1000" dirty="0" smtClean="0">
-                <a:solidFill>
-                  <a:srgbClr val="A31515"/>
-                </a:solidFill>
-                <a:latin typeface="Consolas" panose="020B0609020204030204" pitchFamily="49" charset="0"/>
-              </a:rPr>
-              <a:t>"</a:t>
-            </a:r>
-            <a:r>
-              <a:rPr lang="en-US" sz="1000" dirty="0" smtClean="0">
                 <a:solidFill>
                   <a:srgbClr val="000000"/>
                 </a:solidFill>
@@ -11431,18 +10850,13 @@
           <a:lstStyle/>
           <a:p>
             <a:r>
-              <a:rPr lang="en-US" sz="1600" dirty="0" smtClean="0">
+              <a:rPr lang="en-US" sz="1600" dirty="0">
                 <a:solidFill>
                   <a:srgbClr val="00B0F0"/>
                 </a:solidFill>
               </a:rPr>
               <a:t>Same results?</a:t>
             </a:r>
-            <a:endParaRPr lang="en-US" sz="1600" dirty="0">
-              <a:solidFill>
-                <a:srgbClr val="00B0F0"/>
-              </a:solidFill>
-            </a:endParaRPr>
           </a:p>
         </p:txBody>
       </p:sp>
@@ -11560,14 +10974,13 @@
           <a:lstStyle/>
           <a:p>
             <a:r>
-              <a:rPr lang="en-US" dirty="0" smtClean="0"/>
+              <a:rPr lang="en-US" dirty="0"/>
               <a:t>Get product name only if red </a:t>
             </a:r>
             <a:r>
-              <a:rPr lang="en-US" smtClean="0"/>
+              <a:rPr lang="en-US"/>
               <a:t>or blue</a:t>
             </a:r>
-            <a:endParaRPr lang="en-US"/>
           </a:p>
         </p:txBody>
       </p:sp>
@@ -11671,16 +11084,7 @@
                 </a:solidFill>
                 <a:latin typeface="Consolas" panose="020B0609020204030204" pitchFamily="49" charset="0"/>
               </a:rPr>
-              <a:t>  </a:t>
-            </a:r>
-            <a:r>
-              <a:rPr lang="en-US" sz="1050" dirty="0" smtClean="0">
-                <a:solidFill>
-                  <a:srgbClr val="000000"/>
-                </a:solidFill>
-                <a:latin typeface="Consolas" panose="020B0609020204030204" pitchFamily="49" charset="0"/>
-              </a:rPr>
-              <a:t>  </a:t>
+              <a:t>    </a:t>
             </a:r>
             <a:r>
               <a:rPr lang="en-US" sz="1050" dirty="0">
@@ -11810,13 +11214,7 @@
               <a:rPr lang="en-US" sz="3200" dirty="0">
                 <a:hlinkClick r:id="rId2"/>
               </a:rPr>
-              <a:t>https://</a:t>
-            </a:r>
-            <a:r>
-              <a:rPr lang="en-US" sz="3200" dirty="0" smtClean="0">
-                <a:hlinkClick r:id="rId2"/>
-              </a:rPr>
-              <a:t>www.iccube.com/support/documentation/mdx_tutorial/gentle_introduction.php</a:t>
+              <a:t>https://www.iccube.com/support/documentation/mdx_tutorial/gentle_introduction.php</a:t>
             </a:r>
             <a:endParaRPr lang="en-US" sz="3200" dirty="0"/>
           </a:p>
@@ -11841,15 +11239,9 @@
               <a:rPr lang="en-US">
                 <a:hlinkClick r:id="rId3"/>
               </a:rPr>
-              <a:t>https://</a:t>
-            </a:r>
-            <a:r>
-              <a:rPr lang="en-US" smtClean="0">
-                <a:hlinkClick r:id="rId3"/>
-              </a:rPr>
-              <a:t>msdn.microsoft.com/en-us/library/bb500184.aspx</a:t>
-            </a:r>
-            <a:endParaRPr lang="en-US" smtClean="0"/>
+              <a:t>https://msdn.microsoft.com/en-us/library/bb500184.aspx</a:t>
+            </a:r>
+            <a:endParaRPr lang="en-US"/>
           </a:p>
           <a:p>
             <a:endParaRPr lang="en-US" dirty="0"/>
@@ -11909,10 +11301,9 @@
           <a:lstStyle/>
           <a:p>
             <a:r>
-              <a:rPr lang="en-US" sz="3600" dirty="0" smtClean="0"/>
+              <a:rPr lang="en-US" sz="3600" dirty="0"/>
               <a:t>SQL? MDX?</a:t>
             </a:r>
-            <a:endParaRPr lang="en-US" sz="3600" dirty="0"/>
           </a:p>
         </p:txBody>
       </p:sp>
@@ -11937,20 +11328,11 @@
               <a:rPr lang="en-US" dirty="0"/>
               <a:t>SQL was designed to query dimensional data structures, called tables, where data are organized in rows and columns. </a:t>
             </a:r>
-            <a:endParaRPr lang="en-US" dirty="0" smtClean="0"/>
-          </a:p>
-          <a:p>
-            <a:r>
-              <a:rPr lang="en-US" dirty="0" smtClean="0"/>
-              <a:t>In </a:t>
-            </a:r>
+          </a:p>
+          <a:p>
             <a:r>
               <a:rPr lang="en-US" dirty="0"/>
-              <a:t>OLAP, data are organized around multiple measures, dimensions, hierarchies, and levels</a:t>
-            </a:r>
-            <a:r>
-              <a:rPr lang="en-US" dirty="0" smtClean="0"/>
-              <a:t>.</a:t>
+              <a:t>In OLAP, data are organized around multiple measures, dimensions, hierarchies, and levels.</a:t>
             </a:r>
           </a:p>
           <a:p>
@@ -11958,46 +11340,23 @@
               <a:rPr lang="en-US" dirty="0"/>
               <a:t>MDX is a language used to perform calculations and analysis around OLAP structures. </a:t>
             </a:r>
-            <a:endParaRPr lang="en-US" dirty="0" smtClean="0"/>
-          </a:p>
-          <a:p>
-            <a:r>
-              <a:rPr lang="en-US" dirty="0" smtClean="0"/>
-              <a:t>MDX </a:t>
-            </a:r>
+          </a:p>
+          <a:p>
             <a:r>
               <a:rPr lang="en-US" dirty="0"/>
-              <a:t>includes a rich set of functions for </a:t>
-            </a:r>
-            <a:r>
-              <a:rPr lang="en-US" dirty="0" smtClean="0"/>
-              <a:t>performing </a:t>
-            </a:r>
+              <a:t>MDX includes a rich set of functions for performing statistical analysis. </a:t>
+            </a:r>
+          </a:p>
+          <a:p>
             <a:r>
               <a:rPr lang="en-US" dirty="0"/>
-              <a:t>statistical analysis. </a:t>
-            </a:r>
-            <a:endParaRPr lang="en-US" dirty="0" smtClean="0"/>
-          </a:p>
-          <a:p>
-            <a:r>
-              <a:rPr lang="en-US" dirty="0" smtClean="0"/>
-              <a:t>Unlike </a:t>
-            </a:r>
+              <a:t>Unlike SQL, MDX does not have DDL (Data Definition) or DML (Data Manipulation) capabilities. </a:t>
+            </a:r>
+          </a:p>
+          <a:p>
             <a:r>
               <a:rPr lang="en-US" dirty="0"/>
-              <a:t>SQL, MDX does not have DDL (Data Definition) or DML (Data Manipulation) capabilities. </a:t>
-            </a:r>
-            <a:endParaRPr lang="en-US" dirty="0" smtClean="0"/>
-          </a:p>
-          <a:p>
-            <a:r>
-              <a:rPr lang="en-US" dirty="0" smtClean="0"/>
-              <a:t>MDX </a:t>
-            </a:r>
-            <a:r>
-              <a:rPr lang="en-US" dirty="0"/>
-              <a:t>is purely for analyzing and reading data.</a:t>
+              <a:t>MDX is purely for analyzing and reading data.</a:t>
             </a:r>
           </a:p>
         </p:txBody>
@@ -12048,10 +11407,9 @@
           <a:lstStyle/>
           <a:p>
             <a:r>
-              <a:rPr lang="en-US" dirty="0" smtClean="0"/>
+              <a:rPr lang="en-US" dirty="0"/>
               <a:t>Structure of MDX query</a:t>
             </a:r>
-            <a:endParaRPr lang="en-US" dirty="0"/>
           </a:p>
         </p:txBody>
       </p:sp>
@@ -12565,18 +11923,17 @@
           <a:lstStyle/>
           <a:p>
             <a:r>
-              <a:rPr lang="en-US" dirty="0" smtClean="0"/>
+              <a:rPr lang="en-US" dirty="0"/>
               <a:t>Notice we have a collection of Measures, and another of Dim(</a:t>
             </a:r>
             <a:r>
-              <a:rPr lang="en-US" dirty="0" err="1" smtClean="0"/>
+              <a:rPr lang="en-US" dirty="0" err="1"/>
               <a:t>ensions</a:t>
             </a:r>
             <a:r>
-              <a:rPr lang="en-US" smtClean="0"/>
+              <a:rPr lang="en-US"/>
               <a:t>)</a:t>
             </a:r>
-            <a:endParaRPr lang="en-US"/>
           </a:p>
         </p:txBody>
       </p:sp>
@@ -13672,10 +13029,9 @@
           <a:lstStyle/>
           <a:p>
             <a:r>
-              <a:rPr lang="en-US" i="1" dirty="0" smtClean="0"/>
+              <a:rPr lang="en-US" i="1" dirty="0"/>
               <a:t>Flip ROWS and COLUMNS … and they can appear in either order</a:t>
             </a:r>
-            <a:endParaRPr lang="en-US" i="1" dirty="0"/>
           </a:p>
         </p:txBody>
       </p:sp>

--- a/006- BI/2- MDX/MDX.pptx
+++ b/006- BI/2- MDX/MDX.pptx
@@ -22,14 +22,15 @@
     <p:sldId id="284" r:id="rId16"/>
     <p:sldId id="286" r:id="rId17"/>
     <p:sldId id="287" r:id="rId18"/>
-    <p:sldId id="288" r:id="rId19"/>
-    <p:sldId id="290" r:id="rId20"/>
-    <p:sldId id="292" r:id="rId21"/>
-    <p:sldId id="295" r:id="rId22"/>
-    <p:sldId id="294" r:id="rId23"/>
-    <p:sldId id="291" r:id="rId24"/>
-    <p:sldId id="296" r:id="rId25"/>
-    <p:sldId id="289" r:id="rId26"/>
+    <p:sldId id="297" r:id="rId19"/>
+    <p:sldId id="288" r:id="rId20"/>
+    <p:sldId id="290" r:id="rId21"/>
+    <p:sldId id="292" r:id="rId22"/>
+    <p:sldId id="295" r:id="rId23"/>
+    <p:sldId id="294" r:id="rId24"/>
+    <p:sldId id="291" r:id="rId25"/>
+    <p:sldId id="296" r:id="rId26"/>
+    <p:sldId id="289" r:id="rId27"/>
   </p:sldIdLst>
   <p:sldSz cx="9144000" cy="6858000" type="screen4x3"/>
   <p:notesSz cx="6858000" cy="9144000"/>
@@ -326,7 +327,7 @@
           <a:p>
             <a:fld id="{142A3F05-1E56-41FD-8B47-EADA3141F8BF}" type="datetimeFigureOut">
               <a:rPr lang="en-US" smtClean="0"/>
-              <a:t>5/28/2020</a:t>
+              <a:t>6/1/2020</a:t>
             </a:fld>
             <a:endParaRPr lang="en-US"/>
           </a:p>
@@ -494,7 +495,7 @@
           <a:p>
             <a:fld id="{142A3F05-1E56-41FD-8B47-EADA3141F8BF}" type="datetimeFigureOut">
               <a:rPr lang="en-US" smtClean="0"/>
-              <a:t>5/28/2020</a:t>
+              <a:t>6/1/2020</a:t>
             </a:fld>
             <a:endParaRPr lang="en-US"/>
           </a:p>
@@ -672,7 +673,7 @@
           <a:p>
             <a:fld id="{142A3F05-1E56-41FD-8B47-EADA3141F8BF}" type="datetimeFigureOut">
               <a:rPr lang="en-US" smtClean="0"/>
-              <a:t>5/28/2020</a:t>
+              <a:t>6/1/2020</a:t>
             </a:fld>
             <a:endParaRPr lang="en-US"/>
           </a:p>
@@ -840,7 +841,7 @@
           <a:p>
             <a:fld id="{142A3F05-1E56-41FD-8B47-EADA3141F8BF}" type="datetimeFigureOut">
               <a:rPr lang="en-US" smtClean="0"/>
-              <a:t>5/28/2020</a:t>
+              <a:t>6/1/2020</a:t>
             </a:fld>
             <a:endParaRPr lang="en-US"/>
           </a:p>
@@ -1085,7 +1086,7 @@
           <a:p>
             <a:fld id="{142A3F05-1E56-41FD-8B47-EADA3141F8BF}" type="datetimeFigureOut">
               <a:rPr lang="en-US" smtClean="0"/>
-              <a:t>5/28/2020</a:t>
+              <a:t>6/1/2020</a:t>
             </a:fld>
             <a:endParaRPr lang="en-US"/>
           </a:p>
@@ -1370,7 +1371,7 @@
           <a:p>
             <a:fld id="{142A3F05-1E56-41FD-8B47-EADA3141F8BF}" type="datetimeFigureOut">
               <a:rPr lang="en-US" smtClean="0"/>
-              <a:t>5/28/2020</a:t>
+              <a:t>6/1/2020</a:t>
             </a:fld>
             <a:endParaRPr lang="en-US"/>
           </a:p>
@@ -1789,7 +1790,7 @@
           <a:p>
             <a:fld id="{142A3F05-1E56-41FD-8B47-EADA3141F8BF}" type="datetimeFigureOut">
               <a:rPr lang="en-US" smtClean="0"/>
-              <a:t>5/28/2020</a:t>
+              <a:t>6/1/2020</a:t>
             </a:fld>
             <a:endParaRPr lang="en-US"/>
           </a:p>
@@ -1906,7 +1907,7 @@
           <a:p>
             <a:fld id="{142A3F05-1E56-41FD-8B47-EADA3141F8BF}" type="datetimeFigureOut">
               <a:rPr lang="en-US" smtClean="0"/>
-              <a:t>5/28/2020</a:t>
+              <a:t>6/1/2020</a:t>
             </a:fld>
             <a:endParaRPr lang="en-US"/>
           </a:p>
@@ -2001,7 +2002,7 @@
           <a:p>
             <a:fld id="{142A3F05-1E56-41FD-8B47-EADA3141F8BF}" type="datetimeFigureOut">
               <a:rPr lang="en-US" smtClean="0"/>
-              <a:t>5/28/2020</a:t>
+              <a:t>6/1/2020</a:t>
             </a:fld>
             <a:endParaRPr lang="en-US"/>
           </a:p>
@@ -2276,7 +2277,7 @@
           <a:p>
             <a:fld id="{142A3F05-1E56-41FD-8B47-EADA3141F8BF}" type="datetimeFigureOut">
               <a:rPr lang="en-US" smtClean="0"/>
-              <a:t>5/28/2020</a:t>
+              <a:t>6/1/2020</a:t>
             </a:fld>
             <a:endParaRPr lang="en-US"/>
           </a:p>
@@ -2528,7 +2529,7 @@
           <a:p>
             <a:fld id="{142A3F05-1E56-41FD-8B47-EADA3141F8BF}" type="datetimeFigureOut">
               <a:rPr lang="en-US" smtClean="0"/>
-              <a:t>5/28/2020</a:t>
+              <a:t>6/1/2020</a:t>
             </a:fld>
             <a:endParaRPr lang="en-US"/>
           </a:p>
@@ -2739,7 +2740,7 @@
           <a:p>
             <a:fld id="{142A3F05-1E56-41FD-8B47-EADA3141F8BF}" type="datetimeFigureOut">
               <a:rPr lang="en-US" smtClean="0"/>
-              <a:t>5/28/2020</a:t>
+              <a:t>6/1/2020</a:t>
             </a:fld>
             <a:endParaRPr lang="en-US"/>
           </a:p>
@@ -5301,11 +5302,18 @@
             <a:r>
               <a:rPr lang="en-US" sz="1800" dirty="0">
                 <a:solidFill>
-                  <a:srgbClr val="0070C0"/>
-                </a:solidFill>
+                  <a:srgbClr val="0000FF"/>
+                </a:solidFill>
+                <a:latin typeface="Consolas" panose="020B0609020204030204" pitchFamily="49" charset="0"/>
               </a:rPr>
               <a:t>SELECT</a:t>
             </a:r>
+            <a:endParaRPr lang="en-US" sz="1800" dirty="0">
+              <a:solidFill>
+                <a:srgbClr val="000000"/>
+              </a:solidFill>
+              <a:latin typeface="Consolas" panose="020B0609020204030204" pitchFamily="49" charset="0"/>
+            </a:endParaRPr>
           </a:p>
           <a:p>
             <a:pPr marL="0" indent="0">
@@ -5314,11 +5322,36 @@
             <a:r>
               <a:rPr lang="en-US" sz="1800" dirty="0">
                 <a:solidFill>
-                  <a:srgbClr val="0070C0"/>
-                </a:solidFill>
-              </a:rPr>
-              <a:t>NON EMPTY</a:t>
-            </a:r>
+                  <a:srgbClr val="0000FF"/>
+                </a:solidFill>
+                <a:latin typeface="Consolas" panose="020B0609020204030204" pitchFamily="49" charset="0"/>
+              </a:rPr>
+              <a:t>NON</a:t>
+            </a:r>
+            <a:r>
+              <a:rPr lang="en-US" sz="1800" dirty="0">
+                <a:solidFill>
+                  <a:srgbClr val="000000"/>
+                </a:solidFill>
+                <a:latin typeface="Consolas" panose="020B0609020204030204" pitchFamily="49" charset="0"/>
+              </a:rPr>
+              <a:t> </a:t>
+            </a:r>
+            <a:r>
+              <a:rPr lang="en-US" sz="1800" dirty="0">
+                <a:solidFill>
+                  <a:srgbClr val="0000FF"/>
+                </a:solidFill>
+                <a:latin typeface="Consolas" panose="020B0609020204030204" pitchFamily="49" charset="0"/>
+              </a:rPr>
+              <a:t>EMPTY</a:t>
+            </a:r>
+            <a:endParaRPr lang="en-US" sz="1800" dirty="0">
+              <a:solidFill>
+                <a:srgbClr val="000000"/>
+              </a:solidFill>
+              <a:latin typeface="Consolas" panose="020B0609020204030204" pitchFamily="49" charset="0"/>
+            </a:endParaRPr>
           </a:p>
           <a:p>
             <a:pPr marL="0" indent="0">
@@ -5327,10 +5360,65 @@
             <a:r>
               <a:rPr lang="en-US" sz="1800" dirty="0">
                 <a:solidFill>
-                  <a:srgbClr val="0070C0"/>
-                </a:solidFill>
-              </a:rPr>
-              <a:t>(  [Product].[Category Name].Children , [Measures].[Sales Amount]  ) ON COLUMNS,</a:t>
+                  <a:srgbClr val="000000"/>
+                </a:solidFill>
+                <a:latin typeface="Consolas" panose="020B0609020204030204" pitchFamily="49" charset="0"/>
+              </a:rPr>
+              <a:t>([Dim Product].[English Product Name].</a:t>
+            </a:r>
+            <a:r>
+              <a:rPr lang="en-US" sz="1800" dirty="0">
+                <a:solidFill>
+                  <a:srgbClr val="800000"/>
+                </a:solidFill>
+                <a:latin typeface="Consolas" panose="020B0609020204030204" pitchFamily="49" charset="0"/>
+              </a:rPr>
+              <a:t>Children</a:t>
+            </a:r>
+            <a:r>
+              <a:rPr lang="en-US" sz="1800" dirty="0">
+                <a:solidFill>
+                  <a:srgbClr val="000000"/>
+                </a:solidFill>
+                <a:latin typeface="Consolas" panose="020B0609020204030204" pitchFamily="49" charset="0"/>
+              </a:rPr>
+              <a:t>, [Measures].[Sales Amount]) </a:t>
+            </a:r>
+            <a:r>
+              <a:rPr lang="en-US" sz="1800" dirty="0">
+                <a:solidFill>
+                  <a:srgbClr val="0000FF"/>
+                </a:solidFill>
+                <a:latin typeface="Consolas" panose="020B0609020204030204" pitchFamily="49" charset="0"/>
+              </a:rPr>
+              <a:t>ON</a:t>
+            </a:r>
+            <a:r>
+              <a:rPr lang="en-US" sz="1800" dirty="0">
+                <a:solidFill>
+                  <a:srgbClr val="000000"/>
+                </a:solidFill>
+                <a:latin typeface="Consolas" panose="020B0609020204030204" pitchFamily="49" charset="0"/>
+              </a:rPr>
+              <a:t> </a:t>
+            </a:r>
+            <a:r>
+              <a:rPr lang="en-US" sz="1800" dirty="0">
+                <a:solidFill>
+                  <a:srgbClr val="0000FF"/>
+                </a:solidFill>
+                <a:latin typeface="Consolas" panose="020B0609020204030204" pitchFamily="49" charset="0"/>
+              </a:rPr>
+              <a:t>COLUMNS</a:t>
+            </a:r>
+            <a:r>
+              <a:rPr lang="en-US" sz="1800" dirty="0">
+                <a:solidFill>
+                  <a:srgbClr val="000000"/>
+                </a:solidFill>
+                <a:latin typeface="Consolas" panose="020B0609020204030204" pitchFamily="49" charset="0"/>
+              </a:rPr>
+              <a:t> ,</a:t>
             </a:r>
           </a:p>
           <a:p>
@@ -5340,11 +5428,90 @@
             <a:r>
               <a:rPr lang="en-US" sz="1800" dirty="0">
                 <a:solidFill>
-                  <a:srgbClr val="0070C0"/>
-                </a:solidFill>
-              </a:rPr>
-              <a:t>NON EMPTY [Due Date].[Year].Children ON ROWS</a:t>
-            </a:r>
+                  <a:srgbClr val="0000FF"/>
+                </a:solidFill>
+                <a:latin typeface="Consolas" panose="020B0609020204030204" pitchFamily="49" charset="0"/>
+              </a:rPr>
+              <a:t>NON</a:t>
+            </a:r>
+            <a:r>
+              <a:rPr lang="en-US" sz="1800" dirty="0">
+                <a:solidFill>
+                  <a:srgbClr val="000000"/>
+                </a:solidFill>
+                <a:latin typeface="Consolas" panose="020B0609020204030204" pitchFamily="49" charset="0"/>
+              </a:rPr>
+              <a:t> </a:t>
+            </a:r>
+            <a:r>
+              <a:rPr lang="en-US" sz="1800" dirty="0">
+                <a:solidFill>
+                  <a:srgbClr val="0000FF"/>
+                </a:solidFill>
+                <a:latin typeface="Consolas" panose="020B0609020204030204" pitchFamily="49" charset="0"/>
+              </a:rPr>
+              <a:t>EMPTY</a:t>
+            </a:r>
+            <a:r>
+              <a:rPr lang="en-US" sz="1800" dirty="0">
+                <a:solidFill>
+                  <a:srgbClr val="000000"/>
+                </a:solidFill>
+                <a:latin typeface="Consolas" panose="020B0609020204030204" pitchFamily="49" charset="0"/>
+              </a:rPr>
+              <a:t> [Due Date].[Calendar Year].</a:t>
+            </a:r>
+            <a:r>
+              <a:rPr lang="en-US" sz="1800" dirty="0">
+                <a:solidFill>
+                  <a:srgbClr val="800000"/>
+                </a:solidFill>
+                <a:latin typeface="Consolas" panose="020B0609020204030204" pitchFamily="49" charset="0"/>
+              </a:rPr>
+              <a:t>Children</a:t>
+            </a:r>
+            <a:r>
+              <a:rPr lang="en-US" sz="1800" dirty="0">
+                <a:solidFill>
+                  <a:srgbClr val="000000"/>
+                </a:solidFill>
+                <a:latin typeface="Consolas" panose="020B0609020204030204" pitchFamily="49" charset="0"/>
+              </a:rPr>
+              <a:t> </a:t>
+            </a:r>
+            <a:r>
+              <a:rPr lang="en-US" sz="1800" dirty="0">
+                <a:solidFill>
+                  <a:srgbClr val="0000FF"/>
+                </a:solidFill>
+                <a:latin typeface="Consolas" panose="020B0609020204030204" pitchFamily="49" charset="0"/>
+              </a:rPr>
+              <a:t>ON</a:t>
+            </a:r>
+            <a:r>
+              <a:rPr lang="en-US" sz="1800" dirty="0">
+                <a:solidFill>
+                  <a:srgbClr val="000000"/>
+                </a:solidFill>
+                <a:latin typeface="Consolas" panose="020B0609020204030204" pitchFamily="49" charset="0"/>
+              </a:rPr>
+              <a:t> </a:t>
+            </a:r>
+            <a:r>
+              <a:rPr lang="en-US" sz="1800" dirty="0">
+                <a:solidFill>
+                  <a:srgbClr val="0000FF"/>
+                </a:solidFill>
+                <a:latin typeface="Consolas" panose="020B0609020204030204" pitchFamily="49" charset="0"/>
+              </a:rPr>
+              <a:t>ROWS</a:t>
+            </a:r>
+            <a:endParaRPr lang="en-US" sz="1800" dirty="0">
+              <a:solidFill>
+                <a:srgbClr val="000000"/>
+              </a:solidFill>
+              <a:latin typeface="Consolas" panose="020B0609020204030204" pitchFamily="49" charset="0"/>
+            </a:endParaRPr>
           </a:p>
           <a:p>
             <a:pPr marL="0" indent="0">
@@ -5353,11 +5520,26 @@
             <a:r>
               <a:rPr lang="en-US" sz="1800" dirty="0">
                 <a:solidFill>
-                  <a:srgbClr val="0070C0"/>
-                </a:solidFill>
-              </a:rPr>
-              <a:t>FROM [AWDW2012R2Cube]</a:t>
-            </a:r>
+                  <a:srgbClr val="0000FF"/>
+                </a:solidFill>
+                <a:latin typeface="Consolas" panose="020B0609020204030204" pitchFamily="49" charset="0"/>
+              </a:rPr>
+              <a:t>FROM</a:t>
+            </a:r>
+            <a:r>
+              <a:rPr lang="en-US" sz="1800" dirty="0">
+                <a:solidFill>
+                  <a:srgbClr val="000000"/>
+                </a:solidFill>
+                <a:latin typeface="Consolas" panose="020B0609020204030204" pitchFamily="49" charset="0"/>
+              </a:rPr>
+              <a:t> [Adventure Works DW Cube]</a:t>
+            </a:r>
+            <a:endParaRPr lang="en-US" sz="1800" dirty="0">
+              <a:solidFill>
+                <a:srgbClr val="0070C0"/>
+              </a:solidFill>
+            </a:endParaRPr>
           </a:p>
         </p:txBody>
       </p:sp>
@@ -5391,177 +5573,46 @@
           <a:chExt cx="0" cy="0"/>
         </a:xfrm>
       </p:grpSpPr>
-      <p:sp>
-        <p:nvSpPr>
-          <p:cNvPr id="3" name="Content Placeholder 2"/>
-          <p:cNvSpPr>
-            <a:spLocks noGrp="1"/>
-          </p:cNvSpPr>
-          <p:nvPr>
-            <p:ph idx="1"/>
-          </p:nvPr>
-        </p:nvSpPr>
-        <p:spPr/>
-        <p:txBody>
-          <a:bodyPr>
-            <a:normAutofit lnSpcReduction="10000"/>
-          </a:bodyPr>
-          <a:lstStyle/>
-          <a:p>
-            <a:r>
-              <a:rPr lang="en-US" dirty="0"/>
-              <a:t>You can have multiple attributes and measures along either axis</a:t>
-            </a:r>
-          </a:p>
-          <a:p>
-            <a:pPr marL="0" indent="0">
-              <a:buNone/>
-            </a:pPr>
-            <a:r>
-              <a:rPr lang="en-US" sz="1800" dirty="0">
-                <a:solidFill>
-                  <a:srgbClr val="0070C0"/>
-                </a:solidFill>
-              </a:rPr>
-              <a:t>SELECT</a:t>
-            </a:r>
-          </a:p>
-          <a:p>
-            <a:pPr marL="0" indent="0">
-              <a:buNone/>
-            </a:pPr>
-            <a:r>
-              <a:rPr lang="en-US" sz="1800" dirty="0">
-                <a:solidFill>
-                  <a:srgbClr val="0070C0"/>
-                </a:solidFill>
-              </a:rPr>
-              <a:t>NON EMPTY</a:t>
-            </a:r>
-          </a:p>
-          <a:p>
-            <a:pPr marL="0" indent="0">
-              <a:buNone/>
-            </a:pPr>
-            <a:r>
-              <a:rPr lang="en-US" sz="1800" dirty="0">
-                <a:solidFill>
-                  <a:srgbClr val="0070C0"/>
-                </a:solidFill>
-              </a:rPr>
-              <a:t>(  [Product].[Category Name].Children , </a:t>
-            </a:r>
-          </a:p>
-          <a:p>
-            <a:pPr marL="0" indent="0">
-              <a:buNone/>
-            </a:pPr>
-            <a:r>
-              <a:rPr lang="en-US" sz="1800" dirty="0">
-                <a:solidFill>
-                  <a:srgbClr val="0070C0"/>
-                </a:solidFill>
-              </a:rPr>
-              <a:t>    [Product].[Subcategory Name].Children,   </a:t>
-            </a:r>
-          </a:p>
-          <a:p>
-            <a:pPr marL="0" indent="0">
-              <a:buNone/>
-            </a:pPr>
-            <a:r>
-              <a:rPr lang="en-US" sz="1800" dirty="0">
-                <a:solidFill>
-                  <a:srgbClr val="0070C0"/>
-                </a:solidFill>
-              </a:rPr>
-              <a:t>    [Measures].[Sales Amount]</a:t>
-            </a:r>
-          </a:p>
-          <a:p>
-            <a:pPr marL="0" indent="0">
-              <a:buNone/>
-            </a:pPr>
-            <a:r>
-              <a:rPr lang="en-US" sz="1800" dirty="0">
-                <a:solidFill>
-                  <a:srgbClr val="0070C0"/>
-                </a:solidFill>
-              </a:rPr>
-              <a:t> )   ON COLUMNS,</a:t>
-            </a:r>
-          </a:p>
-          <a:p>
-            <a:pPr marL="0" indent="0">
-              <a:buNone/>
-            </a:pPr>
-            <a:r>
-              <a:rPr lang="en-US" sz="1800" dirty="0">
-                <a:solidFill>
-                  <a:srgbClr val="0070C0"/>
-                </a:solidFill>
-              </a:rPr>
-              <a:t>NON EMPTY</a:t>
-            </a:r>
-          </a:p>
-          <a:p>
-            <a:pPr marL="0" indent="0">
-              <a:buNone/>
-            </a:pPr>
-            <a:r>
-              <a:rPr lang="en-US" sz="1800" dirty="0">
-                <a:solidFill>
-                  <a:srgbClr val="0070C0"/>
-                </a:solidFill>
-              </a:rPr>
-              <a:t>(  [Due Date].[Year].Children,</a:t>
-            </a:r>
-          </a:p>
-          <a:p>
-            <a:pPr marL="0" indent="0">
-              <a:buNone/>
-            </a:pPr>
-            <a:r>
-              <a:rPr lang="en-US" sz="1800" dirty="0">
-                <a:solidFill>
-                  <a:srgbClr val="0070C0"/>
-                </a:solidFill>
-              </a:rPr>
-              <a:t>   [Due Date].[Quarter].Children</a:t>
-            </a:r>
-          </a:p>
-          <a:p>
-            <a:pPr marL="0" indent="0">
-              <a:buNone/>
-            </a:pPr>
-            <a:r>
-              <a:rPr lang="en-US" sz="1800" dirty="0">
-                <a:solidFill>
-                  <a:srgbClr val="0070C0"/>
-                </a:solidFill>
-              </a:rPr>
-              <a:t>)  ON ROWS</a:t>
-            </a:r>
-          </a:p>
-          <a:p>
-            <a:pPr marL="0" indent="0">
-              <a:buNone/>
-            </a:pPr>
-            <a:r>
-              <a:rPr lang="en-US" sz="1800" dirty="0">
-                <a:solidFill>
-                  <a:srgbClr val="0070C0"/>
-                </a:solidFill>
-              </a:rPr>
-              <a:t>FROM [AWDW2012R2Cube]</a:t>
-            </a:r>
-          </a:p>
-        </p:txBody>
-      </p:sp>
+      <p:pic>
+        <p:nvPicPr>
+          <p:cNvPr id="3" name="Picture 2" descr="A screenshot of a cell phone&#10;&#10;Description automatically generated">
+            <a:extLst>
+              <a:ext uri="{FF2B5EF4-FFF2-40B4-BE49-F238E27FC236}">
+                <a16:creationId xmlns:a16="http://schemas.microsoft.com/office/drawing/2014/main" id="{AF278647-D036-424A-A580-29B89352E3CA}"/>
+              </a:ext>
+            </a:extLst>
+          </p:cNvPr>
+          <p:cNvPicPr>
+            <a:picLocks noChangeAspect="1"/>
+          </p:cNvPicPr>
+          <p:nvPr/>
+        </p:nvPicPr>
+        <p:blipFill>
+          <a:blip r:embed="rId2">
+            <a:extLst>
+              <a:ext uri="{28A0092B-C50C-407E-A947-70E740481C1C}">
+                <a14:useLocalDpi xmlns:a14="http://schemas.microsoft.com/office/drawing/2010/main" val="0"/>
+              </a:ext>
+            </a:extLst>
+          </a:blip>
+          <a:stretch>
+            <a:fillRect/>
+          </a:stretch>
+        </p:blipFill>
+        <p:spPr>
+          <a:xfrm>
+            <a:off x="224528" y="381000"/>
+            <a:ext cx="8915400" cy="5998532"/>
+          </a:xfrm>
+          <a:prstGeom prst="rect">
+            <a:avLst/>
+          </a:prstGeom>
+        </p:spPr>
+      </p:pic>
     </p:spTree>
     <p:extLst>
       <p:ext uri="{BB962C8B-B14F-4D97-AF65-F5344CB8AC3E}">
-        <p14:creationId xmlns:p14="http://schemas.microsoft.com/office/powerpoint/2010/main" val="4190563923"/>
+        <p14:creationId xmlns:p14="http://schemas.microsoft.com/office/powerpoint/2010/main" val="3661977052"/>
       </p:ext>
     </p:extLst>
   </p:cSld>
@@ -5590,2513 +5641,195 @@
       </p:grpSpPr>
       <p:sp>
         <p:nvSpPr>
-          <p:cNvPr id="2" name="Title 1"/>
+          <p:cNvPr id="3" name="Content Placeholder 2"/>
           <p:cNvSpPr>
             <a:spLocks noGrp="1"/>
-          </p:cNvSpPr>
-          <p:nvPr>
-            <p:ph type="title"/>
-          </p:nvPr>
-        </p:nvSpPr>
-        <p:spPr>
-          <a:xfrm>
-            <a:off x="457200" y="152400"/>
-            <a:ext cx="8229600" cy="563562"/>
-          </a:xfrm>
-        </p:spPr>
-        <p:txBody>
-          <a:bodyPr>
-            <a:normAutofit/>
-          </a:bodyPr>
-          <a:lstStyle/>
-          <a:p>
-            <a:r>
-              <a:rPr lang="en-US" sz="2400" dirty="0"/>
-              <a:t>If the data was in a SQL Relational DB</a:t>
-            </a:r>
-          </a:p>
-        </p:txBody>
-      </p:sp>
-      <p:sp>
-        <p:nvSpPr>
-          <p:cNvPr id="4" name="Rectangle 1"/>
-          <p:cNvSpPr>
-            <a:spLocks noGrp="1" noChangeArrowheads="1"/>
           </p:cNvSpPr>
           <p:nvPr>
             <p:ph idx="1"/>
           </p:nvPr>
         </p:nvSpPr>
-        <p:spPr bwMode="auto">
+        <p:spPr>
           <a:xfrm>
-            <a:off x="609600" y="692006"/>
-            <a:ext cx="7924800" cy="3801041"/>
+            <a:off x="228600" y="533400"/>
+            <a:ext cx="8229600" cy="4525963"/>
           </a:xfrm>
-          <a:prstGeom prst="rect">
-            <a:avLst/>
-          </a:prstGeom>
-          <a:solidFill>
-            <a:srgbClr val="EFF0F1"/>
-          </a:solidFill>
-          <a:ln>
-            <a:noFill/>
-          </a:ln>
-          <a:effectLst/>
-          <a:extLst>
-            <a:ext uri="{91240B29-F687-4F45-9708-019B960494DF}">
-              <a14:hiddenLine xmlns:a14="http://schemas.microsoft.com/office/drawing/2010/main" w="9525">
-                <a:solidFill>
-                  <a:schemeClr val="tx1"/>
-                </a:solidFill>
-                <a:miter lim="800000"/>
-                <a:headEnd/>
-                <a:tailEnd/>
-              </a14:hiddenLine>
-            </a:ext>
-            <a:ext uri="{AF507438-7753-43E0-B8FC-AC1667EBCBE1}">
-              <a14:hiddenEffects xmlns:a14="http://schemas.microsoft.com/office/drawing/2010/main">
-                <a:effectLst>
-                  <a:outerShdw dist="35921" dir="2700000" algn="ctr" rotWithShape="0">
-                    <a:schemeClr val="bg2"/>
-                  </a:outerShdw>
-                </a:effectLst>
-              </a14:hiddenEffects>
-            </a:ext>
-          </a:extLst>
         </p:spPr>
         <p:txBody>
-          <a:bodyPr vert="horz" wrap="square" lIns="0" tIns="0" rIns="0" bIns="0" numCol="1" anchor="ctr" anchorCtr="0" compatLnSpc="1">
-            <a:prstTxWarp prst="textNoShape">
-              <a:avLst/>
-            </a:prstTxWarp>
-            <a:spAutoFit/>
+          <a:bodyPr>
+            <a:normAutofit fontScale="92500" lnSpcReduction="20000"/>
           </a:bodyPr>
           <a:lstStyle/>
           <a:p>
-            <a:pPr marL="0" marR="0" lvl="0" indent="0" algn="l" defTabSz="914400" rtl="0" eaLnBrk="0" fontAlgn="base" latinLnBrk="0" hangingPunct="0">
-              <a:lnSpc>
-                <a:spcPct val="100000"/>
-              </a:lnSpc>
-              <a:spcBef>
-                <a:spcPct val="0"/>
-              </a:spcBef>
-              <a:spcAft>
-                <a:spcPct val="0"/>
-              </a:spcAft>
-              <a:buClrTx/>
-              <a:buSzTx/>
-              <a:buFontTx/>
-              <a:buNone/>
-              <a:tabLst/>
+            <a:r>
+              <a:rPr lang="en-US" dirty="0"/>
+              <a:t>You can have multiple attributes and measures along either axis</a:t>
+            </a:r>
+          </a:p>
+          <a:p>
+            <a:pPr marL="0" indent="0">
+              <a:buNone/>
             </a:pPr>
             <a:r>
-              <a:rPr kumimoji="0" lang="en-US" altLang="en-US" sz="1300" b="0" i="0" u="none" strike="noStrike" cap="none" normalizeH="0" baseline="0" dirty="0">
-                <a:ln>
-                  <a:noFill/>
-                </a:ln>
-                <a:solidFill>
-                  <a:srgbClr val="858C93"/>
-                </a:solidFill>
-                <a:effectLst/>
-                <a:latin typeface="inherit"/>
-              </a:rPr>
-              <a:t>-- need distinct count, we're counting orders, not order lines</a:t>
-            </a:r>
-            <a:r>
-              <a:rPr kumimoji="0" lang="en-US" altLang="en-US" sz="1300" b="0" i="0" u="none" strike="noStrike" cap="none" normalizeH="0" baseline="0" dirty="0">
-                <a:ln>
-                  <a:noFill/>
-                </a:ln>
-                <a:solidFill>
-                  <a:srgbClr val="303336"/>
-                </a:solidFill>
-                <a:effectLst/>
-                <a:latin typeface="inherit"/>
-              </a:rPr>
-              <a:t> </a:t>
-            </a:r>
-          </a:p>
-          <a:p>
-            <a:pPr marL="0" marR="0" lvl="0" indent="0" algn="l" defTabSz="914400" rtl="0" eaLnBrk="0" fontAlgn="base" latinLnBrk="0" hangingPunct="0">
-              <a:lnSpc>
-                <a:spcPct val="100000"/>
-              </a:lnSpc>
-              <a:spcBef>
-                <a:spcPct val="0"/>
-              </a:spcBef>
-              <a:spcAft>
-                <a:spcPct val="0"/>
-              </a:spcAft>
-              <a:buClrTx/>
-              <a:buSzTx/>
-              <a:buFontTx/>
-              <a:buNone/>
-              <a:tabLst/>
+              <a:rPr lang="en-US" sz="1800" dirty="0">
+                <a:solidFill>
+                  <a:srgbClr val="0070C0"/>
+                </a:solidFill>
+              </a:rPr>
+              <a:t>SELECT</a:t>
+            </a:r>
+          </a:p>
+          <a:p>
+            <a:pPr marL="0" indent="0">
+              <a:buNone/>
             </a:pPr>
             <a:r>
-              <a:rPr kumimoji="0" lang="en-US" altLang="en-US" sz="1300" b="0" i="0" u="none" strike="noStrike" cap="none" normalizeH="0" baseline="0" dirty="0">
-                <a:ln>
-                  <a:noFill/>
-                </a:ln>
-                <a:solidFill>
-                  <a:srgbClr val="101094"/>
-                </a:solidFill>
-                <a:effectLst/>
-                <a:latin typeface="inherit"/>
-              </a:rPr>
-              <a:t>SELECT</a:t>
-            </a:r>
-            <a:r>
-              <a:rPr kumimoji="0" lang="en-US" altLang="en-US" sz="1300" b="0" i="0" u="none" strike="noStrike" cap="none" normalizeH="0" baseline="0" dirty="0">
-                <a:ln>
-                  <a:noFill/>
-                </a:ln>
-                <a:solidFill>
-                  <a:srgbClr val="303336"/>
-                </a:solidFill>
-                <a:effectLst/>
-                <a:latin typeface="inherit"/>
-              </a:rPr>
-              <a:t> count(</a:t>
-            </a:r>
-            <a:r>
-              <a:rPr kumimoji="0" lang="en-US" altLang="en-US" sz="1300" b="0" i="0" u="none" strike="noStrike" cap="none" normalizeH="0" baseline="0" dirty="0">
-                <a:ln>
-                  <a:noFill/>
-                </a:ln>
-                <a:solidFill>
-                  <a:srgbClr val="101094"/>
-                </a:solidFill>
-                <a:effectLst/>
-                <a:latin typeface="inherit"/>
-              </a:rPr>
-              <a:t>DISTINCT</a:t>
-            </a:r>
-            <a:r>
-              <a:rPr kumimoji="0" lang="en-US" altLang="en-US" sz="1300" b="0" i="0" u="none" strike="noStrike" cap="none" normalizeH="0" baseline="0" dirty="0">
-                <a:ln>
-                  <a:noFill/>
-                </a:ln>
-                <a:solidFill>
-                  <a:srgbClr val="303336"/>
-                </a:solidFill>
-                <a:effectLst/>
-                <a:latin typeface="inherit"/>
-              </a:rPr>
-              <a:t> </a:t>
-            </a:r>
-            <a:r>
-              <a:rPr kumimoji="0" lang="en-US" altLang="en-US" sz="1300" b="0" i="0" u="none" strike="noStrike" cap="none" normalizeH="0" baseline="0" dirty="0" err="1">
-                <a:ln>
-                  <a:noFill/>
-                </a:ln>
-                <a:solidFill>
-                  <a:srgbClr val="303336"/>
-                </a:solidFill>
-                <a:effectLst/>
-                <a:latin typeface="inherit"/>
-              </a:rPr>
-              <a:t>soh.salesorderid</a:t>
-            </a:r>
-            <a:r>
-              <a:rPr kumimoji="0" lang="en-US" altLang="en-US" sz="1300" b="0" i="0" u="none" strike="noStrike" cap="none" normalizeH="0" baseline="0" dirty="0">
-                <a:ln>
-                  <a:noFill/>
-                </a:ln>
-                <a:solidFill>
-                  <a:srgbClr val="303336"/>
-                </a:solidFill>
-                <a:effectLst/>
-                <a:latin typeface="inherit"/>
-              </a:rPr>
-              <a:t>) ,</a:t>
-            </a:r>
-            <a:r>
-              <a:rPr kumimoji="0" lang="en-US" altLang="en-US" sz="1300" b="0" i="0" u="none" strike="noStrike" cap="none" normalizeH="0" baseline="0" dirty="0" err="1">
-                <a:ln>
-                  <a:noFill/>
-                </a:ln>
-                <a:solidFill>
-                  <a:srgbClr val="303336"/>
-                </a:solidFill>
-                <a:effectLst/>
-                <a:latin typeface="inherit"/>
-              </a:rPr>
-              <a:t>pers.FirstName</a:t>
-            </a:r>
-            <a:r>
-              <a:rPr kumimoji="0" lang="en-US" altLang="en-US" sz="1300" b="0" i="0" u="none" strike="noStrike" cap="none" normalizeH="0" baseline="0" dirty="0">
-                <a:ln>
-                  <a:noFill/>
-                </a:ln>
-                <a:solidFill>
-                  <a:srgbClr val="303336"/>
-                </a:solidFill>
-                <a:effectLst/>
-                <a:latin typeface="inherit"/>
-              </a:rPr>
-              <a:t> + </a:t>
-            </a:r>
-            <a:r>
-              <a:rPr kumimoji="0" lang="en-US" altLang="en-US" sz="1300" b="0" i="0" u="none" strike="noStrike" cap="none" normalizeH="0" baseline="0" dirty="0">
-                <a:ln>
-                  <a:noFill/>
-                </a:ln>
-                <a:solidFill>
-                  <a:srgbClr val="7D2727"/>
-                </a:solidFill>
-                <a:effectLst/>
-                <a:latin typeface="inherit"/>
-              </a:rPr>
-              <a:t>' '</a:t>
-            </a:r>
-            <a:r>
-              <a:rPr kumimoji="0" lang="en-US" altLang="en-US" sz="1300" b="0" i="0" u="none" strike="noStrike" cap="none" normalizeH="0" baseline="0" dirty="0">
-                <a:ln>
-                  <a:noFill/>
-                </a:ln>
-                <a:solidFill>
-                  <a:srgbClr val="303336"/>
-                </a:solidFill>
-                <a:effectLst/>
-                <a:latin typeface="inherit"/>
-              </a:rPr>
-              <a:t> + </a:t>
-            </a:r>
-            <a:r>
-              <a:rPr kumimoji="0" lang="en-US" altLang="en-US" sz="1300" b="0" i="0" u="none" strike="noStrike" cap="none" normalizeH="0" baseline="0" dirty="0" err="1">
-                <a:ln>
-                  <a:noFill/>
-                </a:ln>
-                <a:solidFill>
-                  <a:srgbClr val="303336"/>
-                </a:solidFill>
-                <a:effectLst/>
-                <a:latin typeface="inherit"/>
-              </a:rPr>
-              <a:t>pers.LastName</a:t>
-            </a:r>
-            <a:endParaRPr kumimoji="0" lang="en-US" altLang="en-US" sz="1300" b="0" i="0" u="none" strike="noStrike" cap="none" normalizeH="0" baseline="0" dirty="0">
-              <a:ln>
-                <a:noFill/>
-              </a:ln>
+              <a:rPr lang="en-US" sz="1800" dirty="0">
+                <a:solidFill>
+                  <a:srgbClr val="0070C0"/>
+                </a:solidFill>
+              </a:rPr>
+              <a:t>NON EMPTY</a:t>
+            </a:r>
+          </a:p>
+          <a:p>
+            <a:pPr marL="0" indent="0">
+              <a:buNone/>
+            </a:pPr>
+            <a:r>
+              <a:rPr lang="en-US" sz="1800" dirty="0">
+                <a:solidFill>
+                  <a:srgbClr val="0070C0"/>
+                </a:solidFill>
+              </a:rPr>
+              <a:t>(  [Product].[Category Name].Children , </a:t>
+            </a:r>
+          </a:p>
+          <a:p>
+            <a:pPr marL="0" indent="0">
+              <a:buNone/>
+            </a:pPr>
+            <a:r>
+              <a:rPr lang="en-US" sz="1800" dirty="0">
+                <a:solidFill>
+                  <a:srgbClr val="0070C0"/>
+                </a:solidFill>
+              </a:rPr>
+              <a:t>    [Product].[Subcategory Name].Children,   </a:t>
+            </a:r>
+          </a:p>
+          <a:p>
+            <a:pPr marL="0" indent="0">
+              <a:buNone/>
+            </a:pPr>
+            <a:r>
+              <a:rPr lang="en-US" sz="1800" dirty="0">
+                <a:solidFill>
+                  <a:srgbClr val="0070C0"/>
+                </a:solidFill>
+              </a:rPr>
+              <a:t>    [Measures].[Sales Amount]</a:t>
+            </a:r>
+          </a:p>
+          <a:p>
+            <a:pPr marL="0" indent="0">
+              <a:buNone/>
+            </a:pPr>
+            <a:r>
+              <a:rPr lang="en-US" sz="1800" dirty="0">
+                <a:solidFill>
+                  <a:srgbClr val="0070C0"/>
+                </a:solidFill>
+              </a:rPr>
+              <a:t> )   ON COLUMNS,</a:t>
+            </a:r>
+          </a:p>
+          <a:p>
+            <a:pPr marL="0" indent="0">
+              <a:buNone/>
+            </a:pPr>
+            <a:r>
+              <a:rPr lang="en-US" sz="1800" dirty="0">
+                <a:solidFill>
+                  <a:srgbClr val="0070C0"/>
+                </a:solidFill>
+              </a:rPr>
+              <a:t>NON EMPTY</a:t>
+            </a:r>
+          </a:p>
+          <a:p>
+            <a:pPr marL="0" indent="0">
+              <a:buNone/>
+            </a:pPr>
+            <a:r>
+              <a:rPr lang="en-US" sz="1800" dirty="0">
+                <a:solidFill>
+                  <a:srgbClr val="0070C0"/>
+                </a:solidFill>
+              </a:rPr>
+              <a:t>(  [Due Date].[Year].Children,</a:t>
+            </a:r>
+          </a:p>
+          <a:p>
+            <a:pPr marL="0" indent="0">
+              <a:buNone/>
+            </a:pPr>
+            <a:r>
+              <a:rPr lang="en-US" sz="1800" dirty="0">
+                <a:solidFill>
+                  <a:srgbClr val="0070C0"/>
+                </a:solidFill>
+              </a:rPr>
+              <a:t>   [Due Date].[Quarter].Children</a:t>
+            </a:r>
+          </a:p>
+          <a:p>
+            <a:pPr marL="0" indent="0">
+              <a:buNone/>
+            </a:pPr>
+            <a:r>
+              <a:rPr lang="en-US" sz="1800" dirty="0">
+                <a:solidFill>
+                  <a:srgbClr val="0070C0"/>
+                </a:solidFill>
+              </a:rPr>
+              <a:t>)  ON ROWS</a:t>
+            </a:r>
+          </a:p>
+          <a:p>
+            <a:pPr marL="0" indent="0">
+              <a:buNone/>
+            </a:pPr>
+            <a:r>
+              <a:rPr lang="en-US" sz="1800" dirty="0">
+                <a:solidFill>
+                  <a:srgbClr val="0070C0"/>
+                </a:solidFill>
+              </a:rPr>
+              <a:t>FROM [AWDW2012R2Cube]</a:t>
+            </a:r>
+          </a:p>
+          <a:p>
+            <a:pPr marL="0" indent="0">
+              <a:buNone/>
+            </a:pPr>
+            <a:endParaRPr lang="en-US" sz="1800" dirty="0">
               <a:solidFill>
-                <a:srgbClr val="303336"/>
+                <a:srgbClr val="0070C0"/>
               </a:solidFill>
-              <a:effectLst/>
-              <a:latin typeface="inherit"/>
             </a:endParaRPr>
           </a:p>
           <a:p>
-            <a:pPr marL="0" marR="0" lvl="0" indent="0" algn="l" defTabSz="914400" rtl="0" eaLnBrk="0" fontAlgn="base" latinLnBrk="0" hangingPunct="0">
-              <a:lnSpc>
-                <a:spcPct val="100000"/>
-              </a:lnSpc>
-              <a:spcBef>
-                <a:spcPct val="0"/>
-              </a:spcBef>
-              <a:spcAft>
-                <a:spcPct val="0"/>
-              </a:spcAft>
-              <a:buClrTx/>
-              <a:buSzTx/>
-              <a:buFontTx/>
-              <a:buNone/>
-              <a:tabLst/>
+            <a:pPr marL="0" indent="0">
+              <a:buNone/>
             </a:pPr>
             <a:r>
-              <a:rPr kumimoji="0" lang="en-US" altLang="en-US" sz="1300" b="0" i="0" u="none" strike="noStrike" cap="none" normalizeH="0" baseline="0" dirty="0">
-                <a:ln>
-                  <a:noFill/>
-                </a:ln>
-                <a:solidFill>
-                  <a:srgbClr val="303336"/>
-                </a:solidFill>
-                <a:effectLst/>
-                <a:latin typeface="inherit"/>
-              </a:rPr>
-              <a:t> </a:t>
-            </a:r>
-            <a:r>
-              <a:rPr kumimoji="0" lang="en-US" altLang="en-US" sz="1300" b="0" i="0" u="none" strike="noStrike" cap="none" normalizeH="0" baseline="0" dirty="0">
-                <a:ln>
-                  <a:noFill/>
-                </a:ln>
-                <a:solidFill>
-                  <a:srgbClr val="101094"/>
-                </a:solidFill>
-                <a:effectLst/>
-                <a:latin typeface="inherit"/>
-              </a:rPr>
-              <a:t>FROM</a:t>
-            </a:r>
-            <a:r>
-              <a:rPr kumimoji="0" lang="en-US" altLang="en-US" sz="1300" b="0" i="0" u="none" strike="noStrike" cap="none" normalizeH="0" baseline="0" dirty="0">
-                <a:ln>
-                  <a:noFill/>
-                </a:ln>
-                <a:solidFill>
-                  <a:srgbClr val="303336"/>
-                </a:solidFill>
-                <a:effectLst/>
-                <a:latin typeface="inherit"/>
-              </a:rPr>
-              <a:t> </a:t>
-            </a:r>
-            <a:r>
-              <a:rPr kumimoji="0" lang="en-US" altLang="en-US" sz="1300" b="0" i="0" u="none" strike="noStrike" cap="none" normalizeH="0" baseline="0" dirty="0" err="1">
-                <a:ln>
-                  <a:noFill/>
-                </a:ln>
-                <a:solidFill>
-                  <a:srgbClr val="303336"/>
-                </a:solidFill>
-                <a:effectLst/>
-                <a:latin typeface="inherit"/>
-              </a:rPr>
-              <a:t>sales.SalesOrderDetail</a:t>
-            </a:r>
-            <a:r>
-              <a:rPr kumimoji="0" lang="en-US" altLang="en-US" sz="1300" b="0" i="0" u="none" strike="noStrike" cap="none" normalizeH="0" baseline="0" dirty="0">
-                <a:ln>
-                  <a:noFill/>
-                </a:ln>
-                <a:solidFill>
-                  <a:srgbClr val="303336"/>
-                </a:solidFill>
-                <a:effectLst/>
-                <a:latin typeface="inherit"/>
-              </a:rPr>
-              <a:t> sod </a:t>
-            </a:r>
-          </a:p>
-          <a:p>
-            <a:pPr marL="0" marR="0" lvl="0" indent="0" algn="l" defTabSz="914400" rtl="0" eaLnBrk="0" fontAlgn="base" latinLnBrk="0" hangingPunct="0">
-              <a:lnSpc>
-                <a:spcPct val="100000"/>
-              </a:lnSpc>
-              <a:spcBef>
-                <a:spcPct val="0"/>
-              </a:spcBef>
-              <a:spcAft>
-                <a:spcPct val="0"/>
-              </a:spcAft>
-              <a:buClrTx/>
-              <a:buSzTx/>
-              <a:buFontTx/>
-              <a:buNone/>
-              <a:tabLst/>
-            </a:pPr>
-            <a:r>
-              <a:rPr kumimoji="0" lang="en-US" altLang="en-US" sz="1300" b="0" i="0" u="none" strike="noStrike" cap="none" normalizeH="0" baseline="0" dirty="0">
-                <a:ln>
-                  <a:noFill/>
-                </a:ln>
-                <a:solidFill>
-                  <a:srgbClr val="858C93"/>
-                </a:solidFill>
-                <a:effectLst/>
-                <a:latin typeface="inherit"/>
-              </a:rPr>
-              <a:t>-- we need product details to get to the category</a:t>
-            </a:r>
-            <a:r>
-              <a:rPr kumimoji="0" lang="en-US" altLang="en-US" sz="1300" b="0" i="0" u="none" strike="noStrike" cap="none" normalizeH="0" baseline="0" dirty="0">
-                <a:ln>
-                  <a:noFill/>
-                </a:ln>
-                <a:solidFill>
-                  <a:srgbClr val="303336"/>
-                </a:solidFill>
-                <a:effectLst/>
-                <a:latin typeface="inherit"/>
-              </a:rPr>
-              <a:t> </a:t>
-            </a:r>
-          </a:p>
-          <a:p>
-            <a:pPr marL="0" marR="0" lvl="0" indent="0" algn="l" defTabSz="914400" rtl="0" eaLnBrk="0" fontAlgn="base" latinLnBrk="0" hangingPunct="0">
-              <a:lnSpc>
-                <a:spcPct val="100000"/>
-              </a:lnSpc>
-              <a:spcBef>
-                <a:spcPct val="0"/>
-              </a:spcBef>
-              <a:spcAft>
-                <a:spcPct val="0"/>
-              </a:spcAft>
-              <a:buClrTx/>
-              <a:buSzTx/>
-              <a:buFontTx/>
-              <a:buNone/>
-              <a:tabLst/>
-            </a:pPr>
-            <a:r>
-              <a:rPr kumimoji="0" lang="en-US" altLang="en-US" sz="1300" b="0" i="0" u="none" strike="noStrike" cap="none" normalizeH="0" baseline="0" dirty="0">
-                <a:ln>
-                  <a:noFill/>
-                </a:ln>
-                <a:solidFill>
-                  <a:srgbClr val="101094"/>
-                </a:solidFill>
-                <a:effectLst/>
-                <a:latin typeface="inherit"/>
-              </a:rPr>
-              <a:t>INNER</a:t>
-            </a:r>
-            <a:r>
-              <a:rPr kumimoji="0" lang="en-US" altLang="en-US" sz="1300" b="0" i="0" u="none" strike="noStrike" cap="none" normalizeH="0" baseline="0" dirty="0">
-                <a:ln>
-                  <a:noFill/>
-                </a:ln>
-                <a:solidFill>
-                  <a:srgbClr val="303336"/>
-                </a:solidFill>
-                <a:effectLst/>
-                <a:latin typeface="inherit"/>
-              </a:rPr>
-              <a:t> </a:t>
-            </a:r>
-            <a:r>
-              <a:rPr kumimoji="0" lang="en-US" altLang="en-US" sz="1300" b="0" i="0" u="none" strike="noStrike" cap="none" normalizeH="0" baseline="0" dirty="0">
-                <a:ln>
-                  <a:noFill/>
-                </a:ln>
-                <a:solidFill>
-                  <a:srgbClr val="101094"/>
-                </a:solidFill>
-                <a:effectLst/>
-                <a:latin typeface="inherit"/>
-              </a:rPr>
-              <a:t>JOIN</a:t>
-            </a:r>
-            <a:r>
-              <a:rPr kumimoji="0" lang="en-US" altLang="en-US" sz="1300" b="0" i="0" u="none" strike="noStrike" cap="none" normalizeH="0" baseline="0" dirty="0">
-                <a:ln>
-                  <a:noFill/>
-                </a:ln>
-                <a:solidFill>
-                  <a:srgbClr val="303336"/>
-                </a:solidFill>
-                <a:effectLst/>
-                <a:latin typeface="inherit"/>
-              </a:rPr>
-              <a:t> </a:t>
-            </a:r>
-            <a:r>
-              <a:rPr kumimoji="0" lang="en-US" altLang="en-US" sz="1300" b="0" i="0" u="none" strike="noStrike" cap="none" normalizeH="0" baseline="0" dirty="0" err="1">
-                <a:ln>
-                  <a:noFill/>
-                </a:ln>
-                <a:solidFill>
-                  <a:srgbClr val="303336"/>
-                </a:solidFill>
-                <a:effectLst/>
-                <a:latin typeface="inherit"/>
-              </a:rPr>
-              <a:t>Production.Product</a:t>
-            </a:r>
-            <a:r>
-              <a:rPr kumimoji="0" lang="en-US" altLang="en-US" sz="1300" b="0" i="0" u="none" strike="noStrike" cap="none" normalizeH="0" baseline="0" dirty="0">
-                <a:ln>
-                  <a:noFill/>
-                </a:ln>
-                <a:solidFill>
-                  <a:srgbClr val="303336"/>
-                </a:solidFill>
-                <a:effectLst/>
-                <a:latin typeface="inherit"/>
-              </a:rPr>
-              <a:t> p </a:t>
-            </a:r>
-            <a:r>
-              <a:rPr kumimoji="0" lang="en-US" altLang="en-US" sz="1300" b="0" i="0" u="none" strike="noStrike" cap="none" normalizeH="0" baseline="0" dirty="0">
-                <a:ln>
-                  <a:noFill/>
-                </a:ln>
-                <a:solidFill>
-                  <a:srgbClr val="101094"/>
-                </a:solidFill>
-                <a:effectLst/>
-                <a:latin typeface="inherit"/>
-              </a:rPr>
-              <a:t>ON</a:t>
-            </a:r>
-            <a:r>
-              <a:rPr kumimoji="0" lang="en-US" altLang="en-US" sz="1300" b="0" i="0" u="none" strike="noStrike" cap="none" normalizeH="0" baseline="0" dirty="0">
-                <a:ln>
-                  <a:noFill/>
-                </a:ln>
-                <a:solidFill>
-                  <a:srgbClr val="303336"/>
-                </a:solidFill>
-                <a:effectLst/>
-                <a:latin typeface="inherit"/>
-              </a:rPr>
-              <a:t> </a:t>
-            </a:r>
-            <a:r>
-              <a:rPr kumimoji="0" lang="en-US" altLang="en-US" sz="1300" b="0" i="0" u="none" strike="noStrike" cap="none" normalizeH="0" baseline="0" dirty="0" err="1">
-                <a:ln>
-                  <a:noFill/>
-                </a:ln>
-                <a:solidFill>
-                  <a:srgbClr val="303336"/>
-                </a:solidFill>
-                <a:effectLst/>
-                <a:latin typeface="inherit"/>
-              </a:rPr>
-              <a:t>sod.ProductID</a:t>
-            </a:r>
-            <a:r>
-              <a:rPr kumimoji="0" lang="en-US" altLang="en-US" sz="1300" b="0" i="0" u="none" strike="noStrike" cap="none" normalizeH="0" baseline="0" dirty="0">
-                <a:ln>
-                  <a:noFill/>
-                </a:ln>
-                <a:solidFill>
-                  <a:srgbClr val="303336"/>
-                </a:solidFill>
-                <a:effectLst/>
-                <a:latin typeface="inherit"/>
-              </a:rPr>
-              <a:t> = </a:t>
-            </a:r>
-            <a:r>
-              <a:rPr kumimoji="0" lang="en-US" altLang="en-US" sz="1300" b="0" i="0" u="none" strike="noStrike" cap="none" normalizeH="0" baseline="0" dirty="0" err="1">
-                <a:ln>
-                  <a:noFill/>
-                </a:ln>
-                <a:solidFill>
-                  <a:srgbClr val="303336"/>
-                </a:solidFill>
-                <a:effectLst/>
-                <a:latin typeface="inherit"/>
-              </a:rPr>
-              <a:t>p.ProductID</a:t>
-            </a:r>
-            <a:r>
-              <a:rPr kumimoji="0" lang="en-US" altLang="en-US" sz="1300" b="0" i="0" u="none" strike="noStrike" cap="none" normalizeH="0" baseline="0" dirty="0">
-                <a:ln>
-                  <a:noFill/>
-                </a:ln>
-                <a:solidFill>
-                  <a:srgbClr val="303336"/>
-                </a:solidFill>
-                <a:effectLst/>
-                <a:latin typeface="inherit"/>
-              </a:rPr>
-              <a:t> </a:t>
-            </a:r>
-          </a:p>
-          <a:p>
-            <a:pPr marL="0" marR="0" lvl="0" indent="0" algn="l" defTabSz="914400" rtl="0" eaLnBrk="0" fontAlgn="base" latinLnBrk="0" hangingPunct="0">
-              <a:lnSpc>
-                <a:spcPct val="100000"/>
-              </a:lnSpc>
-              <a:spcBef>
-                <a:spcPct val="0"/>
-              </a:spcBef>
-              <a:spcAft>
-                <a:spcPct val="0"/>
-              </a:spcAft>
-              <a:buClrTx/>
-              <a:buSzTx/>
-              <a:buFontTx/>
-              <a:buNone/>
-              <a:tabLst/>
-            </a:pPr>
-            <a:r>
-              <a:rPr kumimoji="0" lang="en-US" altLang="en-US" sz="1300" b="0" i="0" u="none" strike="noStrike" cap="none" normalizeH="0" baseline="0" dirty="0">
-                <a:ln>
-                  <a:noFill/>
-                </a:ln>
-                <a:solidFill>
-                  <a:srgbClr val="858C93"/>
-                </a:solidFill>
-                <a:effectLst/>
-                <a:latin typeface="inherit"/>
-              </a:rPr>
-              <a:t>-- but we need to pass via subcategories</a:t>
-            </a:r>
-            <a:r>
-              <a:rPr kumimoji="0" lang="en-US" altLang="en-US" sz="1300" b="0" i="0" u="none" strike="noStrike" cap="none" normalizeH="0" baseline="0" dirty="0">
-                <a:ln>
-                  <a:noFill/>
-                </a:ln>
-                <a:solidFill>
-                  <a:srgbClr val="303336"/>
-                </a:solidFill>
-                <a:effectLst/>
-                <a:latin typeface="inherit"/>
-              </a:rPr>
-              <a:t> </a:t>
-            </a:r>
-          </a:p>
-          <a:p>
-            <a:pPr marL="0" marR="0" lvl="0" indent="0" algn="l" defTabSz="914400" rtl="0" eaLnBrk="0" fontAlgn="base" latinLnBrk="0" hangingPunct="0">
-              <a:lnSpc>
-                <a:spcPct val="100000"/>
-              </a:lnSpc>
-              <a:spcBef>
-                <a:spcPct val="0"/>
-              </a:spcBef>
-              <a:spcAft>
-                <a:spcPct val="0"/>
-              </a:spcAft>
-              <a:buClrTx/>
-              <a:buSzTx/>
-              <a:buFontTx/>
-              <a:buNone/>
-              <a:tabLst/>
-            </a:pPr>
-            <a:r>
-              <a:rPr kumimoji="0" lang="en-US" altLang="en-US" sz="1300" b="0" i="0" u="none" strike="noStrike" cap="none" normalizeH="0" baseline="0" dirty="0">
-                <a:ln>
-                  <a:noFill/>
-                </a:ln>
-                <a:solidFill>
-                  <a:srgbClr val="101094"/>
-                </a:solidFill>
-                <a:effectLst/>
-                <a:latin typeface="inherit"/>
-              </a:rPr>
-              <a:t>INNER</a:t>
-            </a:r>
-            <a:r>
-              <a:rPr kumimoji="0" lang="en-US" altLang="en-US" sz="1300" b="0" i="0" u="none" strike="noStrike" cap="none" normalizeH="0" baseline="0" dirty="0">
-                <a:ln>
-                  <a:noFill/>
-                </a:ln>
-                <a:solidFill>
-                  <a:srgbClr val="303336"/>
-                </a:solidFill>
-                <a:effectLst/>
-                <a:latin typeface="inherit"/>
-              </a:rPr>
-              <a:t> </a:t>
-            </a:r>
-            <a:r>
-              <a:rPr kumimoji="0" lang="en-US" altLang="en-US" sz="1300" b="0" i="0" u="none" strike="noStrike" cap="none" normalizeH="0" baseline="0" dirty="0">
-                <a:ln>
-                  <a:noFill/>
-                </a:ln>
-                <a:solidFill>
-                  <a:srgbClr val="101094"/>
-                </a:solidFill>
-                <a:effectLst/>
-                <a:latin typeface="inherit"/>
-              </a:rPr>
-              <a:t>JOIN</a:t>
-            </a:r>
-            <a:r>
-              <a:rPr kumimoji="0" lang="en-US" altLang="en-US" sz="1300" b="0" i="0" u="none" strike="noStrike" cap="none" normalizeH="0" baseline="0" dirty="0">
-                <a:ln>
-                  <a:noFill/>
-                </a:ln>
-                <a:solidFill>
-                  <a:srgbClr val="303336"/>
-                </a:solidFill>
-                <a:effectLst/>
-                <a:latin typeface="inherit"/>
-              </a:rPr>
-              <a:t> </a:t>
-            </a:r>
-            <a:r>
-              <a:rPr kumimoji="0" lang="en-US" altLang="en-US" sz="1300" b="0" i="0" u="none" strike="noStrike" cap="none" normalizeH="0" baseline="0" dirty="0" err="1">
-                <a:ln>
-                  <a:noFill/>
-                </a:ln>
-                <a:solidFill>
-                  <a:srgbClr val="303336"/>
-                </a:solidFill>
-                <a:effectLst/>
-                <a:latin typeface="inherit"/>
-              </a:rPr>
-              <a:t>Production.ProductSubcategory</a:t>
-            </a:r>
-            <a:r>
-              <a:rPr kumimoji="0" lang="en-US" altLang="en-US" sz="1300" b="0" i="0" u="none" strike="noStrike" cap="none" normalizeH="0" baseline="0" dirty="0">
-                <a:ln>
-                  <a:noFill/>
-                </a:ln>
-                <a:solidFill>
-                  <a:srgbClr val="303336"/>
-                </a:solidFill>
-                <a:effectLst/>
-                <a:latin typeface="inherit"/>
-              </a:rPr>
-              <a:t> </a:t>
-            </a:r>
-            <a:r>
-              <a:rPr kumimoji="0" lang="en-US" altLang="en-US" sz="1300" b="0" i="0" u="none" strike="noStrike" cap="none" normalizeH="0" baseline="0" dirty="0" err="1">
-                <a:ln>
-                  <a:noFill/>
-                </a:ln>
-                <a:solidFill>
-                  <a:srgbClr val="303336"/>
-                </a:solidFill>
-                <a:effectLst/>
-                <a:latin typeface="inherit"/>
-              </a:rPr>
-              <a:t>psc</a:t>
-            </a:r>
-            <a:r>
-              <a:rPr kumimoji="0" lang="en-US" altLang="en-US" sz="1300" b="0" i="0" u="none" strike="noStrike" cap="none" normalizeH="0" baseline="0" dirty="0">
-                <a:ln>
-                  <a:noFill/>
-                </a:ln>
-                <a:solidFill>
-                  <a:srgbClr val="303336"/>
-                </a:solidFill>
-                <a:effectLst/>
-                <a:latin typeface="inherit"/>
-              </a:rPr>
-              <a:t> </a:t>
-            </a:r>
-            <a:r>
-              <a:rPr kumimoji="0" lang="en-US" altLang="en-US" sz="1300" b="0" i="0" u="none" strike="noStrike" cap="none" normalizeH="0" baseline="0" dirty="0">
-                <a:ln>
-                  <a:noFill/>
-                </a:ln>
-                <a:solidFill>
-                  <a:srgbClr val="101094"/>
-                </a:solidFill>
-                <a:effectLst/>
-                <a:latin typeface="inherit"/>
-              </a:rPr>
-              <a:t>ON</a:t>
-            </a:r>
-            <a:r>
-              <a:rPr kumimoji="0" lang="en-US" altLang="en-US" sz="1300" b="0" i="0" u="none" strike="noStrike" cap="none" normalizeH="0" baseline="0" dirty="0">
-                <a:ln>
-                  <a:noFill/>
-                </a:ln>
-                <a:solidFill>
-                  <a:srgbClr val="303336"/>
-                </a:solidFill>
-                <a:effectLst/>
-                <a:latin typeface="inherit"/>
-              </a:rPr>
-              <a:t> </a:t>
-            </a:r>
-            <a:r>
-              <a:rPr kumimoji="0" lang="en-US" altLang="en-US" sz="1300" b="0" i="0" u="none" strike="noStrike" cap="none" normalizeH="0" baseline="0" dirty="0" err="1">
-                <a:ln>
-                  <a:noFill/>
-                </a:ln>
-                <a:solidFill>
-                  <a:srgbClr val="303336"/>
-                </a:solidFill>
-                <a:effectLst/>
-                <a:latin typeface="inherit"/>
-              </a:rPr>
-              <a:t>p.ProductSubcategoryID</a:t>
-            </a:r>
-            <a:r>
-              <a:rPr kumimoji="0" lang="en-US" altLang="en-US" sz="1300" b="0" i="0" u="none" strike="noStrike" cap="none" normalizeH="0" baseline="0" dirty="0">
-                <a:ln>
-                  <a:noFill/>
-                </a:ln>
-                <a:solidFill>
-                  <a:srgbClr val="303336"/>
-                </a:solidFill>
-                <a:effectLst/>
-                <a:latin typeface="inherit"/>
-              </a:rPr>
-              <a:t> = </a:t>
-            </a:r>
-            <a:r>
-              <a:rPr kumimoji="0" lang="en-US" altLang="en-US" sz="1300" b="0" i="0" u="none" strike="noStrike" cap="none" normalizeH="0" baseline="0" dirty="0" err="1">
-                <a:ln>
-                  <a:noFill/>
-                </a:ln>
-                <a:solidFill>
-                  <a:srgbClr val="303336"/>
-                </a:solidFill>
-                <a:effectLst/>
-                <a:latin typeface="inherit"/>
-              </a:rPr>
-              <a:t>psc.ProductSubcategoryID</a:t>
-            </a:r>
-            <a:r>
-              <a:rPr kumimoji="0" lang="en-US" altLang="en-US" sz="1300" b="0" i="0" u="none" strike="noStrike" cap="none" normalizeH="0" baseline="0" dirty="0">
-                <a:ln>
-                  <a:noFill/>
-                </a:ln>
-                <a:solidFill>
-                  <a:srgbClr val="303336"/>
-                </a:solidFill>
-                <a:effectLst/>
-                <a:latin typeface="inherit"/>
-              </a:rPr>
-              <a:t> </a:t>
-            </a:r>
-          </a:p>
-          <a:p>
-            <a:pPr marL="0" marR="0" lvl="0" indent="0" algn="l" defTabSz="914400" rtl="0" eaLnBrk="0" fontAlgn="base" latinLnBrk="0" hangingPunct="0">
-              <a:lnSpc>
-                <a:spcPct val="100000"/>
-              </a:lnSpc>
-              <a:spcBef>
-                <a:spcPct val="0"/>
-              </a:spcBef>
-              <a:spcAft>
-                <a:spcPct val="0"/>
-              </a:spcAft>
-              <a:buClrTx/>
-              <a:buSzTx/>
-              <a:buFontTx/>
-              <a:buNone/>
-              <a:tabLst/>
-            </a:pPr>
-            <a:r>
-              <a:rPr kumimoji="0" lang="en-US" altLang="en-US" sz="1300" b="0" i="0" u="none" strike="noStrike" cap="none" normalizeH="0" baseline="0" dirty="0">
-                <a:ln>
-                  <a:noFill/>
-                </a:ln>
-                <a:solidFill>
-                  <a:srgbClr val="858C93"/>
-                </a:solidFill>
-                <a:effectLst/>
-                <a:latin typeface="inherit"/>
-              </a:rPr>
-              <a:t>-- we finally get to the category</a:t>
-            </a:r>
-            <a:r>
-              <a:rPr kumimoji="0" lang="en-US" altLang="en-US" sz="1300" b="0" i="0" u="none" strike="noStrike" cap="none" normalizeH="0" baseline="0" dirty="0">
-                <a:ln>
-                  <a:noFill/>
-                </a:ln>
-                <a:solidFill>
-                  <a:srgbClr val="303336"/>
-                </a:solidFill>
-                <a:effectLst/>
-                <a:latin typeface="inherit"/>
-              </a:rPr>
-              <a:t> </a:t>
-            </a:r>
-          </a:p>
-          <a:p>
-            <a:pPr marL="0" marR="0" lvl="0" indent="0" algn="l" defTabSz="914400" rtl="0" eaLnBrk="0" fontAlgn="base" latinLnBrk="0" hangingPunct="0">
-              <a:lnSpc>
-                <a:spcPct val="100000"/>
-              </a:lnSpc>
-              <a:spcBef>
-                <a:spcPct val="0"/>
-              </a:spcBef>
-              <a:spcAft>
-                <a:spcPct val="0"/>
-              </a:spcAft>
-              <a:buClrTx/>
-              <a:buSzTx/>
-              <a:buFontTx/>
-              <a:buNone/>
-              <a:tabLst/>
-            </a:pPr>
-            <a:r>
-              <a:rPr kumimoji="0" lang="en-US" altLang="en-US" sz="1300" b="0" i="0" u="none" strike="noStrike" cap="none" normalizeH="0" baseline="0" dirty="0">
-                <a:ln>
-                  <a:noFill/>
-                </a:ln>
-                <a:solidFill>
-                  <a:srgbClr val="101094"/>
-                </a:solidFill>
-                <a:effectLst/>
-                <a:latin typeface="inherit"/>
-              </a:rPr>
-              <a:t>INNER</a:t>
-            </a:r>
-            <a:r>
-              <a:rPr kumimoji="0" lang="en-US" altLang="en-US" sz="1300" b="0" i="0" u="none" strike="noStrike" cap="none" normalizeH="0" baseline="0" dirty="0">
-                <a:ln>
-                  <a:noFill/>
-                </a:ln>
-                <a:solidFill>
-                  <a:srgbClr val="303336"/>
-                </a:solidFill>
-                <a:effectLst/>
-                <a:latin typeface="inherit"/>
-              </a:rPr>
-              <a:t> </a:t>
-            </a:r>
-            <a:r>
-              <a:rPr kumimoji="0" lang="en-US" altLang="en-US" sz="1300" b="0" i="0" u="none" strike="noStrike" cap="none" normalizeH="0" baseline="0" dirty="0">
-                <a:ln>
-                  <a:noFill/>
-                </a:ln>
-                <a:solidFill>
-                  <a:srgbClr val="101094"/>
-                </a:solidFill>
-                <a:effectLst/>
-                <a:latin typeface="inherit"/>
-              </a:rPr>
-              <a:t>JOIN</a:t>
-            </a:r>
-            <a:r>
-              <a:rPr kumimoji="0" lang="en-US" altLang="en-US" sz="1300" b="0" i="0" u="none" strike="noStrike" cap="none" normalizeH="0" baseline="0" dirty="0">
-                <a:ln>
-                  <a:noFill/>
-                </a:ln>
-                <a:solidFill>
-                  <a:srgbClr val="303336"/>
-                </a:solidFill>
-                <a:effectLst/>
-                <a:latin typeface="inherit"/>
-              </a:rPr>
-              <a:t> </a:t>
-            </a:r>
-            <a:r>
-              <a:rPr kumimoji="0" lang="en-US" altLang="en-US" sz="1300" b="0" i="0" u="none" strike="noStrike" cap="none" normalizeH="0" baseline="0" dirty="0" err="1">
-                <a:ln>
-                  <a:noFill/>
-                </a:ln>
-                <a:solidFill>
-                  <a:srgbClr val="303336"/>
-                </a:solidFill>
-                <a:effectLst/>
-                <a:latin typeface="inherit"/>
-              </a:rPr>
-              <a:t>Production.ProductCategory</a:t>
-            </a:r>
-            <a:r>
-              <a:rPr kumimoji="0" lang="en-US" altLang="en-US" sz="1300" b="0" i="0" u="none" strike="noStrike" cap="none" normalizeH="0" baseline="0" dirty="0">
-                <a:ln>
-                  <a:noFill/>
-                </a:ln>
-                <a:solidFill>
-                  <a:srgbClr val="303336"/>
-                </a:solidFill>
-                <a:effectLst/>
-                <a:latin typeface="inherit"/>
-              </a:rPr>
-              <a:t> pc </a:t>
-            </a:r>
-            <a:r>
-              <a:rPr kumimoji="0" lang="en-US" altLang="en-US" sz="1300" b="0" i="0" u="none" strike="noStrike" cap="none" normalizeH="0" baseline="0" dirty="0">
-                <a:ln>
-                  <a:noFill/>
-                </a:ln>
-                <a:solidFill>
-                  <a:srgbClr val="101094"/>
-                </a:solidFill>
-                <a:effectLst/>
-                <a:latin typeface="inherit"/>
-              </a:rPr>
-              <a:t>ON</a:t>
-            </a:r>
-            <a:r>
-              <a:rPr kumimoji="0" lang="en-US" altLang="en-US" sz="1300" b="0" i="0" u="none" strike="noStrike" cap="none" normalizeH="0" baseline="0" dirty="0">
-                <a:ln>
-                  <a:noFill/>
-                </a:ln>
-                <a:solidFill>
-                  <a:srgbClr val="303336"/>
-                </a:solidFill>
-                <a:effectLst/>
-                <a:latin typeface="inherit"/>
-              </a:rPr>
-              <a:t> </a:t>
-            </a:r>
-            <a:r>
-              <a:rPr kumimoji="0" lang="en-US" altLang="en-US" sz="1300" b="0" i="0" u="none" strike="noStrike" cap="none" normalizeH="0" baseline="0" dirty="0" err="1">
-                <a:ln>
-                  <a:noFill/>
-                </a:ln>
-                <a:solidFill>
-                  <a:srgbClr val="303336"/>
-                </a:solidFill>
-                <a:effectLst/>
-                <a:latin typeface="inherit"/>
-              </a:rPr>
-              <a:t>psc.ProductCategoryID</a:t>
-            </a:r>
-            <a:r>
-              <a:rPr kumimoji="0" lang="en-US" altLang="en-US" sz="1300" b="0" i="0" u="none" strike="noStrike" cap="none" normalizeH="0" baseline="0" dirty="0">
-                <a:ln>
-                  <a:noFill/>
-                </a:ln>
-                <a:solidFill>
-                  <a:srgbClr val="303336"/>
-                </a:solidFill>
-                <a:effectLst/>
-                <a:latin typeface="inherit"/>
-              </a:rPr>
-              <a:t> = </a:t>
-            </a:r>
-            <a:r>
-              <a:rPr kumimoji="0" lang="en-US" altLang="en-US" sz="1300" b="0" i="0" u="none" strike="noStrike" cap="none" normalizeH="0" baseline="0" dirty="0" err="1">
-                <a:ln>
-                  <a:noFill/>
-                </a:ln>
-                <a:solidFill>
-                  <a:srgbClr val="303336"/>
-                </a:solidFill>
-                <a:effectLst/>
-                <a:latin typeface="inherit"/>
-              </a:rPr>
-              <a:t>pc.ProductCategoryID</a:t>
-            </a:r>
-            <a:r>
-              <a:rPr kumimoji="0" lang="en-US" altLang="en-US" sz="1300" b="0" i="0" u="none" strike="noStrike" cap="none" normalizeH="0" baseline="0" dirty="0">
-                <a:ln>
-                  <a:noFill/>
-                </a:ln>
-                <a:solidFill>
-                  <a:srgbClr val="303336"/>
-                </a:solidFill>
-                <a:effectLst/>
-                <a:latin typeface="inherit"/>
-              </a:rPr>
-              <a:t> </a:t>
-            </a:r>
-          </a:p>
-          <a:p>
-            <a:pPr marL="0" marR="0" lvl="0" indent="0" algn="l" defTabSz="914400" rtl="0" eaLnBrk="0" fontAlgn="base" latinLnBrk="0" hangingPunct="0">
-              <a:lnSpc>
-                <a:spcPct val="100000"/>
-              </a:lnSpc>
-              <a:spcBef>
-                <a:spcPct val="0"/>
-              </a:spcBef>
-              <a:spcAft>
-                <a:spcPct val="0"/>
-              </a:spcAft>
-              <a:buClrTx/>
-              <a:buSzTx/>
-              <a:buFontTx/>
-              <a:buNone/>
-              <a:tabLst/>
-            </a:pPr>
-            <a:r>
-              <a:rPr kumimoji="0" lang="en-US" altLang="en-US" sz="1300" b="0" i="0" u="none" strike="noStrike" cap="none" normalizeH="0" baseline="0" dirty="0">
-                <a:ln>
-                  <a:noFill/>
-                </a:ln>
-                <a:solidFill>
-                  <a:srgbClr val="858C93"/>
-                </a:solidFill>
-                <a:effectLst/>
-                <a:latin typeface="inherit"/>
-              </a:rPr>
-              <a:t>-- we also need the headers because that's where the customer is stored</a:t>
-            </a:r>
-            <a:r>
-              <a:rPr kumimoji="0" lang="en-US" altLang="en-US" sz="1300" b="0" i="0" u="none" strike="noStrike" cap="none" normalizeH="0" baseline="0" dirty="0">
-                <a:ln>
-                  <a:noFill/>
-                </a:ln>
-                <a:solidFill>
-                  <a:srgbClr val="303336"/>
-                </a:solidFill>
-                <a:effectLst/>
-                <a:latin typeface="inherit"/>
-              </a:rPr>
-              <a:t> </a:t>
-            </a:r>
-          </a:p>
-          <a:p>
-            <a:pPr marL="0" marR="0" lvl="0" indent="0" algn="l" defTabSz="914400" rtl="0" eaLnBrk="0" fontAlgn="base" latinLnBrk="0" hangingPunct="0">
-              <a:lnSpc>
-                <a:spcPct val="100000"/>
-              </a:lnSpc>
-              <a:spcBef>
-                <a:spcPct val="0"/>
-              </a:spcBef>
-              <a:spcAft>
-                <a:spcPct val="0"/>
-              </a:spcAft>
-              <a:buClrTx/>
-              <a:buSzTx/>
-              <a:buFontTx/>
-              <a:buNone/>
-              <a:tabLst/>
-            </a:pPr>
-            <a:r>
-              <a:rPr kumimoji="0" lang="en-US" altLang="en-US" sz="1300" b="0" i="0" u="none" strike="noStrike" cap="none" normalizeH="0" baseline="0" dirty="0">
-                <a:ln>
-                  <a:noFill/>
-                </a:ln>
-                <a:solidFill>
-                  <a:srgbClr val="101094"/>
-                </a:solidFill>
-                <a:effectLst/>
-                <a:latin typeface="inherit"/>
-              </a:rPr>
-              <a:t>INNER</a:t>
-            </a:r>
-            <a:r>
-              <a:rPr kumimoji="0" lang="en-US" altLang="en-US" sz="1300" b="0" i="0" u="none" strike="noStrike" cap="none" normalizeH="0" baseline="0" dirty="0">
-                <a:ln>
-                  <a:noFill/>
-                </a:ln>
-                <a:solidFill>
-                  <a:srgbClr val="303336"/>
-                </a:solidFill>
-                <a:effectLst/>
-                <a:latin typeface="inherit"/>
-              </a:rPr>
-              <a:t> </a:t>
-            </a:r>
-            <a:r>
-              <a:rPr kumimoji="0" lang="en-US" altLang="en-US" sz="1300" b="0" i="0" u="none" strike="noStrike" cap="none" normalizeH="0" baseline="0" dirty="0">
-                <a:ln>
-                  <a:noFill/>
-                </a:ln>
-                <a:solidFill>
-                  <a:srgbClr val="101094"/>
-                </a:solidFill>
-                <a:effectLst/>
-                <a:latin typeface="inherit"/>
-              </a:rPr>
-              <a:t>JOIN</a:t>
-            </a:r>
-            <a:r>
-              <a:rPr kumimoji="0" lang="en-US" altLang="en-US" sz="1300" b="0" i="0" u="none" strike="noStrike" cap="none" normalizeH="0" baseline="0" dirty="0">
-                <a:ln>
-                  <a:noFill/>
-                </a:ln>
-                <a:solidFill>
-                  <a:srgbClr val="303336"/>
-                </a:solidFill>
-                <a:effectLst/>
-                <a:latin typeface="inherit"/>
-              </a:rPr>
-              <a:t> </a:t>
-            </a:r>
-            <a:r>
-              <a:rPr kumimoji="0" lang="en-US" altLang="en-US" sz="1300" b="0" i="0" u="none" strike="noStrike" cap="none" normalizeH="0" baseline="0" dirty="0" err="1">
-                <a:ln>
-                  <a:noFill/>
-                </a:ln>
-                <a:solidFill>
-                  <a:srgbClr val="303336"/>
-                </a:solidFill>
-                <a:effectLst/>
-                <a:latin typeface="inherit"/>
-              </a:rPr>
-              <a:t>sales.SalesOrderHeader</a:t>
-            </a:r>
-            <a:r>
-              <a:rPr kumimoji="0" lang="en-US" altLang="en-US" sz="1300" b="0" i="0" u="none" strike="noStrike" cap="none" normalizeH="0" baseline="0" dirty="0">
-                <a:ln>
-                  <a:noFill/>
-                </a:ln>
-                <a:solidFill>
-                  <a:srgbClr val="303336"/>
-                </a:solidFill>
-                <a:effectLst/>
-                <a:latin typeface="inherit"/>
-              </a:rPr>
-              <a:t> </a:t>
-            </a:r>
-            <a:r>
-              <a:rPr kumimoji="0" lang="en-US" altLang="en-US" sz="1300" b="0" i="0" u="none" strike="noStrike" cap="none" normalizeH="0" baseline="0" dirty="0" err="1">
-                <a:ln>
-                  <a:noFill/>
-                </a:ln>
-                <a:solidFill>
-                  <a:srgbClr val="303336"/>
-                </a:solidFill>
-                <a:effectLst/>
-                <a:latin typeface="inherit"/>
-              </a:rPr>
-              <a:t>soh</a:t>
-            </a:r>
-            <a:r>
-              <a:rPr kumimoji="0" lang="en-US" altLang="en-US" sz="1300" b="0" i="0" u="none" strike="noStrike" cap="none" normalizeH="0" baseline="0" dirty="0">
-                <a:ln>
-                  <a:noFill/>
-                </a:ln>
-                <a:solidFill>
-                  <a:srgbClr val="303336"/>
-                </a:solidFill>
-                <a:effectLst/>
-                <a:latin typeface="inherit"/>
-              </a:rPr>
-              <a:t> </a:t>
-            </a:r>
-            <a:r>
-              <a:rPr kumimoji="0" lang="en-US" altLang="en-US" sz="1300" b="0" i="0" u="none" strike="noStrike" cap="none" normalizeH="0" baseline="0" dirty="0">
-                <a:ln>
-                  <a:noFill/>
-                </a:ln>
-                <a:solidFill>
-                  <a:srgbClr val="101094"/>
-                </a:solidFill>
-                <a:effectLst/>
-                <a:latin typeface="inherit"/>
-              </a:rPr>
-              <a:t>ON</a:t>
-            </a:r>
-            <a:r>
-              <a:rPr kumimoji="0" lang="en-US" altLang="en-US" sz="1300" b="0" i="0" u="none" strike="noStrike" cap="none" normalizeH="0" baseline="0" dirty="0">
-                <a:ln>
-                  <a:noFill/>
-                </a:ln>
-                <a:solidFill>
-                  <a:srgbClr val="303336"/>
-                </a:solidFill>
-                <a:effectLst/>
-                <a:latin typeface="inherit"/>
-              </a:rPr>
-              <a:t> </a:t>
-            </a:r>
-            <a:r>
-              <a:rPr kumimoji="0" lang="en-US" altLang="en-US" sz="1300" b="0" i="0" u="none" strike="noStrike" cap="none" normalizeH="0" baseline="0" dirty="0" err="1">
-                <a:ln>
-                  <a:noFill/>
-                </a:ln>
-                <a:solidFill>
-                  <a:srgbClr val="303336"/>
-                </a:solidFill>
-                <a:effectLst/>
-                <a:latin typeface="inherit"/>
-              </a:rPr>
-              <a:t>sod.SalesOrderID</a:t>
-            </a:r>
-            <a:r>
-              <a:rPr kumimoji="0" lang="en-US" altLang="en-US" sz="1300" b="0" i="0" u="none" strike="noStrike" cap="none" normalizeH="0" baseline="0" dirty="0">
-                <a:ln>
-                  <a:noFill/>
-                </a:ln>
-                <a:solidFill>
-                  <a:srgbClr val="303336"/>
-                </a:solidFill>
-                <a:effectLst/>
-                <a:latin typeface="inherit"/>
-              </a:rPr>
-              <a:t> = </a:t>
-            </a:r>
-            <a:r>
-              <a:rPr kumimoji="0" lang="en-US" altLang="en-US" sz="1300" b="0" i="0" u="none" strike="noStrike" cap="none" normalizeH="0" baseline="0" dirty="0" err="1">
-                <a:ln>
-                  <a:noFill/>
-                </a:ln>
-                <a:solidFill>
-                  <a:srgbClr val="303336"/>
-                </a:solidFill>
-                <a:effectLst/>
-                <a:latin typeface="inherit"/>
-              </a:rPr>
-              <a:t>soh.SalesOrderID</a:t>
-            </a:r>
-            <a:r>
-              <a:rPr kumimoji="0" lang="en-US" altLang="en-US" sz="1300" b="0" i="0" u="none" strike="noStrike" cap="none" normalizeH="0" baseline="0" dirty="0">
-                <a:ln>
-                  <a:noFill/>
-                </a:ln>
-                <a:solidFill>
-                  <a:srgbClr val="303336"/>
-                </a:solidFill>
-                <a:effectLst/>
-                <a:latin typeface="inherit"/>
-              </a:rPr>
-              <a:t> </a:t>
-            </a:r>
-          </a:p>
-          <a:p>
-            <a:pPr marL="0" marR="0" lvl="0" indent="0" algn="l" defTabSz="914400" rtl="0" eaLnBrk="0" fontAlgn="base" latinLnBrk="0" hangingPunct="0">
-              <a:lnSpc>
-                <a:spcPct val="100000"/>
-              </a:lnSpc>
-              <a:spcBef>
-                <a:spcPct val="0"/>
-              </a:spcBef>
-              <a:spcAft>
-                <a:spcPct val="0"/>
-              </a:spcAft>
-              <a:buClrTx/>
-              <a:buSzTx/>
-              <a:buFontTx/>
-              <a:buNone/>
-              <a:tabLst/>
-            </a:pPr>
-            <a:r>
-              <a:rPr kumimoji="0" lang="en-US" altLang="en-US" sz="1300" b="0" i="0" u="none" strike="noStrike" cap="none" normalizeH="0" baseline="0" dirty="0">
-                <a:ln>
-                  <a:noFill/>
-                </a:ln>
-                <a:solidFill>
-                  <a:srgbClr val="858C93"/>
-                </a:solidFill>
-                <a:effectLst/>
-                <a:latin typeface="inherit"/>
-              </a:rPr>
-              <a:t>-- finally the customer, but we don't have his name here</a:t>
-            </a:r>
-            <a:r>
-              <a:rPr kumimoji="0" lang="en-US" altLang="en-US" sz="1300" b="0" i="0" u="none" strike="noStrike" cap="none" normalizeH="0" baseline="0" dirty="0">
-                <a:ln>
-                  <a:noFill/>
-                </a:ln>
-                <a:solidFill>
-                  <a:srgbClr val="303336"/>
-                </a:solidFill>
-                <a:effectLst/>
-                <a:latin typeface="inherit"/>
-              </a:rPr>
-              <a:t> </a:t>
-            </a:r>
-          </a:p>
-          <a:p>
-            <a:pPr marL="0" marR="0" lvl="0" indent="0" algn="l" defTabSz="914400" rtl="0" eaLnBrk="0" fontAlgn="base" latinLnBrk="0" hangingPunct="0">
-              <a:lnSpc>
-                <a:spcPct val="100000"/>
-              </a:lnSpc>
-              <a:spcBef>
-                <a:spcPct val="0"/>
-              </a:spcBef>
-              <a:spcAft>
-                <a:spcPct val="0"/>
-              </a:spcAft>
-              <a:buClrTx/>
-              <a:buSzTx/>
-              <a:buFontTx/>
-              <a:buNone/>
-              <a:tabLst/>
-            </a:pPr>
-            <a:r>
-              <a:rPr kumimoji="0" lang="en-US" altLang="en-US" sz="1300" b="0" i="0" u="none" strike="noStrike" cap="none" normalizeH="0" baseline="0" dirty="0">
-                <a:ln>
-                  <a:noFill/>
-                </a:ln>
-                <a:solidFill>
-                  <a:srgbClr val="101094"/>
-                </a:solidFill>
-                <a:effectLst/>
-                <a:latin typeface="inherit"/>
-              </a:rPr>
-              <a:t>INNER</a:t>
-            </a:r>
-            <a:r>
-              <a:rPr kumimoji="0" lang="en-US" altLang="en-US" sz="1300" b="0" i="0" u="none" strike="noStrike" cap="none" normalizeH="0" baseline="0" dirty="0">
-                <a:ln>
-                  <a:noFill/>
-                </a:ln>
-                <a:solidFill>
-                  <a:srgbClr val="303336"/>
-                </a:solidFill>
-                <a:effectLst/>
-                <a:latin typeface="inherit"/>
-              </a:rPr>
-              <a:t> </a:t>
-            </a:r>
-            <a:r>
-              <a:rPr kumimoji="0" lang="en-US" altLang="en-US" sz="1300" b="0" i="0" u="none" strike="noStrike" cap="none" normalizeH="0" baseline="0" dirty="0">
-                <a:ln>
-                  <a:noFill/>
-                </a:ln>
-                <a:solidFill>
-                  <a:srgbClr val="101094"/>
-                </a:solidFill>
-                <a:effectLst/>
-                <a:latin typeface="inherit"/>
-              </a:rPr>
-              <a:t>JOIN</a:t>
-            </a:r>
-            <a:r>
-              <a:rPr kumimoji="0" lang="en-US" altLang="en-US" sz="1300" b="0" i="0" u="none" strike="noStrike" cap="none" normalizeH="0" baseline="0" dirty="0">
-                <a:ln>
-                  <a:noFill/>
-                </a:ln>
-                <a:solidFill>
-                  <a:srgbClr val="303336"/>
-                </a:solidFill>
-                <a:effectLst/>
-                <a:latin typeface="inherit"/>
-              </a:rPr>
-              <a:t> </a:t>
-            </a:r>
-            <a:r>
-              <a:rPr kumimoji="0" lang="en-US" altLang="en-US" sz="1300" b="0" i="0" u="none" strike="noStrike" cap="none" normalizeH="0" baseline="0" dirty="0" err="1">
-                <a:ln>
-                  <a:noFill/>
-                </a:ln>
-                <a:solidFill>
-                  <a:srgbClr val="303336"/>
-                </a:solidFill>
-                <a:effectLst/>
-                <a:latin typeface="inherit"/>
-              </a:rPr>
-              <a:t>sales.Customer</a:t>
-            </a:r>
-            <a:r>
-              <a:rPr kumimoji="0" lang="en-US" altLang="en-US" sz="1300" b="0" i="0" u="none" strike="noStrike" cap="none" normalizeH="0" baseline="0" dirty="0">
-                <a:ln>
-                  <a:noFill/>
-                </a:ln>
-                <a:solidFill>
-                  <a:srgbClr val="303336"/>
-                </a:solidFill>
-                <a:effectLst/>
-                <a:latin typeface="inherit"/>
-              </a:rPr>
-              <a:t> c </a:t>
-            </a:r>
-            <a:r>
-              <a:rPr kumimoji="0" lang="en-US" altLang="en-US" sz="1300" b="0" i="0" u="none" strike="noStrike" cap="none" normalizeH="0" baseline="0" dirty="0">
-                <a:ln>
-                  <a:noFill/>
-                </a:ln>
-                <a:solidFill>
-                  <a:srgbClr val="101094"/>
-                </a:solidFill>
-                <a:effectLst/>
-                <a:latin typeface="inherit"/>
-              </a:rPr>
-              <a:t>ON</a:t>
-            </a:r>
-            <a:r>
-              <a:rPr kumimoji="0" lang="en-US" altLang="en-US" sz="1300" b="0" i="0" u="none" strike="noStrike" cap="none" normalizeH="0" baseline="0" dirty="0">
-                <a:ln>
-                  <a:noFill/>
-                </a:ln>
-                <a:solidFill>
-                  <a:srgbClr val="303336"/>
-                </a:solidFill>
-                <a:effectLst/>
-                <a:latin typeface="inherit"/>
-              </a:rPr>
-              <a:t> </a:t>
-            </a:r>
-            <a:r>
-              <a:rPr kumimoji="0" lang="en-US" altLang="en-US" sz="1300" b="0" i="0" u="none" strike="noStrike" cap="none" normalizeH="0" baseline="0" dirty="0" err="1">
-                <a:ln>
-                  <a:noFill/>
-                </a:ln>
-                <a:solidFill>
-                  <a:srgbClr val="303336"/>
-                </a:solidFill>
-                <a:effectLst/>
-                <a:latin typeface="inherit"/>
-              </a:rPr>
-              <a:t>soh.CustomerID</a:t>
-            </a:r>
-            <a:r>
-              <a:rPr kumimoji="0" lang="en-US" altLang="en-US" sz="1300" b="0" i="0" u="none" strike="noStrike" cap="none" normalizeH="0" baseline="0" dirty="0">
-                <a:ln>
-                  <a:noFill/>
-                </a:ln>
-                <a:solidFill>
-                  <a:srgbClr val="303336"/>
-                </a:solidFill>
-                <a:effectLst/>
-                <a:latin typeface="inherit"/>
-              </a:rPr>
-              <a:t> = </a:t>
-            </a:r>
-            <a:r>
-              <a:rPr kumimoji="0" lang="en-US" altLang="en-US" sz="1300" b="0" i="0" u="none" strike="noStrike" cap="none" normalizeH="0" baseline="0" dirty="0" err="1">
-                <a:ln>
-                  <a:noFill/>
-                </a:ln>
-                <a:solidFill>
-                  <a:srgbClr val="303336"/>
-                </a:solidFill>
-                <a:effectLst/>
-                <a:latin typeface="inherit"/>
-              </a:rPr>
-              <a:t>c.CustomerID</a:t>
-            </a:r>
-            <a:r>
-              <a:rPr kumimoji="0" lang="en-US" altLang="en-US" sz="1300" b="0" i="0" u="none" strike="noStrike" cap="none" normalizeH="0" baseline="0" dirty="0">
-                <a:ln>
-                  <a:noFill/>
-                </a:ln>
-                <a:solidFill>
-                  <a:srgbClr val="303336"/>
-                </a:solidFill>
-                <a:effectLst/>
-                <a:latin typeface="inherit"/>
-              </a:rPr>
-              <a:t> </a:t>
-            </a:r>
-          </a:p>
-          <a:p>
-            <a:pPr marL="0" marR="0" lvl="0" indent="0" algn="l" defTabSz="914400" rtl="0" eaLnBrk="0" fontAlgn="base" latinLnBrk="0" hangingPunct="0">
-              <a:lnSpc>
-                <a:spcPct val="100000"/>
-              </a:lnSpc>
-              <a:spcBef>
-                <a:spcPct val="0"/>
-              </a:spcBef>
-              <a:spcAft>
-                <a:spcPct val="0"/>
-              </a:spcAft>
-              <a:buClrTx/>
-              <a:buSzTx/>
-              <a:buFontTx/>
-              <a:buNone/>
-              <a:tabLst/>
-            </a:pPr>
-            <a:r>
-              <a:rPr kumimoji="0" lang="en-US" altLang="en-US" sz="1300" b="0" i="0" u="none" strike="noStrike" cap="none" normalizeH="0" baseline="0" dirty="0">
-                <a:ln>
-                  <a:noFill/>
-                </a:ln>
-                <a:solidFill>
-                  <a:srgbClr val="858C93"/>
-                </a:solidFill>
-                <a:effectLst/>
-                <a:latin typeface="inherit"/>
-              </a:rPr>
-              <a:t>-- customers</a:t>
-            </a:r>
-            <a:r>
-              <a:rPr kumimoji="0" lang="en-US" altLang="en-US" sz="1300" b="0" i="0" u="none" strike="noStrike" cap="none" normalizeH="0" baseline="0" dirty="0">
-                <a:ln>
-                  <a:noFill/>
-                </a:ln>
-                <a:solidFill>
-                  <a:srgbClr val="303336"/>
-                </a:solidFill>
-                <a:effectLst/>
-                <a:latin typeface="inherit"/>
-              </a:rPr>
-              <a:t> </a:t>
-            </a:r>
-          </a:p>
-          <a:p>
-            <a:pPr marL="0" marR="0" lvl="0" indent="0" algn="l" defTabSz="914400" rtl="0" eaLnBrk="0" fontAlgn="base" latinLnBrk="0" hangingPunct="0">
-              <a:lnSpc>
-                <a:spcPct val="100000"/>
-              </a:lnSpc>
-              <a:spcBef>
-                <a:spcPct val="0"/>
-              </a:spcBef>
-              <a:spcAft>
-                <a:spcPct val="0"/>
-              </a:spcAft>
-              <a:buClrTx/>
-              <a:buSzTx/>
-              <a:buFontTx/>
-              <a:buNone/>
-              <a:tabLst/>
-            </a:pPr>
-            <a:r>
-              <a:rPr kumimoji="0" lang="en-US" altLang="en-US" sz="1300" b="0" i="0" u="none" strike="noStrike" cap="none" normalizeH="0" baseline="0" dirty="0">
-                <a:ln>
-                  <a:noFill/>
-                </a:ln>
-                <a:solidFill>
-                  <a:srgbClr val="101094"/>
-                </a:solidFill>
-                <a:effectLst/>
-                <a:latin typeface="inherit"/>
-              </a:rPr>
-              <a:t>INNER</a:t>
-            </a:r>
-            <a:r>
-              <a:rPr kumimoji="0" lang="en-US" altLang="en-US" sz="1300" b="0" i="0" u="none" strike="noStrike" cap="none" normalizeH="0" baseline="0" dirty="0">
-                <a:ln>
-                  <a:noFill/>
-                </a:ln>
-                <a:solidFill>
-                  <a:srgbClr val="303336"/>
-                </a:solidFill>
-                <a:effectLst/>
-                <a:latin typeface="inherit"/>
-              </a:rPr>
-              <a:t> </a:t>
-            </a:r>
-            <a:r>
-              <a:rPr kumimoji="0" lang="en-US" altLang="en-US" sz="1300" b="0" i="0" u="none" strike="noStrike" cap="none" normalizeH="0" baseline="0" dirty="0">
-                <a:ln>
-                  <a:noFill/>
-                </a:ln>
-                <a:solidFill>
-                  <a:srgbClr val="101094"/>
-                </a:solidFill>
-                <a:effectLst/>
-                <a:latin typeface="inherit"/>
-              </a:rPr>
-              <a:t>JOIN</a:t>
-            </a:r>
-            <a:r>
-              <a:rPr kumimoji="0" lang="en-US" altLang="en-US" sz="1300" b="0" i="0" u="none" strike="noStrike" cap="none" normalizeH="0" baseline="0" dirty="0">
-                <a:ln>
-                  <a:noFill/>
-                </a:ln>
-                <a:solidFill>
-                  <a:srgbClr val="303336"/>
-                </a:solidFill>
-                <a:effectLst/>
-                <a:latin typeface="inherit"/>
-              </a:rPr>
-              <a:t> </a:t>
-            </a:r>
-            <a:r>
-              <a:rPr kumimoji="0" lang="en-US" altLang="en-US" sz="1300" b="0" i="0" u="none" strike="noStrike" cap="none" normalizeH="0" baseline="0" dirty="0" err="1">
-                <a:ln>
-                  <a:noFill/>
-                </a:ln>
-                <a:solidFill>
-                  <a:srgbClr val="303336"/>
-                </a:solidFill>
-                <a:effectLst/>
-                <a:latin typeface="inherit"/>
-              </a:rPr>
-              <a:t>Person.Person</a:t>
-            </a:r>
-            <a:r>
-              <a:rPr kumimoji="0" lang="en-US" altLang="en-US" sz="1300" b="0" i="0" u="none" strike="noStrike" cap="none" normalizeH="0" baseline="0" dirty="0">
-                <a:ln>
-                  <a:noFill/>
-                </a:ln>
-                <a:solidFill>
-                  <a:srgbClr val="303336"/>
-                </a:solidFill>
-                <a:effectLst/>
-                <a:latin typeface="inherit"/>
-              </a:rPr>
-              <a:t> </a:t>
-            </a:r>
-            <a:r>
-              <a:rPr kumimoji="0" lang="en-US" altLang="en-US" sz="1300" b="0" i="0" u="none" strike="noStrike" cap="none" normalizeH="0" baseline="0" dirty="0" err="1">
-                <a:ln>
-                  <a:noFill/>
-                </a:ln>
-                <a:solidFill>
-                  <a:srgbClr val="303336"/>
-                </a:solidFill>
-                <a:effectLst/>
-                <a:latin typeface="inherit"/>
-              </a:rPr>
-              <a:t>pers</a:t>
-            </a:r>
-            <a:r>
-              <a:rPr kumimoji="0" lang="en-US" altLang="en-US" sz="1300" b="0" i="0" u="none" strike="noStrike" cap="none" normalizeH="0" baseline="0" dirty="0">
-                <a:ln>
-                  <a:noFill/>
-                </a:ln>
-                <a:solidFill>
-                  <a:srgbClr val="303336"/>
-                </a:solidFill>
-                <a:effectLst/>
-                <a:latin typeface="inherit"/>
-              </a:rPr>
-              <a:t> </a:t>
-            </a:r>
-            <a:r>
-              <a:rPr kumimoji="0" lang="en-US" altLang="en-US" sz="1300" b="0" i="0" u="none" strike="noStrike" cap="none" normalizeH="0" baseline="0" dirty="0">
-                <a:ln>
-                  <a:noFill/>
-                </a:ln>
-                <a:solidFill>
-                  <a:srgbClr val="101094"/>
-                </a:solidFill>
-                <a:effectLst/>
-                <a:latin typeface="inherit"/>
-              </a:rPr>
-              <a:t>ON</a:t>
-            </a:r>
-            <a:r>
-              <a:rPr kumimoji="0" lang="en-US" altLang="en-US" sz="1300" b="0" i="0" u="none" strike="noStrike" cap="none" normalizeH="0" baseline="0" dirty="0">
-                <a:ln>
-                  <a:noFill/>
-                </a:ln>
-                <a:solidFill>
-                  <a:srgbClr val="303336"/>
-                </a:solidFill>
-                <a:effectLst/>
-                <a:latin typeface="inherit"/>
-              </a:rPr>
-              <a:t> </a:t>
-            </a:r>
-            <a:r>
-              <a:rPr kumimoji="0" lang="en-US" altLang="en-US" sz="1300" b="0" i="0" u="none" strike="noStrike" cap="none" normalizeH="0" baseline="0" dirty="0" err="1">
-                <a:ln>
-                  <a:noFill/>
-                </a:ln>
-                <a:solidFill>
-                  <a:srgbClr val="303336"/>
-                </a:solidFill>
-                <a:effectLst/>
-                <a:latin typeface="inherit"/>
-              </a:rPr>
-              <a:t>c.PersonID</a:t>
-            </a:r>
-            <a:r>
-              <a:rPr kumimoji="0" lang="en-US" altLang="en-US" sz="1300" b="0" i="0" u="none" strike="noStrike" cap="none" normalizeH="0" baseline="0" dirty="0">
-                <a:ln>
-                  <a:noFill/>
-                </a:ln>
-                <a:solidFill>
-                  <a:srgbClr val="303336"/>
-                </a:solidFill>
-                <a:effectLst/>
-                <a:latin typeface="inherit"/>
-              </a:rPr>
-              <a:t> = </a:t>
-            </a:r>
-            <a:r>
-              <a:rPr kumimoji="0" lang="en-US" altLang="en-US" sz="1300" b="0" i="0" u="none" strike="noStrike" cap="none" normalizeH="0" baseline="0" dirty="0" err="1">
-                <a:ln>
-                  <a:noFill/>
-                </a:ln>
-                <a:solidFill>
-                  <a:srgbClr val="303336"/>
-                </a:solidFill>
-                <a:effectLst/>
-                <a:latin typeface="inherit"/>
-              </a:rPr>
-              <a:t>pers.BusinessEntityID</a:t>
-            </a:r>
-            <a:r>
-              <a:rPr kumimoji="0" lang="en-US" altLang="en-US" sz="1300" b="0" i="0" u="none" strike="noStrike" cap="none" normalizeH="0" baseline="0" dirty="0">
-                <a:ln>
-                  <a:noFill/>
-                </a:ln>
-                <a:solidFill>
-                  <a:srgbClr val="303336"/>
-                </a:solidFill>
-                <a:effectLst/>
-                <a:latin typeface="inherit"/>
-              </a:rPr>
-              <a:t> </a:t>
-            </a:r>
-          </a:p>
-          <a:p>
-            <a:pPr marL="0" marR="0" lvl="0" indent="0" algn="l" defTabSz="914400" rtl="0" eaLnBrk="0" fontAlgn="base" latinLnBrk="0" hangingPunct="0">
-              <a:lnSpc>
-                <a:spcPct val="100000"/>
-              </a:lnSpc>
-              <a:spcBef>
-                <a:spcPct val="0"/>
-              </a:spcBef>
-              <a:spcAft>
-                <a:spcPct val="0"/>
-              </a:spcAft>
-              <a:buClrTx/>
-              <a:buSzTx/>
-              <a:buFontTx/>
-              <a:buNone/>
-              <a:tabLst/>
-            </a:pPr>
-            <a:r>
-              <a:rPr kumimoji="0" lang="en-US" altLang="en-US" sz="1300" b="0" i="0" u="none" strike="noStrike" cap="none" normalizeH="0" baseline="0" dirty="0">
-                <a:ln>
-                  <a:noFill/>
-                </a:ln>
-                <a:solidFill>
-                  <a:srgbClr val="858C93"/>
-                </a:solidFill>
-                <a:effectLst/>
-                <a:latin typeface="inherit"/>
-              </a:rPr>
-              <a:t>-- filter on bikes</a:t>
-            </a:r>
-            <a:r>
-              <a:rPr kumimoji="0" lang="en-US" altLang="en-US" sz="1300" b="0" i="0" u="none" strike="noStrike" cap="none" normalizeH="0" baseline="0" dirty="0">
-                <a:ln>
-                  <a:noFill/>
-                </a:ln>
-                <a:solidFill>
-                  <a:srgbClr val="303336"/>
-                </a:solidFill>
-                <a:effectLst/>
-                <a:latin typeface="inherit"/>
-              </a:rPr>
-              <a:t> </a:t>
-            </a:r>
-          </a:p>
-          <a:p>
-            <a:pPr marL="0" marR="0" lvl="0" indent="0" algn="l" defTabSz="914400" rtl="0" eaLnBrk="0" fontAlgn="base" latinLnBrk="0" hangingPunct="0">
-              <a:lnSpc>
-                <a:spcPct val="100000"/>
-              </a:lnSpc>
-              <a:spcBef>
-                <a:spcPct val="0"/>
-              </a:spcBef>
-              <a:spcAft>
-                <a:spcPct val="0"/>
-              </a:spcAft>
-              <a:buClrTx/>
-              <a:buSzTx/>
-              <a:buFontTx/>
-              <a:buNone/>
-              <a:tabLst/>
-            </a:pPr>
-            <a:r>
-              <a:rPr kumimoji="0" lang="en-US" altLang="en-US" sz="1300" b="0" i="0" u="none" strike="noStrike" cap="none" normalizeH="0" baseline="0" dirty="0">
-                <a:ln>
-                  <a:noFill/>
-                </a:ln>
-                <a:solidFill>
-                  <a:srgbClr val="101094"/>
-                </a:solidFill>
-                <a:effectLst/>
-                <a:latin typeface="inherit"/>
-              </a:rPr>
-              <a:t>WHERE</a:t>
-            </a:r>
-            <a:r>
-              <a:rPr kumimoji="0" lang="en-US" altLang="en-US" sz="1300" b="0" i="0" u="none" strike="noStrike" cap="none" normalizeH="0" baseline="0" dirty="0">
-                <a:ln>
-                  <a:noFill/>
-                </a:ln>
-                <a:solidFill>
-                  <a:srgbClr val="303336"/>
-                </a:solidFill>
-                <a:effectLst/>
-                <a:latin typeface="inherit"/>
-              </a:rPr>
-              <a:t> </a:t>
-            </a:r>
-            <a:r>
-              <a:rPr kumimoji="0" lang="en-US" altLang="en-US" sz="1300" b="0" i="0" u="none" strike="noStrike" cap="none" normalizeH="0" baseline="0" dirty="0" err="1">
-                <a:ln>
-                  <a:noFill/>
-                </a:ln>
-                <a:solidFill>
-                  <a:srgbClr val="303336"/>
-                </a:solidFill>
-                <a:effectLst/>
-                <a:latin typeface="inherit"/>
-              </a:rPr>
-              <a:t>pc.Name</a:t>
-            </a:r>
-            <a:r>
-              <a:rPr kumimoji="0" lang="en-US" altLang="en-US" sz="1300" b="0" i="0" u="none" strike="noStrike" cap="none" normalizeH="0" baseline="0" dirty="0">
-                <a:ln>
-                  <a:noFill/>
-                </a:ln>
-                <a:solidFill>
-                  <a:srgbClr val="303336"/>
-                </a:solidFill>
-                <a:effectLst/>
-                <a:latin typeface="inherit"/>
-              </a:rPr>
-              <a:t> = </a:t>
-            </a:r>
-            <a:r>
-              <a:rPr kumimoji="0" lang="en-US" altLang="en-US" sz="1300" b="0" i="0" u="none" strike="noStrike" cap="none" normalizeH="0" baseline="0" dirty="0">
-                <a:ln>
-                  <a:noFill/>
-                </a:ln>
-                <a:solidFill>
-                  <a:srgbClr val="7D2727"/>
-                </a:solidFill>
-                <a:effectLst/>
-                <a:latin typeface="inherit"/>
-              </a:rPr>
-              <a:t>'bikes'</a:t>
-            </a:r>
-            <a:r>
-              <a:rPr kumimoji="0" lang="en-US" altLang="en-US" sz="1300" b="0" i="0" u="none" strike="noStrike" cap="none" normalizeH="0" baseline="0" dirty="0">
-                <a:ln>
-                  <a:noFill/>
-                </a:ln>
-                <a:solidFill>
-                  <a:srgbClr val="303336"/>
-                </a:solidFill>
-                <a:effectLst/>
-                <a:latin typeface="inherit"/>
-              </a:rPr>
-              <a:t> </a:t>
-            </a:r>
-          </a:p>
-          <a:p>
-            <a:pPr marL="0" marR="0" lvl="0" indent="0" algn="l" defTabSz="914400" rtl="0" eaLnBrk="0" fontAlgn="base" latinLnBrk="0" hangingPunct="0">
-              <a:lnSpc>
-                <a:spcPct val="100000"/>
-              </a:lnSpc>
-              <a:spcBef>
-                <a:spcPct val="0"/>
-              </a:spcBef>
-              <a:spcAft>
-                <a:spcPct val="0"/>
-              </a:spcAft>
-              <a:buClrTx/>
-              <a:buSzTx/>
-              <a:buFontTx/>
-              <a:buNone/>
-              <a:tabLst/>
-            </a:pPr>
-            <a:r>
-              <a:rPr kumimoji="0" lang="en-US" altLang="en-US" sz="1300" b="0" i="0" u="none" strike="noStrike" cap="none" normalizeH="0" baseline="0" dirty="0">
-                <a:ln>
-                  <a:noFill/>
-                </a:ln>
-                <a:solidFill>
-                  <a:srgbClr val="858C93"/>
-                </a:solidFill>
-                <a:effectLst/>
-                <a:latin typeface="inherit"/>
-              </a:rPr>
-              <a:t>-- but the customers table doesn't contain the concatenated name</a:t>
-            </a:r>
-            <a:r>
-              <a:rPr kumimoji="0" lang="en-US" altLang="en-US" sz="1300" b="0" i="0" u="none" strike="noStrike" cap="none" normalizeH="0" baseline="0" dirty="0">
-                <a:ln>
-                  <a:noFill/>
-                </a:ln>
-                <a:solidFill>
-                  <a:srgbClr val="303336"/>
-                </a:solidFill>
-                <a:effectLst/>
-                <a:latin typeface="inherit"/>
-              </a:rPr>
-              <a:t> </a:t>
-            </a:r>
-          </a:p>
-          <a:p>
-            <a:pPr marL="0" marR="0" lvl="0" indent="0" algn="l" defTabSz="914400" rtl="0" eaLnBrk="0" fontAlgn="base" latinLnBrk="0" hangingPunct="0">
-              <a:lnSpc>
-                <a:spcPct val="100000"/>
-              </a:lnSpc>
-              <a:spcBef>
-                <a:spcPct val="0"/>
-              </a:spcBef>
-              <a:spcAft>
-                <a:spcPct val="0"/>
-              </a:spcAft>
-              <a:buClrTx/>
-              <a:buSzTx/>
-              <a:buFontTx/>
-              <a:buNone/>
-              <a:tabLst/>
-            </a:pPr>
-            <a:r>
-              <a:rPr kumimoji="0" lang="en-US" altLang="en-US" sz="1300" b="0" i="0" u="none" strike="noStrike" cap="none" normalizeH="0" baseline="0" dirty="0">
-                <a:ln>
-                  <a:noFill/>
-                </a:ln>
-                <a:solidFill>
-                  <a:srgbClr val="101094"/>
-                </a:solidFill>
-                <a:effectLst/>
-                <a:latin typeface="inherit"/>
-              </a:rPr>
-              <a:t>GROUP</a:t>
-            </a:r>
-            <a:r>
-              <a:rPr kumimoji="0" lang="en-US" altLang="en-US" sz="1300" b="0" i="0" u="none" strike="noStrike" cap="none" normalizeH="0" baseline="0" dirty="0">
-                <a:ln>
-                  <a:noFill/>
-                </a:ln>
-                <a:solidFill>
-                  <a:srgbClr val="303336"/>
-                </a:solidFill>
-                <a:effectLst/>
-                <a:latin typeface="inherit"/>
-              </a:rPr>
-              <a:t> </a:t>
-            </a:r>
-            <a:r>
-              <a:rPr kumimoji="0" lang="en-US" altLang="en-US" sz="1300" b="0" i="0" u="none" strike="noStrike" cap="none" normalizeH="0" baseline="0" dirty="0">
-                <a:ln>
-                  <a:noFill/>
-                </a:ln>
-                <a:solidFill>
-                  <a:srgbClr val="101094"/>
-                </a:solidFill>
-                <a:effectLst/>
-                <a:latin typeface="inherit"/>
-              </a:rPr>
-              <a:t>BY</a:t>
-            </a:r>
-            <a:r>
-              <a:rPr kumimoji="0" lang="en-US" altLang="en-US" sz="1300" b="0" i="0" u="none" strike="noStrike" cap="none" normalizeH="0" baseline="0" dirty="0">
-                <a:ln>
-                  <a:noFill/>
-                </a:ln>
-                <a:solidFill>
-                  <a:srgbClr val="303336"/>
-                </a:solidFill>
-                <a:effectLst/>
-                <a:latin typeface="inherit"/>
-              </a:rPr>
-              <a:t> </a:t>
-            </a:r>
-            <a:r>
-              <a:rPr kumimoji="0" lang="en-US" altLang="en-US" sz="1300" b="0" i="0" u="none" strike="noStrike" cap="none" normalizeH="0" baseline="0" dirty="0" err="1">
-                <a:ln>
-                  <a:noFill/>
-                </a:ln>
-                <a:solidFill>
-                  <a:srgbClr val="303336"/>
-                </a:solidFill>
-                <a:effectLst/>
-                <a:latin typeface="inherit"/>
-              </a:rPr>
-              <a:t>pers.FirstName</a:t>
-            </a:r>
-            <a:r>
-              <a:rPr kumimoji="0" lang="en-US" altLang="en-US" sz="1300" b="0" i="0" u="none" strike="noStrike" cap="none" normalizeH="0" baseline="0" dirty="0">
-                <a:ln>
-                  <a:noFill/>
-                </a:ln>
-                <a:solidFill>
-                  <a:srgbClr val="303336"/>
-                </a:solidFill>
-                <a:effectLst/>
-                <a:latin typeface="inherit"/>
-              </a:rPr>
-              <a:t> + </a:t>
-            </a:r>
-            <a:r>
-              <a:rPr kumimoji="0" lang="en-US" altLang="en-US" sz="1300" b="0" i="0" u="none" strike="noStrike" cap="none" normalizeH="0" baseline="0" dirty="0">
-                <a:ln>
-                  <a:noFill/>
-                </a:ln>
-                <a:solidFill>
-                  <a:srgbClr val="7D2727"/>
-                </a:solidFill>
-                <a:effectLst/>
-                <a:latin typeface="inherit"/>
-              </a:rPr>
-              <a:t>' '</a:t>
-            </a:r>
-            <a:r>
-              <a:rPr kumimoji="0" lang="en-US" altLang="en-US" sz="1300" b="0" i="0" u="none" strike="noStrike" cap="none" normalizeH="0" baseline="0" dirty="0">
-                <a:ln>
-                  <a:noFill/>
-                </a:ln>
-                <a:solidFill>
-                  <a:srgbClr val="303336"/>
-                </a:solidFill>
-                <a:effectLst/>
-                <a:latin typeface="inherit"/>
-              </a:rPr>
-              <a:t> + </a:t>
-            </a:r>
-            <a:r>
-              <a:rPr kumimoji="0" lang="en-US" altLang="en-US" sz="1300" b="0" i="0" u="none" strike="noStrike" cap="none" normalizeH="0" baseline="0" dirty="0" err="1">
-                <a:ln>
-                  <a:noFill/>
-                </a:ln>
-                <a:solidFill>
-                  <a:srgbClr val="303336"/>
-                </a:solidFill>
-                <a:effectLst/>
-                <a:latin typeface="inherit"/>
-              </a:rPr>
-              <a:t>pers.LastName</a:t>
-            </a:r>
-            <a:r>
-              <a:rPr kumimoji="0" lang="en-US" altLang="en-US" sz="1300" b="0" i="0" u="none" strike="noStrike" cap="none" normalizeH="0" baseline="0" dirty="0">
-                <a:ln>
-                  <a:noFill/>
-                </a:ln>
-                <a:solidFill>
-                  <a:srgbClr val="303336"/>
-                </a:solidFill>
-                <a:effectLst/>
-                <a:latin typeface="inherit"/>
-              </a:rPr>
-              <a:t>;</a:t>
-            </a:r>
-            <a:r>
-              <a:rPr kumimoji="0" lang="en-US" altLang="en-US" sz="1300" b="0" i="0" u="none" strike="noStrike" cap="none" normalizeH="0" baseline="0" dirty="0">
-                <a:ln>
-                  <a:noFill/>
-                </a:ln>
-                <a:solidFill>
-                  <a:schemeClr val="tx1"/>
-                </a:solidFill>
-                <a:effectLst/>
-              </a:rPr>
-              <a:t> </a:t>
-            </a:r>
-            <a:endParaRPr kumimoji="0" lang="en-US" altLang="en-US" sz="1300" b="0" i="0" u="none" strike="noStrike" cap="none" normalizeH="0" baseline="0" dirty="0">
-              <a:ln>
-                <a:noFill/>
-              </a:ln>
-              <a:solidFill>
-                <a:schemeClr val="tx1"/>
-              </a:solidFill>
-              <a:effectLst/>
-              <a:latin typeface="Arial" panose="020B0604020202020204" pitchFamily="34" charset="0"/>
-            </a:endParaRPr>
-          </a:p>
-        </p:txBody>
-      </p:sp>
-      <p:sp>
-        <p:nvSpPr>
-          <p:cNvPr id="8" name="Rectangle 3"/>
-          <p:cNvSpPr>
-            <a:spLocks noChangeArrowheads="1"/>
-          </p:cNvSpPr>
-          <p:nvPr/>
-        </p:nvSpPr>
-        <p:spPr bwMode="auto">
-          <a:xfrm>
-            <a:off x="609600" y="5334000"/>
-            <a:ext cx="6712009" cy="800219"/>
-          </a:xfrm>
-          <a:prstGeom prst="rect">
-            <a:avLst/>
-          </a:prstGeom>
-          <a:solidFill>
-            <a:srgbClr val="EFF0F1"/>
-          </a:solidFill>
-          <a:ln>
-            <a:noFill/>
-          </a:ln>
-          <a:effectLst/>
-          <a:extLst>
-            <a:ext uri="{91240B29-F687-4F45-9708-019B960494DF}">
-              <a14:hiddenLine xmlns:a14="http://schemas.microsoft.com/office/drawing/2010/main" w="9525">
-                <a:solidFill>
-                  <a:schemeClr val="tx1"/>
-                </a:solidFill>
-                <a:miter lim="800000"/>
-                <a:headEnd/>
-                <a:tailEnd/>
-              </a14:hiddenLine>
-            </a:ext>
-            <a:ext uri="{AF507438-7753-43E0-B8FC-AC1667EBCBE1}">
-              <a14:hiddenEffects xmlns:a14="http://schemas.microsoft.com/office/drawing/2010/main">
-                <a:effectLst>
-                  <a:outerShdw dist="35921" dir="2700000" algn="ctr" rotWithShape="0">
-                    <a:schemeClr val="bg2"/>
-                  </a:outerShdw>
-                </a:effectLst>
-              </a14:hiddenEffects>
-            </a:ext>
-          </a:extLst>
-        </p:spPr>
-        <p:txBody>
-          <a:bodyPr vert="horz" wrap="square" lIns="0" tIns="0" rIns="0" bIns="0" numCol="1" anchor="ctr" anchorCtr="0" compatLnSpc="1">
-            <a:prstTxWarp prst="textNoShape">
-              <a:avLst/>
-            </a:prstTxWarp>
-            <a:spAutoFit/>
-          </a:bodyPr>
-          <a:lstStyle/>
-          <a:p>
-            <a:pPr marL="0" marR="0" lvl="0" indent="0" algn="l" defTabSz="914400" rtl="0" eaLnBrk="0" fontAlgn="base" latinLnBrk="0" hangingPunct="0">
-              <a:lnSpc>
-                <a:spcPct val="100000"/>
-              </a:lnSpc>
-              <a:spcBef>
-                <a:spcPct val="0"/>
-              </a:spcBef>
-              <a:spcAft>
-                <a:spcPct val="0"/>
-              </a:spcAft>
-              <a:buClrTx/>
-              <a:buSzTx/>
-              <a:buFontTx/>
-              <a:buNone/>
-              <a:tabLst/>
-            </a:pPr>
-            <a:r>
-              <a:rPr kumimoji="0" lang="en-US" altLang="en-US" sz="1300" b="0" i="0" u="none" strike="noStrike" cap="none" normalizeH="0" baseline="0" dirty="0">
-                <a:ln>
-                  <a:noFill/>
-                </a:ln>
-                <a:solidFill>
-                  <a:srgbClr val="101094"/>
-                </a:solidFill>
-                <a:effectLst/>
-                <a:latin typeface="inherit"/>
-              </a:rPr>
-              <a:t>SELECT</a:t>
-            </a:r>
-            <a:r>
-              <a:rPr kumimoji="0" lang="en-US" altLang="en-US" sz="1300" b="0" i="0" u="none" strike="noStrike" cap="none" normalizeH="0" baseline="0" dirty="0">
-                <a:ln>
-                  <a:noFill/>
-                </a:ln>
-                <a:solidFill>
-                  <a:srgbClr val="303336"/>
-                </a:solidFill>
-                <a:effectLst/>
-                <a:latin typeface="inherit"/>
-              </a:rPr>
-              <a:t> [Measures].[Internet </a:t>
-            </a:r>
-            <a:r>
-              <a:rPr kumimoji="0" lang="en-US" altLang="en-US" sz="1300" b="0" i="0" u="none" strike="noStrike" cap="none" normalizeH="0" baseline="0" dirty="0">
-                <a:ln>
-                  <a:noFill/>
-                </a:ln>
-                <a:solidFill>
-                  <a:srgbClr val="101094"/>
-                </a:solidFill>
-                <a:effectLst/>
-                <a:latin typeface="inherit"/>
-              </a:rPr>
-              <a:t>Order</a:t>
-            </a:r>
-            <a:r>
-              <a:rPr kumimoji="0" lang="en-US" altLang="en-US" sz="1300" b="0" i="0" u="none" strike="noStrike" cap="none" normalizeH="0" baseline="0" dirty="0">
-                <a:ln>
-                  <a:noFill/>
-                </a:ln>
-                <a:solidFill>
-                  <a:srgbClr val="303336"/>
-                </a:solidFill>
-                <a:effectLst/>
-                <a:latin typeface="inherit"/>
-              </a:rPr>
-              <a:t> Count] </a:t>
-            </a:r>
-            <a:r>
-              <a:rPr kumimoji="0" lang="en-US" altLang="en-US" sz="1300" b="0" i="0" u="none" strike="noStrike" cap="none" normalizeH="0" baseline="0" dirty="0">
-                <a:ln>
-                  <a:noFill/>
-                </a:ln>
-                <a:solidFill>
-                  <a:srgbClr val="101094"/>
-                </a:solidFill>
-                <a:effectLst/>
-                <a:latin typeface="inherit"/>
-              </a:rPr>
-              <a:t>ON</a:t>
-            </a:r>
-            <a:r>
-              <a:rPr kumimoji="0" lang="en-US" altLang="en-US" sz="1300" b="0" i="0" u="none" strike="noStrike" cap="none" normalizeH="0" baseline="0" dirty="0">
-                <a:ln>
-                  <a:noFill/>
-                </a:ln>
-                <a:solidFill>
-                  <a:srgbClr val="303336"/>
-                </a:solidFill>
-                <a:effectLst/>
-                <a:latin typeface="inherit"/>
-              </a:rPr>
-              <a:t> COLUMNS, </a:t>
-            </a:r>
-          </a:p>
-          <a:p>
-            <a:pPr marL="0" marR="0" lvl="0" indent="0" algn="l" defTabSz="914400" rtl="0" eaLnBrk="0" fontAlgn="base" latinLnBrk="0" hangingPunct="0">
-              <a:lnSpc>
-                <a:spcPct val="100000"/>
-              </a:lnSpc>
-              <a:spcBef>
-                <a:spcPct val="0"/>
-              </a:spcBef>
-              <a:spcAft>
-                <a:spcPct val="0"/>
-              </a:spcAft>
-              <a:buClrTx/>
-              <a:buSzTx/>
-              <a:buFontTx/>
-              <a:buNone/>
-              <a:tabLst/>
-            </a:pPr>
-            <a:r>
-              <a:rPr kumimoji="0" lang="en-US" altLang="en-US" sz="1300" b="0" i="0" u="none" strike="noStrike" cap="none" normalizeH="0" baseline="0" dirty="0">
-                <a:ln>
-                  <a:noFill/>
-                </a:ln>
-                <a:solidFill>
-                  <a:srgbClr val="303336"/>
-                </a:solidFill>
-                <a:effectLst/>
-                <a:latin typeface="inherit"/>
-              </a:rPr>
-              <a:t>[Customer].[Customer].Members </a:t>
-            </a:r>
-            <a:r>
-              <a:rPr kumimoji="0" lang="en-US" altLang="en-US" sz="1300" b="0" i="0" u="none" strike="noStrike" cap="none" normalizeH="0" baseline="0" dirty="0">
-                <a:ln>
-                  <a:noFill/>
-                </a:ln>
-                <a:solidFill>
-                  <a:srgbClr val="101094"/>
-                </a:solidFill>
-                <a:effectLst/>
-                <a:latin typeface="inherit"/>
-              </a:rPr>
-              <a:t>ON</a:t>
-            </a:r>
-            <a:r>
-              <a:rPr kumimoji="0" lang="en-US" altLang="en-US" sz="1300" b="0" i="0" u="none" strike="noStrike" cap="none" normalizeH="0" baseline="0" dirty="0">
-                <a:ln>
-                  <a:noFill/>
-                </a:ln>
-                <a:solidFill>
-                  <a:srgbClr val="303336"/>
-                </a:solidFill>
-                <a:effectLst/>
-                <a:latin typeface="inherit"/>
-              </a:rPr>
-              <a:t> </a:t>
-            </a:r>
-            <a:r>
-              <a:rPr kumimoji="0" lang="en-US" altLang="en-US" sz="1300" b="0" i="0" u="none" strike="noStrike" cap="none" normalizeH="0" baseline="0" dirty="0">
-                <a:ln>
-                  <a:noFill/>
-                </a:ln>
-                <a:solidFill>
-                  <a:srgbClr val="101094"/>
-                </a:solidFill>
-                <a:effectLst/>
-                <a:latin typeface="inherit"/>
-              </a:rPr>
-              <a:t>ROWS</a:t>
-            </a:r>
-            <a:r>
-              <a:rPr kumimoji="0" lang="en-US" altLang="en-US" sz="1300" b="0" i="0" u="none" strike="noStrike" cap="none" normalizeH="0" baseline="0" dirty="0">
-                <a:ln>
-                  <a:noFill/>
-                </a:ln>
-                <a:solidFill>
-                  <a:srgbClr val="303336"/>
-                </a:solidFill>
-                <a:effectLst/>
-                <a:latin typeface="inherit"/>
-              </a:rPr>
-              <a:t> </a:t>
-            </a:r>
-          </a:p>
-          <a:p>
-            <a:pPr marL="0" marR="0" lvl="0" indent="0" algn="l" defTabSz="914400" rtl="0" eaLnBrk="0" fontAlgn="base" latinLnBrk="0" hangingPunct="0">
-              <a:lnSpc>
-                <a:spcPct val="100000"/>
-              </a:lnSpc>
-              <a:spcBef>
-                <a:spcPct val="0"/>
-              </a:spcBef>
-              <a:spcAft>
-                <a:spcPct val="0"/>
-              </a:spcAft>
-              <a:buClrTx/>
-              <a:buSzTx/>
-              <a:buFontTx/>
-              <a:buNone/>
-              <a:tabLst/>
-            </a:pPr>
-            <a:r>
-              <a:rPr kumimoji="0" lang="en-US" altLang="en-US" sz="1300" b="0" i="0" u="none" strike="noStrike" cap="none" normalizeH="0" baseline="0" dirty="0">
-                <a:ln>
-                  <a:noFill/>
-                </a:ln>
-                <a:solidFill>
-                  <a:srgbClr val="101094"/>
-                </a:solidFill>
-                <a:effectLst/>
-                <a:latin typeface="inherit"/>
-              </a:rPr>
-              <a:t>FROM</a:t>
-            </a:r>
-            <a:r>
-              <a:rPr kumimoji="0" lang="en-US" altLang="en-US" sz="1300" b="0" i="0" u="none" strike="noStrike" cap="none" normalizeH="0" baseline="0" dirty="0">
-                <a:ln>
-                  <a:noFill/>
-                </a:ln>
-                <a:solidFill>
-                  <a:srgbClr val="303336"/>
-                </a:solidFill>
-                <a:effectLst/>
-                <a:latin typeface="inherit"/>
-              </a:rPr>
-              <a:t> [Adventure Works] </a:t>
-            </a:r>
-          </a:p>
-          <a:p>
-            <a:pPr marL="0" marR="0" lvl="0" indent="0" algn="l" defTabSz="914400" rtl="0" eaLnBrk="0" fontAlgn="base" latinLnBrk="0" hangingPunct="0">
-              <a:lnSpc>
-                <a:spcPct val="100000"/>
-              </a:lnSpc>
-              <a:spcBef>
-                <a:spcPct val="0"/>
-              </a:spcBef>
-              <a:spcAft>
-                <a:spcPct val="0"/>
-              </a:spcAft>
-              <a:buClrTx/>
-              <a:buSzTx/>
-              <a:buFontTx/>
-              <a:buNone/>
-              <a:tabLst/>
-            </a:pPr>
-            <a:r>
-              <a:rPr kumimoji="0" lang="en-US" altLang="en-US" sz="1300" b="0" i="0" u="none" strike="noStrike" cap="none" normalizeH="0" baseline="0" dirty="0">
-                <a:ln>
-                  <a:noFill/>
-                </a:ln>
-                <a:solidFill>
-                  <a:srgbClr val="101094"/>
-                </a:solidFill>
-                <a:effectLst/>
-                <a:latin typeface="inherit"/>
-              </a:rPr>
-              <a:t>WHERE</a:t>
-            </a:r>
-            <a:r>
-              <a:rPr kumimoji="0" lang="en-US" altLang="en-US" sz="1300" b="0" i="0" u="none" strike="noStrike" cap="none" normalizeH="0" baseline="0" dirty="0">
-                <a:ln>
-                  <a:noFill/>
-                </a:ln>
-                <a:solidFill>
-                  <a:srgbClr val="303336"/>
-                </a:solidFill>
-                <a:effectLst/>
-                <a:latin typeface="inherit"/>
-              </a:rPr>
-              <a:t> [Product].[Product Categories].[Category].[Bikes]</a:t>
-            </a:r>
-            <a:r>
-              <a:rPr kumimoji="0" lang="en-US" altLang="en-US" sz="1300" b="0" i="0" u="none" strike="noStrike" cap="none" normalizeH="0" baseline="0" dirty="0">
-                <a:ln>
-                  <a:noFill/>
-                </a:ln>
-                <a:solidFill>
-                  <a:schemeClr val="tx1"/>
-                </a:solidFill>
-                <a:effectLst/>
-              </a:rPr>
-              <a:t> </a:t>
-            </a:r>
-            <a:endParaRPr kumimoji="0" lang="en-US" altLang="en-US" sz="1300" b="0" i="0" u="none" strike="noStrike" cap="none" normalizeH="0" baseline="0" dirty="0">
-              <a:ln>
-                <a:noFill/>
-              </a:ln>
-              <a:solidFill>
-                <a:schemeClr val="tx1"/>
-              </a:solidFill>
-              <a:effectLst/>
-              <a:latin typeface="Arial" panose="020B0604020202020204" pitchFamily="34" charset="0"/>
-            </a:endParaRPr>
-          </a:p>
-        </p:txBody>
-      </p:sp>
-      <p:sp>
-        <p:nvSpPr>
-          <p:cNvPr id="9" name="Title 1"/>
-          <p:cNvSpPr txBox="1">
-            <a:spLocks/>
-          </p:cNvSpPr>
-          <p:nvPr/>
-        </p:nvSpPr>
-        <p:spPr>
-          <a:xfrm>
-            <a:off x="228600" y="4572000"/>
-            <a:ext cx="8229600" cy="563562"/>
-          </a:xfrm>
-          <a:prstGeom prst="rect">
-            <a:avLst/>
-          </a:prstGeom>
-        </p:spPr>
-        <p:txBody>
-          <a:bodyPr vert="horz" lIns="91440" tIns="45720" rIns="91440" bIns="45720" rtlCol="0" anchor="ctr">
-            <a:normAutofit/>
-          </a:bodyPr>
-          <a:lstStyle>
-            <a:lvl1pPr algn="ctr" defTabSz="914400" rtl="0" eaLnBrk="1" latinLnBrk="0" hangingPunct="1">
-              <a:spcBef>
-                <a:spcPct val="0"/>
-              </a:spcBef>
-              <a:buNone/>
-              <a:defRPr sz="4400" kern="1200">
-                <a:solidFill>
-                  <a:schemeClr val="tx1"/>
-                </a:solidFill>
-                <a:latin typeface="+mj-lt"/>
-                <a:ea typeface="+mj-ea"/>
-                <a:cs typeface="+mj-cs"/>
-              </a:defRPr>
-            </a:lvl1pPr>
-          </a:lstStyle>
-          <a:p>
-            <a:r>
-              <a:rPr lang="en-US" sz="2400" dirty="0"/>
-              <a:t>If the data was in a BI Cube DB</a:t>
+              <a:rPr lang="en-US" sz="1800" dirty="0">
+                <a:solidFill>
+                  <a:srgbClr val="0070C0"/>
+                </a:solidFill>
+              </a:rPr>
+              <a:t>(I don’t think you can have measures on both row and column, just one or the other)</a:t>
             </a:r>
           </a:p>
         </p:txBody>
@@ -8104,7 +5837,7 @@
     </p:spTree>
     <p:extLst>
       <p:ext uri="{BB962C8B-B14F-4D97-AF65-F5344CB8AC3E}">
-        <p14:creationId xmlns:p14="http://schemas.microsoft.com/office/powerpoint/2010/main" val="726368655"/>
+        <p14:creationId xmlns:p14="http://schemas.microsoft.com/office/powerpoint/2010/main" val="4190563923"/>
       </p:ext>
     </p:extLst>
   </p:cSld>
@@ -8242,39 +5975,6 @@
           </a:p>
         </p:txBody>
       </p:sp>
-      <p:sp>
-        <p:nvSpPr>
-          <p:cNvPr id="4" name="TextBox 3"/>
-          <p:cNvSpPr txBox="1"/>
-          <p:nvPr/>
-        </p:nvSpPr>
-        <p:spPr>
-          <a:xfrm rot="2504387">
-            <a:off x="8284385" y="157793"/>
-            <a:ext cx="843757" cy="369332"/>
-          </a:xfrm>
-          <a:prstGeom prst="rect">
-            <a:avLst/>
-          </a:prstGeom>
-          <a:noFill/>
-        </p:spPr>
-        <p:txBody>
-          <a:bodyPr wrap="none" rtlCol="0">
-            <a:spAutoFit/>
-          </a:bodyPr>
-          <a:lstStyle/>
-          <a:p>
-            <a:r>
-              <a:rPr lang="en-US" dirty="0">
-                <a:solidFill>
-                  <a:srgbClr val="FF0000"/>
-                </a:solidFill>
-              </a:rPr>
-              <a:t>Repeat</a:t>
-            </a:r>
-          </a:p>
-        </p:txBody>
-      </p:sp>
     </p:spTree>
     <p:extLst>
       <p:ext uri="{BB962C8B-B14F-4D97-AF65-F5344CB8AC3E}">
@@ -8289,6 +5989,2549 @@
 </file>
 
 <file path=ppt/slides/slide20.xml><?xml version="1.0" encoding="utf-8"?>
+<p:sld xmlns:a="http://schemas.openxmlformats.org/drawingml/2006/main" xmlns:r="http://schemas.openxmlformats.org/officeDocument/2006/relationships" xmlns:p="http://schemas.openxmlformats.org/presentationml/2006/main">
+  <p:cSld>
+    <p:spTree>
+      <p:nvGrpSpPr>
+        <p:cNvPr id="1" name=""/>
+        <p:cNvGrpSpPr/>
+        <p:nvPr/>
+      </p:nvGrpSpPr>
+      <p:grpSpPr>
+        <a:xfrm>
+          <a:off x="0" y="0"/>
+          <a:ext cx="0" cy="0"/>
+          <a:chOff x="0" y="0"/>
+          <a:chExt cx="0" cy="0"/>
+        </a:xfrm>
+      </p:grpSpPr>
+      <p:sp>
+        <p:nvSpPr>
+          <p:cNvPr id="2" name="Title 1"/>
+          <p:cNvSpPr>
+            <a:spLocks noGrp="1"/>
+          </p:cNvSpPr>
+          <p:nvPr>
+            <p:ph type="title"/>
+          </p:nvPr>
+        </p:nvSpPr>
+        <p:spPr>
+          <a:xfrm>
+            <a:off x="457200" y="152400"/>
+            <a:ext cx="8229600" cy="563562"/>
+          </a:xfrm>
+        </p:spPr>
+        <p:txBody>
+          <a:bodyPr>
+            <a:normAutofit/>
+          </a:bodyPr>
+          <a:lstStyle/>
+          <a:p>
+            <a:r>
+              <a:rPr lang="en-US" sz="2400" dirty="0"/>
+              <a:t>If the data was in a SQL Relational DB</a:t>
+            </a:r>
+          </a:p>
+        </p:txBody>
+      </p:sp>
+      <p:sp>
+        <p:nvSpPr>
+          <p:cNvPr id="4" name="Rectangle 1"/>
+          <p:cNvSpPr>
+            <a:spLocks noGrp="1" noChangeArrowheads="1"/>
+          </p:cNvSpPr>
+          <p:nvPr>
+            <p:ph idx="1"/>
+          </p:nvPr>
+        </p:nvSpPr>
+        <p:spPr bwMode="auto">
+          <a:xfrm>
+            <a:off x="609600" y="692006"/>
+            <a:ext cx="7924800" cy="3801041"/>
+          </a:xfrm>
+          <a:prstGeom prst="rect">
+            <a:avLst/>
+          </a:prstGeom>
+          <a:solidFill>
+            <a:srgbClr val="EFF0F1"/>
+          </a:solidFill>
+          <a:ln>
+            <a:noFill/>
+          </a:ln>
+          <a:effectLst/>
+          <a:extLst>
+            <a:ext uri="{91240B29-F687-4F45-9708-019B960494DF}">
+              <a14:hiddenLine xmlns:a14="http://schemas.microsoft.com/office/drawing/2010/main" w="9525">
+                <a:solidFill>
+                  <a:schemeClr val="tx1"/>
+                </a:solidFill>
+                <a:miter lim="800000"/>
+                <a:headEnd/>
+                <a:tailEnd/>
+              </a14:hiddenLine>
+            </a:ext>
+            <a:ext uri="{AF507438-7753-43E0-B8FC-AC1667EBCBE1}">
+              <a14:hiddenEffects xmlns:a14="http://schemas.microsoft.com/office/drawing/2010/main">
+                <a:effectLst>
+                  <a:outerShdw dist="35921" dir="2700000" algn="ctr" rotWithShape="0">
+                    <a:schemeClr val="bg2"/>
+                  </a:outerShdw>
+                </a:effectLst>
+              </a14:hiddenEffects>
+            </a:ext>
+          </a:extLst>
+        </p:spPr>
+        <p:txBody>
+          <a:bodyPr vert="horz" wrap="square" lIns="0" tIns="0" rIns="0" bIns="0" numCol="1" anchor="ctr" anchorCtr="0" compatLnSpc="1">
+            <a:prstTxWarp prst="textNoShape">
+              <a:avLst/>
+            </a:prstTxWarp>
+            <a:spAutoFit/>
+          </a:bodyPr>
+          <a:lstStyle/>
+          <a:p>
+            <a:pPr marL="0" marR="0" lvl="0" indent="0" algn="l" defTabSz="914400" rtl="0" eaLnBrk="0" fontAlgn="base" latinLnBrk="0" hangingPunct="0">
+              <a:lnSpc>
+                <a:spcPct val="100000"/>
+              </a:lnSpc>
+              <a:spcBef>
+                <a:spcPct val="0"/>
+              </a:spcBef>
+              <a:spcAft>
+                <a:spcPct val="0"/>
+              </a:spcAft>
+              <a:buClrTx/>
+              <a:buSzTx/>
+              <a:buFontTx/>
+              <a:buNone/>
+              <a:tabLst/>
+            </a:pPr>
+            <a:r>
+              <a:rPr kumimoji="0" lang="en-US" altLang="en-US" sz="1300" b="0" i="0" u="none" strike="noStrike" cap="none" normalizeH="0" baseline="0" dirty="0">
+                <a:ln>
+                  <a:noFill/>
+                </a:ln>
+                <a:solidFill>
+                  <a:srgbClr val="858C93"/>
+                </a:solidFill>
+                <a:effectLst/>
+                <a:latin typeface="inherit"/>
+              </a:rPr>
+              <a:t>-- need distinct count, we're counting orders, not order lines</a:t>
+            </a:r>
+            <a:r>
+              <a:rPr kumimoji="0" lang="en-US" altLang="en-US" sz="1300" b="0" i="0" u="none" strike="noStrike" cap="none" normalizeH="0" baseline="0" dirty="0">
+                <a:ln>
+                  <a:noFill/>
+                </a:ln>
+                <a:solidFill>
+                  <a:srgbClr val="303336"/>
+                </a:solidFill>
+                <a:effectLst/>
+                <a:latin typeface="inherit"/>
+              </a:rPr>
+              <a:t> </a:t>
+            </a:r>
+          </a:p>
+          <a:p>
+            <a:pPr marL="0" marR="0" lvl="0" indent="0" algn="l" defTabSz="914400" rtl="0" eaLnBrk="0" fontAlgn="base" latinLnBrk="0" hangingPunct="0">
+              <a:lnSpc>
+                <a:spcPct val="100000"/>
+              </a:lnSpc>
+              <a:spcBef>
+                <a:spcPct val="0"/>
+              </a:spcBef>
+              <a:spcAft>
+                <a:spcPct val="0"/>
+              </a:spcAft>
+              <a:buClrTx/>
+              <a:buSzTx/>
+              <a:buFontTx/>
+              <a:buNone/>
+              <a:tabLst/>
+            </a:pPr>
+            <a:r>
+              <a:rPr kumimoji="0" lang="en-US" altLang="en-US" sz="1300" b="0" i="0" u="none" strike="noStrike" cap="none" normalizeH="0" baseline="0" dirty="0">
+                <a:ln>
+                  <a:noFill/>
+                </a:ln>
+                <a:solidFill>
+                  <a:srgbClr val="101094"/>
+                </a:solidFill>
+                <a:effectLst/>
+                <a:latin typeface="inherit"/>
+              </a:rPr>
+              <a:t>SELECT</a:t>
+            </a:r>
+            <a:r>
+              <a:rPr kumimoji="0" lang="en-US" altLang="en-US" sz="1300" b="0" i="0" u="none" strike="noStrike" cap="none" normalizeH="0" baseline="0" dirty="0">
+                <a:ln>
+                  <a:noFill/>
+                </a:ln>
+                <a:solidFill>
+                  <a:srgbClr val="303336"/>
+                </a:solidFill>
+                <a:effectLst/>
+                <a:latin typeface="inherit"/>
+              </a:rPr>
+              <a:t> count(</a:t>
+            </a:r>
+            <a:r>
+              <a:rPr kumimoji="0" lang="en-US" altLang="en-US" sz="1300" b="0" i="0" u="none" strike="noStrike" cap="none" normalizeH="0" baseline="0" dirty="0">
+                <a:ln>
+                  <a:noFill/>
+                </a:ln>
+                <a:solidFill>
+                  <a:srgbClr val="101094"/>
+                </a:solidFill>
+                <a:effectLst/>
+                <a:latin typeface="inherit"/>
+              </a:rPr>
+              <a:t>DISTINCT</a:t>
+            </a:r>
+            <a:r>
+              <a:rPr kumimoji="0" lang="en-US" altLang="en-US" sz="1300" b="0" i="0" u="none" strike="noStrike" cap="none" normalizeH="0" baseline="0" dirty="0">
+                <a:ln>
+                  <a:noFill/>
+                </a:ln>
+                <a:solidFill>
+                  <a:srgbClr val="303336"/>
+                </a:solidFill>
+                <a:effectLst/>
+                <a:latin typeface="inherit"/>
+              </a:rPr>
+              <a:t> </a:t>
+            </a:r>
+            <a:r>
+              <a:rPr kumimoji="0" lang="en-US" altLang="en-US" sz="1300" b="0" i="0" u="none" strike="noStrike" cap="none" normalizeH="0" baseline="0" dirty="0" err="1">
+                <a:ln>
+                  <a:noFill/>
+                </a:ln>
+                <a:solidFill>
+                  <a:srgbClr val="303336"/>
+                </a:solidFill>
+                <a:effectLst/>
+                <a:latin typeface="inherit"/>
+              </a:rPr>
+              <a:t>soh.salesorderid</a:t>
+            </a:r>
+            <a:r>
+              <a:rPr kumimoji="0" lang="en-US" altLang="en-US" sz="1300" b="0" i="0" u="none" strike="noStrike" cap="none" normalizeH="0" baseline="0" dirty="0">
+                <a:ln>
+                  <a:noFill/>
+                </a:ln>
+                <a:solidFill>
+                  <a:srgbClr val="303336"/>
+                </a:solidFill>
+                <a:effectLst/>
+                <a:latin typeface="inherit"/>
+              </a:rPr>
+              <a:t>) ,</a:t>
+            </a:r>
+            <a:r>
+              <a:rPr kumimoji="0" lang="en-US" altLang="en-US" sz="1300" b="0" i="0" u="none" strike="noStrike" cap="none" normalizeH="0" baseline="0" dirty="0" err="1">
+                <a:ln>
+                  <a:noFill/>
+                </a:ln>
+                <a:solidFill>
+                  <a:srgbClr val="303336"/>
+                </a:solidFill>
+                <a:effectLst/>
+                <a:latin typeface="inherit"/>
+              </a:rPr>
+              <a:t>pers.FirstName</a:t>
+            </a:r>
+            <a:r>
+              <a:rPr kumimoji="0" lang="en-US" altLang="en-US" sz="1300" b="0" i="0" u="none" strike="noStrike" cap="none" normalizeH="0" baseline="0" dirty="0">
+                <a:ln>
+                  <a:noFill/>
+                </a:ln>
+                <a:solidFill>
+                  <a:srgbClr val="303336"/>
+                </a:solidFill>
+                <a:effectLst/>
+                <a:latin typeface="inherit"/>
+              </a:rPr>
+              <a:t> + </a:t>
+            </a:r>
+            <a:r>
+              <a:rPr kumimoji="0" lang="en-US" altLang="en-US" sz="1300" b="0" i="0" u="none" strike="noStrike" cap="none" normalizeH="0" baseline="0" dirty="0">
+                <a:ln>
+                  <a:noFill/>
+                </a:ln>
+                <a:solidFill>
+                  <a:srgbClr val="7D2727"/>
+                </a:solidFill>
+                <a:effectLst/>
+                <a:latin typeface="inherit"/>
+              </a:rPr>
+              <a:t>' '</a:t>
+            </a:r>
+            <a:r>
+              <a:rPr kumimoji="0" lang="en-US" altLang="en-US" sz="1300" b="0" i="0" u="none" strike="noStrike" cap="none" normalizeH="0" baseline="0" dirty="0">
+                <a:ln>
+                  <a:noFill/>
+                </a:ln>
+                <a:solidFill>
+                  <a:srgbClr val="303336"/>
+                </a:solidFill>
+                <a:effectLst/>
+                <a:latin typeface="inherit"/>
+              </a:rPr>
+              <a:t> + </a:t>
+            </a:r>
+            <a:r>
+              <a:rPr kumimoji="0" lang="en-US" altLang="en-US" sz="1300" b="0" i="0" u="none" strike="noStrike" cap="none" normalizeH="0" baseline="0" dirty="0" err="1">
+                <a:ln>
+                  <a:noFill/>
+                </a:ln>
+                <a:solidFill>
+                  <a:srgbClr val="303336"/>
+                </a:solidFill>
+                <a:effectLst/>
+                <a:latin typeface="inherit"/>
+              </a:rPr>
+              <a:t>pers.LastName</a:t>
+            </a:r>
+            <a:endParaRPr kumimoji="0" lang="en-US" altLang="en-US" sz="1300" b="0" i="0" u="none" strike="noStrike" cap="none" normalizeH="0" baseline="0" dirty="0">
+              <a:ln>
+                <a:noFill/>
+              </a:ln>
+              <a:solidFill>
+                <a:srgbClr val="303336"/>
+              </a:solidFill>
+              <a:effectLst/>
+              <a:latin typeface="inherit"/>
+            </a:endParaRPr>
+          </a:p>
+          <a:p>
+            <a:pPr marL="0" marR="0" lvl="0" indent="0" algn="l" defTabSz="914400" rtl="0" eaLnBrk="0" fontAlgn="base" latinLnBrk="0" hangingPunct="0">
+              <a:lnSpc>
+                <a:spcPct val="100000"/>
+              </a:lnSpc>
+              <a:spcBef>
+                <a:spcPct val="0"/>
+              </a:spcBef>
+              <a:spcAft>
+                <a:spcPct val="0"/>
+              </a:spcAft>
+              <a:buClrTx/>
+              <a:buSzTx/>
+              <a:buFontTx/>
+              <a:buNone/>
+              <a:tabLst/>
+            </a:pPr>
+            <a:r>
+              <a:rPr kumimoji="0" lang="en-US" altLang="en-US" sz="1300" b="0" i="0" u="none" strike="noStrike" cap="none" normalizeH="0" baseline="0" dirty="0">
+                <a:ln>
+                  <a:noFill/>
+                </a:ln>
+                <a:solidFill>
+                  <a:srgbClr val="303336"/>
+                </a:solidFill>
+                <a:effectLst/>
+                <a:latin typeface="inherit"/>
+              </a:rPr>
+              <a:t> </a:t>
+            </a:r>
+            <a:r>
+              <a:rPr kumimoji="0" lang="en-US" altLang="en-US" sz="1300" b="0" i="0" u="none" strike="noStrike" cap="none" normalizeH="0" baseline="0" dirty="0">
+                <a:ln>
+                  <a:noFill/>
+                </a:ln>
+                <a:solidFill>
+                  <a:srgbClr val="101094"/>
+                </a:solidFill>
+                <a:effectLst/>
+                <a:latin typeface="inherit"/>
+              </a:rPr>
+              <a:t>FROM</a:t>
+            </a:r>
+            <a:r>
+              <a:rPr kumimoji="0" lang="en-US" altLang="en-US" sz="1300" b="0" i="0" u="none" strike="noStrike" cap="none" normalizeH="0" baseline="0" dirty="0">
+                <a:ln>
+                  <a:noFill/>
+                </a:ln>
+                <a:solidFill>
+                  <a:srgbClr val="303336"/>
+                </a:solidFill>
+                <a:effectLst/>
+                <a:latin typeface="inherit"/>
+              </a:rPr>
+              <a:t> </a:t>
+            </a:r>
+            <a:r>
+              <a:rPr kumimoji="0" lang="en-US" altLang="en-US" sz="1300" b="0" i="0" u="none" strike="noStrike" cap="none" normalizeH="0" baseline="0" dirty="0" err="1">
+                <a:ln>
+                  <a:noFill/>
+                </a:ln>
+                <a:solidFill>
+                  <a:srgbClr val="303336"/>
+                </a:solidFill>
+                <a:effectLst/>
+                <a:latin typeface="inherit"/>
+              </a:rPr>
+              <a:t>sales.SalesOrderDetail</a:t>
+            </a:r>
+            <a:r>
+              <a:rPr kumimoji="0" lang="en-US" altLang="en-US" sz="1300" b="0" i="0" u="none" strike="noStrike" cap="none" normalizeH="0" baseline="0" dirty="0">
+                <a:ln>
+                  <a:noFill/>
+                </a:ln>
+                <a:solidFill>
+                  <a:srgbClr val="303336"/>
+                </a:solidFill>
+                <a:effectLst/>
+                <a:latin typeface="inherit"/>
+              </a:rPr>
+              <a:t> sod </a:t>
+            </a:r>
+          </a:p>
+          <a:p>
+            <a:pPr marL="0" marR="0" lvl="0" indent="0" algn="l" defTabSz="914400" rtl="0" eaLnBrk="0" fontAlgn="base" latinLnBrk="0" hangingPunct="0">
+              <a:lnSpc>
+                <a:spcPct val="100000"/>
+              </a:lnSpc>
+              <a:spcBef>
+                <a:spcPct val="0"/>
+              </a:spcBef>
+              <a:spcAft>
+                <a:spcPct val="0"/>
+              </a:spcAft>
+              <a:buClrTx/>
+              <a:buSzTx/>
+              <a:buFontTx/>
+              <a:buNone/>
+              <a:tabLst/>
+            </a:pPr>
+            <a:r>
+              <a:rPr kumimoji="0" lang="en-US" altLang="en-US" sz="1300" b="0" i="0" u="none" strike="noStrike" cap="none" normalizeH="0" baseline="0" dirty="0">
+                <a:ln>
+                  <a:noFill/>
+                </a:ln>
+                <a:solidFill>
+                  <a:srgbClr val="858C93"/>
+                </a:solidFill>
+                <a:effectLst/>
+                <a:latin typeface="inherit"/>
+              </a:rPr>
+              <a:t>-- we need product details to get to the category</a:t>
+            </a:r>
+            <a:r>
+              <a:rPr kumimoji="0" lang="en-US" altLang="en-US" sz="1300" b="0" i="0" u="none" strike="noStrike" cap="none" normalizeH="0" baseline="0" dirty="0">
+                <a:ln>
+                  <a:noFill/>
+                </a:ln>
+                <a:solidFill>
+                  <a:srgbClr val="303336"/>
+                </a:solidFill>
+                <a:effectLst/>
+                <a:latin typeface="inherit"/>
+              </a:rPr>
+              <a:t> </a:t>
+            </a:r>
+          </a:p>
+          <a:p>
+            <a:pPr marL="0" marR="0" lvl="0" indent="0" algn="l" defTabSz="914400" rtl="0" eaLnBrk="0" fontAlgn="base" latinLnBrk="0" hangingPunct="0">
+              <a:lnSpc>
+                <a:spcPct val="100000"/>
+              </a:lnSpc>
+              <a:spcBef>
+                <a:spcPct val="0"/>
+              </a:spcBef>
+              <a:spcAft>
+                <a:spcPct val="0"/>
+              </a:spcAft>
+              <a:buClrTx/>
+              <a:buSzTx/>
+              <a:buFontTx/>
+              <a:buNone/>
+              <a:tabLst/>
+            </a:pPr>
+            <a:r>
+              <a:rPr kumimoji="0" lang="en-US" altLang="en-US" sz="1300" b="0" i="0" u="none" strike="noStrike" cap="none" normalizeH="0" baseline="0" dirty="0">
+                <a:ln>
+                  <a:noFill/>
+                </a:ln>
+                <a:solidFill>
+                  <a:srgbClr val="101094"/>
+                </a:solidFill>
+                <a:effectLst/>
+                <a:latin typeface="inherit"/>
+              </a:rPr>
+              <a:t>INNER</a:t>
+            </a:r>
+            <a:r>
+              <a:rPr kumimoji="0" lang="en-US" altLang="en-US" sz="1300" b="0" i="0" u="none" strike="noStrike" cap="none" normalizeH="0" baseline="0" dirty="0">
+                <a:ln>
+                  <a:noFill/>
+                </a:ln>
+                <a:solidFill>
+                  <a:srgbClr val="303336"/>
+                </a:solidFill>
+                <a:effectLst/>
+                <a:latin typeface="inherit"/>
+              </a:rPr>
+              <a:t> </a:t>
+            </a:r>
+            <a:r>
+              <a:rPr kumimoji="0" lang="en-US" altLang="en-US" sz="1300" b="0" i="0" u="none" strike="noStrike" cap="none" normalizeH="0" baseline="0" dirty="0">
+                <a:ln>
+                  <a:noFill/>
+                </a:ln>
+                <a:solidFill>
+                  <a:srgbClr val="101094"/>
+                </a:solidFill>
+                <a:effectLst/>
+                <a:latin typeface="inherit"/>
+              </a:rPr>
+              <a:t>JOIN</a:t>
+            </a:r>
+            <a:r>
+              <a:rPr kumimoji="0" lang="en-US" altLang="en-US" sz="1300" b="0" i="0" u="none" strike="noStrike" cap="none" normalizeH="0" baseline="0" dirty="0">
+                <a:ln>
+                  <a:noFill/>
+                </a:ln>
+                <a:solidFill>
+                  <a:srgbClr val="303336"/>
+                </a:solidFill>
+                <a:effectLst/>
+                <a:latin typeface="inherit"/>
+              </a:rPr>
+              <a:t> </a:t>
+            </a:r>
+            <a:r>
+              <a:rPr kumimoji="0" lang="en-US" altLang="en-US" sz="1300" b="0" i="0" u="none" strike="noStrike" cap="none" normalizeH="0" baseline="0" dirty="0" err="1">
+                <a:ln>
+                  <a:noFill/>
+                </a:ln>
+                <a:solidFill>
+                  <a:srgbClr val="303336"/>
+                </a:solidFill>
+                <a:effectLst/>
+                <a:latin typeface="inherit"/>
+              </a:rPr>
+              <a:t>Production.Product</a:t>
+            </a:r>
+            <a:r>
+              <a:rPr kumimoji="0" lang="en-US" altLang="en-US" sz="1300" b="0" i="0" u="none" strike="noStrike" cap="none" normalizeH="0" baseline="0" dirty="0">
+                <a:ln>
+                  <a:noFill/>
+                </a:ln>
+                <a:solidFill>
+                  <a:srgbClr val="303336"/>
+                </a:solidFill>
+                <a:effectLst/>
+                <a:latin typeface="inherit"/>
+              </a:rPr>
+              <a:t> p </a:t>
+            </a:r>
+            <a:r>
+              <a:rPr kumimoji="0" lang="en-US" altLang="en-US" sz="1300" b="0" i="0" u="none" strike="noStrike" cap="none" normalizeH="0" baseline="0" dirty="0">
+                <a:ln>
+                  <a:noFill/>
+                </a:ln>
+                <a:solidFill>
+                  <a:srgbClr val="101094"/>
+                </a:solidFill>
+                <a:effectLst/>
+                <a:latin typeface="inherit"/>
+              </a:rPr>
+              <a:t>ON</a:t>
+            </a:r>
+            <a:r>
+              <a:rPr kumimoji="0" lang="en-US" altLang="en-US" sz="1300" b="0" i="0" u="none" strike="noStrike" cap="none" normalizeH="0" baseline="0" dirty="0">
+                <a:ln>
+                  <a:noFill/>
+                </a:ln>
+                <a:solidFill>
+                  <a:srgbClr val="303336"/>
+                </a:solidFill>
+                <a:effectLst/>
+                <a:latin typeface="inherit"/>
+              </a:rPr>
+              <a:t> </a:t>
+            </a:r>
+            <a:r>
+              <a:rPr kumimoji="0" lang="en-US" altLang="en-US" sz="1300" b="0" i="0" u="none" strike="noStrike" cap="none" normalizeH="0" baseline="0" dirty="0" err="1">
+                <a:ln>
+                  <a:noFill/>
+                </a:ln>
+                <a:solidFill>
+                  <a:srgbClr val="303336"/>
+                </a:solidFill>
+                <a:effectLst/>
+                <a:latin typeface="inherit"/>
+              </a:rPr>
+              <a:t>sod.ProductID</a:t>
+            </a:r>
+            <a:r>
+              <a:rPr kumimoji="0" lang="en-US" altLang="en-US" sz="1300" b="0" i="0" u="none" strike="noStrike" cap="none" normalizeH="0" baseline="0" dirty="0">
+                <a:ln>
+                  <a:noFill/>
+                </a:ln>
+                <a:solidFill>
+                  <a:srgbClr val="303336"/>
+                </a:solidFill>
+                <a:effectLst/>
+                <a:latin typeface="inherit"/>
+              </a:rPr>
+              <a:t> = </a:t>
+            </a:r>
+            <a:r>
+              <a:rPr kumimoji="0" lang="en-US" altLang="en-US" sz="1300" b="0" i="0" u="none" strike="noStrike" cap="none" normalizeH="0" baseline="0" dirty="0" err="1">
+                <a:ln>
+                  <a:noFill/>
+                </a:ln>
+                <a:solidFill>
+                  <a:srgbClr val="303336"/>
+                </a:solidFill>
+                <a:effectLst/>
+                <a:latin typeface="inherit"/>
+              </a:rPr>
+              <a:t>p.ProductID</a:t>
+            </a:r>
+            <a:r>
+              <a:rPr kumimoji="0" lang="en-US" altLang="en-US" sz="1300" b="0" i="0" u="none" strike="noStrike" cap="none" normalizeH="0" baseline="0" dirty="0">
+                <a:ln>
+                  <a:noFill/>
+                </a:ln>
+                <a:solidFill>
+                  <a:srgbClr val="303336"/>
+                </a:solidFill>
+                <a:effectLst/>
+                <a:latin typeface="inherit"/>
+              </a:rPr>
+              <a:t> </a:t>
+            </a:r>
+          </a:p>
+          <a:p>
+            <a:pPr marL="0" marR="0" lvl="0" indent="0" algn="l" defTabSz="914400" rtl="0" eaLnBrk="0" fontAlgn="base" latinLnBrk="0" hangingPunct="0">
+              <a:lnSpc>
+                <a:spcPct val="100000"/>
+              </a:lnSpc>
+              <a:spcBef>
+                <a:spcPct val="0"/>
+              </a:spcBef>
+              <a:spcAft>
+                <a:spcPct val="0"/>
+              </a:spcAft>
+              <a:buClrTx/>
+              <a:buSzTx/>
+              <a:buFontTx/>
+              <a:buNone/>
+              <a:tabLst/>
+            </a:pPr>
+            <a:r>
+              <a:rPr kumimoji="0" lang="en-US" altLang="en-US" sz="1300" b="0" i="0" u="none" strike="noStrike" cap="none" normalizeH="0" baseline="0" dirty="0">
+                <a:ln>
+                  <a:noFill/>
+                </a:ln>
+                <a:solidFill>
+                  <a:srgbClr val="858C93"/>
+                </a:solidFill>
+                <a:effectLst/>
+                <a:latin typeface="inherit"/>
+              </a:rPr>
+              <a:t>-- but we need to pass via subcategories</a:t>
+            </a:r>
+            <a:r>
+              <a:rPr kumimoji="0" lang="en-US" altLang="en-US" sz="1300" b="0" i="0" u="none" strike="noStrike" cap="none" normalizeH="0" baseline="0" dirty="0">
+                <a:ln>
+                  <a:noFill/>
+                </a:ln>
+                <a:solidFill>
+                  <a:srgbClr val="303336"/>
+                </a:solidFill>
+                <a:effectLst/>
+                <a:latin typeface="inherit"/>
+              </a:rPr>
+              <a:t> </a:t>
+            </a:r>
+          </a:p>
+          <a:p>
+            <a:pPr marL="0" marR="0" lvl="0" indent="0" algn="l" defTabSz="914400" rtl="0" eaLnBrk="0" fontAlgn="base" latinLnBrk="0" hangingPunct="0">
+              <a:lnSpc>
+                <a:spcPct val="100000"/>
+              </a:lnSpc>
+              <a:spcBef>
+                <a:spcPct val="0"/>
+              </a:spcBef>
+              <a:spcAft>
+                <a:spcPct val="0"/>
+              </a:spcAft>
+              <a:buClrTx/>
+              <a:buSzTx/>
+              <a:buFontTx/>
+              <a:buNone/>
+              <a:tabLst/>
+            </a:pPr>
+            <a:r>
+              <a:rPr kumimoji="0" lang="en-US" altLang="en-US" sz="1300" b="0" i="0" u="none" strike="noStrike" cap="none" normalizeH="0" baseline="0" dirty="0">
+                <a:ln>
+                  <a:noFill/>
+                </a:ln>
+                <a:solidFill>
+                  <a:srgbClr val="101094"/>
+                </a:solidFill>
+                <a:effectLst/>
+                <a:latin typeface="inherit"/>
+              </a:rPr>
+              <a:t>INNER</a:t>
+            </a:r>
+            <a:r>
+              <a:rPr kumimoji="0" lang="en-US" altLang="en-US" sz="1300" b="0" i="0" u="none" strike="noStrike" cap="none" normalizeH="0" baseline="0" dirty="0">
+                <a:ln>
+                  <a:noFill/>
+                </a:ln>
+                <a:solidFill>
+                  <a:srgbClr val="303336"/>
+                </a:solidFill>
+                <a:effectLst/>
+                <a:latin typeface="inherit"/>
+              </a:rPr>
+              <a:t> </a:t>
+            </a:r>
+            <a:r>
+              <a:rPr kumimoji="0" lang="en-US" altLang="en-US" sz="1300" b="0" i="0" u="none" strike="noStrike" cap="none" normalizeH="0" baseline="0" dirty="0">
+                <a:ln>
+                  <a:noFill/>
+                </a:ln>
+                <a:solidFill>
+                  <a:srgbClr val="101094"/>
+                </a:solidFill>
+                <a:effectLst/>
+                <a:latin typeface="inherit"/>
+              </a:rPr>
+              <a:t>JOIN</a:t>
+            </a:r>
+            <a:r>
+              <a:rPr kumimoji="0" lang="en-US" altLang="en-US" sz="1300" b="0" i="0" u="none" strike="noStrike" cap="none" normalizeH="0" baseline="0" dirty="0">
+                <a:ln>
+                  <a:noFill/>
+                </a:ln>
+                <a:solidFill>
+                  <a:srgbClr val="303336"/>
+                </a:solidFill>
+                <a:effectLst/>
+                <a:latin typeface="inherit"/>
+              </a:rPr>
+              <a:t> </a:t>
+            </a:r>
+            <a:r>
+              <a:rPr kumimoji="0" lang="en-US" altLang="en-US" sz="1300" b="0" i="0" u="none" strike="noStrike" cap="none" normalizeH="0" baseline="0" dirty="0" err="1">
+                <a:ln>
+                  <a:noFill/>
+                </a:ln>
+                <a:solidFill>
+                  <a:srgbClr val="303336"/>
+                </a:solidFill>
+                <a:effectLst/>
+                <a:latin typeface="inherit"/>
+              </a:rPr>
+              <a:t>Production.ProductSubcategory</a:t>
+            </a:r>
+            <a:r>
+              <a:rPr kumimoji="0" lang="en-US" altLang="en-US" sz="1300" b="0" i="0" u="none" strike="noStrike" cap="none" normalizeH="0" baseline="0" dirty="0">
+                <a:ln>
+                  <a:noFill/>
+                </a:ln>
+                <a:solidFill>
+                  <a:srgbClr val="303336"/>
+                </a:solidFill>
+                <a:effectLst/>
+                <a:latin typeface="inherit"/>
+              </a:rPr>
+              <a:t> </a:t>
+            </a:r>
+            <a:r>
+              <a:rPr kumimoji="0" lang="en-US" altLang="en-US" sz="1300" b="0" i="0" u="none" strike="noStrike" cap="none" normalizeH="0" baseline="0" dirty="0" err="1">
+                <a:ln>
+                  <a:noFill/>
+                </a:ln>
+                <a:solidFill>
+                  <a:srgbClr val="303336"/>
+                </a:solidFill>
+                <a:effectLst/>
+                <a:latin typeface="inherit"/>
+              </a:rPr>
+              <a:t>psc</a:t>
+            </a:r>
+            <a:r>
+              <a:rPr kumimoji="0" lang="en-US" altLang="en-US" sz="1300" b="0" i="0" u="none" strike="noStrike" cap="none" normalizeH="0" baseline="0" dirty="0">
+                <a:ln>
+                  <a:noFill/>
+                </a:ln>
+                <a:solidFill>
+                  <a:srgbClr val="303336"/>
+                </a:solidFill>
+                <a:effectLst/>
+                <a:latin typeface="inherit"/>
+              </a:rPr>
+              <a:t> </a:t>
+            </a:r>
+            <a:r>
+              <a:rPr kumimoji="0" lang="en-US" altLang="en-US" sz="1300" b="0" i="0" u="none" strike="noStrike" cap="none" normalizeH="0" baseline="0" dirty="0">
+                <a:ln>
+                  <a:noFill/>
+                </a:ln>
+                <a:solidFill>
+                  <a:srgbClr val="101094"/>
+                </a:solidFill>
+                <a:effectLst/>
+                <a:latin typeface="inherit"/>
+              </a:rPr>
+              <a:t>ON</a:t>
+            </a:r>
+            <a:r>
+              <a:rPr kumimoji="0" lang="en-US" altLang="en-US" sz="1300" b="0" i="0" u="none" strike="noStrike" cap="none" normalizeH="0" baseline="0" dirty="0">
+                <a:ln>
+                  <a:noFill/>
+                </a:ln>
+                <a:solidFill>
+                  <a:srgbClr val="303336"/>
+                </a:solidFill>
+                <a:effectLst/>
+                <a:latin typeface="inherit"/>
+              </a:rPr>
+              <a:t> </a:t>
+            </a:r>
+            <a:r>
+              <a:rPr kumimoji="0" lang="en-US" altLang="en-US" sz="1300" b="0" i="0" u="none" strike="noStrike" cap="none" normalizeH="0" baseline="0" dirty="0" err="1">
+                <a:ln>
+                  <a:noFill/>
+                </a:ln>
+                <a:solidFill>
+                  <a:srgbClr val="303336"/>
+                </a:solidFill>
+                <a:effectLst/>
+                <a:latin typeface="inherit"/>
+              </a:rPr>
+              <a:t>p.ProductSubcategoryID</a:t>
+            </a:r>
+            <a:r>
+              <a:rPr kumimoji="0" lang="en-US" altLang="en-US" sz="1300" b="0" i="0" u="none" strike="noStrike" cap="none" normalizeH="0" baseline="0" dirty="0">
+                <a:ln>
+                  <a:noFill/>
+                </a:ln>
+                <a:solidFill>
+                  <a:srgbClr val="303336"/>
+                </a:solidFill>
+                <a:effectLst/>
+                <a:latin typeface="inherit"/>
+              </a:rPr>
+              <a:t> = </a:t>
+            </a:r>
+            <a:r>
+              <a:rPr kumimoji="0" lang="en-US" altLang="en-US" sz="1300" b="0" i="0" u="none" strike="noStrike" cap="none" normalizeH="0" baseline="0" dirty="0" err="1">
+                <a:ln>
+                  <a:noFill/>
+                </a:ln>
+                <a:solidFill>
+                  <a:srgbClr val="303336"/>
+                </a:solidFill>
+                <a:effectLst/>
+                <a:latin typeface="inherit"/>
+              </a:rPr>
+              <a:t>psc.ProductSubcategoryID</a:t>
+            </a:r>
+            <a:r>
+              <a:rPr kumimoji="0" lang="en-US" altLang="en-US" sz="1300" b="0" i="0" u="none" strike="noStrike" cap="none" normalizeH="0" baseline="0" dirty="0">
+                <a:ln>
+                  <a:noFill/>
+                </a:ln>
+                <a:solidFill>
+                  <a:srgbClr val="303336"/>
+                </a:solidFill>
+                <a:effectLst/>
+                <a:latin typeface="inherit"/>
+              </a:rPr>
+              <a:t> </a:t>
+            </a:r>
+          </a:p>
+          <a:p>
+            <a:pPr marL="0" marR="0" lvl="0" indent="0" algn="l" defTabSz="914400" rtl="0" eaLnBrk="0" fontAlgn="base" latinLnBrk="0" hangingPunct="0">
+              <a:lnSpc>
+                <a:spcPct val="100000"/>
+              </a:lnSpc>
+              <a:spcBef>
+                <a:spcPct val="0"/>
+              </a:spcBef>
+              <a:spcAft>
+                <a:spcPct val="0"/>
+              </a:spcAft>
+              <a:buClrTx/>
+              <a:buSzTx/>
+              <a:buFontTx/>
+              <a:buNone/>
+              <a:tabLst/>
+            </a:pPr>
+            <a:r>
+              <a:rPr kumimoji="0" lang="en-US" altLang="en-US" sz="1300" b="0" i="0" u="none" strike="noStrike" cap="none" normalizeH="0" baseline="0" dirty="0">
+                <a:ln>
+                  <a:noFill/>
+                </a:ln>
+                <a:solidFill>
+                  <a:srgbClr val="858C93"/>
+                </a:solidFill>
+                <a:effectLst/>
+                <a:latin typeface="inherit"/>
+              </a:rPr>
+              <a:t>-- we finally get to the category</a:t>
+            </a:r>
+            <a:r>
+              <a:rPr kumimoji="0" lang="en-US" altLang="en-US" sz="1300" b="0" i="0" u="none" strike="noStrike" cap="none" normalizeH="0" baseline="0" dirty="0">
+                <a:ln>
+                  <a:noFill/>
+                </a:ln>
+                <a:solidFill>
+                  <a:srgbClr val="303336"/>
+                </a:solidFill>
+                <a:effectLst/>
+                <a:latin typeface="inherit"/>
+              </a:rPr>
+              <a:t> </a:t>
+            </a:r>
+          </a:p>
+          <a:p>
+            <a:pPr marL="0" marR="0" lvl="0" indent="0" algn="l" defTabSz="914400" rtl="0" eaLnBrk="0" fontAlgn="base" latinLnBrk="0" hangingPunct="0">
+              <a:lnSpc>
+                <a:spcPct val="100000"/>
+              </a:lnSpc>
+              <a:spcBef>
+                <a:spcPct val="0"/>
+              </a:spcBef>
+              <a:spcAft>
+                <a:spcPct val="0"/>
+              </a:spcAft>
+              <a:buClrTx/>
+              <a:buSzTx/>
+              <a:buFontTx/>
+              <a:buNone/>
+              <a:tabLst/>
+            </a:pPr>
+            <a:r>
+              <a:rPr kumimoji="0" lang="en-US" altLang="en-US" sz="1300" b="0" i="0" u="none" strike="noStrike" cap="none" normalizeH="0" baseline="0" dirty="0">
+                <a:ln>
+                  <a:noFill/>
+                </a:ln>
+                <a:solidFill>
+                  <a:srgbClr val="101094"/>
+                </a:solidFill>
+                <a:effectLst/>
+                <a:latin typeface="inherit"/>
+              </a:rPr>
+              <a:t>INNER</a:t>
+            </a:r>
+            <a:r>
+              <a:rPr kumimoji="0" lang="en-US" altLang="en-US" sz="1300" b="0" i="0" u="none" strike="noStrike" cap="none" normalizeH="0" baseline="0" dirty="0">
+                <a:ln>
+                  <a:noFill/>
+                </a:ln>
+                <a:solidFill>
+                  <a:srgbClr val="303336"/>
+                </a:solidFill>
+                <a:effectLst/>
+                <a:latin typeface="inherit"/>
+              </a:rPr>
+              <a:t> </a:t>
+            </a:r>
+            <a:r>
+              <a:rPr kumimoji="0" lang="en-US" altLang="en-US" sz="1300" b="0" i="0" u="none" strike="noStrike" cap="none" normalizeH="0" baseline="0" dirty="0">
+                <a:ln>
+                  <a:noFill/>
+                </a:ln>
+                <a:solidFill>
+                  <a:srgbClr val="101094"/>
+                </a:solidFill>
+                <a:effectLst/>
+                <a:latin typeface="inherit"/>
+              </a:rPr>
+              <a:t>JOIN</a:t>
+            </a:r>
+            <a:r>
+              <a:rPr kumimoji="0" lang="en-US" altLang="en-US" sz="1300" b="0" i="0" u="none" strike="noStrike" cap="none" normalizeH="0" baseline="0" dirty="0">
+                <a:ln>
+                  <a:noFill/>
+                </a:ln>
+                <a:solidFill>
+                  <a:srgbClr val="303336"/>
+                </a:solidFill>
+                <a:effectLst/>
+                <a:latin typeface="inherit"/>
+              </a:rPr>
+              <a:t> </a:t>
+            </a:r>
+            <a:r>
+              <a:rPr kumimoji="0" lang="en-US" altLang="en-US" sz="1300" b="0" i="0" u="none" strike="noStrike" cap="none" normalizeH="0" baseline="0" dirty="0" err="1">
+                <a:ln>
+                  <a:noFill/>
+                </a:ln>
+                <a:solidFill>
+                  <a:srgbClr val="303336"/>
+                </a:solidFill>
+                <a:effectLst/>
+                <a:latin typeface="inherit"/>
+              </a:rPr>
+              <a:t>Production.ProductCategory</a:t>
+            </a:r>
+            <a:r>
+              <a:rPr kumimoji="0" lang="en-US" altLang="en-US" sz="1300" b="0" i="0" u="none" strike="noStrike" cap="none" normalizeH="0" baseline="0" dirty="0">
+                <a:ln>
+                  <a:noFill/>
+                </a:ln>
+                <a:solidFill>
+                  <a:srgbClr val="303336"/>
+                </a:solidFill>
+                <a:effectLst/>
+                <a:latin typeface="inherit"/>
+              </a:rPr>
+              <a:t> pc </a:t>
+            </a:r>
+            <a:r>
+              <a:rPr kumimoji="0" lang="en-US" altLang="en-US" sz="1300" b="0" i="0" u="none" strike="noStrike" cap="none" normalizeH="0" baseline="0" dirty="0">
+                <a:ln>
+                  <a:noFill/>
+                </a:ln>
+                <a:solidFill>
+                  <a:srgbClr val="101094"/>
+                </a:solidFill>
+                <a:effectLst/>
+                <a:latin typeface="inherit"/>
+              </a:rPr>
+              <a:t>ON</a:t>
+            </a:r>
+            <a:r>
+              <a:rPr kumimoji="0" lang="en-US" altLang="en-US" sz="1300" b="0" i="0" u="none" strike="noStrike" cap="none" normalizeH="0" baseline="0" dirty="0">
+                <a:ln>
+                  <a:noFill/>
+                </a:ln>
+                <a:solidFill>
+                  <a:srgbClr val="303336"/>
+                </a:solidFill>
+                <a:effectLst/>
+                <a:latin typeface="inherit"/>
+              </a:rPr>
+              <a:t> </a:t>
+            </a:r>
+            <a:r>
+              <a:rPr kumimoji="0" lang="en-US" altLang="en-US" sz="1300" b="0" i="0" u="none" strike="noStrike" cap="none" normalizeH="0" baseline="0" dirty="0" err="1">
+                <a:ln>
+                  <a:noFill/>
+                </a:ln>
+                <a:solidFill>
+                  <a:srgbClr val="303336"/>
+                </a:solidFill>
+                <a:effectLst/>
+                <a:latin typeface="inherit"/>
+              </a:rPr>
+              <a:t>psc.ProductCategoryID</a:t>
+            </a:r>
+            <a:r>
+              <a:rPr kumimoji="0" lang="en-US" altLang="en-US" sz="1300" b="0" i="0" u="none" strike="noStrike" cap="none" normalizeH="0" baseline="0" dirty="0">
+                <a:ln>
+                  <a:noFill/>
+                </a:ln>
+                <a:solidFill>
+                  <a:srgbClr val="303336"/>
+                </a:solidFill>
+                <a:effectLst/>
+                <a:latin typeface="inherit"/>
+              </a:rPr>
+              <a:t> = </a:t>
+            </a:r>
+            <a:r>
+              <a:rPr kumimoji="0" lang="en-US" altLang="en-US" sz="1300" b="0" i="0" u="none" strike="noStrike" cap="none" normalizeH="0" baseline="0" dirty="0" err="1">
+                <a:ln>
+                  <a:noFill/>
+                </a:ln>
+                <a:solidFill>
+                  <a:srgbClr val="303336"/>
+                </a:solidFill>
+                <a:effectLst/>
+                <a:latin typeface="inherit"/>
+              </a:rPr>
+              <a:t>pc.ProductCategoryID</a:t>
+            </a:r>
+            <a:r>
+              <a:rPr kumimoji="0" lang="en-US" altLang="en-US" sz="1300" b="0" i="0" u="none" strike="noStrike" cap="none" normalizeH="0" baseline="0" dirty="0">
+                <a:ln>
+                  <a:noFill/>
+                </a:ln>
+                <a:solidFill>
+                  <a:srgbClr val="303336"/>
+                </a:solidFill>
+                <a:effectLst/>
+                <a:latin typeface="inherit"/>
+              </a:rPr>
+              <a:t> </a:t>
+            </a:r>
+          </a:p>
+          <a:p>
+            <a:pPr marL="0" marR="0" lvl="0" indent="0" algn="l" defTabSz="914400" rtl="0" eaLnBrk="0" fontAlgn="base" latinLnBrk="0" hangingPunct="0">
+              <a:lnSpc>
+                <a:spcPct val="100000"/>
+              </a:lnSpc>
+              <a:spcBef>
+                <a:spcPct val="0"/>
+              </a:spcBef>
+              <a:spcAft>
+                <a:spcPct val="0"/>
+              </a:spcAft>
+              <a:buClrTx/>
+              <a:buSzTx/>
+              <a:buFontTx/>
+              <a:buNone/>
+              <a:tabLst/>
+            </a:pPr>
+            <a:r>
+              <a:rPr kumimoji="0" lang="en-US" altLang="en-US" sz="1300" b="0" i="0" u="none" strike="noStrike" cap="none" normalizeH="0" baseline="0" dirty="0">
+                <a:ln>
+                  <a:noFill/>
+                </a:ln>
+                <a:solidFill>
+                  <a:srgbClr val="858C93"/>
+                </a:solidFill>
+                <a:effectLst/>
+                <a:latin typeface="inherit"/>
+              </a:rPr>
+              <a:t>-- we also need the headers because that's where the customer is stored</a:t>
+            </a:r>
+            <a:r>
+              <a:rPr kumimoji="0" lang="en-US" altLang="en-US" sz="1300" b="0" i="0" u="none" strike="noStrike" cap="none" normalizeH="0" baseline="0" dirty="0">
+                <a:ln>
+                  <a:noFill/>
+                </a:ln>
+                <a:solidFill>
+                  <a:srgbClr val="303336"/>
+                </a:solidFill>
+                <a:effectLst/>
+                <a:latin typeface="inherit"/>
+              </a:rPr>
+              <a:t> </a:t>
+            </a:r>
+          </a:p>
+          <a:p>
+            <a:pPr marL="0" marR="0" lvl="0" indent="0" algn="l" defTabSz="914400" rtl="0" eaLnBrk="0" fontAlgn="base" latinLnBrk="0" hangingPunct="0">
+              <a:lnSpc>
+                <a:spcPct val="100000"/>
+              </a:lnSpc>
+              <a:spcBef>
+                <a:spcPct val="0"/>
+              </a:spcBef>
+              <a:spcAft>
+                <a:spcPct val="0"/>
+              </a:spcAft>
+              <a:buClrTx/>
+              <a:buSzTx/>
+              <a:buFontTx/>
+              <a:buNone/>
+              <a:tabLst/>
+            </a:pPr>
+            <a:r>
+              <a:rPr kumimoji="0" lang="en-US" altLang="en-US" sz="1300" b="0" i="0" u="none" strike="noStrike" cap="none" normalizeH="0" baseline="0" dirty="0">
+                <a:ln>
+                  <a:noFill/>
+                </a:ln>
+                <a:solidFill>
+                  <a:srgbClr val="101094"/>
+                </a:solidFill>
+                <a:effectLst/>
+                <a:latin typeface="inherit"/>
+              </a:rPr>
+              <a:t>INNER</a:t>
+            </a:r>
+            <a:r>
+              <a:rPr kumimoji="0" lang="en-US" altLang="en-US" sz="1300" b="0" i="0" u="none" strike="noStrike" cap="none" normalizeH="0" baseline="0" dirty="0">
+                <a:ln>
+                  <a:noFill/>
+                </a:ln>
+                <a:solidFill>
+                  <a:srgbClr val="303336"/>
+                </a:solidFill>
+                <a:effectLst/>
+                <a:latin typeface="inherit"/>
+              </a:rPr>
+              <a:t> </a:t>
+            </a:r>
+            <a:r>
+              <a:rPr kumimoji="0" lang="en-US" altLang="en-US" sz="1300" b="0" i="0" u="none" strike="noStrike" cap="none" normalizeH="0" baseline="0" dirty="0">
+                <a:ln>
+                  <a:noFill/>
+                </a:ln>
+                <a:solidFill>
+                  <a:srgbClr val="101094"/>
+                </a:solidFill>
+                <a:effectLst/>
+                <a:latin typeface="inherit"/>
+              </a:rPr>
+              <a:t>JOIN</a:t>
+            </a:r>
+            <a:r>
+              <a:rPr kumimoji="0" lang="en-US" altLang="en-US" sz="1300" b="0" i="0" u="none" strike="noStrike" cap="none" normalizeH="0" baseline="0" dirty="0">
+                <a:ln>
+                  <a:noFill/>
+                </a:ln>
+                <a:solidFill>
+                  <a:srgbClr val="303336"/>
+                </a:solidFill>
+                <a:effectLst/>
+                <a:latin typeface="inherit"/>
+              </a:rPr>
+              <a:t> </a:t>
+            </a:r>
+            <a:r>
+              <a:rPr kumimoji="0" lang="en-US" altLang="en-US" sz="1300" b="0" i="0" u="none" strike="noStrike" cap="none" normalizeH="0" baseline="0" dirty="0" err="1">
+                <a:ln>
+                  <a:noFill/>
+                </a:ln>
+                <a:solidFill>
+                  <a:srgbClr val="303336"/>
+                </a:solidFill>
+                <a:effectLst/>
+                <a:latin typeface="inherit"/>
+              </a:rPr>
+              <a:t>sales.SalesOrderHeader</a:t>
+            </a:r>
+            <a:r>
+              <a:rPr kumimoji="0" lang="en-US" altLang="en-US" sz="1300" b="0" i="0" u="none" strike="noStrike" cap="none" normalizeH="0" baseline="0" dirty="0">
+                <a:ln>
+                  <a:noFill/>
+                </a:ln>
+                <a:solidFill>
+                  <a:srgbClr val="303336"/>
+                </a:solidFill>
+                <a:effectLst/>
+                <a:latin typeface="inherit"/>
+              </a:rPr>
+              <a:t> </a:t>
+            </a:r>
+            <a:r>
+              <a:rPr kumimoji="0" lang="en-US" altLang="en-US" sz="1300" b="0" i="0" u="none" strike="noStrike" cap="none" normalizeH="0" baseline="0" dirty="0" err="1">
+                <a:ln>
+                  <a:noFill/>
+                </a:ln>
+                <a:solidFill>
+                  <a:srgbClr val="303336"/>
+                </a:solidFill>
+                <a:effectLst/>
+                <a:latin typeface="inherit"/>
+              </a:rPr>
+              <a:t>soh</a:t>
+            </a:r>
+            <a:r>
+              <a:rPr kumimoji="0" lang="en-US" altLang="en-US" sz="1300" b="0" i="0" u="none" strike="noStrike" cap="none" normalizeH="0" baseline="0" dirty="0">
+                <a:ln>
+                  <a:noFill/>
+                </a:ln>
+                <a:solidFill>
+                  <a:srgbClr val="303336"/>
+                </a:solidFill>
+                <a:effectLst/>
+                <a:latin typeface="inherit"/>
+              </a:rPr>
+              <a:t> </a:t>
+            </a:r>
+            <a:r>
+              <a:rPr kumimoji="0" lang="en-US" altLang="en-US" sz="1300" b="0" i="0" u="none" strike="noStrike" cap="none" normalizeH="0" baseline="0" dirty="0">
+                <a:ln>
+                  <a:noFill/>
+                </a:ln>
+                <a:solidFill>
+                  <a:srgbClr val="101094"/>
+                </a:solidFill>
+                <a:effectLst/>
+                <a:latin typeface="inherit"/>
+              </a:rPr>
+              <a:t>ON</a:t>
+            </a:r>
+            <a:r>
+              <a:rPr kumimoji="0" lang="en-US" altLang="en-US" sz="1300" b="0" i="0" u="none" strike="noStrike" cap="none" normalizeH="0" baseline="0" dirty="0">
+                <a:ln>
+                  <a:noFill/>
+                </a:ln>
+                <a:solidFill>
+                  <a:srgbClr val="303336"/>
+                </a:solidFill>
+                <a:effectLst/>
+                <a:latin typeface="inherit"/>
+              </a:rPr>
+              <a:t> </a:t>
+            </a:r>
+            <a:r>
+              <a:rPr kumimoji="0" lang="en-US" altLang="en-US" sz="1300" b="0" i="0" u="none" strike="noStrike" cap="none" normalizeH="0" baseline="0" dirty="0" err="1">
+                <a:ln>
+                  <a:noFill/>
+                </a:ln>
+                <a:solidFill>
+                  <a:srgbClr val="303336"/>
+                </a:solidFill>
+                <a:effectLst/>
+                <a:latin typeface="inherit"/>
+              </a:rPr>
+              <a:t>sod.SalesOrderID</a:t>
+            </a:r>
+            <a:r>
+              <a:rPr kumimoji="0" lang="en-US" altLang="en-US" sz="1300" b="0" i="0" u="none" strike="noStrike" cap="none" normalizeH="0" baseline="0" dirty="0">
+                <a:ln>
+                  <a:noFill/>
+                </a:ln>
+                <a:solidFill>
+                  <a:srgbClr val="303336"/>
+                </a:solidFill>
+                <a:effectLst/>
+                <a:latin typeface="inherit"/>
+              </a:rPr>
+              <a:t> = </a:t>
+            </a:r>
+            <a:r>
+              <a:rPr kumimoji="0" lang="en-US" altLang="en-US" sz="1300" b="0" i="0" u="none" strike="noStrike" cap="none" normalizeH="0" baseline="0" dirty="0" err="1">
+                <a:ln>
+                  <a:noFill/>
+                </a:ln>
+                <a:solidFill>
+                  <a:srgbClr val="303336"/>
+                </a:solidFill>
+                <a:effectLst/>
+                <a:latin typeface="inherit"/>
+              </a:rPr>
+              <a:t>soh.SalesOrderID</a:t>
+            </a:r>
+            <a:r>
+              <a:rPr kumimoji="0" lang="en-US" altLang="en-US" sz="1300" b="0" i="0" u="none" strike="noStrike" cap="none" normalizeH="0" baseline="0" dirty="0">
+                <a:ln>
+                  <a:noFill/>
+                </a:ln>
+                <a:solidFill>
+                  <a:srgbClr val="303336"/>
+                </a:solidFill>
+                <a:effectLst/>
+                <a:latin typeface="inherit"/>
+              </a:rPr>
+              <a:t> </a:t>
+            </a:r>
+          </a:p>
+          <a:p>
+            <a:pPr marL="0" marR="0" lvl="0" indent="0" algn="l" defTabSz="914400" rtl="0" eaLnBrk="0" fontAlgn="base" latinLnBrk="0" hangingPunct="0">
+              <a:lnSpc>
+                <a:spcPct val="100000"/>
+              </a:lnSpc>
+              <a:spcBef>
+                <a:spcPct val="0"/>
+              </a:spcBef>
+              <a:spcAft>
+                <a:spcPct val="0"/>
+              </a:spcAft>
+              <a:buClrTx/>
+              <a:buSzTx/>
+              <a:buFontTx/>
+              <a:buNone/>
+              <a:tabLst/>
+            </a:pPr>
+            <a:r>
+              <a:rPr kumimoji="0" lang="en-US" altLang="en-US" sz="1300" b="0" i="0" u="none" strike="noStrike" cap="none" normalizeH="0" baseline="0" dirty="0">
+                <a:ln>
+                  <a:noFill/>
+                </a:ln>
+                <a:solidFill>
+                  <a:srgbClr val="858C93"/>
+                </a:solidFill>
+                <a:effectLst/>
+                <a:latin typeface="inherit"/>
+              </a:rPr>
+              <a:t>-- finally the customer, but we don't have his name here</a:t>
+            </a:r>
+            <a:r>
+              <a:rPr kumimoji="0" lang="en-US" altLang="en-US" sz="1300" b="0" i="0" u="none" strike="noStrike" cap="none" normalizeH="0" baseline="0" dirty="0">
+                <a:ln>
+                  <a:noFill/>
+                </a:ln>
+                <a:solidFill>
+                  <a:srgbClr val="303336"/>
+                </a:solidFill>
+                <a:effectLst/>
+                <a:latin typeface="inherit"/>
+              </a:rPr>
+              <a:t> </a:t>
+            </a:r>
+          </a:p>
+          <a:p>
+            <a:pPr marL="0" marR="0" lvl="0" indent="0" algn="l" defTabSz="914400" rtl="0" eaLnBrk="0" fontAlgn="base" latinLnBrk="0" hangingPunct="0">
+              <a:lnSpc>
+                <a:spcPct val="100000"/>
+              </a:lnSpc>
+              <a:spcBef>
+                <a:spcPct val="0"/>
+              </a:spcBef>
+              <a:spcAft>
+                <a:spcPct val="0"/>
+              </a:spcAft>
+              <a:buClrTx/>
+              <a:buSzTx/>
+              <a:buFontTx/>
+              <a:buNone/>
+              <a:tabLst/>
+            </a:pPr>
+            <a:r>
+              <a:rPr kumimoji="0" lang="en-US" altLang="en-US" sz="1300" b="0" i="0" u="none" strike="noStrike" cap="none" normalizeH="0" baseline="0" dirty="0">
+                <a:ln>
+                  <a:noFill/>
+                </a:ln>
+                <a:solidFill>
+                  <a:srgbClr val="101094"/>
+                </a:solidFill>
+                <a:effectLst/>
+                <a:latin typeface="inherit"/>
+              </a:rPr>
+              <a:t>INNER</a:t>
+            </a:r>
+            <a:r>
+              <a:rPr kumimoji="0" lang="en-US" altLang="en-US" sz="1300" b="0" i="0" u="none" strike="noStrike" cap="none" normalizeH="0" baseline="0" dirty="0">
+                <a:ln>
+                  <a:noFill/>
+                </a:ln>
+                <a:solidFill>
+                  <a:srgbClr val="303336"/>
+                </a:solidFill>
+                <a:effectLst/>
+                <a:latin typeface="inherit"/>
+              </a:rPr>
+              <a:t> </a:t>
+            </a:r>
+            <a:r>
+              <a:rPr kumimoji="0" lang="en-US" altLang="en-US" sz="1300" b="0" i="0" u="none" strike="noStrike" cap="none" normalizeH="0" baseline="0" dirty="0">
+                <a:ln>
+                  <a:noFill/>
+                </a:ln>
+                <a:solidFill>
+                  <a:srgbClr val="101094"/>
+                </a:solidFill>
+                <a:effectLst/>
+                <a:latin typeface="inherit"/>
+              </a:rPr>
+              <a:t>JOIN</a:t>
+            </a:r>
+            <a:r>
+              <a:rPr kumimoji="0" lang="en-US" altLang="en-US" sz="1300" b="0" i="0" u="none" strike="noStrike" cap="none" normalizeH="0" baseline="0" dirty="0">
+                <a:ln>
+                  <a:noFill/>
+                </a:ln>
+                <a:solidFill>
+                  <a:srgbClr val="303336"/>
+                </a:solidFill>
+                <a:effectLst/>
+                <a:latin typeface="inherit"/>
+              </a:rPr>
+              <a:t> </a:t>
+            </a:r>
+            <a:r>
+              <a:rPr kumimoji="0" lang="en-US" altLang="en-US" sz="1300" b="0" i="0" u="none" strike="noStrike" cap="none" normalizeH="0" baseline="0" dirty="0" err="1">
+                <a:ln>
+                  <a:noFill/>
+                </a:ln>
+                <a:solidFill>
+                  <a:srgbClr val="303336"/>
+                </a:solidFill>
+                <a:effectLst/>
+                <a:latin typeface="inherit"/>
+              </a:rPr>
+              <a:t>sales.Customer</a:t>
+            </a:r>
+            <a:r>
+              <a:rPr kumimoji="0" lang="en-US" altLang="en-US" sz="1300" b="0" i="0" u="none" strike="noStrike" cap="none" normalizeH="0" baseline="0" dirty="0">
+                <a:ln>
+                  <a:noFill/>
+                </a:ln>
+                <a:solidFill>
+                  <a:srgbClr val="303336"/>
+                </a:solidFill>
+                <a:effectLst/>
+                <a:latin typeface="inherit"/>
+              </a:rPr>
+              <a:t> c </a:t>
+            </a:r>
+            <a:r>
+              <a:rPr kumimoji="0" lang="en-US" altLang="en-US" sz="1300" b="0" i="0" u="none" strike="noStrike" cap="none" normalizeH="0" baseline="0" dirty="0">
+                <a:ln>
+                  <a:noFill/>
+                </a:ln>
+                <a:solidFill>
+                  <a:srgbClr val="101094"/>
+                </a:solidFill>
+                <a:effectLst/>
+                <a:latin typeface="inherit"/>
+              </a:rPr>
+              <a:t>ON</a:t>
+            </a:r>
+            <a:r>
+              <a:rPr kumimoji="0" lang="en-US" altLang="en-US" sz="1300" b="0" i="0" u="none" strike="noStrike" cap="none" normalizeH="0" baseline="0" dirty="0">
+                <a:ln>
+                  <a:noFill/>
+                </a:ln>
+                <a:solidFill>
+                  <a:srgbClr val="303336"/>
+                </a:solidFill>
+                <a:effectLst/>
+                <a:latin typeface="inherit"/>
+              </a:rPr>
+              <a:t> </a:t>
+            </a:r>
+            <a:r>
+              <a:rPr kumimoji="0" lang="en-US" altLang="en-US" sz="1300" b="0" i="0" u="none" strike="noStrike" cap="none" normalizeH="0" baseline="0" dirty="0" err="1">
+                <a:ln>
+                  <a:noFill/>
+                </a:ln>
+                <a:solidFill>
+                  <a:srgbClr val="303336"/>
+                </a:solidFill>
+                <a:effectLst/>
+                <a:latin typeface="inherit"/>
+              </a:rPr>
+              <a:t>soh.CustomerID</a:t>
+            </a:r>
+            <a:r>
+              <a:rPr kumimoji="0" lang="en-US" altLang="en-US" sz="1300" b="0" i="0" u="none" strike="noStrike" cap="none" normalizeH="0" baseline="0" dirty="0">
+                <a:ln>
+                  <a:noFill/>
+                </a:ln>
+                <a:solidFill>
+                  <a:srgbClr val="303336"/>
+                </a:solidFill>
+                <a:effectLst/>
+                <a:latin typeface="inherit"/>
+              </a:rPr>
+              <a:t> = </a:t>
+            </a:r>
+            <a:r>
+              <a:rPr kumimoji="0" lang="en-US" altLang="en-US" sz="1300" b="0" i="0" u="none" strike="noStrike" cap="none" normalizeH="0" baseline="0" dirty="0" err="1">
+                <a:ln>
+                  <a:noFill/>
+                </a:ln>
+                <a:solidFill>
+                  <a:srgbClr val="303336"/>
+                </a:solidFill>
+                <a:effectLst/>
+                <a:latin typeface="inherit"/>
+              </a:rPr>
+              <a:t>c.CustomerID</a:t>
+            </a:r>
+            <a:r>
+              <a:rPr kumimoji="0" lang="en-US" altLang="en-US" sz="1300" b="0" i="0" u="none" strike="noStrike" cap="none" normalizeH="0" baseline="0" dirty="0">
+                <a:ln>
+                  <a:noFill/>
+                </a:ln>
+                <a:solidFill>
+                  <a:srgbClr val="303336"/>
+                </a:solidFill>
+                <a:effectLst/>
+                <a:latin typeface="inherit"/>
+              </a:rPr>
+              <a:t> </a:t>
+            </a:r>
+          </a:p>
+          <a:p>
+            <a:pPr marL="0" marR="0" lvl="0" indent="0" algn="l" defTabSz="914400" rtl="0" eaLnBrk="0" fontAlgn="base" latinLnBrk="0" hangingPunct="0">
+              <a:lnSpc>
+                <a:spcPct val="100000"/>
+              </a:lnSpc>
+              <a:spcBef>
+                <a:spcPct val="0"/>
+              </a:spcBef>
+              <a:spcAft>
+                <a:spcPct val="0"/>
+              </a:spcAft>
+              <a:buClrTx/>
+              <a:buSzTx/>
+              <a:buFontTx/>
+              <a:buNone/>
+              <a:tabLst/>
+            </a:pPr>
+            <a:r>
+              <a:rPr kumimoji="0" lang="en-US" altLang="en-US" sz="1300" b="0" i="0" u="none" strike="noStrike" cap="none" normalizeH="0" baseline="0" dirty="0">
+                <a:ln>
+                  <a:noFill/>
+                </a:ln>
+                <a:solidFill>
+                  <a:srgbClr val="858C93"/>
+                </a:solidFill>
+                <a:effectLst/>
+                <a:latin typeface="inherit"/>
+              </a:rPr>
+              <a:t>-- customers</a:t>
+            </a:r>
+            <a:r>
+              <a:rPr kumimoji="0" lang="en-US" altLang="en-US" sz="1300" b="0" i="0" u="none" strike="noStrike" cap="none" normalizeH="0" baseline="0" dirty="0">
+                <a:ln>
+                  <a:noFill/>
+                </a:ln>
+                <a:solidFill>
+                  <a:srgbClr val="303336"/>
+                </a:solidFill>
+                <a:effectLst/>
+                <a:latin typeface="inherit"/>
+              </a:rPr>
+              <a:t> </a:t>
+            </a:r>
+          </a:p>
+          <a:p>
+            <a:pPr marL="0" marR="0" lvl="0" indent="0" algn="l" defTabSz="914400" rtl="0" eaLnBrk="0" fontAlgn="base" latinLnBrk="0" hangingPunct="0">
+              <a:lnSpc>
+                <a:spcPct val="100000"/>
+              </a:lnSpc>
+              <a:spcBef>
+                <a:spcPct val="0"/>
+              </a:spcBef>
+              <a:spcAft>
+                <a:spcPct val="0"/>
+              </a:spcAft>
+              <a:buClrTx/>
+              <a:buSzTx/>
+              <a:buFontTx/>
+              <a:buNone/>
+              <a:tabLst/>
+            </a:pPr>
+            <a:r>
+              <a:rPr kumimoji="0" lang="en-US" altLang="en-US" sz="1300" b="0" i="0" u="none" strike="noStrike" cap="none" normalizeH="0" baseline="0" dirty="0">
+                <a:ln>
+                  <a:noFill/>
+                </a:ln>
+                <a:solidFill>
+                  <a:srgbClr val="101094"/>
+                </a:solidFill>
+                <a:effectLst/>
+                <a:latin typeface="inherit"/>
+              </a:rPr>
+              <a:t>INNER</a:t>
+            </a:r>
+            <a:r>
+              <a:rPr kumimoji="0" lang="en-US" altLang="en-US" sz="1300" b="0" i="0" u="none" strike="noStrike" cap="none" normalizeH="0" baseline="0" dirty="0">
+                <a:ln>
+                  <a:noFill/>
+                </a:ln>
+                <a:solidFill>
+                  <a:srgbClr val="303336"/>
+                </a:solidFill>
+                <a:effectLst/>
+                <a:latin typeface="inherit"/>
+              </a:rPr>
+              <a:t> </a:t>
+            </a:r>
+            <a:r>
+              <a:rPr kumimoji="0" lang="en-US" altLang="en-US" sz="1300" b="0" i="0" u="none" strike="noStrike" cap="none" normalizeH="0" baseline="0" dirty="0">
+                <a:ln>
+                  <a:noFill/>
+                </a:ln>
+                <a:solidFill>
+                  <a:srgbClr val="101094"/>
+                </a:solidFill>
+                <a:effectLst/>
+                <a:latin typeface="inherit"/>
+              </a:rPr>
+              <a:t>JOIN</a:t>
+            </a:r>
+            <a:r>
+              <a:rPr kumimoji="0" lang="en-US" altLang="en-US" sz="1300" b="0" i="0" u="none" strike="noStrike" cap="none" normalizeH="0" baseline="0" dirty="0">
+                <a:ln>
+                  <a:noFill/>
+                </a:ln>
+                <a:solidFill>
+                  <a:srgbClr val="303336"/>
+                </a:solidFill>
+                <a:effectLst/>
+                <a:latin typeface="inherit"/>
+              </a:rPr>
+              <a:t> </a:t>
+            </a:r>
+            <a:r>
+              <a:rPr kumimoji="0" lang="en-US" altLang="en-US" sz="1300" b="0" i="0" u="none" strike="noStrike" cap="none" normalizeH="0" baseline="0" dirty="0" err="1">
+                <a:ln>
+                  <a:noFill/>
+                </a:ln>
+                <a:solidFill>
+                  <a:srgbClr val="303336"/>
+                </a:solidFill>
+                <a:effectLst/>
+                <a:latin typeface="inherit"/>
+              </a:rPr>
+              <a:t>Person.Person</a:t>
+            </a:r>
+            <a:r>
+              <a:rPr kumimoji="0" lang="en-US" altLang="en-US" sz="1300" b="0" i="0" u="none" strike="noStrike" cap="none" normalizeH="0" baseline="0" dirty="0">
+                <a:ln>
+                  <a:noFill/>
+                </a:ln>
+                <a:solidFill>
+                  <a:srgbClr val="303336"/>
+                </a:solidFill>
+                <a:effectLst/>
+                <a:latin typeface="inherit"/>
+              </a:rPr>
+              <a:t> </a:t>
+            </a:r>
+            <a:r>
+              <a:rPr kumimoji="0" lang="en-US" altLang="en-US" sz="1300" b="0" i="0" u="none" strike="noStrike" cap="none" normalizeH="0" baseline="0" dirty="0" err="1">
+                <a:ln>
+                  <a:noFill/>
+                </a:ln>
+                <a:solidFill>
+                  <a:srgbClr val="303336"/>
+                </a:solidFill>
+                <a:effectLst/>
+                <a:latin typeface="inherit"/>
+              </a:rPr>
+              <a:t>pers</a:t>
+            </a:r>
+            <a:r>
+              <a:rPr kumimoji="0" lang="en-US" altLang="en-US" sz="1300" b="0" i="0" u="none" strike="noStrike" cap="none" normalizeH="0" baseline="0" dirty="0">
+                <a:ln>
+                  <a:noFill/>
+                </a:ln>
+                <a:solidFill>
+                  <a:srgbClr val="303336"/>
+                </a:solidFill>
+                <a:effectLst/>
+                <a:latin typeface="inherit"/>
+              </a:rPr>
+              <a:t> </a:t>
+            </a:r>
+            <a:r>
+              <a:rPr kumimoji="0" lang="en-US" altLang="en-US" sz="1300" b="0" i="0" u="none" strike="noStrike" cap="none" normalizeH="0" baseline="0" dirty="0">
+                <a:ln>
+                  <a:noFill/>
+                </a:ln>
+                <a:solidFill>
+                  <a:srgbClr val="101094"/>
+                </a:solidFill>
+                <a:effectLst/>
+                <a:latin typeface="inherit"/>
+              </a:rPr>
+              <a:t>ON</a:t>
+            </a:r>
+            <a:r>
+              <a:rPr kumimoji="0" lang="en-US" altLang="en-US" sz="1300" b="0" i="0" u="none" strike="noStrike" cap="none" normalizeH="0" baseline="0" dirty="0">
+                <a:ln>
+                  <a:noFill/>
+                </a:ln>
+                <a:solidFill>
+                  <a:srgbClr val="303336"/>
+                </a:solidFill>
+                <a:effectLst/>
+                <a:latin typeface="inherit"/>
+              </a:rPr>
+              <a:t> </a:t>
+            </a:r>
+            <a:r>
+              <a:rPr kumimoji="0" lang="en-US" altLang="en-US" sz="1300" b="0" i="0" u="none" strike="noStrike" cap="none" normalizeH="0" baseline="0" dirty="0" err="1">
+                <a:ln>
+                  <a:noFill/>
+                </a:ln>
+                <a:solidFill>
+                  <a:srgbClr val="303336"/>
+                </a:solidFill>
+                <a:effectLst/>
+                <a:latin typeface="inherit"/>
+              </a:rPr>
+              <a:t>c.PersonID</a:t>
+            </a:r>
+            <a:r>
+              <a:rPr kumimoji="0" lang="en-US" altLang="en-US" sz="1300" b="0" i="0" u="none" strike="noStrike" cap="none" normalizeH="0" baseline="0" dirty="0">
+                <a:ln>
+                  <a:noFill/>
+                </a:ln>
+                <a:solidFill>
+                  <a:srgbClr val="303336"/>
+                </a:solidFill>
+                <a:effectLst/>
+                <a:latin typeface="inherit"/>
+              </a:rPr>
+              <a:t> = </a:t>
+            </a:r>
+            <a:r>
+              <a:rPr kumimoji="0" lang="en-US" altLang="en-US" sz="1300" b="0" i="0" u="none" strike="noStrike" cap="none" normalizeH="0" baseline="0" dirty="0" err="1">
+                <a:ln>
+                  <a:noFill/>
+                </a:ln>
+                <a:solidFill>
+                  <a:srgbClr val="303336"/>
+                </a:solidFill>
+                <a:effectLst/>
+                <a:latin typeface="inherit"/>
+              </a:rPr>
+              <a:t>pers.BusinessEntityID</a:t>
+            </a:r>
+            <a:r>
+              <a:rPr kumimoji="0" lang="en-US" altLang="en-US" sz="1300" b="0" i="0" u="none" strike="noStrike" cap="none" normalizeH="0" baseline="0" dirty="0">
+                <a:ln>
+                  <a:noFill/>
+                </a:ln>
+                <a:solidFill>
+                  <a:srgbClr val="303336"/>
+                </a:solidFill>
+                <a:effectLst/>
+                <a:latin typeface="inherit"/>
+              </a:rPr>
+              <a:t> </a:t>
+            </a:r>
+          </a:p>
+          <a:p>
+            <a:pPr marL="0" marR="0" lvl="0" indent="0" algn="l" defTabSz="914400" rtl="0" eaLnBrk="0" fontAlgn="base" latinLnBrk="0" hangingPunct="0">
+              <a:lnSpc>
+                <a:spcPct val="100000"/>
+              </a:lnSpc>
+              <a:spcBef>
+                <a:spcPct val="0"/>
+              </a:spcBef>
+              <a:spcAft>
+                <a:spcPct val="0"/>
+              </a:spcAft>
+              <a:buClrTx/>
+              <a:buSzTx/>
+              <a:buFontTx/>
+              <a:buNone/>
+              <a:tabLst/>
+            </a:pPr>
+            <a:r>
+              <a:rPr kumimoji="0" lang="en-US" altLang="en-US" sz="1300" b="0" i="0" u="none" strike="noStrike" cap="none" normalizeH="0" baseline="0" dirty="0">
+                <a:ln>
+                  <a:noFill/>
+                </a:ln>
+                <a:solidFill>
+                  <a:srgbClr val="858C93"/>
+                </a:solidFill>
+                <a:effectLst/>
+                <a:latin typeface="inherit"/>
+              </a:rPr>
+              <a:t>-- filter on bikes</a:t>
+            </a:r>
+            <a:r>
+              <a:rPr kumimoji="0" lang="en-US" altLang="en-US" sz="1300" b="0" i="0" u="none" strike="noStrike" cap="none" normalizeH="0" baseline="0" dirty="0">
+                <a:ln>
+                  <a:noFill/>
+                </a:ln>
+                <a:solidFill>
+                  <a:srgbClr val="303336"/>
+                </a:solidFill>
+                <a:effectLst/>
+                <a:latin typeface="inherit"/>
+              </a:rPr>
+              <a:t> </a:t>
+            </a:r>
+          </a:p>
+          <a:p>
+            <a:pPr marL="0" marR="0" lvl="0" indent="0" algn="l" defTabSz="914400" rtl="0" eaLnBrk="0" fontAlgn="base" latinLnBrk="0" hangingPunct="0">
+              <a:lnSpc>
+                <a:spcPct val="100000"/>
+              </a:lnSpc>
+              <a:spcBef>
+                <a:spcPct val="0"/>
+              </a:spcBef>
+              <a:spcAft>
+                <a:spcPct val="0"/>
+              </a:spcAft>
+              <a:buClrTx/>
+              <a:buSzTx/>
+              <a:buFontTx/>
+              <a:buNone/>
+              <a:tabLst/>
+            </a:pPr>
+            <a:r>
+              <a:rPr kumimoji="0" lang="en-US" altLang="en-US" sz="1300" b="0" i="0" u="none" strike="noStrike" cap="none" normalizeH="0" baseline="0" dirty="0">
+                <a:ln>
+                  <a:noFill/>
+                </a:ln>
+                <a:solidFill>
+                  <a:srgbClr val="101094"/>
+                </a:solidFill>
+                <a:effectLst/>
+                <a:latin typeface="inherit"/>
+              </a:rPr>
+              <a:t>WHERE</a:t>
+            </a:r>
+            <a:r>
+              <a:rPr kumimoji="0" lang="en-US" altLang="en-US" sz="1300" b="0" i="0" u="none" strike="noStrike" cap="none" normalizeH="0" baseline="0" dirty="0">
+                <a:ln>
+                  <a:noFill/>
+                </a:ln>
+                <a:solidFill>
+                  <a:srgbClr val="303336"/>
+                </a:solidFill>
+                <a:effectLst/>
+                <a:latin typeface="inherit"/>
+              </a:rPr>
+              <a:t> </a:t>
+            </a:r>
+            <a:r>
+              <a:rPr kumimoji="0" lang="en-US" altLang="en-US" sz="1300" b="0" i="0" u="none" strike="noStrike" cap="none" normalizeH="0" baseline="0" dirty="0" err="1">
+                <a:ln>
+                  <a:noFill/>
+                </a:ln>
+                <a:solidFill>
+                  <a:srgbClr val="303336"/>
+                </a:solidFill>
+                <a:effectLst/>
+                <a:latin typeface="inherit"/>
+              </a:rPr>
+              <a:t>pc.Name</a:t>
+            </a:r>
+            <a:r>
+              <a:rPr kumimoji="0" lang="en-US" altLang="en-US" sz="1300" b="0" i="0" u="none" strike="noStrike" cap="none" normalizeH="0" baseline="0" dirty="0">
+                <a:ln>
+                  <a:noFill/>
+                </a:ln>
+                <a:solidFill>
+                  <a:srgbClr val="303336"/>
+                </a:solidFill>
+                <a:effectLst/>
+                <a:latin typeface="inherit"/>
+              </a:rPr>
+              <a:t> = </a:t>
+            </a:r>
+            <a:r>
+              <a:rPr kumimoji="0" lang="en-US" altLang="en-US" sz="1300" b="0" i="0" u="none" strike="noStrike" cap="none" normalizeH="0" baseline="0" dirty="0">
+                <a:ln>
+                  <a:noFill/>
+                </a:ln>
+                <a:solidFill>
+                  <a:srgbClr val="7D2727"/>
+                </a:solidFill>
+                <a:effectLst/>
+                <a:latin typeface="inherit"/>
+              </a:rPr>
+              <a:t>'bikes'</a:t>
+            </a:r>
+            <a:r>
+              <a:rPr kumimoji="0" lang="en-US" altLang="en-US" sz="1300" b="0" i="0" u="none" strike="noStrike" cap="none" normalizeH="0" baseline="0" dirty="0">
+                <a:ln>
+                  <a:noFill/>
+                </a:ln>
+                <a:solidFill>
+                  <a:srgbClr val="303336"/>
+                </a:solidFill>
+                <a:effectLst/>
+                <a:latin typeface="inherit"/>
+              </a:rPr>
+              <a:t> </a:t>
+            </a:r>
+          </a:p>
+          <a:p>
+            <a:pPr marL="0" marR="0" lvl="0" indent="0" algn="l" defTabSz="914400" rtl="0" eaLnBrk="0" fontAlgn="base" latinLnBrk="0" hangingPunct="0">
+              <a:lnSpc>
+                <a:spcPct val="100000"/>
+              </a:lnSpc>
+              <a:spcBef>
+                <a:spcPct val="0"/>
+              </a:spcBef>
+              <a:spcAft>
+                <a:spcPct val="0"/>
+              </a:spcAft>
+              <a:buClrTx/>
+              <a:buSzTx/>
+              <a:buFontTx/>
+              <a:buNone/>
+              <a:tabLst/>
+            </a:pPr>
+            <a:r>
+              <a:rPr kumimoji="0" lang="en-US" altLang="en-US" sz="1300" b="0" i="0" u="none" strike="noStrike" cap="none" normalizeH="0" baseline="0" dirty="0">
+                <a:ln>
+                  <a:noFill/>
+                </a:ln>
+                <a:solidFill>
+                  <a:srgbClr val="858C93"/>
+                </a:solidFill>
+                <a:effectLst/>
+                <a:latin typeface="inherit"/>
+              </a:rPr>
+              <a:t>-- but the customers table doesn't contain the concatenated name</a:t>
+            </a:r>
+            <a:r>
+              <a:rPr kumimoji="0" lang="en-US" altLang="en-US" sz="1300" b="0" i="0" u="none" strike="noStrike" cap="none" normalizeH="0" baseline="0" dirty="0">
+                <a:ln>
+                  <a:noFill/>
+                </a:ln>
+                <a:solidFill>
+                  <a:srgbClr val="303336"/>
+                </a:solidFill>
+                <a:effectLst/>
+                <a:latin typeface="inherit"/>
+              </a:rPr>
+              <a:t> </a:t>
+            </a:r>
+          </a:p>
+          <a:p>
+            <a:pPr marL="0" marR="0" lvl="0" indent="0" algn="l" defTabSz="914400" rtl="0" eaLnBrk="0" fontAlgn="base" latinLnBrk="0" hangingPunct="0">
+              <a:lnSpc>
+                <a:spcPct val="100000"/>
+              </a:lnSpc>
+              <a:spcBef>
+                <a:spcPct val="0"/>
+              </a:spcBef>
+              <a:spcAft>
+                <a:spcPct val="0"/>
+              </a:spcAft>
+              <a:buClrTx/>
+              <a:buSzTx/>
+              <a:buFontTx/>
+              <a:buNone/>
+              <a:tabLst/>
+            </a:pPr>
+            <a:r>
+              <a:rPr kumimoji="0" lang="en-US" altLang="en-US" sz="1300" b="0" i="0" u="none" strike="noStrike" cap="none" normalizeH="0" baseline="0" dirty="0">
+                <a:ln>
+                  <a:noFill/>
+                </a:ln>
+                <a:solidFill>
+                  <a:srgbClr val="101094"/>
+                </a:solidFill>
+                <a:effectLst/>
+                <a:latin typeface="inherit"/>
+              </a:rPr>
+              <a:t>GROUP</a:t>
+            </a:r>
+            <a:r>
+              <a:rPr kumimoji="0" lang="en-US" altLang="en-US" sz="1300" b="0" i="0" u="none" strike="noStrike" cap="none" normalizeH="0" baseline="0" dirty="0">
+                <a:ln>
+                  <a:noFill/>
+                </a:ln>
+                <a:solidFill>
+                  <a:srgbClr val="303336"/>
+                </a:solidFill>
+                <a:effectLst/>
+                <a:latin typeface="inherit"/>
+              </a:rPr>
+              <a:t> </a:t>
+            </a:r>
+            <a:r>
+              <a:rPr kumimoji="0" lang="en-US" altLang="en-US" sz="1300" b="0" i="0" u="none" strike="noStrike" cap="none" normalizeH="0" baseline="0" dirty="0">
+                <a:ln>
+                  <a:noFill/>
+                </a:ln>
+                <a:solidFill>
+                  <a:srgbClr val="101094"/>
+                </a:solidFill>
+                <a:effectLst/>
+                <a:latin typeface="inherit"/>
+              </a:rPr>
+              <a:t>BY</a:t>
+            </a:r>
+            <a:r>
+              <a:rPr kumimoji="0" lang="en-US" altLang="en-US" sz="1300" b="0" i="0" u="none" strike="noStrike" cap="none" normalizeH="0" baseline="0" dirty="0">
+                <a:ln>
+                  <a:noFill/>
+                </a:ln>
+                <a:solidFill>
+                  <a:srgbClr val="303336"/>
+                </a:solidFill>
+                <a:effectLst/>
+                <a:latin typeface="inherit"/>
+              </a:rPr>
+              <a:t> </a:t>
+            </a:r>
+            <a:r>
+              <a:rPr kumimoji="0" lang="en-US" altLang="en-US" sz="1300" b="0" i="0" u="none" strike="noStrike" cap="none" normalizeH="0" baseline="0" dirty="0" err="1">
+                <a:ln>
+                  <a:noFill/>
+                </a:ln>
+                <a:solidFill>
+                  <a:srgbClr val="303336"/>
+                </a:solidFill>
+                <a:effectLst/>
+                <a:latin typeface="inherit"/>
+              </a:rPr>
+              <a:t>pers.FirstName</a:t>
+            </a:r>
+            <a:r>
+              <a:rPr kumimoji="0" lang="en-US" altLang="en-US" sz="1300" b="0" i="0" u="none" strike="noStrike" cap="none" normalizeH="0" baseline="0" dirty="0">
+                <a:ln>
+                  <a:noFill/>
+                </a:ln>
+                <a:solidFill>
+                  <a:srgbClr val="303336"/>
+                </a:solidFill>
+                <a:effectLst/>
+                <a:latin typeface="inherit"/>
+              </a:rPr>
+              <a:t> + </a:t>
+            </a:r>
+            <a:r>
+              <a:rPr kumimoji="0" lang="en-US" altLang="en-US" sz="1300" b="0" i="0" u="none" strike="noStrike" cap="none" normalizeH="0" baseline="0" dirty="0">
+                <a:ln>
+                  <a:noFill/>
+                </a:ln>
+                <a:solidFill>
+                  <a:srgbClr val="7D2727"/>
+                </a:solidFill>
+                <a:effectLst/>
+                <a:latin typeface="inherit"/>
+              </a:rPr>
+              <a:t>' '</a:t>
+            </a:r>
+            <a:r>
+              <a:rPr kumimoji="0" lang="en-US" altLang="en-US" sz="1300" b="0" i="0" u="none" strike="noStrike" cap="none" normalizeH="0" baseline="0" dirty="0">
+                <a:ln>
+                  <a:noFill/>
+                </a:ln>
+                <a:solidFill>
+                  <a:srgbClr val="303336"/>
+                </a:solidFill>
+                <a:effectLst/>
+                <a:latin typeface="inherit"/>
+              </a:rPr>
+              <a:t> + </a:t>
+            </a:r>
+            <a:r>
+              <a:rPr kumimoji="0" lang="en-US" altLang="en-US" sz="1300" b="0" i="0" u="none" strike="noStrike" cap="none" normalizeH="0" baseline="0" dirty="0" err="1">
+                <a:ln>
+                  <a:noFill/>
+                </a:ln>
+                <a:solidFill>
+                  <a:srgbClr val="303336"/>
+                </a:solidFill>
+                <a:effectLst/>
+                <a:latin typeface="inherit"/>
+              </a:rPr>
+              <a:t>pers.LastName</a:t>
+            </a:r>
+            <a:r>
+              <a:rPr kumimoji="0" lang="en-US" altLang="en-US" sz="1300" b="0" i="0" u="none" strike="noStrike" cap="none" normalizeH="0" baseline="0" dirty="0">
+                <a:ln>
+                  <a:noFill/>
+                </a:ln>
+                <a:solidFill>
+                  <a:srgbClr val="303336"/>
+                </a:solidFill>
+                <a:effectLst/>
+                <a:latin typeface="inherit"/>
+              </a:rPr>
+              <a:t>;</a:t>
+            </a:r>
+            <a:r>
+              <a:rPr kumimoji="0" lang="en-US" altLang="en-US" sz="1300" b="0" i="0" u="none" strike="noStrike" cap="none" normalizeH="0" baseline="0" dirty="0">
+                <a:ln>
+                  <a:noFill/>
+                </a:ln>
+                <a:solidFill>
+                  <a:schemeClr val="tx1"/>
+                </a:solidFill>
+                <a:effectLst/>
+              </a:rPr>
+              <a:t> </a:t>
+            </a:r>
+            <a:endParaRPr kumimoji="0" lang="en-US" altLang="en-US" sz="1300" b="0" i="0" u="none" strike="noStrike" cap="none" normalizeH="0" baseline="0" dirty="0">
+              <a:ln>
+                <a:noFill/>
+              </a:ln>
+              <a:solidFill>
+                <a:schemeClr val="tx1"/>
+              </a:solidFill>
+              <a:effectLst/>
+              <a:latin typeface="Arial" panose="020B0604020202020204" pitchFamily="34" charset="0"/>
+            </a:endParaRPr>
+          </a:p>
+        </p:txBody>
+      </p:sp>
+      <p:sp>
+        <p:nvSpPr>
+          <p:cNvPr id="8" name="Rectangle 3"/>
+          <p:cNvSpPr>
+            <a:spLocks noChangeArrowheads="1"/>
+          </p:cNvSpPr>
+          <p:nvPr/>
+        </p:nvSpPr>
+        <p:spPr bwMode="auto">
+          <a:xfrm>
+            <a:off x="609600" y="5334000"/>
+            <a:ext cx="6712009" cy="800219"/>
+          </a:xfrm>
+          <a:prstGeom prst="rect">
+            <a:avLst/>
+          </a:prstGeom>
+          <a:solidFill>
+            <a:srgbClr val="EFF0F1"/>
+          </a:solidFill>
+          <a:ln>
+            <a:noFill/>
+          </a:ln>
+          <a:effectLst/>
+          <a:extLst>
+            <a:ext uri="{91240B29-F687-4F45-9708-019B960494DF}">
+              <a14:hiddenLine xmlns:a14="http://schemas.microsoft.com/office/drawing/2010/main" w="9525">
+                <a:solidFill>
+                  <a:schemeClr val="tx1"/>
+                </a:solidFill>
+                <a:miter lim="800000"/>
+                <a:headEnd/>
+                <a:tailEnd/>
+              </a14:hiddenLine>
+            </a:ext>
+            <a:ext uri="{AF507438-7753-43E0-B8FC-AC1667EBCBE1}">
+              <a14:hiddenEffects xmlns:a14="http://schemas.microsoft.com/office/drawing/2010/main">
+                <a:effectLst>
+                  <a:outerShdw dist="35921" dir="2700000" algn="ctr" rotWithShape="0">
+                    <a:schemeClr val="bg2"/>
+                  </a:outerShdw>
+                </a:effectLst>
+              </a14:hiddenEffects>
+            </a:ext>
+          </a:extLst>
+        </p:spPr>
+        <p:txBody>
+          <a:bodyPr vert="horz" wrap="square" lIns="0" tIns="0" rIns="0" bIns="0" numCol="1" anchor="ctr" anchorCtr="0" compatLnSpc="1">
+            <a:prstTxWarp prst="textNoShape">
+              <a:avLst/>
+            </a:prstTxWarp>
+            <a:spAutoFit/>
+          </a:bodyPr>
+          <a:lstStyle/>
+          <a:p>
+            <a:pPr marL="0" marR="0" lvl="0" indent="0" algn="l" defTabSz="914400" rtl="0" eaLnBrk="0" fontAlgn="base" latinLnBrk="0" hangingPunct="0">
+              <a:lnSpc>
+                <a:spcPct val="100000"/>
+              </a:lnSpc>
+              <a:spcBef>
+                <a:spcPct val="0"/>
+              </a:spcBef>
+              <a:spcAft>
+                <a:spcPct val="0"/>
+              </a:spcAft>
+              <a:buClrTx/>
+              <a:buSzTx/>
+              <a:buFontTx/>
+              <a:buNone/>
+              <a:tabLst/>
+            </a:pPr>
+            <a:r>
+              <a:rPr kumimoji="0" lang="en-US" altLang="en-US" sz="1300" b="0" i="0" u="none" strike="noStrike" cap="none" normalizeH="0" baseline="0" dirty="0">
+                <a:ln>
+                  <a:noFill/>
+                </a:ln>
+                <a:solidFill>
+                  <a:srgbClr val="101094"/>
+                </a:solidFill>
+                <a:effectLst/>
+                <a:latin typeface="inherit"/>
+              </a:rPr>
+              <a:t>SELECT</a:t>
+            </a:r>
+            <a:r>
+              <a:rPr kumimoji="0" lang="en-US" altLang="en-US" sz="1300" b="0" i="0" u="none" strike="noStrike" cap="none" normalizeH="0" baseline="0" dirty="0">
+                <a:ln>
+                  <a:noFill/>
+                </a:ln>
+                <a:solidFill>
+                  <a:srgbClr val="303336"/>
+                </a:solidFill>
+                <a:effectLst/>
+                <a:latin typeface="inherit"/>
+              </a:rPr>
+              <a:t> [Measures].[Internet </a:t>
+            </a:r>
+            <a:r>
+              <a:rPr kumimoji="0" lang="en-US" altLang="en-US" sz="1300" b="0" i="0" u="none" strike="noStrike" cap="none" normalizeH="0" baseline="0" dirty="0">
+                <a:ln>
+                  <a:noFill/>
+                </a:ln>
+                <a:solidFill>
+                  <a:srgbClr val="101094"/>
+                </a:solidFill>
+                <a:effectLst/>
+                <a:latin typeface="inherit"/>
+              </a:rPr>
+              <a:t>Order</a:t>
+            </a:r>
+            <a:r>
+              <a:rPr kumimoji="0" lang="en-US" altLang="en-US" sz="1300" b="0" i="0" u="none" strike="noStrike" cap="none" normalizeH="0" baseline="0" dirty="0">
+                <a:ln>
+                  <a:noFill/>
+                </a:ln>
+                <a:solidFill>
+                  <a:srgbClr val="303336"/>
+                </a:solidFill>
+                <a:effectLst/>
+                <a:latin typeface="inherit"/>
+              </a:rPr>
+              <a:t> Count] </a:t>
+            </a:r>
+            <a:r>
+              <a:rPr kumimoji="0" lang="en-US" altLang="en-US" sz="1300" b="0" i="0" u="none" strike="noStrike" cap="none" normalizeH="0" baseline="0" dirty="0">
+                <a:ln>
+                  <a:noFill/>
+                </a:ln>
+                <a:solidFill>
+                  <a:srgbClr val="101094"/>
+                </a:solidFill>
+                <a:effectLst/>
+                <a:latin typeface="inherit"/>
+              </a:rPr>
+              <a:t>ON</a:t>
+            </a:r>
+            <a:r>
+              <a:rPr kumimoji="0" lang="en-US" altLang="en-US" sz="1300" b="0" i="0" u="none" strike="noStrike" cap="none" normalizeH="0" baseline="0" dirty="0">
+                <a:ln>
+                  <a:noFill/>
+                </a:ln>
+                <a:solidFill>
+                  <a:srgbClr val="303336"/>
+                </a:solidFill>
+                <a:effectLst/>
+                <a:latin typeface="inherit"/>
+              </a:rPr>
+              <a:t> COLUMNS, </a:t>
+            </a:r>
+          </a:p>
+          <a:p>
+            <a:pPr marL="0" marR="0" lvl="0" indent="0" algn="l" defTabSz="914400" rtl="0" eaLnBrk="0" fontAlgn="base" latinLnBrk="0" hangingPunct="0">
+              <a:lnSpc>
+                <a:spcPct val="100000"/>
+              </a:lnSpc>
+              <a:spcBef>
+                <a:spcPct val="0"/>
+              </a:spcBef>
+              <a:spcAft>
+                <a:spcPct val="0"/>
+              </a:spcAft>
+              <a:buClrTx/>
+              <a:buSzTx/>
+              <a:buFontTx/>
+              <a:buNone/>
+              <a:tabLst/>
+            </a:pPr>
+            <a:r>
+              <a:rPr kumimoji="0" lang="en-US" altLang="en-US" sz="1300" b="0" i="0" u="none" strike="noStrike" cap="none" normalizeH="0" baseline="0" dirty="0">
+                <a:ln>
+                  <a:noFill/>
+                </a:ln>
+                <a:solidFill>
+                  <a:srgbClr val="303336"/>
+                </a:solidFill>
+                <a:effectLst/>
+                <a:latin typeface="inherit"/>
+              </a:rPr>
+              <a:t>[Customer].[Customer].Members </a:t>
+            </a:r>
+            <a:r>
+              <a:rPr kumimoji="0" lang="en-US" altLang="en-US" sz="1300" b="0" i="0" u="none" strike="noStrike" cap="none" normalizeH="0" baseline="0" dirty="0">
+                <a:ln>
+                  <a:noFill/>
+                </a:ln>
+                <a:solidFill>
+                  <a:srgbClr val="101094"/>
+                </a:solidFill>
+                <a:effectLst/>
+                <a:latin typeface="inherit"/>
+              </a:rPr>
+              <a:t>ON</a:t>
+            </a:r>
+            <a:r>
+              <a:rPr kumimoji="0" lang="en-US" altLang="en-US" sz="1300" b="0" i="0" u="none" strike="noStrike" cap="none" normalizeH="0" baseline="0" dirty="0">
+                <a:ln>
+                  <a:noFill/>
+                </a:ln>
+                <a:solidFill>
+                  <a:srgbClr val="303336"/>
+                </a:solidFill>
+                <a:effectLst/>
+                <a:latin typeface="inherit"/>
+              </a:rPr>
+              <a:t> </a:t>
+            </a:r>
+            <a:r>
+              <a:rPr kumimoji="0" lang="en-US" altLang="en-US" sz="1300" b="0" i="0" u="none" strike="noStrike" cap="none" normalizeH="0" baseline="0" dirty="0">
+                <a:ln>
+                  <a:noFill/>
+                </a:ln>
+                <a:solidFill>
+                  <a:srgbClr val="101094"/>
+                </a:solidFill>
+                <a:effectLst/>
+                <a:latin typeface="inherit"/>
+              </a:rPr>
+              <a:t>ROWS</a:t>
+            </a:r>
+            <a:r>
+              <a:rPr kumimoji="0" lang="en-US" altLang="en-US" sz="1300" b="0" i="0" u="none" strike="noStrike" cap="none" normalizeH="0" baseline="0" dirty="0">
+                <a:ln>
+                  <a:noFill/>
+                </a:ln>
+                <a:solidFill>
+                  <a:srgbClr val="303336"/>
+                </a:solidFill>
+                <a:effectLst/>
+                <a:latin typeface="inherit"/>
+              </a:rPr>
+              <a:t> </a:t>
+            </a:r>
+          </a:p>
+          <a:p>
+            <a:pPr marL="0" marR="0" lvl="0" indent="0" algn="l" defTabSz="914400" rtl="0" eaLnBrk="0" fontAlgn="base" latinLnBrk="0" hangingPunct="0">
+              <a:lnSpc>
+                <a:spcPct val="100000"/>
+              </a:lnSpc>
+              <a:spcBef>
+                <a:spcPct val="0"/>
+              </a:spcBef>
+              <a:spcAft>
+                <a:spcPct val="0"/>
+              </a:spcAft>
+              <a:buClrTx/>
+              <a:buSzTx/>
+              <a:buFontTx/>
+              <a:buNone/>
+              <a:tabLst/>
+            </a:pPr>
+            <a:r>
+              <a:rPr kumimoji="0" lang="en-US" altLang="en-US" sz="1300" b="0" i="0" u="none" strike="noStrike" cap="none" normalizeH="0" baseline="0" dirty="0">
+                <a:ln>
+                  <a:noFill/>
+                </a:ln>
+                <a:solidFill>
+                  <a:srgbClr val="101094"/>
+                </a:solidFill>
+                <a:effectLst/>
+                <a:latin typeface="inherit"/>
+              </a:rPr>
+              <a:t>FROM</a:t>
+            </a:r>
+            <a:r>
+              <a:rPr kumimoji="0" lang="en-US" altLang="en-US" sz="1300" b="0" i="0" u="none" strike="noStrike" cap="none" normalizeH="0" baseline="0" dirty="0">
+                <a:ln>
+                  <a:noFill/>
+                </a:ln>
+                <a:solidFill>
+                  <a:srgbClr val="303336"/>
+                </a:solidFill>
+                <a:effectLst/>
+                <a:latin typeface="inherit"/>
+              </a:rPr>
+              <a:t> [Adventure Works] </a:t>
+            </a:r>
+          </a:p>
+          <a:p>
+            <a:pPr marL="0" marR="0" lvl="0" indent="0" algn="l" defTabSz="914400" rtl="0" eaLnBrk="0" fontAlgn="base" latinLnBrk="0" hangingPunct="0">
+              <a:lnSpc>
+                <a:spcPct val="100000"/>
+              </a:lnSpc>
+              <a:spcBef>
+                <a:spcPct val="0"/>
+              </a:spcBef>
+              <a:spcAft>
+                <a:spcPct val="0"/>
+              </a:spcAft>
+              <a:buClrTx/>
+              <a:buSzTx/>
+              <a:buFontTx/>
+              <a:buNone/>
+              <a:tabLst/>
+            </a:pPr>
+            <a:r>
+              <a:rPr kumimoji="0" lang="en-US" altLang="en-US" sz="1300" b="0" i="0" u="none" strike="noStrike" cap="none" normalizeH="0" baseline="0" dirty="0">
+                <a:ln>
+                  <a:noFill/>
+                </a:ln>
+                <a:solidFill>
+                  <a:srgbClr val="101094"/>
+                </a:solidFill>
+                <a:effectLst/>
+                <a:latin typeface="inherit"/>
+              </a:rPr>
+              <a:t>WHERE</a:t>
+            </a:r>
+            <a:r>
+              <a:rPr kumimoji="0" lang="en-US" altLang="en-US" sz="1300" b="0" i="0" u="none" strike="noStrike" cap="none" normalizeH="0" baseline="0" dirty="0">
+                <a:ln>
+                  <a:noFill/>
+                </a:ln>
+                <a:solidFill>
+                  <a:srgbClr val="303336"/>
+                </a:solidFill>
+                <a:effectLst/>
+                <a:latin typeface="inherit"/>
+              </a:rPr>
+              <a:t> [Product].[Product Categories].[Category].[Bikes]</a:t>
+            </a:r>
+            <a:r>
+              <a:rPr kumimoji="0" lang="en-US" altLang="en-US" sz="1300" b="0" i="0" u="none" strike="noStrike" cap="none" normalizeH="0" baseline="0" dirty="0">
+                <a:ln>
+                  <a:noFill/>
+                </a:ln>
+                <a:solidFill>
+                  <a:schemeClr val="tx1"/>
+                </a:solidFill>
+                <a:effectLst/>
+              </a:rPr>
+              <a:t> </a:t>
+            </a:r>
+            <a:endParaRPr kumimoji="0" lang="en-US" altLang="en-US" sz="1300" b="0" i="0" u="none" strike="noStrike" cap="none" normalizeH="0" baseline="0" dirty="0">
+              <a:ln>
+                <a:noFill/>
+              </a:ln>
+              <a:solidFill>
+                <a:schemeClr val="tx1"/>
+              </a:solidFill>
+              <a:effectLst/>
+              <a:latin typeface="Arial" panose="020B0604020202020204" pitchFamily="34" charset="0"/>
+            </a:endParaRPr>
+          </a:p>
+        </p:txBody>
+      </p:sp>
+      <p:sp>
+        <p:nvSpPr>
+          <p:cNvPr id="9" name="Title 1"/>
+          <p:cNvSpPr txBox="1">
+            <a:spLocks/>
+          </p:cNvSpPr>
+          <p:nvPr/>
+        </p:nvSpPr>
+        <p:spPr>
+          <a:xfrm>
+            <a:off x="228600" y="4572000"/>
+            <a:ext cx="8229600" cy="563562"/>
+          </a:xfrm>
+          <a:prstGeom prst="rect">
+            <a:avLst/>
+          </a:prstGeom>
+        </p:spPr>
+        <p:txBody>
+          <a:bodyPr vert="horz" lIns="91440" tIns="45720" rIns="91440" bIns="45720" rtlCol="0" anchor="ctr">
+            <a:normAutofit/>
+          </a:bodyPr>
+          <a:lstStyle>
+            <a:lvl1pPr algn="ctr" defTabSz="914400" rtl="0" eaLnBrk="1" latinLnBrk="0" hangingPunct="1">
+              <a:spcBef>
+                <a:spcPct val="0"/>
+              </a:spcBef>
+              <a:buNone/>
+              <a:defRPr sz="4400" kern="1200">
+                <a:solidFill>
+                  <a:schemeClr val="tx1"/>
+                </a:solidFill>
+                <a:latin typeface="+mj-lt"/>
+                <a:ea typeface="+mj-ea"/>
+                <a:cs typeface="+mj-cs"/>
+              </a:defRPr>
+            </a:lvl1pPr>
+          </a:lstStyle>
+          <a:p>
+            <a:r>
+              <a:rPr lang="en-US" sz="2400" dirty="0"/>
+              <a:t>If the data was in a BI Cube DB</a:t>
+            </a:r>
+          </a:p>
+        </p:txBody>
+      </p:sp>
+    </p:spTree>
+    <p:extLst>
+      <p:ext uri="{BB962C8B-B14F-4D97-AF65-F5344CB8AC3E}">
+        <p14:creationId xmlns:p14="http://schemas.microsoft.com/office/powerpoint/2010/main" val="726368655"/>
+      </p:ext>
+    </p:extLst>
+  </p:cSld>
+  <p:clrMapOvr>
+    <a:masterClrMapping/>
+  </p:clrMapOvr>
+</p:sld>
+</file>
+
+<file path=ppt/slides/slide21.xml><?xml version="1.0" encoding="utf-8"?>
 <p:sld xmlns:a="http://schemas.openxmlformats.org/drawingml/2006/main" xmlns:r="http://schemas.openxmlformats.org/officeDocument/2006/relationships" xmlns:p="http://schemas.openxmlformats.org/presentationml/2006/main">
   <p:cSld>
     <p:spTree>
@@ -9073,7 +9316,7 @@
 </p:sld>
 </file>
 
-<file path=ppt/slides/slide21.xml><?xml version="1.0" encoding="utf-8"?>
+<file path=ppt/slides/slide22.xml><?xml version="1.0" encoding="utf-8"?>
 <p:sld xmlns:a="http://schemas.openxmlformats.org/drawingml/2006/main" xmlns:r="http://schemas.openxmlformats.org/officeDocument/2006/relationships" xmlns:p="http://schemas.openxmlformats.org/presentationml/2006/main">
   <p:cSld>
     <p:spTree>
@@ -9499,7 +9742,7 @@
 </p:sld>
 </file>
 
-<file path=ppt/slides/slide22.xml><?xml version="1.0" encoding="utf-8"?>
+<file path=ppt/slides/slide23.xml><?xml version="1.0" encoding="utf-8"?>
 <p:sld xmlns:a="http://schemas.openxmlformats.org/drawingml/2006/main" xmlns:r="http://schemas.openxmlformats.org/officeDocument/2006/relationships" xmlns:p="http://schemas.openxmlformats.org/presentationml/2006/main">
   <p:cSld>
     <p:spTree>
@@ -9931,7 +10174,7 @@
 </p:sld>
 </file>
 
-<file path=ppt/slides/slide23.xml><?xml version="1.0" encoding="utf-8"?>
+<file path=ppt/slides/slide24.xml><?xml version="1.0" encoding="utf-8"?>
 <p:sld xmlns:a="http://schemas.openxmlformats.org/drawingml/2006/main" xmlns:r="http://schemas.openxmlformats.org/officeDocument/2006/relationships" xmlns:p="http://schemas.openxmlformats.org/presentationml/2006/main">
   <p:cSld>
     <p:spTree>
@@ -10939,7 +11182,7 @@
 </p:sld>
 </file>
 
-<file path=ppt/slides/slide24.xml><?xml version="1.0" encoding="utf-8"?>
+<file path=ppt/slides/slide25.xml><?xml version="1.0" encoding="utf-8"?>
 <p:sld xmlns:a="http://schemas.openxmlformats.org/drawingml/2006/main" xmlns:r="http://schemas.openxmlformats.org/officeDocument/2006/relationships" xmlns:p="http://schemas.openxmlformats.org/presentationml/2006/main">
   <p:cSld>
     <p:spTree>
@@ -11176,7 +11419,7 @@
 </p:sld>
 </file>
 
-<file path=ppt/slides/slide25.xml><?xml version="1.0" encoding="utf-8"?>
+<file path=ppt/slides/slide26.xml><?xml version="1.0" encoding="utf-8"?>
 <p:sld xmlns:a="http://schemas.openxmlformats.org/drawingml/2006/main" xmlns:r="http://schemas.openxmlformats.org/officeDocument/2006/relationships" xmlns:p="http://schemas.openxmlformats.org/presentationml/2006/main">
   <p:cSld>
     <p:spTree>
